--- a/Pictures/Figures/Figure 5.pptx
+++ b/Pictures/Figures/Figure 5.pptx
@@ -2,12 +2,12 @@
 <file path=ppt/presentation.xml><?xml version="1.0" encoding="utf-8"?>
 <p:presentation xmlns:a="http://schemas.openxmlformats.org/drawingml/2006/main" xmlns:r="http://schemas.openxmlformats.org/officeDocument/2006/relationships" xmlns:p="http://schemas.openxmlformats.org/presentationml/2006/main" saveSubsetFonts="1">
   <p:sldMasterIdLst>
-    <p:sldMasterId id="2147483696" r:id="rId1"/>
+    <p:sldMasterId id="2147483708" r:id="rId1"/>
   </p:sldMasterIdLst>
   <p:sldIdLst>
     <p:sldId id="256" r:id="rId2"/>
   </p:sldIdLst>
-  <p:sldSz cx="8686800" cy="4114800"/>
+  <p:sldSz cx="9144000" cy="4800600"/>
   <p:notesSz cx="6858000" cy="9144000"/>
   <p:defaultTextStyle>
     <a:defPPr>
@@ -141,15 +141,15 @@
         </p:nvSpPr>
         <p:spPr>
           <a:xfrm>
-            <a:off x="1085850" y="673418"/>
-            <a:ext cx="6515100" cy="1432560"/>
+            <a:off x="1143000" y="785654"/>
+            <a:ext cx="6858000" cy="1671320"/>
           </a:xfrm>
         </p:spPr>
         <p:txBody>
           <a:bodyPr anchor="b"/>
           <a:lstStyle>
             <a:lvl1pPr algn="ctr">
-              <a:defRPr sz="3600"/>
+              <a:defRPr sz="4200"/>
             </a:lvl1pPr>
           </a:lstStyle>
           <a:p>
@@ -173,8 +173,8 @@
         </p:nvSpPr>
         <p:spPr>
           <a:xfrm>
-            <a:off x="1085850" y="2161223"/>
-            <a:ext cx="6515100" cy="993457"/>
+            <a:off x="1143000" y="2521427"/>
+            <a:ext cx="6858000" cy="1159033"/>
           </a:xfrm>
         </p:spPr>
         <p:txBody>
@@ -182,39 +182,39 @@
           <a:lstStyle>
             <a:lvl1pPr marL="0" indent="0" algn="ctr">
               <a:buNone/>
-              <a:defRPr sz="1440"/>
+              <a:defRPr sz="1680"/>
             </a:lvl1pPr>
-            <a:lvl2pPr marL="274320" indent="0" algn="ctr">
-              <a:buNone/>
-              <a:defRPr sz="1200"/>
+            <a:lvl2pPr marL="320040" indent="0" algn="ctr">
+              <a:buNone/>
+              <a:defRPr sz="1400"/>
             </a:lvl2pPr>
-            <a:lvl3pPr marL="548640" indent="0" algn="ctr">
-              <a:buNone/>
-              <a:defRPr sz="1080"/>
+            <a:lvl3pPr marL="640080" indent="0" algn="ctr">
+              <a:buNone/>
+              <a:defRPr sz="1260"/>
             </a:lvl3pPr>
-            <a:lvl4pPr marL="822960" indent="0" algn="ctr">
-              <a:buNone/>
-              <a:defRPr sz="960"/>
+            <a:lvl4pPr marL="960120" indent="0" algn="ctr">
+              <a:buNone/>
+              <a:defRPr sz="1120"/>
             </a:lvl4pPr>
-            <a:lvl5pPr marL="1097280" indent="0" algn="ctr">
-              <a:buNone/>
-              <a:defRPr sz="960"/>
+            <a:lvl5pPr marL="1280160" indent="0" algn="ctr">
+              <a:buNone/>
+              <a:defRPr sz="1120"/>
             </a:lvl5pPr>
-            <a:lvl6pPr marL="1371600" indent="0" algn="ctr">
-              <a:buNone/>
-              <a:defRPr sz="960"/>
+            <a:lvl6pPr marL="1600200" indent="0" algn="ctr">
+              <a:buNone/>
+              <a:defRPr sz="1120"/>
             </a:lvl6pPr>
-            <a:lvl7pPr marL="1645920" indent="0" algn="ctr">
-              <a:buNone/>
-              <a:defRPr sz="960"/>
+            <a:lvl7pPr marL="1920240" indent="0" algn="ctr">
+              <a:buNone/>
+              <a:defRPr sz="1120"/>
             </a:lvl7pPr>
-            <a:lvl8pPr marL="1920240" indent="0" algn="ctr">
-              <a:buNone/>
-              <a:defRPr sz="960"/>
+            <a:lvl8pPr marL="2240280" indent="0" algn="ctr">
+              <a:buNone/>
+              <a:defRPr sz="1120"/>
             </a:lvl8pPr>
-            <a:lvl9pPr marL="2194560" indent="0" algn="ctr">
-              <a:buNone/>
-              <a:defRPr sz="960"/>
+            <a:lvl9pPr marL="2560320" indent="0" algn="ctr">
+              <a:buNone/>
+              <a:defRPr sz="1120"/>
             </a:lvl9pPr>
           </a:lstStyle>
           <a:p>
@@ -243,7 +243,7 @@
           <a:p>
             <a:fld id="{79A7C8EE-9AF8-432A-85B8-E2AF337ED788}" type="datetimeFigureOut">
               <a:rPr lang="en-US" smtClean="0"/>
-              <a:t>11/3/2022</a:t>
+              <a:t>11/7/2022</a:t>
             </a:fld>
             <a:endParaRPr lang="en-US"/>
           </a:p>
@@ -294,7 +294,7 @@
     </p:spTree>
     <p:extLst>
       <p:ext uri="{BB962C8B-B14F-4D97-AF65-F5344CB8AC3E}">
-        <p14:creationId xmlns:p14="http://schemas.microsoft.com/office/powerpoint/2010/main" val="300353792"/>
+        <p14:creationId xmlns:p14="http://schemas.microsoft.com/office/powerpoint/2010/main" val="840836439"/>
       </p:ext>
     </p:extLst>
   </p:cSld>
@@ -413,7 +413,7 @@
           <a:p>
             <a:fld id="{79A7C8EE-9AF8-432A-85B8-E2AF337ED788}" type="datetimeFigureOut">
               <a:rPr lang="en-US" smtClean="0"/>
-              <a:t>11/3/2022</a:t>
+              <a:t>11/7/2022</a:t>
             </a:fld>
             <a:endParaRPr lang="en-US"/>
           </a:p>
@@ -464,7 +464,7 @@
     </p:spTree>
     <p:extLst>
       <p:ext uri="{BB962C8B-B14F-4D97-AF65-F5344CB8AC3E}">
-        <p14:creationId xmlns:p14="http://schemas.microsoft.com/office/powerpoint/2010/main" val="2671366068"/>
+        <p14:creationId xmlns:p14="http://schemas.microsoft.com/office/powerpoint/2010/main" val="2498689272"/>
       </p:ext>
     </p:extLst>
   </p:cSld>
@@ -503,8 +503,8 @@
         </p:nvSpPr>
         <p:spPr>
           <a:xfrm>
-            <a:off x="6216491" y="219075"/>
-            <a:ext cx="1873091" cy="3487103"/>
+            <a:off x="6543675" y="255587"/>
+            <a:ext cx="1971675" cy="4068287"/>
           </a:xfrm>
         </p:spPr>
         <p:txBody>
@@ -531,8 +531,8 @@
         </p:nvSpPr>
         <p:spPr>
           <a:xfrm>
-            <a:off x="597217" y="219075"/>
-            <a:ext cx="5510689" cy="3487103"/>
+            <a:off x="628650" y="255587"/>
+            <a:ext cx="5800725" cy="4068287"/>
           </a:xfrm>
         </p:spPr>
         <p:txBody>
@@ -593,7 +593,7 @@
           <a:p>
             <a:fld id="{79A7C8EE-9AF8-432A-85B8-E2AF337ED788}" type="datetimeFigureOut">
               <a:rPr lang="en-US" smtClean="0"/>
-              <a:t>11/3/2022</a:t>
+              <a:t>11/7/2022</a:t>
             </a:fld>
             <a:endParaRPr lang="en-US"/>
           </a:p>
@@ -644,7 +644,7 @@
     </p:spTree>
     <p:extLst>
       <p:ext uri="{BB962C8B-B14F-4D97-AF65-F5344CB8AC3E}">
-        <p14:creationId xmlns:p14="http://schemas.microsoft.com/office/powerpoint/2010/main" val="1723987459"/>
+        <p14:creationId xmlns:p14="http://schemas.microsoft.com/office/powerpoint/2010/main" val="2065575835"/>
       </p:ext>
     </p:extLst>
   </p:cSld>
@@ -763,7 +763,7 @@
           <a:p>
             <a:fld id="{79A7C8EE-9AF8-432A-85B8-E2AF337ED788}" type="datetimeFigureOut">
               <a:rPr lang="en-US" smtClean="0"/>
-              <a:t>11/3/2022</a:t>
+              <a:t>11/7/2022</a:t>
             </a:fld>
             <a:endParaRPr lang="en-US"/>
           </a:p>
@@ -814,7 +814,7 @@
     </p:spTree>
     <p:extLst>
       <p:ext uri="{BB962C8B-B14F-4D97-AF65-F5344CB8AC3E}">
-        <p14:creationId xmlns:p14="http://schemas.microsoft.com/office/powerpoint/2010/main" val="4267778835"/>
+        <p14:creationId xmlns:p14="http://schemas.microsoft.com/office/powerpoint/2010/main" val="3031488220"/>
       </p:ext>
     </p:extLst>
   </p:cSld>
@@ -853,15 +853,15 @@
         </p:nvSpPr>
         <p:spPr>
           <a:xfrm>
-            <a:off x="592693" y="1025843"/>
-            <a:ext cx="7492365" cy="1711642"/>
+            <a:off x="623888" y="1196817"/>
+            <a:ext cx="7886700" cy="1996916"/>
           </a:xfrm>
         </p:spPr>
         <p:txBody>
           <a:bodyPr anchor="b"/>
           <a:lstStyle>
             <a:lvl1pPr>
-              <a:defRPr sz="3600"/>
+              <a:defRPr sz="4200"/>
             </a:lvl1pPr>
           </a:lstStyle>
           <a:p>
@@ -885,8 +885,8 @@
         </p:nvSpPr>
         <p:spPr>
           <a:xfrm>
-            <a:off x="592693" y="2753678"/>
-            <a:ext cx="7492365" cy="900112"/>
+            <a:off x="623888" y="3212624"/>
+            <a:ext cx="7886700" cy="1050131"/>
           </a:xfrm>
         </p:spPr>
         <p:txBody>
@@ -894,7 +894,7 @@
           <a:lstStyle>
             <a:lvl1pPr marL="0" indent="0">
               <a:buNone/>
-              <a:defRPr sz="1440">
+              <a:defRPr sz="1680">
                 <a:solidFill>
                   <a:schemeClr val="tx1">
                     <a:tint val="75000"/>
@@ -902,9 +902,9 @@
                 </a:solidFill>
               </a:defRPr>
             </a:lvl1pPr>
-            <a:lvl2pPr marL="274320" indent="0">
-              <a:buNone/>
-              <a:defRPr sz="1200">
+            <a:lvl2pPr marL="320040" indent="0">
+              <a:buNone/>
+              <a:defRPr sz="1400">
                 <a:solidFill>
                   <a:schemeClr val="tx1">
                     <a:tint val="75000"/>
@@ -912,9 +912,9 @@
                 </a:solidFill>
               </a:defRPr>
             </a:lvl2pPr>
-            <a:lvl3pPr marL="548640" indent="0">
-              <a:buNone/>
-              <a:defRPr sz="1080">
+            <a:lvl3pPr marL="640080" indent="0">
+              <a:buNone/>
+              <a:defRPr sz="1260">
                 <a:solidFill>
                   <a:schemeClr val="tx1">
                     <a:tint val="75000"/>
@@ -922,9 +922,9 @@
                 </a:solidFill>
               </a:defRPr>
             </a:lvl3pPr>
-            <a:lvl4pPr marL="822960" indent="0">
-              <a:buNone/>
-              <a:defRPr sz="960">
+            <a:lvl4pPr marL="960120" indent="0">
+              <a:buNone/>
+              <a:defRPr sz="1120">
                 <a:solidFill>
                   <a:schemeClr val="tx1">
                     <a:tint val="75000"/>
@@ -932,9 +932,9 @@
                 </a:solidFill>
               </a:defRPr>
             </a:lvl4pPr>
-            <a:lvl5pPr marL="1097280" indent="0">
-              <a:buNone/>
-              <a:defRPr sz="960">
+            <a:lvl5pPr marL="1280160" indent="0">
+              <a:buNone/>
+              <a:defRPr sz="1120">
                 <a:solidFill>
                   <a:schemeClr val="tx1">
                     <a:tint val="75000"/>
@@ -942,9 +942,9 @@
                 </a:solidFill>
               </a:defRPr>
             </a:lvl5pPr>
-            <a:lvl6pPr marL="1371600" indent="0">
-              <a:buNone/>
-              <a:defRPr sz="960">
+            <a:lvl6pPr marL="1600200" indent="0">
+              <a:buNone/>
+              <a:defRPr sz="1120">
                 <a:solidFill>
                   <a:schemeClr val="tx1">
                     <a:tint val="75000"/>
@@ -952,9 +952,9 @@
                 </a:solidFill>
               </a:defRPr>
             </a:lvl6pPr>
-            <a:lvl7pPr marL="1645920" indent="0">
-              <a:buNone/>
-              <a:defRPr sz="960">
+            <a:lvl7pPr marL="1920240" indent="0">
+              <a:buNone/>
+              <a:defRPr sz="1120">
                 <a:solidFill>
                   <a:schemeClr val="tx1">
                     <a:tint val="75000"/>
@@ -962,9 +962,9 @@
                 </a:solidFill>
               </a:defRPr>
             </a:lvl7pPr>
-            <a:lvl8pPr marL="1920240" indent="0">
-              <a:buNone/>
-              <a:defRPr sz="960">
+            <a:lvl8pPr marL="2240280" indent="0">
+              <a:buNone/>
+              <a:defRPr sz="1120">
                 <a:solidFill>
                   <a:schemeClr val="tx1">
                     <a:tint val="75000"/>
@@ -972,9 +972,9 @@
                 </a:solidFill>
               </a:defRPr>
             </a:lvl8pPr>
-            <a:lvl9pPr marL="2194560" indent="0">
-              <a:buNone/>
-              <a:defRPr sz="960">
+            <a:lvl9pPr marL="2560320" indent="0">
+              <a:buNone/>
+              <a:defRPr sz="1120">
                 <a:solidFill>
                   <a:schemeClr val="tx1">
                     <a:tint val="75000"/>
@@ -1009,7 +1009,7 @@
           <a:p>
             <a:fld id="{79A7C8EE-9AF8-432A-85B8-E2AF337ED788}" type="datetimeFigureOut">
               <a:rPr lang="en-US" smtClean="0"/>
-              <a:t>11/3/2022</a:t>
+              <a:t>11/7/2022</a:t>
             </a:fld>
             <a:endParaRPr lang="en-US"/>
           </a:p>
@@ -1060,7 +1060,7 @@
     </p:spTree>
     <p:extLst>
       <p:ext uri="{BB962C8B-B14F-4D97-AF65-F5344CB8AC3E}">
-        <p14:creationId xmlns:p14="http://schemas.microsoft.com/office/powerpoint/2010/main" val="4155616845"/>
+        <p14:creationId xmlns:p14="http://schemas.microsoft.com/office/powerpoint/2010/main" val="4097829288"/>
       </p:ext>
     </p:extLst>
   </p:cSld>
@@ -1122,8 +1122,8 @@
         </p:nvSpPr>
         <p:spPr>
           <a:xfrm>
-            <a:off x="597218" y="1095375"/>
-            <a:ext cx="3691890" cy="2610803"/>
+            <a:off x="628650" y="1277937"/>
+            <a:ext cx="3886200" cy="3045937"/>
           </a:xfrm>
         </p:spPr>
         <p:txBody>
@@ -1179,8 +1179,8 @@
         </p:nvSpPr>
         <p:spPr>
           <a:xfrm>
-            <a:off x="4397693" y="1095375"/>
-            <a:ext cx="3691890" cy="2610803"/>
+            <a:off x="4629150" y="1277937"/>
+            <a:ext cx="3886200" cy="3045937"/>
           </a:xfrm>
         </p:spPr>
         <p:txBody>
@@ -1241,7 +1241,7 @@
           <a:p>
             <a:fld id="{79A7C8EE-9AF8-432A-85B8-E2AF337ED788}" type="datetimeFigureOut">
               <a:rPr lang="en-US" smtClean="0"/>
-              <a:t>11/3/2022</a:t>
+              <a:t>11/7/2022</a:t>
             </a:fld>
             <a:endParaRPr lang="en-US"/>
           </a:p>
@@ -1292,7 +1292,7 @@
     </p:spTree>
     <p:extLst>
       <p:ext uri="{BB962C8B-B14F-4D97-AF65-F5344CB8AC3E}">
-        <p14:creationId xmlns:p14="http://schemas.microsoft.com/office/powerpoint/2010/main" val="3936510792"/>
+        <p14:creationId xmlns:p14="http://schemas.microsoft.com/office/powerpoint/2010/main" val="1203891489"/>
       </p:ext>
     </p:extLst>
   </p:cSld>
@@ -1331,8 +1331,8 @@
         </p:nvSpPr>
         <p:spPr>
           <a:xfrm>
-            <a:off x="598349" y="219075"/>
-            <a:ext cx="7492365" cy="795338"/>
+            <a:off x="629841" y="255588"/>
+            <a:ext cx="7886700" cy="927894"/>
           </a:xfrm>
         </p:spPr>
         <p:txBody>
@@ -1359,8 +1359,8 @@
         </p:nvSpPr>
         <p:spPr>
           <a:xfrm>
-            <a:off x="598349" y="1008698"/>
-            <a:ext cx="3674923" cy="494347"/>
+            <a:off x="629842" y="1176814"/>
+            <a:ext cx="3868340" cy="576738"/>
           </a:xfrm>
         </p:spPr>
         <p:txBody>
@@ -1368,39 +1368,39 @@
           <a:lstStyle>
             <a:lvl1pPr marL="0" indent="0">
               <a:buNone/>
-              <a:defRPr sz="1440" b="1"/>
+              <a:defRPr sz="1680" b="1"/>
             </a:lvl1pPr>
-            <a:lvl2pPr marL="274320" indent="0">
-              <a:buNone/>
-              <a:defRPr sz="1200" b="1"/>
+            <a:lvl2pPr marL="320040" indent="0">
+              <a:buNone/>
+              <a:defRPr sz="1400" b="1"/>
             </a:lvl2pPr>
-            <a:lvl3pPr marL="548640" indent="0">
-              <a:buNone/>
-              <a:defRPr sz="1080" b="1"/>
+            <a:lvl3pPr marL="640080" indent="0">
+              <a:buNone/>
+              <a:defRPr sz="1260" b="1"/>
             </a:lvl3pPr>
-            <a:lvl4pPr marL="822960" indent="0">
-              <a:buNone/>
-              <a:defRPr sz="960" b="1"/>
+            <a:lvl4pPr marL="960120" indent="0">
+              <a:buNone/>
+              <a:defRPr sz="1120" b="1"/>
             </a:lvl4pPr>
-            <a:lvl5pPr marL="1097280" indent="0">
-              <a:buNone/>
-              <a:defRPr sz="960" b="1"/>
+            <a:lvl5pPr marL="1280160" indent="0">
+              <a:buNone/>
+              <a:defRPr sz="1120" b="1"/>
             </a:lvl5pPr>
-            <a:lvl6pPr marL="1371600" indent="0">
-              <a:buNone/>
-              <a:defRPr sz="960" b="1"/>
+            <a:lvl6pPr marL="1600200" indent="0">
+              <a:buNone/>
+              <a:defRPr sz="1120" b="1"/>
             </a:lvl6pPr>
-            <a:lvl7pPr marL="1645920" indent="0">
-              <a:buNone/>
-              <a:defRPr sz="960" b="1"/>
+            <a:lvl7pPr marL="1920240" indent="0">
+              <a:buNone/>
+              <a:defRPr sz="1120" b="1"/>
             </a:lvl7pPr>
-            <a:lvl8pPr marL="1920240" indent="0">
-              <a:buNone/>
-              <a:defRPr sz="960" b="1"/>
+            <a:lvl8pPr marL="2240280" indent="0">
+              <a:buNone/>
+              <a:defRPr sz="1120" b="1"/>
             </a:lvl8pPr>
-            <a:lvl9pPr marL="2194560" indent="0">
-              <a:buNone/>
-              <a:defRPr sz="960" b="1"/>
+            <a:lvl9pPr marL="2560320" indent="0">
+              <a:buNone/>
+              <a:defRPr sz="1120" b="1"/>
             </a:lvl9pPr>
           </a:lstStyle>
           <a:p>
@@ -1424,8 +1424,8 @@
         </p:nvSpPr>
         <p:spPr>
           <a:xfrm>
-            <a:off x="598349" y="1503045"/>
-            <a:ext cx="3674923" cy="2210753"/>
+            <a:off x="629842" y="1753552"/>
+            <a:ext cx="3868340" cy="2579212"/>
           </a:xfrm>
         </p:spPr>
         <p:txBody>
@@ -1481,8 +1481,8 @@
         </p:nvSpPr>
         <p:spPr>
           <a:xfrm>
-            <a:off x="4397693" y="1008698"/>
-            <a:ext cx="3693021" cy="494347"/>
+            <a:off x="4629150" y="1176814"/>
+            <a:ext cx="3887391" cy="576738"/>
           </a:xfrm>
         </p:spPr>
         <p:txBody>
@@ -1490,39 +1490,39 @@
           <a:lstStyle>
             <a:lvl1pPr marL="0" indent="0">
               <a:buNone/>
-              <a:defRPr sz="1440" b="1"/>
+              <a:defRPr sz="1680" b="1"/>
             </a:lvl1pPr>
-            <a:lvl2pPr marL="274320" indent="0">
-              <a:buNone/>
-              <a:defRPr sz="1200" b="1"/>
+            <a:lvl2pPr marL="320040" indent="0">
+              <a:buNone/>
+              <a:defRPr sz="1400" b="1"/>
             </a:lvl2pPr>
-            <a:lvl3pPr marL="548640" indent="0">
-              <a:buNone/>
-              <a:defRPr sz="1080" b="1"/>
+            <a:lvl3pPr marL="640080" indent="0">
+              <a:buNone/>
+              <a:defRPr sz="1260" b="1"/>
             </a:lvl3pPr>
-            <a:lvl4pPr marL="822960" indent="0">
-              <a:buNone/>
-              <a:defRPr sz="960" b="1"/>
+            <a:lvl4pPr marL="960120" indent="0">
+              <a:buNone/>
+              <a:defRPr sz="1120" b="1"/>
             </a:lvl4pPr>
-            <a:lvl5pPr marL="1097280" indent="0">
-              <a:buNone/>
-              <a:defRPr sz="960" b="1"/>
+            <a:lvl5pPr marL="1280160" indent="0">
+              <a:buNone/>
+              <a:defRPr sz="1120" b="1"/>
             </a:lvl5pPr>
-            <a:lvl6pPr marL="1371600" indent="0">
-              <a:buNone/>
-              <a:defRPr sz="960" b="1"/>
+            <a:lvl6pPr marL="1600200" indent="0">
+              <a:buNone/>
+              <a:defRPr sz="1120" b="1"/>
             </a:lvl6pPr>
-            <a:lvl7pPr marL="1645920" indent="0">
-              <a:buNone/>
-              <a:defRPr sz="960" b="1"/>
+            <a:lvl7pPr marL="1920240" indent="0">
+              <a:buNone/>
+              <a:defRPr sz="1120" b="1"/>
             </a:lvl7pPr>
-            <a:lvl8pPr marL="1920240" indent="0">
-              <a:buNone/>
-              <a:defRPr sz="960" b="1"/>
+            <a:lvl8pPr marL="2240280" indent="0">
+              <a:buNone/>
+              <a:defRPr sz="1120" b="1"/>
             </a:lvl8pPr>
-            <a:lvl9pPr marL="2194560" indent="0">
-              <a:buNone/>
-              <a:defRPr sz="960" b="1"/>
+            <a:lvl9pPr marL="2560320" indent="0">
+              <a:buNone/>
+              <a:defRPr sz="1120" b="1"/>
             </a:lvl9pPr>
           </a:lstStyle>
           <a:p>
@@ -1546,8 +1546,8 @@
         </p:nvSpPr>
         <p:spPr>
           <a:xfrm>
-            <a:off x="4397693" y="1503045"/>
-            <a:ext cx="3693021" cy="2210753"/>
+            <a:off x="4629150" y="1753552"/>
+            <a:ext cx="3887391" cy="2579212"/>
           </a:xfrm>
         </p:spPr>
         <p:txBody>
@@ -1608,7 +1608,7 @@
           <a:p>
             <a:fld id="{79A7C8EE-9AF8-432A-85B8-E2AF337ED788}" type="datetimeFigureOut">
               <a:rPr lang="en-US" smtClean="0"/>
-              <a:t>11/3/2022</a:t>
+              <a:t>11/7/2022</a:t>
             </a:fld>
             <a:endParaRPr lang="en-US"/>
           </a:p>
@@ -1659,7 +1659,7 @@
     </p:spTree>
     <p:extLst>
       <p:ext uri="{BB962C8B-B14F-4D97-AF65-F5344CB8AC3E}">
-        <p14:creationId xmlns:p14="http://schemas.microsoft.com/office/powerpoint/2010/main" val="1692199661"/>
+        <p14:creationId xmlns:p14="http://schemas.microsoft.com/office/powerpoint/2010/main" val="477973555"/>
       </p:ext>
     </p:extLst>
   </p:cSld>
@@ -1726,7 +1726,7 @@
           <a:p>
             <a:fld id="{79A7C8EE-9AF8-432A-85B8-E2AF337ED788}" type="datetimeFigureOut">
               <a:rPr lang="en-US" smtClean="0"/>
-              <a:t>11/3/2022</a:t>
+              <a:t>11/7/2022</a:t>
             </a:fld>
             <a:endParaRPr lang="en-US"/>
           </a:p>
@@ -1777,7 +1777,7 @@
     </p:spTree>
     <p:extLst>
       <p:ext uri="{BB962C8B-B14F-4D97-AF65-F5344CB8AC3E}">
-        <p14:creationId xmlns:p14="http://schemas.microsoft.com/office/powerpoint/2010/main" val="746018748"/>
+        <p14:creationId xmlns:p14="http://schemas.microsoft.com/office/powerpoint/2010/main" val="1061192434"/>
       </p:ext>
     </p:extLst>
   </p:cSld>
@@ -1821,7 +1821,7 @@
           <a:p>
             <a:fld id="{79A7C8EE-9AF8-432A-85B8-E2AF337ED788}" type="datetimeFigureOut">
               <a:rPr lang="en-US" smtClean="0"/>
-              <a:t>11/3/2022</a:t>
+              <a:t>11/7/2022</a:t>
             </a:fld>
             <a:endParaRPr lang="en-US"/>
           </a:p>
@@ -1872,7 +1872,7 @@
     </p:spTree>
     <p:extLst>
       <p:ext uri="{BB962C8B-B14F-4D97-AF65-F5344CB8AC3E}">
-        <p14:creationId xmlns:p14="http://schemas.microsoft.com/office/powerpoint/2010/main" val="1953311875"/>
+        <p14:creationId xmlns:p14="http://schemas.microsoft.com/office/powerpoint/2010/main" val="3538341255"/>
       </p:ext>
     </p:extLst>
   </p:cSld>
@@ -1911,15 +1911,15 @@
         </p:nvSpPr>
         <p:spPr>
           <a:xfrm>
-            <a:off x="598349" y="274320"/>
-            <a:ext cx="2801719" cy="960120"/>
+            <a:off x="629841" y="320040"/>
+            <a:ext cx="2949178" cy="1120140"/>
           </a:xfrm>
         </p:spPr>
         <p:txBody>
           <a:bodyPr anchor="b"/>
           <a:lstStyle>
             <a:lvl1pPr>
-              <a:defRPr sz="1920"/>
+              <a:defRPr sz="2240"/>
             </a:lvl1pPr>
           </a:lstStyle>
           <a:p>
@@ -1943,39 +1943,39 @@
         </p:nvSpPr>
         <p:spPr>
           <a:xfrm>
-            <a:off x="3693021" y="592455"/>
-            <a:ext cx="4397693" cy="2924175"/>
+            <a:off x="3887391" y="691198"/>
+            <a:ext cx="4629150" cy="3411538"/>
           </a:xfrm>
         </p:spPr>
         <p:txBody>
           <a:bodyPr/>
           <a:lstStyle>
             <a:lvl1pPr>
-              <a:defRPr sz="1920"/>
+              <a:defRPr sz="2240"/>
             </a:lvl1pPr>
             <a:lvl2pPr>
-              <a:defRPr sz="1680"/>
+              <a:defRPr sz="1960"/>
             </a:lvl2pPr>
             <a:lvl3pPr>
-              <a:defRPr sz="1440"/>
+              <a:defRPr sz="1680"/>
             </a:lvl3pPr>
             <a:lvl4pPr>
-              <a:defRPr sz="1200"/>
+              <a:defRPr sz="1400"/>
             </a:lvl4pPr>
             <a:lvl5pPr>
-              <a:defRPr sz="1200"/>
+              <a:defRPr sz="1400"/>
             </a:lvl5pPr>
             <a:lvl6pPr>
-              <a:defRPr sz="1200"/>
+              <a:defRPr sz="1400"/>
             </a:lvl6pPr>
             <a:lvl7pPr>
-              <a:defRPr sz="1200"/>
+              <a:defRPr sz="1400"/>
             </a:lvl7pPr>
             <a:lvl8pPr>
-              <a:defRPr sz="1200"/>
+              <a:defRPr sz="1400"/>
             </a:lvl8pPr>
             <a:lvl9pPr>
-              <a:defRPr sz="1200"/>
+              <a:defRPr sz="1400"/>
             </a:lvl9pPr>
           </a:lstStyle>
           <a:p>
@@ -2028,8 +2028,8 @@
         </p:nvSpPr>
         <p:spPr>
           <a:xfrm>
-            <a:off x="598349" y="1234440"/>
-            <a:ext cx="2801719" cy="2286953"/>
+            <a:off x="629841" y="1440180"/>
+            <a:ext cx="2949178" cy="2668112"/>
           </a:xfrm>
         </p:spPr>
         <p:txBody>
@@ -2037,39 +2037,39 @@
           <a:lstStyle>
             <a:lvl1pPr marL="0" indent="0">
               <a:buNone/>
-              <a:defRPr sz="960"/>
+              <a:defRPr sz="1120"/>
             </a:lvl1pPr>
-            <a:lvl2pPr marL="274320" indent="0">
+            <a:lvl2pPr marL="320040" indent="0">
+              <a:buNone/>
+              <a:defRPr sz="980"/>
+            </a:lvl2pPr>
+            <a:lvl3pPr marL="640080" indent="0">
               <a:buNone/>
               <a:defRPr sz="840"/>
-            </a:lvl2pPr>
-            <a:lvl3pPr marL="548640" indent="0">
-              <a:buNone/>
-              <a:defRPr sz="720"/>
             </a:lvl3pPr>
-            <a:lvl4pPr marL="822960" indent="0">
-              <a:buNone/>
-              <a:defRPr sz="600"/>
+            <a:lvl4pPr marL="960120" indent="0">
+              <a:buNone/>
+              <a:defRPr sz="700"/>
             </a:lvl4pPr>
-            <a:lvl5pPr marL="1097280" indent="0">
-              <a:buNone/>
-              <a:defRPr sz="600"/>
+            <a:lvl5pPr marL="1280160" indent="0">
+              <a:buNone/>
+              <a:defRPr sz="700"/>
             </a:lvl5pPr>
-            <a:lvl6pPr marL="1371600" indent="0">
-              <a:buNone/>
-              <a:defRPr sz="600"/>
+            <a:lvl6pPr marL="1600200" indent="0">
+              <a:buNone/>
+              <a:defRPr sz="700"/>
             </a:lvl6pPr>
-            <a:lvl7pPr marL="1645920" indent="0">
-              <a:buNone/>
-              <a:defRPr sz="600"/>
+            <a:lvl7pPr marL="1920240" indent="0">
+              <a:buNone/>
+              <a:defRPr sz="700"/>
             </a:lvl7pPr>
-            <a:lvl8pPr marL="1920240" indent="0">
-              <a:buNone/>
-              <a:defRPr sz="600"/>
+            <a:lvl8pPr marL="2240280" indent="0">
+              <a:buNone/>
+              <a:defRPr sz="700"/>
             </a:lvl8pPr>
-            <a:lvl9pPr marL="2194560" indent="0">
-              <a:buNone/>
-              <a:defRPr sz="600"/>
+            <a:lvl9pPr marL="2560320" indent="0">
+              <a:buNone/>
+              <a:defRPr sz="700"/>
             </a:lvl9pPr>
           </a:lstStyle>
           <a:p>
@@ -2098,7 +2098,7 @@
           <a:p>
             <a:fld id="{79A7C8EE-9AF8-432A-85B8-E2AF337ED788}" type="datetimeFigureOut">
               <a:rPr lang="en-US" smtClean="0"/>
-              <a:t>11/3/2022</a:t>
+              <a:t>11/7/2022</a:t>
             </a:fld>
             <a:endParaRPr lang="en-US"/>
           </a:p>
@@ -2149,7 +2149,7 @@
     </p:spTree>
     <p:extLst>
       <p:ext uri="{BB962C8B-B14F-4D97-AF65-F5344CB8AC3E}">
-        <p14:creationId xmlns:p14="http://schemas.microsoft.com/office/powerpoint/2010/main" val="3988327446"/>
+        <p14:creationId xmlns:p14="http://schemas.microsoft.com/office/powerpoint/2010/main" val="1489725406"/>
       </p:ext>
     </p:extLst>
   </p:cSld>
@@ -2188,15 +2188,15 @@
         </p:nvSpPr>
         <p:spPr>
           <a:xfrm>
-            <a:off x="598349" y="274320"/>
-            <a:ext cx="2801719" cy="960120"/>
+            <a:off x="629841" y="320040"/>
+            <a:ext cx="2949178" cy="1120140"/>
           </a:xfrm>
         </p:spPr>
         <p:txBody>
           <a:bodyPr anchor="b"/>
           <a:lstStyle>
             <a:lvl1pPr>
-              <a:defRPr sz="1920"/>
+              <a:defRPr sz="2240"/>
             </a:lvl1pPr>
           </a:lstStyle>
           <a:p>
@@ -2220,8 +2220,8 @@
         </p:nvSpPr>
         <p:spPr>
           <a:xfrm>
-            <a:off x="3693021" y="592455"/>
-            <a:ext cx="4397693" cy="2924175"/>
+            <a:off x="3887391" y="691198"/>
+            <a:ext cx="4629150" cy="3411538"/>
           </a:xfrm>
         </p:spPr>
         <p:txBody>
@@ -2229,39 +2229,39 @@
           <a:lstStyle>
             <a:lvl1pPr marL="0" indent="0">
               <a:buNone/>
-              <a:defRPr sz="1920"/>
+              <a:defRPr sz="2240"/>
             </a:lvl1pPr>
-            <a:lvl2pPr marL="274320" indent="0">
+            <a:lvl2pPr marL="320040" indent="0">
+              <a:buNone/>
+              <a:defRPr sz="1960"/>
+            </a:lvl2pPr>
+            <a:lvl3pPr marL="640080" indent="0">
               <a:buNone/>
               <a:defRPr sz="1680"/>
-            </a:lvl2pPr>
-            <a:lvl3pPr marL="548640" indent="0">
-              <a:buNone/>
-              <a:defRPr sz="1440"/>
             </a:lvl3pPr>
-            <a:lvl4pPr marL="822960" indent="0">
-              <a:buNone/>
-              <a:defRPr sz="1200"/>
+            <a:lvl4pPr marL="960120" indent="0">
+              <a:buNone/>
+              <a:defRPr sz="1400"/>
             </a:lvl4pPr>
-            <a:lvl5pPr marL="1097280" indent="0">
-              <a:buNone/>
-              <a:defRPr sz="1200"/>
+            <a:lvl5pPr marL="1280160" indent="0">
+              <a:buNone/>
+              <a:defRPr sz="1400"/>
             </a:lvl5pPr>
-            <a:lvl6pPr marL="1371600" indent="0">
-              <a:buNone/>
-              <a:defRPr sz="1200"/>
+            <a:lvl6pPr marL="1600200" indent="0">
+              <a:buNone/>
+              <a:defRPr sz="1400"/>
             </a:lvl6pPr>
-            <a:lvl7pPr marL="1645920" indent="0">
-              <a:buNone/>
-              <a:defRPr sz="1200"/>
+            <a:lvl7pPr marL="1920240" indent="0">
+              <a:buNone/>
+              <a:defRPr sz="1400"/>
             </a:lvl7pPr>
-            <a:lvl8pPr marL="1920240" indent="0">
-              <a:buNone/>
-              <a:defRPr sz="1200"/>
+            <a:lvl8pPr marL="2240280" indent="0">
+              <a:buNone/>
+              <a:defRPr sz="1400"/>
             </a:lvl8pPr>
-            <a:lvl9pPr marL="2194560" indent="0">
-              <a:buNone/>
-              <a:defRPr sz="1200"/>
+            <a:lvl9pPr marL="2560320" indent="0">
+              <a:buNone/>
+              <a:defRPr sz="1400"/>
             </a:lvl9pPr>
           </a:lstStyle>
           <a:p>
@@ -2285,8 +2285,8 @@
         </p:nvSpPr>
         <p:spPr>
           <a:xfrm>
-            <a:off x="598349" y="1234440"/>
-            <a:ext cx="2801719" cy="2286953"/>
+            <a:off x="629841" y="1440180"/>
+            <a:ext cx="2949178" cy="2668112"/>
           </a:xfrm>
         </p:spPr>
         <p:txBody>
@@ -2294,39 +2294,39 @@
           <a:lstStyle>
             <a:lvl1pPr marL="0" indent="0">
               <a:buNone/>
-              <a:defRPr sz="960"/>
+              <a:defRPr sz="1120"/>
             </a:lvl1pPr>
-            <a:lvl2pPr marL="274320" indent="0">
+            <a:lvl2pPr marL="320040" indent="0">
+              <a:buNone/>
+              <a:defRPr sz="980"/>
+            </a:lvl2pPr>
+            <a:lvl3pPr marL="640080" indent="0">
               <a:buNone/>
               <a:defRPr sz="840"/>
-            </a:lvl2pPr>
-            <a:lvl3pPr marL="548640" indent="0">
-              <a:buNone/>
-              <a:defRPr sz="720"/>
             </a:lvl3pPr>
-            <a:lvl4pPr marL="822960" indent="0">
-              <a:buNone/>
-              <a:defRPr sz="600"/>
+            <a:lvl4pPr marL="960120" indent="0">
+              <a:buNone/>
+              <a:defRPr sz="700"/>
             </a:lvl4pPr>
-            <a:lvl5pPr marL="1097280" indent="0">
-              <a:buNone/>
-              <a:defRPr sz="600"/>
+            <a:lvl5pPr marL="1280160" indent="0">
+              <a:buNone/>
+              <a:defRPr sz="700"/>
             </a:lvl5pPr>
-            <a:lvl6pPr marL="1371600" indent="0">
-              <a:buNone/>
-              <a:defRPr sz="600"/>
+            <a:lvl6pPr marL="1600200" indent="0">
+              <a:buNone/>
+              <a:defRPr sz="700"/>
             </a:lvl6pPr>
-            <a:lvl7pPr marL="1645920" indent="0">
-              <a:buNone/>
-              <a:defRPr sz="600"/>
+            <a:lvl7pPr marL="1920240" indent="0">
+              <a:buNone/>
+              <a:defRPr sz="700"/>
             </a:lvl7pPr>
-            <a:lvl8pPr marL="1920240" indent="0">
-              <a:buNone/>
-              <a:defRPr sz="600"/>
+            <a:lvl8pPr marL="2240280" indent="0">
+              <a:buNone/>
+              <a:defRPr sz="700"/>
             </a:lvl8pPr>
-            <a:lvl9pPr marL="2194560" indent="0">
-              <a:buNone/>
-              <a:defRPr sz="600"/>
+            <a:lvl9pPr marL="2560320" indent="0">
+              <a:buNone/>
+              <a:defRPr sz="700"/>
             </a:lvl9pPr>
           </a:lstStyle>
           <a:p>
@@ -2355,7 +2355,7 @@
           <a:p>
             <a:fld id="{79A7C8EE-9AF8-432A-85B8-E2AF337ED788}" type="datetimeFigureOut">
               <a:rPr lang="en-US" smtClean="0"/>
-              <a:t>11/3/2022</a:t>
+              <a:t>11/7/2022</a:t>
             </a:fld>
             <a:endParaRPr lang="en-US"/>
           </a:p>
@@ -2406,7 +2406,7 @@
     </p:spTree>
     <p:extLst>
       <p:ext uri="{BB962C8B-B14F-4D97-AF65-F5344CB8AC3E}">
-        <p14:creationId xmlns:p14="http://schemas.microsoft.com/office/powerpoint/2010/main" val="1245861047"/>
+        <p14:creationId xmlns:p14="http://schemas.microsoft.com/office/powerpoint/2010/main" val="3429092397"/>
       </p:ext>
     </p:extLst>
   </p:cSld>
@@ -2450,8 +2450,8 @@
         </p:nvSpPr>
         <p:spPr>
           <a:xfrm>
-            <a:off x="597218" y="219075"/>
-            <a:ext cx="7492365" cy="795338"/>
+            <a:off x="628650" y="255588"/>
+            <a:ext cx="7886700" cy="927894"/>
           </a:xfrm>
           <a:prstGeom prst="rect">
             <a:avLst/>
@@ -2483,8 +2483,8 @@
         </p:nvSpPr>
         <p:spPr>
           <a:xfrm>
-            <a:off x="597218" y="1095375"/>
-            <a:ext cx="7492365" cy="2610803"/>
+            <a:off x="628650" y="1277937"/>
+            <a:ext cx="7886700" cy="3045937"/>
           </a:xfrm>
           <a:prstGeom prst="rect">
             <a:avLst/>
@@ -2545,8 +2545,8 @@
         </p:nvSpPr>
         <p:spPr>
           <a:xfrm>
-            <a:off x="597218" y="3813810"/>
-            <a:ext cx="1954530" cy="219075"/>
+            <a:off x="628650" y="4449445"/>
+            <a:ext cx="2057400" cy="255588"/>
           </a:xfrm>
           <a:prstGeom prst="rect">
             <a:avLst/>
@@ -2556,7 +2556,7 @@
           <a:bodyPr vert="horz" lIns="91440" tIns="45720" rIns="91440" bIns="45720" rtlCol="0" anchor="ctr"/>
           <a:lstStyle>
             <a:lvl1pPr algn="l">
-              <a:defRPr sz="720">
+              <a:defRPr sz="840">
                 <a:solidFill>
                   <a:schemeClr val="tx1">
                     <a:tint val="75000"/>
@@ -2568,7 +2568,7 @@
           <a:p>
             <a:fld id="{79A7C8EE-9AF8-432A-85B8-E2AF337ED788}" type="datetimeFigureOut">
               <a:rPr lang="en-US" smtClean="0"/>
-              <a:t>11/3/2022</a:t>
+              <a:t>11/7/2022</a:t>
             </a:fld>
             <a:endParaRPr lang="en-US"/>
           </a:p>
@@ -2586,8 +2586,8 @@
         </p:nvSpPr>
         <p:spPr>
           <a:xfrm>
-            <a:off x="2877503" y="3813810"/>
-            <a:ext cx="2931795" cy="219075"/>
+            <a:off x="3028950" y="4449445"/>
+            <a:ext cx="3086100" cy="255588"/>
           </a:xfrm>
           <a:prstGeom prst="rect">
             <a:avLst/>
@@ -2597,7 +2597,7 @@
           <a:bodyPr vert="horz" lIns="91440" tIns="45720" rIns="91440" bIns="45720" rtlCol="0" anchor="ctr"/>
           <a:lstStyle>
             <a:lvl1pPr algn="ctr">
-              <a:defRPr sz="720">
+              <a:defRPr sz="840">
                 <a:solidFill>
                   <a:schemeClr val="tx1">
                     <a:tint val="75000"/>
@@ -2623,8 +2623,8 @@
         </p:nvSpPr>
         <p:spPr>
           <a:xfrm>
-            <a:off x="6135053" y="3813810"/>
-            <a:ext cx="1954530" cy="219075"/>
+            <a:off x="6457950" y="4449445"/>
+            <a:ext cx="2057400" cy="255588"/>
           </a:xfrm>
           <a:prstGeom prst="rect">
             <a:avLst/>
@@ -2634,7 +2634,7 @@
           <a:bodyPr vert="horz" lIns="91440" tIns="45720" rIns="91440" bIns="45720" rtlCol="0" anchor="ctr"/>
           <a:lstStyle>
             <a:lvl1pPr algn="r">
-              <a:defRPr sz="720">
+              <a:defRPr sz="840">
                 <a:solidFill>
                   <a:schemeClr val="tx1">
                     <a:tint val="75000"/>
@@ -2655,27 +2655,27 @@
     </p:spTree>
     <p:extLst>
       <p:ext uri="{BB962C8B-B14F-4D97-AF65-F5344CB8AC3E}">
-        <p14:creationId xmlns:p14="http://schemas.microsoft.com/office/powerpoint/2010/main" val="4144586611"/>
+        <p14:creationId xmlns:p14="http://schemas.microsoft.com/office/powerpoint/2010/main" val="342505226"/>
       </p:ext>
     </p:extLst>
   </p:cSld>
   <p:clrMap bg1="lt1" tx1="dk1" bg2="lt2" tx2="dk2" accent1="accent1" accent2="accent2" accent3="accent3" accent4="accent4" accent5="accent5" accent6="accent6" hlink="hlink" folHlink="folHlink"/>
   <p:sldLayoutIdLst>
-    <p:sldLayoutId id="2147483697" r:id="rId1"/>
-    <p:sldLayoutId id="2147483698" r:id="rId2"/>
-    <p:sldLayoutId id="2147483699" r:id="rId3"/>
-    <p:sldLayoutId id="2147483700" r:id="rId4"/>
-    <p:sldLayoutId id="2147483701" r:id="rId5"/>
-    <p:sldLayoutId id="2147483702" r:id="rId6"/>
-    <p:sldLayoutId id="2147483703" r:id="rId7"/>
-    <p:sldLayoutId id="2147483704" r:id="rId8"/>
-    <p:sldLayoutId id="2147483705" r:id="rId9"/>
-    <p:sldLayoutId id="2147483706" r:id="rId10"/>
-    <p:sldLayoutId id="2147483707" r:id="rId11"/>
+    <p:sldLayoutId id="2147483709" r:id="rId1"/>
+    <p:sldLayoutId id="2147483710" r:id="rId2"/>
+    <p:sldLayoutId id="2147483711" r:id="rId3"/>
+    <p:sldLayoutId id="2147483712" r:id="rId4"/>
+    <p:sldLayoutId id="2147483713" r:id="rId5"/>
+    <p:sldLayoutId id="2147483714" r:id="rId6"/>
+    <p:sldLayoutId id="2147483715" r:id="rId7"/>
+    <p:sldLayoutId id="2147483716" r:id="rId8"/>
+    <p:sldLayoutId id="2147483717" r:id="rId9"/>
+    <p:sldLayoutId id="2147483718" r:id="rId10"/>
+    <p:sldLayoutId id="2147483719" r:id="rId11"/>
   </p:sldLayoutIdLst>
   <p:txStyles>
     <p:titleStyle>
-      <a:lvl1pPr algn="l" defTabSz="548640" rtl="0" eaLnBrk="1" latinLnBrk="0" hangingPunct="1">
+      <a:lvl1pPr algn="l" defTabSz="640080" rtl="0" eaLnBrk="1" latinLnBrk="0" hangingPunct="1">
         <a:lnSpc>
           <a:spcPct val="90000"/>
         </a:lnSpc>
@@ -2683,7 +2683,7 @@
           <a:spcPct val="0"/>
         </a:spcBef>
         <a:buNone/>
-        <a:defRPr sz="2640" kern="1200">
+        <a:defRPr sz="3080" kern="1200">
           <a:solidFill>
             <a:schemeClr val="tx1"/>
           </a:solidFill>
@@ -2694,12 +2694,30 @@
       </a:lvl1pPr>
     </p:titleStyle>
     <p:bodyStyle>
-      <a:lvl1pPr marL="137160" indent="-137160" algn="l" defTabSz="548640" rtl="0" eaLnBrk="1" latinLnBrk="0" hangingPunct="1">
+      <a:lvl1pPr marL="160020" indent="-160020" algn="l" defTabSz="640080" rtl="0" eaLnBrk="1" latinLnBrk="0" hangingPunct="1">
         <a:lnSpc>
           <a:spcPct val="90000"/>
         </a:lnSpc>
         <a:spcBef>
-          <a:spcPts val="600"/>
+          <a:spcPts val="700"/>
+        </a:spcBef>
+        <a:buFont typeface="Arial" panose="020B0604020202020204" pitchFamily="34" charset="0"/>
+        <a:buChar char="•"/>
+        <a:defRPr sz="1960" kern="1200">
+          <a:solidFill>
+            <a:schemeClr val="tx1"/>
+          </a:solidFill>
+          <a:latin typeface="+mn-lt"/>
+          <a:ea typeface="+mn-ea"/>
+          <a:cs typeface="+mn-cs"/>
+        </a:defRPr>
+      </a:lvl1pPr>
+      <a:lvl2pPr marL="480060" indent="-160020" algn="l" defTabSz="640080" rtl="0" eaLnBrk="1" latinLnBrk="0" hangingPunct="1">
+        <a:lnSpc>
+          <a:spcPct val="90000"/>
+        </a:lnSpc>
+        <a:spcBef>
+          <a:spcPts val="350"/>
         </a:spcBef>
         <a:buFont typeface="Arial" panose="020B0604020202020204" pitchFamily="34" charset="0"/>
         <a:buChar char="•"/>
@@ -2711,35 +2729,17 @@
           <a:ea typeface="+mn-ea"/>
           <a:cs typeface="+mn-cs"/>
         </a:defRPr>
-      </a:lvl1pPr>
-      <a:lvl2pPr marL="411480" indent="-137160" algn="l" defTabSz="548640" rtl="0" eaLnBrk="1" latinLnBrk="0" hangingPunct="1">
+      </a:lvl2pPr>
+      <a:lvl3pPr marL="800100" indent="-160020" algn="l" defTabSz="640080" rtl="0" eaLnBrk="1" latinLnBrk="0" hangingPunct="1">
         <a:lnSpc>
           <a:spcPct val="90000"/>
         </a:lnSpc>
         <a:spcBef>
-          <a:spcPts val="300"/>
+          <a:spcPts val="350"/>
         </a:spcBef>
         <a:buFont typeface="Arial" panose="020B0604020202020204" pitchFamily="34" charset="0"/>
         <a:buChar char="•"/>
-        <a:defRPr sz="1440" kern="1200">
-          <a:solidFill>
-            <a:schemeClr val="tx1"/>
-          </a:solidFill>
-          <a:latin typeface="+mn-lt"/>
-          <a:ea typeface="+mn-ea"/>
-          <a:cs typeface="+mn-cs"/>
-        </a:defRPr>
-      </a:lvl2pPr>
-      <a:lvl3pPr marL="685800" indent="-137160" algn="l" defTabSz="548640" rtl="0" eaLnBrk="1" latinLnBrk="0" hangingPunct="1">
-        <a:lnSpc>
-          <a:spcPct val="90000"/>
-        </a:lnSpc>
-        <a:spcBef>
-          <a:spcPts val="300"/>
-        </a:spcBef>
-        <a:buFont typeface="Arial" panose="020B0604020202020204" pitchFamily="34" charset="0"/>
-        <a:buChar char="•"/>
-        <a:defRPr sz="1200" kern="1200">
+        <a:defRPr sz="1400" kern="1200">
           <a:solidFill>
             <a:schemeClr val="tx1"/>
           </a:solidFill>
@@ -2748,16 +2748,16 @@
           <a:cs typeface="+mn-cs"/>
         </a:defRPr>
       </a:lvl3pPr>
-      <a:lvl4pPr marL="960120" indent="-137160" algn="l" defTabSz="548640" rtl="0" eaLnBrk="1" latinLnBrk="0" hangingPunct="1">
+      <a:lvl4pPr marL="1120140" indent="-160020" algn="l" defTabSz="640080" rtl="0" eaLnBrk="1" latinLnBrk="0" hangingPunct="1">
         <a:lnSpc>
           <a:spcPct val="90000"/>
         </a:lnSpc>
         <a:spcBef>
-          <a:spcPts val="300"/>
+          <a:spcPts val="350"/>
         </a:spcBef>
         <a:buFont typeface="Arial" panose="020B0604020202020204" pitchFamily="34" charset="0"/>
         <a:buChar char="•"/>
-        <a:defRPr sz="1080" kern="1200">
+        <a:defRPr sz="1260" kern="1200">
           <a:solidFill>
             <a:schemeClr val="tx1"/>
           </a:solidFill>
@@ -2766,16 +2766,16 @@
           <a:cs typeface="+mn-cs"/>
         </a:defRPr>
       </a:lvl4pPr>
-      <a:lvl5pPr marL="1234440" indent="-137160" algn="l" defTabSz="548640" rtl="0" eaLnBrk="1" latinLnBrk="0" hangingPunct="1">
+      <a:lvl5pPr marL="1440180" indent="-160020" algn="l" defTabSz="640080" rtl="0" eaLnBrk="1" latinLnBrk="0" hangingPunct="1">
         <a:lnSpc>
           <a:spcPct val="90000"/>
         </a:lnSpc>
         <a:spcBef>
-          <a:spcPts val="300"/>
+          <a:spcPts val="350"/>
         </a:spcBef>
         <a:buFont typeface="Arial" panose="020B0604020202020204" pitchFamily="34" charset="0"/>
         <a:buChar char="•"/>
-        <a:defRPr sz="1080" kern="1200">
+        <a:defRPr sz="1260" kern="1200">
           <a:solidFill>
             <a:schemeClr val="tx1"/>
           </a:solidFill>
@@ -2784,16 +2784,16 @@
           <a:cs typeface="+mn-cs"/>
         </a:defRPr>
       </a:lvl5pPr>
-      <a:lvl6pPr marL="1508760" indent="-137160" algn="l" defTabSz="548640" rtl="0" eaLnBrk="1" latinLnBrk="0" hangingPunct="1">
+      <a:lvl6pPr marL="1760220" indent="-160020" algn="l" defTabSz="640080" rtl="0" eaLnBrk="1" latinLnBrk="0" hangingPunct="1">
         <a:lnSpc>
           <a:spcPct val="90000"/>
         </a:lnSpc>
         <a:spcBef>
-          <a:spcPts val="300"/>
+          <a:spcPts val="350"/>
         </a:spcBef>
         <a:buFont typeface="Arial" panose="020B0604020202020204" pitchFamily="34" charset="0"/>
         <a:buChar char="•"/>
-        <a:defRPr sz="1080" kern="1200">
+        <a:defRPr sz="1260" kern="1200">
           <a:solidFill>
             <a:schemeClr val="tx1"/>
           </a:solidFill>
@@ -2802,16 +2802,16 @@
           <a:cs typeface="+mn-cs"/>
         </a:defRPr>
       </a:lvl6pPr>
-      <a:lvl7pPr marL="1783080" indent="-137160" algn="l" defTabSz="548640" rtl="0" eaLnBrk="1" latinLnBrk="0" hangingPunct="1">
+      <a:lvl7pPr marL="2080260" indent="-160020" algn="l" defTabSz="640080" rtl="0" eaLnBrk="1" latinLnBrk="0" hangingPunct="1">
         <a:lnSpc>
           <a:spcPct val="90000"/>
         </a:lnSpc>
         <a:spcBef>
-          <a:spcPts val="300"/>
+          <a:spcPts val="350"/>
         </a:spcBef>
         <a:buFont typeface="Arial" panose="020B0604020202020204" pitchFamily="34" charset="0"/>
         <a:buChar char="•"/>
-        <a:defRPr sz="1080" kern="1200">
+        <a:defRPr sz="1260" kern="1200">
           <a:solidFill>
             <a:schemeClr val="tx1"/>
           </a:solidFill>
@@ -2820,16 +2820,16 @@
           <a:cs typeface="+mn-cs"/>
         </a:defRPr>
       </a:lvl7pPr>
-      <a:lvl8pPr marL="2057400" indent="-137160" algn="l" defTabSz="548640" rtl="0" eaLnBrk="1" latinLnBrk="0" hangingPunct="1">
+      <a:lvl8pPr marL="2400300" indent="-160020" algn="l" defTabSz="640080" rtl="0" eaLnBrk="1" latinLnBrk="0" hangingPunct="1">
         <a:lnSpc>
           <a:spcPct val="90000"/>
         </a:lnSpc>
         <a:spcBef>
-          <a:spcPts val="300"/>
+          <a:spcPts val="350"/>
         </a:spcBef>
         <a:buFont typeface="Arial" panose="020B0604020202020204" pitchFamily="34" charset="0"/>
         <a:buChar char="•"/>
-        <a:defRPr sz="1080" kern="1200">
+        <a:defRPr sz="1260" kern="1200">
           <a:solidFill>
             <a:schemeClr val="tx1"/>
           </a:solidFill>
@@ -2838,16 +2838,16 @@
           <a:cs typeface="+mn-cs"/>
         </a:defRPr>
       </a:lvl8pPr>
-      <a:lvl9pPr marL="2331720" indent="-137160" algn="l" defTabSz="548640" rtl="0" eaLnBrk="1" latinLnBrk="0" hangingPunct="1">
+      <a:lvl9pPr marL="2720340" indent="-160020" algn="l" defTabSz="640080" rtl="0" eaLnBrk="1" latinLnBrk="0" hangingPunct="1">
         <a:lnSpc>
           <a:spcPct val="90000"/>
         </a:lnSpc>
         <a:spcBef>
-          <a:spcPts val="300"/>
+          <a:spcPts val="350"/>
         </a:spcBef>
         <a:buFont typeface="Arial" panose="020B0604020202020204" pitchFamily="34" charset="0"/>
         <a:buChar char="•"/>
-        <a:defRPr sz="1080" kern="1200">
+        <a:defRPr sz="1260" kern="1200">
           <a:solidFill>
             <a:schemeClr val="tx1"/>
           </a:solidFill>
@@ -2861,8 +2861,8 @@
       <a:defPPr>
         <a:defRPr lang="en-US"/>
       </a:defPPr>
-      <a:lvl1pPr marL="0" algn="l" defTabSz="548640" rtl="0" eaLnBrk="1" latinLnBrk="0" hangingPunct="1">
-        <a:defRPr sz="1080" kern="1200">
+      <a:lvl1pPr marL="0" algn="l" defTabSz="640080" rtl="0" eaLnBrk="1" latinLnBrk="0" hangingPunct="1">
+        <a:defRPr sz="1260" kern="1200">
           <a:solidFill>
             <a:schemeClr val="tx1"/>
           </a:solidFill>
@@ -2871,8 +2871,8 @@
           <a:cs typeface="+mn-cs"/>
         </a:defRPr>
       </a:lvl1pPr>
-      <a:lvl2pPr marL="274320" algn="l" defTabSz="548640" rtl="0" eaLnBrk="1" latinLnBrk="0" hangingPunct="1">
-        <a:defRPr sz="1080" kern="1200">
+      <a:lvl2pPr marL="320040" algn="l" defTabSz="640080" rtl="0" eaLnBrk="1" latinLnBrk="0" hangingPunct="1">
+        <a:defRPr sz="1260" kern="1200">
           <a:solidFill>
             <a:schemeClr val="tx1"/>
           </a:solidFill>
@@ -2881,8 +2881,8 @@
           <a:cs typeface="+mn-cs"/>
         </a:defRPr>
       </a:lvl2pPr>
-      <a:lvl3pPr marL="548640" algn="l" defTabSz="548640" rtl="0" eaLnBrk="1" latinLnBrk="0" hangingPunct="1">
-        <a:defRPr sz="1080" kern="1200">
+      <a:lvl3pPr marL="640080" algn="l" defTabSz="640080" rtl="0" eaLnBrk="1" latinLnBrk="0" hangingPunct="1">
+        <a:defRPr sz="1260" kern="1200">
           <a:solidFill>
             <a:schemeClr val="tx1"/>
           </a:solidFill>
@@ -2891,8 +2891,8 @@
           <a:cs typeface="+mn-cs"/>
         </a:defRPr>
       </a:lvl3pPr>
-      <a:lvl4pPr marL="822960" algn="l" defTabSz="548640" rtl="0" eaLnBrk="1" latinLnBrk="0" hangingPunct="1">
-        <a:defRPr sz="1080" kern="1200">
+      <a:lvl4pPr marL="960120" algn="l" defTabSz="640080" rtl="0" eaLnBrk="1" latinLnBrk="0" hangingPunct="1">
+        <a:defRPr sz="1260" kern="1200">
           <a:solidFill>
             <a:schemeClr val="tx1"/>
           </a:solidFill>
@@ -2901,8 +2901,8 @@
           <a:cs typeface="+mn-cs"/>
         </a:defRPr>
       </a:lvl4pPr>
-      <a:lvl5pPr marL="1097280" algn="l" defTabSz="548640" rtl="0" eaLnBrk="1" latinLnBrk="0" hangingPunct="1">
-        <a:defRPr sz="1080" kern="1200">
+      <a:lvl5pPr marL="1280160" algn="l" defTabSz="640080" rtl="0" eaLnBrk="1" latinLnBrk="0" hangingPunct="1">
+        <a:defRPr sz="1260" kern="1200">
           <a:solidFill>
             <a:schemeClr val="tx1"/>
           </a:solidFill>
@@ -2911,8 +2911,8 @@
           <a:cs typeface="+mn-cs"/>
         </a:defRPr>
       </a:lvl5pPr>
-      <a:lvl6pPr marL="1371600" algn="l" defTabSz="548640" rtl="0" eaLnBrk="1" latinLnBrk="0" hangingPunct="1">
-        <a:defRPr sz="1080" kern="1200">
+      <a:lvl6pPr marL="1600200" algn="l" defTabSz="640080" rtl="0" eaLnBrk="1" latinLnBrk="0" hangingPunct="1">
+        <a:defRPr sz="1260" kern="1200">
           <a:solidFill>
             <a:schemeClr val="tx1"/>
           </a:solidFill>
@@ -2921,8 +2921,8 @@
           <a:cs typeface="+mn-cs"/>
         </a:defRPr>
       </a:lvl6pPr>
-      <a:lvl7pPr marL="1645920" algn="l" defTabSz="548640" rtl="0" eaLnBrk="1" latinLnBrk="0" hangingPunct="1">
-        <a:defRPr sz="1080" kern="1200">
+      <a:lvl7pPr marL="1920240" algn="l" defTabSz="640080" rtl="0" eaLnBrk="1" latinLnBrk="0" hangingPunct="1">
+        <a:defRPr sz="1260" kern="1200">
           <a:solidFill>
             <a:schemeClr val="tx1"/>
           </a:solidFill>
@@ -2931,8 +2931,8 @@
           <a:cs typeface="+mn-cs"/>
         </a:defRPr>
       </a:lvl7pPr>
-      <a:lvl8pPr marL="1920240" algn="l" defTabSz="548640" rtl="0" eaLnBrk="1" latinLnBrk="0" hangingPunct="1">
-        <a:defRPr sz="1080" kern="1200">
+      <a:lvl8pPr marL="2240280" algn="l" defTabSz="640080" rtl="0" eaLnBrk="1" latinLnBrk="0" hangingPunct="1">
+        <a:defRPr sz="1260" kern="1200">
           <a:solidFill>
             <a:schemeClr val="tx1"/>
           </a:solidFill>
@@ -2941,8 +2941,8 @@
           <a:cs typeface="+mn-cs"/>
         </a:defRPr>
       </a:lvl8pPr>
-      <a:lvl9pPr marL="2194560" algn="l" defTabSz="548640" rtl="0" eaLnBrk="1" latinLnBrk="0" hangingPunct="1">
-        <a:defRPr sz="1080" kern="1200">
+      <a:lvl9pPr marL="2560320" algn="l" defTabSz="640080" rtl="0" eaLnBrk="1" latinLnBrk="0" hangingPunct="1">
+        <a:defRPr sz="1260" kern="1200">
           <a:solidFill>
             <a:schemeClr val="tx1"/>
           </a:solidFill>
@@ -2973,12 +2973,334 @@
           <a:chExt cx="0" cy="0"/>
         </a:xfrm>
       </p:grpSpPr>
+      <p:sp>
+        <p:nvSpPr>
+          <p:cNvPr id="37" name="Google Shape;140;g16c60364d53_0_5">
+            <a:extLst>
+              <a:ext uri="{FF2B5EF4-FFF2-40B4-BE49-F238E27FC236}">
+                <a16:creationId xmlns:a16="http://schemas.microsoft.com/office/drawing/2014/main" id="{4F8ECAF1-5F65-4086-989B-A669963409B7}"/>
+              </a:ext>
+            </a:extLst>
+          </p:cNvPr>
+          <p:cNvSpPr/>
+          <p:nvPr/>
+        </p:nvSpPr>
+        <p:spPr>
+          <a:xfrm>
+            <a:off x="1753947" y="2091544"/>
+            <a:ext cx="834789" cy="773204"/>
+          </a:xfrm>
+          <a:prstGeom prst="rect">
+            <a:avLst/>
+          </a:prstGeom>
+          <a:solidFill>
+            <a:srgbClr val="FF0000"/>
+          </a:solidFill>
+          <a:ln w="9525" cap="flat" cmpd="sng">
+            <a:solidFill>
+              <a:schemeClr val="dk2"/>
+            </a:solidFill>
+            <a:prstDash val="solid"/>
+            <a:round/>
+            <a:headEnd type="none" w="sm" len="sm"/>
+            <a:tailEnd type="none" w="sm" len="sm"/>
+          </a:ln>
+        </p:spPr>
+        <p:txBody>
+          <a:bodyPr spcFirstLastPara="1" wrap="square" lIns="91425" tIns="91425" rIns="91425" bIns="91425" anchor="ctr" anchorCtr="0">
+            <a:noAutofit/>
+          </a:bodyPr>
+          <a:lstStyle/>
+          <a:p>
+            <a:endParaRPr>
+              <a:latin typeface="Arial" panose="020B0604020202020204" pitchFamily="34" charset="0"/>
+              <a:cs typeface="Arial" panose="020B0604020202020204" pitchFamily="34" charset="0"/>
+            </a:endParaRPr>
+          </a:p>
+        </p:txBody>
+      </p:sp>
+      <p:sp>
+        <p:nvSpPr>
+          <p:cNvPr id="60" name="Google Shape;140;g16c60364d53_0_5">
+            <a:extLst>
+              <a:ext uri="{FF2B5EF4-FFF2-40B4-BE49-F238E27FC236}">
+                <a16:creationId xmlns:a16="http://schemas.microsoft.com/office/drawing/2014/main" id="{57CABAF4-2CDC-4029-B46C-515210010B75}"/>
+              </a:ext>
+            </a:extLst>
+          </p:cNvPr>
+          <p:cNvSpPr/>
+          <p:nvPr/>
+        </p:nvSpPr>
+        <p:spPr>
+          <a:xfrm>
+            <a:off x="6010880" y="2095452"/>
+            <a:ext cx="834789" cy="773204"/>
+          </a:xfrm>
+          <a:prstGeom prst="rect">
+            <a:avLst/>
+          </a:prstGeom>
+          <a:solidFill>
+            <a:srgbClr val="FF0000"/>
+          </a:solidFill>
+          <a:ln w="9525" cap="flat" cmpd="sng">
+            <a:solidFill>
+              <a:schemeClr val="dk2"/>
+            </a:solidFill>
+            <a:prstDash val="solid"/>
+            <a:round/>
+            <a:headEnd type="none" w="sm" len="sm"/>
+            <a:tailEnd type="none" w="sm" len="sm"/>
+          </a:ln>
+        </p:spPr>
+        <p:txBody>
+          <a:bodyPr spcFirstLastPara="1" wrap="square" lIns="91425" tIns="91425" rIns="91425" bIns="91425" anchor="ctr" anchorCtr="0">
+            <a:noAutofit/>
+          </a:bodyPr>
+          <a:lstStyle/>
+          <a:p>
+            <a:endParaRPr>
+              <a:latin typeface="Arial" panose="020B0604020202020204" pitchFamily="34" charset="0"/>
+              <a:cs typeface="Arial" panose="020B0604020202020204" pitchFamily="34" charset="0"/>
+            </a:endParaRPr>
+          </a:p>
+        </p:txBody>
+      </p:sp>
+      <p:sp>
+        <p:nvSpPr>
+          <p:cNvPr id="62" name="Google Shape;140;g16c60364d53_0_5">
+            <a:extLst>
+              <a:ext uri="{FF2B5EF4-FFF2-40B4-BE49-F238E27FC236}">
+                <a16:creationId xmlns:a16="http://schemas.microsoft.com/office/drawing/2014/main" id="{F37CBDE3-463E-4868-9B45-518EFCADBF0E}"/>
+              </a:ext>
+            </a:extLst>
+          </p:cNvPr>
+          <p:cNvSpPr/>
+          <p:nvPr/>
+        </p:nvSpPr>
+        <p:spPr>
+          <a:xfrm>
+            <a:off x="6010880" y="1312877"/>
+            <a:ext cx="834789" cy="773204"/>
+          </a:xfrm>
+          <a:prstGeom prst="rect">
+            <a:avLst/>
+          </a:prstGeom>
+          <a:solidFill>
+            <a:schemeClr val="accent1"/>
+          </a:solidFill>
+          <a:ln w="9525" cap="flat" cmpd="sng">
+            <a:solidFill>
+              <a:schemeClr val="dk2"/>
+            </a:solidFill>
+            <a:prstDash val="solid"/>
+            <a:round/>
+            <a:headEnd type="none" w="sm" len="sm"/>
+            <a:tailEnd type="none" w="sm" len="sm"/>
+          </a:ln>
+        </p:spPr>
+        <p:txBody>
+          <a:bodyPr spcFirstLastPara="1" wrap="square" lIns="91425" tIns="91425" rIns="91425" bIns="91425" anchor="ctr" anchorCtr="0">
+            <a:noAutofit/>
+          </a:bodyPr>
+          <a:lstStyle/>
+          <a:p>
+            <a:endParaRPr>
+              <a:latin typeface="Arial" panose="020B0604020202020204" pitchFamily="34" charset="0"/>
+              <a:cs typeface="Arial" panose="020B0604020202020204" pitchFamily="34" charset="0"/>
+            </a:endParaRPr>
+          </a:p>
+        </p:txBody>
+      </p:sp>
+      <p:sp>
+        <p:nvSpPr>
+          <p:cNvPr id="64" name="Google Shape;140;g16c60364d53_0_5">
+            <a:extLst>
+              <a:ext uri="{FF2B5EF4-FFF2-40B4-BE49-F238E27FC236}">
+                <a16:creationId xmlns:a16="http://schemas.microsoft.com/office/drawing/2014/main" id="{85412C10-A68B-4221-A82F-8D00C9FCCC27}"/>
+              </a:ext>
+            </a:extLst>
+          </p:cNvPr>
+          <p:cNvSpPr/>
+          <p:nvPr/>
+        </p:nvSpPr>
+        <p:spPr>
+          <a:xfrm>
+            <a:off x="6851650" y="1309053"/>
+            <a:ext cx="834789" cy="773204"/>
+          </a:xfrm>
+          <a:prstGeom prst="rect">
+            <a:avLst/>
+          </a:prstGeom>
+          <a:solidFill>
+            <a:schemeClr val="accent1"/>
+          </a:solidFill>
+          <a:ln w="9525" cap="flat" cmpd="sng">
+            <a:solidFill>
+              <a:schemeClr val="dk2"/>
+            </a:solidFill>
+            <a:prstDash val="solid"/>
+            <a:round/>
+            <a:headEnd type="none" w="sm" len="sm"/>
+            <a:tailEnd type="none" w="sm" len="sm"/>
+          </a:ln>
+        </p:spPr>
+        <p:txBody>
+          <a:bodyPr spcFirstLastPara="1" wrap="square" lIns="91425" tIns="91425" rIns="91425" bIns="91425" anchor="ctr" anchorCtr="0">
+            <a:noAutofit/>
+          </a:bodyPr>
+          <a:lstStyle/>
+          <a:p>
+            <a:endParaRPr dirty="0">
+              <a:latin typeface="Arial" panose="020B0604020202020204" pitchFamily="34" charset="0"/>
+              <a:cs typeface="Arial" panose="020B0604020202020204" pitchFamily="34" charset="0"/>
+            </a:endParaRPr>
+          </a:p>
+        </p:txBody>
+      </p:sp>
+      <p:sp>
+        <p:nvSpPr>
+          <p:cNvPr id="65" name="Google Shape;140;g16c60364d53_0_5">
+            <a:extLst>
+              <a:ext uri="{FF2B5EF4-FFF2-40B4-BE49-F238E27FC236}">
+                <a16:creationId xmlns:a16="http://schemas.microsoft.com/office/drawing/2014/main" id="{7E124C1B-51F9-4373-B02E-5ADFBCA8BA55}"/>
+              </a:ext>
+            </a:extLst>
+          </p:cNvPr>
+          <p:cNvSpPr/>
+          <p:nvPr/>
+        </p:nvSpPr>
+        <p:spPr>
+          <a:xfrm>
+            <a:off x="6851650" y="2096477"/>
+            <a:ext cx="834789" cy="773204"/>
+          </a:xfrm>
+          <a:prstGeom prst="rect">
+            <a:avLst/>
+          </a:prstGeom>
+          <a:solidFill>
+            <a:schemeClr val="accent1"/>
+          </a:solidFill>
+          <a:ln w="9525" cap="flat" cmpd="sng">
+            <a:solidFill>
+              <a:schemeClr val="dk2"/>
+            </a:solidFill>
+            <a:prstDash val="solid"/>
+            <a:round/>
+            <a:headEnd type="none" w="sm" len="sm"/>
+            <a:tailEnd type="none" w="sm" len="sm"/>
+          </a:ln>
+        </p:spPr>
+        <p:txBody>
+          <a:bodyPr spcFirstLastPara="1" wrap="square" lIns="91425" tIns="91425" rIns="91425" bIns="91425" anchor="ctr" anchorCtr="0">
+            <a:noAutofit/>
+          </a:bodyPr>
+          <a:lstStyle/>
+          <a:p>
+            <a:endParaRPr>
+              <a:latin typeface="Arial" panose="020B0604020202020204" pitchFamily="34" charset="0"/>
+              <a:cs typeface="Arial" panose="020B0604020202020204" pitchFamily="34" charset="0"/>
+            </a:endParaRPr>
+          </a:p>
+        </p:txBody>
+      </p:sp>
+      <p:sp>
+        <p:nvSpPr>
+          <p:cNvPr id="66" name="Google Shape;140;g16c60364d53_0_5">
+            <a:extLst>
+              <a:ext uri="{FF2B5EF4-FFF2-40B4-BE49-F238E27FC236}">
+                <a16:creationId xmlns:a16="http://schemas.microsoft.com/office/drawing/2014/main" id="{F4DF5B17-E087-4AAA-AB0F-3C37B650C868}"/>
+              </a:ext>
+            </a:extLst>
+          </p:cNvPr>
+          <p:cNvSpPr/>
+          <p:nvPr/>
+        </p:nvSpPr>
+        <p:spPr>
+          <a:xfrm>
+            <a:off x="7678861" y="1315825"/>
+            <a:ext cx="834789" cy="773204"/>
+          </a:xfrm>
+          <a:prstGeom prst="rect">
+            <a:avLst/>
+          </a:prstGeom>
+          <a:solidFill>
+            <a:schemeClr val="accent1"/>
+          </a:solidFill>
+          <a:ln w="9525" cap="flat" cmpd="sng">
+            <a:solidFill>
+              <a:schemeClr val="dk2"/>
+            </a:solidFill>
+            <a:prstDash val="solid"/>
+            <a:round/>
+            <a:headEnd type="none" w="sm" len="sm"/>
+            <a:tailEnd type="none" w="sm" len="sm"/>
+          </a:ln>
+        </p:spPr>
+        <p:txBody>
+          <a:bodyPr spcFirstLastPara="1" wrap="square" lIns="91425" tIns="91425" rIns="91425" bIns="91425" anchor="ctr" anchorCtr="0">
+            <a:noAutofit/>
+          </a:bodyPr>
+          <a:lstStyle/>
+          <a:p>
+            <a:endParaRPr>
+              <a:latin typeface="Arial" panose="020B0604020202020204" pitchFamily="34" charset="0"/>
+              <a:cs typeface="Arial" panose="020B0604020202020204" pitchFamily="34" charset="0"/>
+            </a:endParaRPr>
+          </a:p>
+        </p:txBody>
+      </p:sp>
+      <p:sp>
+        <p:nvSpPr>
+          <p:cNvPr id="67" name="Google Shape;140;g16c60364d53_0_5">
+            <a:extLst>
+              <a:ext uri="{FF2B5EF4-FFF2-40B4-BE49-F238E27FC236}">
+                <a16:creationId xmlns:a16="http://schemas.microsoft.com/office/drawing/2014/main" id="{DBF5E206-F6EA-481D-9CDD-608F184E5FD7}"/>
+              </a:ext>
+            </a:extLst>
+          </p:cNvPr>
+          <p:cNvSpPr/>
+          <p:nvPr/>
+        </p:nvSpPr>
+        <p:spPr>
+          <a:xfrm>
+            <a:off x="7677397" y="2095452"/>
+            <a:ext cx="834789" cy="773204"/>
+          </a:xfrm>
+          <a:prstGeom prst="rect">
+            <a:avLst/>
+          </a:prstGeom>
+          <a:solidFill>
+            <a:schemeClr val="accent1"/>
+          </a:solidFill>
+          <a:ln w="9525" cap="flat" cmpd="sng">
+            <a:solidFill>
+              <a:schemeClr val="dk2"/>
+            </a:solidFill>
+            <a:prstDash val="solid"/>
+            <a:round/>
+            <a:headEnd type="none" w="sm" len="sm"/>
+            <a:tailEnd type="none" w="sm" len="sm"/>
+          </a:ln>
+        </p:spPr>
+        <p:txBody>
+          <a:bodyPr spcFirstLastPara="1" wrap="square" lIns="91425" tIns="91425" rIns="91425" bIns="91425" anchor="ctr" anchorCtr="0">
+            <a:noAutofit/>
+          </a:bodyPr>
+          <a:lstStyle/>
+          <a:p>
+            <a:endParaRPr>
+              <a:latin typeface="Arial" panose="020B0604020202020204" pitchFamily="34" charset="0"/>
+              <a:cs typeface="Arial" panose="020B0604020202020204" pitchFamily="34" charset="0"/>
+            </a:endParaRPr>
+          </a:p>
+        </p:txBody>
+      </p:sp>
       <p:graphicFrame>
         <p:nvGraphicFramePr>
-          <p:cNvPr id="79" name="Google Shape;134;g16c60364d53_0_5">
+          <p:cNvPr id="31" name="Google Shape;134;g16c60364d53_0_5">
             <a:extLst>
               <a:ext uri="{FF2B5EF4-FFF2-40B4-BE49-F238E27FC236}">
-                <a16:creationId xmlns:a16="http://schemas.microsoft.com/office/drawing/2014/main" id="{E35D0545-321D-4402-B33D-757589FFA0FC}"/>
+                <a16:creationId xmlns:a16="http://schemas.microsoft.com/office/drawing/2014/main" id="{DC4976C7-2C36-401C-ADFF-AA86E27E41D7}"/>
               </a:ext>
             </a:extLst>
           </p:cNvPr>
@@ -2986,13 +3308,13 @@
           <p:nvPr>
             <p:extLst>
               <p:ext uri="{D42A27DB-BD31-4B8C-83A1-F6EECF244321}">
-                <p14:modId xmlns:p14="http://schemas.microsoft.com/office/powerpoint/2010/main" val="2149305528"/>
+                <p14:modId xmlns:p14="http://schemas.microsoft.com/office/powerpoint/2010/main" val="83850139"/>
               </p:ext>
             </p:extLst>
           </p:nvPr>
         </p:nvGraphicFramePr>
         <p:xfrm>
-          <a:off x="877500" y="494196"/>
+          <a:off x="916263" y="526543"/>
           <a:ext cx="3324000" cy="3130000"/>
         </p:xfrm>
         <a:graphic>
@@ -3231,6 +3553,786 @@
                         </a:spcAft>
                         <a:buNone/>
                       </a:pPr>
+                      <a:endParaRPr dirty="0"/>
+                    </a:p>
+                  </a:txBody>
+                  <a:tcPr marL="91425" marR="91425" marT="91425" marB="91425"/>
+                </a:tc>
+                <a:tc>
+                  <a:txBody>
+                    <a:bodyPr/>
+                    <a:lstStyle/>
+                    <a:p>
+                      <a:pPr marL="0" lvl="0" indent="0" algn="l" rtl="0">
+                        <a:spcBef>
+                          <a:spcPts val="0"/>
+                        </a:spcBef>
+                        <a:spcAft>
+                          <a:spcPts val="0"/>
+                        </a:spcAft>
+                        <a:buNone/>
+                      </a:pPr>
+                      <a:endParaRPr dirty="0"/>
+                    </a:p>
+                  </a:txBody>
+                  <a:tcPr marL="91425" marR="91425" marT="91425" marB="91425"/>
+                </a:tc>
+                <a:tc>
+                  <a:txBody>
+                    <a:bodyPr/>
+                    <a:lstStyle/>
+                    <a:p>
+                      <a:pPr marL="0" lvl="0" indent="0" algn="l" rtl="0">
+                        <a:spcBef>
+                          <a:spcPts val="0"/>
+                        </a:spcBef>
+                        <a:spcAft>
+                          <a:spcPts val="0"/>
+                        </a:spcAft>
+                        <a:buNone/>
+                      </a:pPr>
+                      <a:endParaRPr dirty="0"/>
+                    </a:p>
+                  </a:txBody>
+                  <a:tcPr marL="91425" marR="91425" marT="91425" marB="91425"/>
+                </a:tc>
+                <a:extLst>
+                  <a:ext uri="{0D108BD9-81ED-4DB2-BD59-A6C34878D82A}">
+                    <a16:rowId xmlns:a16="http://schemas.microsoft.com/office/drawing/2014/main" val="10002"/>
+                  </a:ext>
+                </a:extLst>
+              </a:tr>
+              <a:tr h="782500">
+                <a:tc>
+                  <a:txBody>
+                    <a:bodyPr/>
+                    <a:lstStyle/>
+                    <a:p>
+                      <a:pPr marL="0" lvl="0" indent="0" algn="l" rtl="0">
+                        <a:spcBef>
+                          <a:spcPts val="0"/>
+                        </a:spcBef>
+                        <a:spcAft>
+                          <a:spcPts val="0"/>
+                        </a:spcAft>
+                        <a:buNone/>
+                      </a:pPr>
+                      <a:endParaRPr/>
+                    </a:p>
+                  </a:txBody>
+                  <a:tcPr marL="91425" marR="91425" marT="91425" marB="91425"/>
+                </a:tc>
+                <a:tc>
+                  <a:txBody>
+                    <a:bodyPr/>
+                    <a:lstStyle/>
+                    <a:p>
+                      <a:pPr marL="0" lvl="0" indent="0" algn="l" rtl="0">
+                        <a:spcBef>
+                          <a:spcPts val="0"/>
+                        </a:spcBef>
+                        <a:spcAft>
+                          <a:spcPts val="0"/>
+                        </a:spcAft>
+                        <a:buNone/>
+                      </a:pPr>
+                      <a:endParaRPr dirty="0"/>
+                    </a:p>
+                  </a:txBody>
+                  <a:tcPr marL="91425" marR="91425" marT="91425" marB="91425"/>
+                </a:tc>
+                <a:tc>
+                  <a:txBody>
+                    <a:bodyPr/>
+                    <a:lstStyle/>
+                    <a:p>
+                      <a:pPr marL="0" lvl="0" indent="0" algn="l" rtl="0">
+                        <a:spcBef>
+                          <a:spcPts val="0"/>
+                        </a:spcBef>
+                        <a:spcAft>
+                          <a:spcPts val="0"/>
+                        </a:spcAft>
+                        <a:buNone/>
+                      </a:pPr>
+                      <a:endParaRPr/>
+                    </a:p>
+                  </a:txBody>
+                  <a:tcPr marL="91425" marR="91425" marT="91425" marB="91425"/>
+                </a:tc>
+                <a:tc>
+                  <a:txBody>
+                    <a:bodyPr/>
+                    <a:lstStyle/>
+                    <a:p>
+                      <a:pPr marL="0" lvl="0" indent="0" algn="l" rtl="0">
+                        <a:spcBef>
+                          <a:spcPts val="0"/>
+                        </a:spcBef>
+                        <a:spcAft>
+                          <a:spcPts val="0"/>
+                        </a:spcAft>
+                        <a:buNone/>
+                      </a:pPr>
+                      <a:endParaRPr dirty="0"/>
+                    </a:p>
+                  </a:txBody>
+                  <a:tcPr marL="91425" marR="91425" marT="91425" marB="91425"/>
+                </a:tc>
+                <a:extLst>
+                  <a:ext uri="{0D108BD9-81ED-4DB2-BD59-A6C34878D82A}">
+                    <a16:rowId xmlns:a16="http://schemas.microsoft.com/office/drawing/2014/main" val="10003"/>
+                  </a:ext>
+                </a:extLst>
+              </a:tr>
+            </a:tbl>
+          </a:graphicData>
+        </a:graphic>
+      </p:graphicFrame>
+      <p:cxnSp>
+        <p:nvCxnSpPr>
+          <p:cNvPr id="32" name="Google Shape;135;g16c60364d53_0_5">
+            <a:extLst>
+              <a:ext uri="{FF2B5EF4-FFF2-40B4-BE49-F238E27FC236}">
+                <a16:creationId xmlns:a16="http://schemas.microsoft.com/office/drawing/2014/main" id="{07C78D27-4B27-40B5-9C6F-AF1FE178D78E}"/>
+              </a:ext>
+            </a:extLst>
+          </p:cNvPr>
+          <p:cNvCxnSpPr>
+            <a:cxnSpLocks/>
+          </p:cNvCxnSpPr>
+          <p:nvPr/>
+        </p:nvCxnSpPr>
+        <p:spPr>
+          <a:xfrm>
+            <a:off x="903191" y="456756"/>
+            <a:ext cx="3463279" cy="0"/>
+          </a:xfrm>
+          <a:prstGeom prst="straightConnector1">
+            <a:avLst/>
+          </a:prstGeom>
+          <a:noFill/>
+          <a:ln w="9525" cap="flat" cmpd="sng">
+            <a:solidFill>
+              <a:schemeClr val="dk2"/>
+            </a:solidFill>
+            <a:prstDash val="solid"/>
+            <a:round/>
+            <a:headEnd type="none" w="med" len="med"/>
+            <a:tailEnd type="triangle" w="med" len="med"/>
+          </a:ln>
+        </p:spPr>
+      </p:cxnSp>
+      <p:cxnSp>
+        <p:nvCxnSpPr>
+          <p:cNvPr id="33" name="Google Shape;136;g16c60364d53_0_5">
+            <a:extLst>
+              <a:ext uri="{FF2B5EF4-FFF2-40B4-BE49-F238E27FC236}">
+                <a16:creationId xmlns:a16="http://schemas.microsoft.com/office/drawing/2014/main" id="{1EF77F86-26AD-4405-B23C-D2AFBCB1DDFB}"/>
+              </a:ext>
+            </a:extLst>
+          </p:cNvPr>
+          <p:cNvCxnSpPr>
+            <a:cxnSpLocks/>
+          </p:cNvCxnSpPr>
+          <p:nvPr/>
+        </p:nvCxnSpPr>
+        <p:spPr>
+          <a:xfrm>
+            <a:off x="818913" y="535626"/>
+            <a:ext cx="0" cy="3319742"/>
+          </a:xfrm>
+          <a:prstGeom prst="straightConnector1">
+            <a:avLst/>
+          </a:prstGeom>
+          <a:noFill/>
+          <a:ln w="9525" cap="flat" cmpd="sng">
+            <a:solidFill>
+              <a:schemeClr val="dk2"/>
+            </a:solidFill>
+            <a:prstDash val="solid"/>
+            <a:round/>
+            <a:headEnd type="none" w="med" len="med"/>
+            <a:tailEnd type="triangle" w="med" len="med"/>
+          </a:ln>
+        </p:spPr>
+      </p:cxnSp>
+      <p:sp>
+        <p:nvSpPr>
+          <p:cNvPr id="34" name="Google Shape;137;g16c60364d53_0_5">
+            <a:extLst>
+              <a:ext uri="{FF2B5EF4-FFF2-40B4-BE49-F238E27FC236}">
+                <a16:creationId xmlns:a16="http://schemas.microsoft.com/office/drawing/2014/main" id="{20970BAD-E4D0-4738-B552-1E3C189DEACF}"/>
+              </a:ext>
+            </a:extLst>
+          </p:cNvPr>
+          <p:cNvSpPr txBox="1"/>
+          <p:nvPr/>
+        </p:nvSpPr>
+        <p:spPr>
+          <a:xfrm>
+            <a:off x="640779" y="227789"/>
+            <a:ext cx="356267" cy="491851"/>
+          </a:xfrm>
+          <a:prstGeom prst="rect">
+            <a:avLst/>
+          </a:prstGeom>
+          <a:noFill/>
+          <a:ln>
+            <a:noFill/>
+          </a:ln>
+        </p:spPr>
+        <p:txBody>
+          <a:bodyPr spcFirstLastPara="1" wrap="square" lIns="91425" tIns="91425" rIns="91425" bIns="91425" anchor="t" anchorCtr="0">
+            <a:spAutoFit/>
+          </a:bodyPr>
+          <a:lstStyle/>
+          <a:p>
+            <a:pPr algn="ctr"/>
+            <a:r>
+              <a:rPr lang="en-US">
+                <a:latin typeface="Arial" panose="020B0604020202020204" pitchFamily="34" charset="0"/>
+                <a:ea typeface="Calibri"/>
+                <a:cs typeface="Arial" panose="020B0604020202020204" pitchFamily="34" charset="0"/>
+                <a:sym typeface="Calibri"/>
+              </a:rPr>
+              <a:t>0</a:t>
+            </a:r>
+            <a:endParaRPr>
+              <a:latin typeface="Arial" panose="020B0604020202020204" pitchFamily="34" charset="0"/>
+              <a:ea typeface="Calibri"/>
+              <a:cs typeface="Arial" panose="020B0604020202020204" pitchFamily="34" charset="0"/>
+              <a:sym typeface="Calibri"/>
+            </a:endParaRPr>
+          </a:p>
+        </p:txBody>
+      </p:sp>
+      <p:sp>
+        <p:nvSpPr>
+          <p:cNvPr id="35" name="Google Shape;138;g16c60364d53_0_5">
+            <a:extLst>
+              <a:ext uri="{FF2B5EF4-FFF2-40B4-BE49-F238E27FC236}">
+                <a16:creationId xmlns:a16="http://schemas.microsoft.com/office/drawing/2014/main" id="{5F652FD1-8D96-47D1-ABD3-2F5096430851}"/>
+              </a:ext>
+            </a:extLst>
+          </p:cNvPr>
+          <p:cNvSpPr txBox="1"/>
+          <p:nvPr/>
+        </p:nvSpPr>
+        <p:spPr>
+          <a:xfrm>
+            <a:off x="4030418" y="217567"/>
+            <a:ext cx="840195" cy="491851"/>
+          </a:xfrm>
+          <a:prstGeom prst="rect">
+            <a:avLst/>
+          </a:prstGeom>
+          <a:noFill/>
+          <a:ln>
+            <a:noFill/>
+          </a:ln>
+        </p:spPr>
+        <p:txBody>
+          <a:bodyPr spcFirstLastPara="1" wrap="square" lIns="91425" tIns="91425" rIns="91425" bIns="91425" anchor="t" anchorCtr="0">
+            <a:spAutoFit/>
+          </a:bodyPr>
+          <a:lstStyle/>
+          <a:p>
+            <a:pPr algn="ctr"/>
+            <a:r>
+              <a:rPr lang="en-US">
+                <a:latin typeface="Arial" panose="020B0604020202020204" pitchFamily="34" charset="0"/>
+                <a:ea typeface="Calibri"/>
+                <a:cs typeface="Arial" panose="020B0604020202020204" pitchFamily="34" charset="0"/>
+                <a:sym typeface="Calibri"/>
+              </a:rPr>
+              <a:t>X</a:t>
+            </a:r>
+            <a:endParaRPr>
+              <a:latin typeface="Arial" panose="020B0604020202020204" pitchFamily="34" charset="0"/>
+              <a:ea typeface="Calibri"/>
+              <a:cs typeface="Arial" panose="020B0604020202020204" pitchFamily="34" charset="0"/>
+              <a:sym typeface="Calibri"/>
+            </a:endParaRPr>
+          </a:p>
+        </p:txBody>
+      </p:sp>
+      <p:sp>
+        <p:nvSpPr>
+          <p:cNvPr id="36" name="Google Shape;139;g16c60364d53_0_5">
+            <a:extLst>
+              <a:ext uri="{FF2B5EF4-FFF2-40B4-BE49-F238E27FC236}">
+                <a16:creationId xmlns:a16="http://schemas.microsoft.com/office/drawing/2014/main" id="{443CBBEC-51CD-431D-A0E5-0854908ED731}"/>
+              </a:ext>
+            </a:extLst>
+          </p:cNvPr>
+          <p:cNvSpPr txBox="1"/>
+          <p:nvPr/>
+        </p:nvSpPr>
+        <p:spPr>
+          <a:xfrm>
+            <a:off x="398815" y="3746777"/>
+            <a:ext cx="840195" cy="491851"/>
+          </a:xfrm>
+          <a:prstGeom prst="rect">
+            <a:avLst/>
+          </a:prstGeom>
+          <a:noFill/>
+          <a:ln>
+            <a:noFill/>
+          </a:ln>
+        </p:spPr>
+        <p:txBody>
+          <a:bodyPr spcFirstLastPara="1" wrap="square" lIns="91425" tIns="91425" rIns="91425" bIns="91425" anchor="t" anchorCtr="0">
+            <a:spAutoFit/>
+          </a:bodyPr>
+          <a:lstStyle/>
+          <a:p>
+            <a:pPr algn="ctr"/>
+            <a:r>
+              <a:rPr lang="en-US">
+                <a:latin typeface="Arial" panose="020B0604020202020204" pitchFamily="34" charset="0"/>
+                <a:ea typeface="Calibri"/>
+                <a:cs typeface="Arial" panose="020B0604020202020204" pitchFamily="34" charset="0"/>
+                <a:sym typeface="Calibri"/>
+              </a:rPr>
+              <a:t>Y</a:t>
+            </a:r>
+            <a:endParaRPr>
+              <a:latin typeface="Arial" panose="020B0604020202020204" pitchFamily="34" charset="0"/>
+              <a:ea typeface="Calibri"/>
+              <a:cs typeface="Arial" panose="020B0604020202020204" pitchFamily="34" charset="0"/>
+              <a:sym typeface="Calibri"/>
+            </a:endParaRPr>
+          </a:p>
+        </p:txBody>
+      </p:sp>
+      <p:cxnSp>
+        <p:nvCxnSpPr>
+          <p:cNvPr id="38" name="Google Shape;141;g16c60364d53_0_5">
+            <a:extLst>
+              <a:ext uri="{FF2B5EF4-FFF2-40B4-BE49-F238E27FC236}">
+                <a16:creationId xmlns:a16="http://schemas.microsoft.com/office/drawing/2014/main" id="{F1721388-1240-4F9B-89FA-AE9560CA306C}"/>
+              </a:ext>
+            </a:extLst>
+          </p:cNvPr>
+          <p:cNvCxnSpPr>
+            <a:cxnSpLocks/>
+          </p:cNvCxnSpPr>
+          <p:nvPr/>
+        </p:nvCxnSpPr>
+        <p:spPr>
+          <a:xfrm>
+            <a:off x="2213465" y="319499"/>
+            <a:ext cx="0" cy="788543"/>
+          </a:xfrm>
+          <a:prstGeom prst="straightConnector1">
+            <a:avLst/>
+          </a:prstGeom>
+          <a:noFill/>
+          <a:ln w="9525" cap="flat" cmpd="sng">
+            <a:solidFill>
+              <a:srgbClr val="FF0000"/>
+            </a:solidFill>
+            <a:prstDash val="solid"/>
+            <a:round/>
+            <a:headEnd type="none" w="med" len="med"/>
+            <a:tailEnd type="triangle" w="med" len="med"/>
+          </a:ln>
+        </p:spPr>
+      </p:cxnSp>
+      <p:cxnSp>
+        <p:nvCxnSpPr>
+          <p:cNvPr id="39" name="Google Shape;142;g16c60364d53_0_5">
+            <a:extLst>
+              <a:ext uri="{FF2B5EF4-FFF2-40B4-BE49-F238E27FC236}">
+                <a16:creationId xmlns:a16="http://schemas.microsoft.com/office/drawing/2014/main" id="{78823B74-F466-44F6-80DB-DC1B446735F0}"/>
+              </a:ext>
+            </a:extLst>
+          </p:cNvPr>
+          <p:cNvCxnSpPr>
+            <a:cxnSpLocks/>
+          </p:cNvCxnSpPr>
+          <p:nvPr/>
+        </p:nvCxnSpPr>
+        <p:spPr>
+          <a:xfrm rot="10800000" flipH="1">
+            <a:off x="497071" y="2601728"/>
+            <a:ext cx="896725" cy="7671"/>
+          </a:xfrm>
+          <a:prstGeom prst="straightConnector1">
+            <a:avLst/>
+          </a:prstGeom>
+          <a:noFill/>
+          <a:ln w="9525" cap="flat" cmpd="sng">
+            <a:solidFill>
+              <a:srgbClr val="FF0000"/>
+            </a:solidFill>
+            <a:prstDash val="solid"/>
+            <a:round/>
+            <a:headEnd type="none" w="med" len="med"/>
+            <a:tailEnd type="triangle" w="med" len="med"/>
+          </a:ln>
+        </p:spPr>
+      </p:cxnSp>
+      <p:sp>
+        <p:nvSpPr>
+          <p:cNvPr id="40" name="Google Shape;143;g16c60364d53_0_5">
+            <a:extLst>
+              <a:ext uri="{FF2B5EF4-FFF2-40B4-BE49-F238E27FC236}">
+                <a16:creationId xmlns:a16="http://schemas.microsoft.com/office/drawing/2014/main" id="{65145E97-B532-48CE-A283-766CF40B9F15}"/>
+              </a:ext>
+            </a:extLst>
+          </p:cNvPr>
+          <p:cNvSpPr txBox="1"/>
+          <p:nvPr/>
+        </p:nvSpPr>
+        <p:spPr>
+          <a:xfrm>
+            <a:off x="1553423" y="0"/>
+            <a:ext cx="1320084" cy="491851"/>
+          </a:xfrm>
+          <a:prstGeom prst="rect">
+            <a:avLst/>
+          </a:prstGeom>
+          <a:noFill/>
+          <a:ln>
+            <a:noFill/>
+          </a:ln>
+        </p:spPr>
+        <p:txBody>
+          <a:bodyPr spcFirstLastPara="1" wrap="square" lIns="91425" tIns="91425" rIns="91425" bIns="91425" anchor="t" anchorCtr="0">
+            <a:spAutoFit/>
+          </a:bodyPr>
+          <a:lstStyle/>
+          <a:p>
+            <a:pPr algn="ctr"/>
+            <a:r>
+              <a:rPr lang="en-US" dirty="0">
+                <a:latin typeface="Arial" panose="020B0604020202020204" pitchFamily="34" charset="0"/>
+                <a:ea typeface="Calibri"/>
+                <a:cs typeface="Arial" panose="020B0604020202020204" pitchFamily="34" charset="0"/>
+                <a:sym typeface="Calibri"/>
+              </a:rPr>
+              <a:t>X Location</a:t>
+            </a:r>
+            <a:endParaRPr dirty="0">
+              <a:latin typeface="Arial" panose="020B0604020202020204" pitchFamily="34" charset="0"/>
+              <a:ea typeface="Calibri"/>
+              <a:cs typeface="Arial" panose="020B0604020202020204" pitchFamily="34" charset="0"/>
+              <a:sym typeface="Calibri"/>
+            </a:endParaRPr>
+          </a:p>
+        </p:txBody>
+      </p:sp>
+      <p:sp>
+        <p:nvSpPr>
+          <p:cNvPr id="41" name="Google Shape;144;g16c60364d53_0_5">
+            <a:extLst>
+              <a:ext uri="{FF2B5EF4-FFF2-40B4-BE49-F238E27FC236}">
+                <a16:creationId xmlns:a16="http://schemas.microsoft.com/office/drawing/2014/main" id="{CFF4B0FB-675A-4656-8FEA-62A2E955AAD0}"/>
+              </a:ext>
+            </a:extLst>
+          </p:cNvPr>
+          <p:cNvSpPr txBox="1"/>
+          <p:nvPr/>
+        </p:nvSpPr>
+        <p:spPr>
+          <a:xfrm rot="16200000">
+            <a:off x="-440247" y="2362750"/>
+            <a:ext cx="1358454" cy="477958"/>
+          </a:xfrm>
+          <a:prstGeom prst="rect">
+            <a:avLst/>
+          </a:prstGeom>
+          <a:noFill/>
+          <a:ln>
+            <a:noFill/>
+          </a:ln>
+        </p:spPr>
+        <p:txBody>
+          <a:bodyPr spcFirstLastPara="1" wrap="square" lIns="91425" tIns="91425" rIns="91425" bIns="91425" anchor="t" anchorCtr="0">
+            <a:spAutoFit/>
+          </a:bodyPr>
+          <a:lstStyle/>
+          <a:p>
+            <a:pPr algn="ctr"/>
+            <a:r>
+              <a:rPr lang="en-US" dirty="0">
+                <a:latin typeface="Arial" panose="020B0604020202020204" pitchFamily="34" charset="0"/>
+                <a:ea typeface="Calibri"/>
+                <a:cs typeface="Arial" panose="020B0604020202020204" pitchFamily="34" charset="0"/>
+                <a:sym typeface="Calibri"/>
+              </a:rPr>
+              <a:t>Y Location</a:t>
+            </a:r>
+            <a:endParaRPr dirty="0">
+              <a:latin typeface="Arial" panose="020B0604020202020204" pitchFamily="34" charset="0"/>
+              <a:ea typeface="Calibri"/>
+              <a:cs typeface="Arial" panose="020B0604020202020204" pitchFamily="34" charset="0"/>
+              <a:sym typeface="Calibri"/>
+            </a:endParaRPr>
+          </a:p>
+        </p:txBody>
+      </p:sp>
+      <p:graphicFrame>
+        <p:nvGraphicFramePr>
+          <p:cNvPr id="43" name="Google Shape;134;g16c60364d53_0_5">
+            <a:extLst>
+              <a:ext uri="{FF2B5EF4-FFF2-40B4-BE49-F238E27FC236}">
+                <a16:creationId xmlns:a16="http://schemas.microsoft.com/office/drawing/2014/main" id="{835CF200-959F-4C45-BA87-88A17EBD1697}"/>
+              </a:ext>
+            </a:extLst>
+          </p:cNvPr>
+          <p:cNvGraphicFramePr/>
+          <p:nvPr>
+            <p:extLst>
+              <p:ext uri="{D42A27DB-BD31-4B8C-83A1-F6EECF244321}">
+                <p14:modId xmlns:p14="http://schemas.microsoft.com/office/powerpoint/2010/main" val="3185382860"/>
+              </p:ext>
+            </p:extLst>
+          </p:nvPr>
+        </p:nvGraphicFramePr>
+        <p:xfrm>
+          <a:off x="5189650" y="530931"/>
+          <a:ext cx="3324000" cy="3130000"/>
+        </p:xfrm>
+        <a:graphic>
+          <a:graphicData uri="http://schemas.openxmlformats.org/drawingml/2006/table">
+            <a:tbl>
+              <a:tblPr>
+                <a:noFill/>
+              </a:tblPr>
+              <a:tblGrid>
+                <a:gridCol w="831000">
+                  <a:extLst>
+                    <a:ext uri="{9D8B030D-6E8A-4147-A177-3AD203B41FA5}">
+                      <a16:colId xmlns:a16="http://schemas.microsoft.com/office/drawing/2014/main" val="20000"/>
+                    </a:ext>
+                  </a:extLst>
+                </a:gridCol>
+                <a:gridCol w="831000">
+                  <a:extLst>
+                    <a:ext uri="{9D8B030D-6E8A-4147-A177-3AD203B41FA5}">
+                      <a16:colId xmlns:a16="http://schemas.microsoft.com/office/drawing/2014/main" val="20001"/>
+                    </a:ext>
+                  </a:extLst>
+                </a:gridCol>
+                <a:gridCol w="831000">
+                  <a:extLst>
+                    <a:ext uri="{9D8B030D-6E8A-4147-A177-3AD203B41FA5}">
+                      <a16:colId xmlns:a16="http://schemas.microsoft.com/office/drawing/2014/main" val="20002"/>
+                    </a:ext>
+                  </a:extLst>
+                </a:gridCol>
+                <a:gridCol w="831000">
+                  <a:extLst>
+                    <a:ext uri="{9D8B030D-6E8A-4147-A177-3AD203B41FA5}">
+                      <a16:colId xmlns:a16="http://schemas.microsoft.com/office/drawing/2014/main" val="20003"/>
+                    </a:ext>
+                  </a:extLst>
+                </a:gridCol>
+              </a:tblGrid>
+              <a:tr h="782500">
+                <a:tc>
+                  <a:txBody>
+                    <a:bodyPr/>
+                    <a:lstStyle/>
+                    <a:p>
+                      <a:pPr marL="0" lvl="0" indent="0" algn="l" rtl="0">
+                        <a:spcBef>
+                          <a:spcPts val="0"/>
+                        </a:spcBef>
+                        <a:spcAft>
+                          <a:spcPts val="0"/>
+                        </a:spcAft>
+                        <a:buNone/>
+                      </a:pPr>
+                      <a:endParaRPr/>
+                    </a:p>
+                  </a:txBody>
+                  <a:tcPr marL="91425" marR="91425" marT="91425" marB="91425"/>
+                </a:tc>
+                <a:tc>
+                  <a:txBody>
+                    <a:bodyPr/>
+                    <a:lstStyle/>
+                    <a:p>
+                      <a:pPr marL="0" lvl="0" indent="0" algn="l" rtl="0">
+                        <a:spcBef>
+                          <a:spcPts val="0"/>
+                        </a:spcBef>
+                        <a:spcAft>
+                          <a:spcPts val="0"/>
+                        </a:spcAft>
+                        <a:buNone/>
+                      </a:pPr>
+                      <a:endParaRPr/>
+                    </a:p>
+                  </a:txBody>
+                  <a:tcPr marL="91425" marR="91425" marT="91425" marB="91425"/>
+                </a:tc>
+                <a:tc>
+                  <a:txBody>
+                    <a:bodyPr/>
+                    <a:lstStyle/>
+                    <a:p>
+                      <a:pPr marL="0" lvl="0" indent="0" algn="l" rtl="0">
+                        <a:spcBef>
+                          <a:spcPts val="0"/>
+                        </a:spcBef>
+                        <a:spcAft>
+                          <a:spcPts val="0"/>
+                        </a:spcAft>
+                        <a:buNone/>
+                      </a:pPr>
+                      <a:endParaRPr/>
+                    </a:p>
+                  </a:txBody>
+                  <a:tcPr marL="91425" marR="91425" marT="91425" marB="91425"/>
+                </a:tc>
+                <a:tc>
+                  <a:txBody>
+                    <a:bodyPr/>
+                    <a:lstStyle/>
+                    <a:p>
+                      <a:pPr marL="0" lvl="0" indent="0" algn="l" rtl="0">
+                        <a:spcBef>
+                          <a:spcPts val="0"/>
+                        </a:spcBef>
+                        <a:spcAft>
+                          <a:spcPts val="0"/>
+                        </a:spcAft>
+                        <a:buNone/>
+                      </a:pPr>
+                      <a:endParaRPr/>
+                    </a:p>
+                  </a:txBody>
+                  <a:tcPr marL="91425" marR="91425" marT="91425" marB="91425"/>
+                </a:tc>
+                <a:extLst>
+                  <a:ext uri="{0D108BD9-81ED-4DB2-BD59-A6C34878D82A}">
+                    <a16:rowId xmlns:a16="http://schemas.microsoft.com/office/drawing/2014/main" val="10000"/>
+                  </a:ext>
+                </a:extLst>
+              </a:tr>
+              <a:tr h="782500">
+                <a:tc>
+                  <a:txBody>
+                    <a:bodyPr/>
+                    <a:lstStyle/>
+                    <a:p>
+                      <a:pPr marL="0" lvl="0" indent="0" algn="l" rtl="0">
+                        <a:spcBef>
+                          <a:spcPts val="0"/>
+                        </a:spcBef>
+                        <a:spcAft>
+                          <a:spcPts val="0"/>
+                        </a:spcAft>
+                        <a:buNone/>
+                      </a:pPr>
+                      <a:endParaRPr/>
+                    </a:p>
+                  </a:txBody>
+                  <a:tcPr marL="91425" marR="91425" marT="91425" marB="91425"/>
+                </a:tc>
+                <a:tc>
+                  <a:txBody>
+                    <a:bodyPr/>
+                    <a:lstStyle/>
+                    <a:p>
+                      <a:pPr marL="0" lvl="0" indent="0" algn="l" rtl="0">
+                        <a:spcBef>
+                          <a:spcPts val="0"/>
+                        </a:spcBef>
+                        <a:spcAft>
+                          <a:spcPts val="0"/>
+                        </a:spcAft>
+                        <a:buNone/>
+                      </a:pPr>
+                      <a:endParaRPr/>
+                    </a:p>
+                  </a:txBody>
+                  <a:tcPr marL="91425" marR="91425" marT="91425" marB="91425"/>
+                </a:tc>
+                <a:tc>
+                  <a:txBody>
+                    <a:bodyPr/>
+                    <a:lstStyle/>
+                    <a:p>
+                      <a:pPr marL="0" lvl="0" indent="0" algn="l" rtl="0">
+                        <a:spcBef>
+                          <a:spcPts val="0"/>
+                        </a:spcBef>
+                        <a:spcAft>
+                          <a:spcPts val="0"/>
+                        </a:spcAft>
+                        <a:buNone/>
+                      </a:pPr>
+                      <a:endParaRPr dirty="0"/>
+                    </a:p>
+                  </a:txBody>
+                  <a:tcPr marL="91425" marR="91425" marT="91425" marB="91425"/>
+                </a:tc>
+                <a:tc>
+                  <a:txBody>
+                    <a:bodyPr/>
+                    <a:lstStyle/>
+                    <a:p>
+                      <a:pPr marL="0" lvl="0" indent="0" algn="l" rtl="0">
+                        <a:spcBef>
+                          <a:spcPts val="0"/>
+                        </a:spcBef>
+                        <a:spcAft>
+                          <a:spcPts val="0"/>
+                        </a:spcAft>
+                        <a:buNone/>
+                      </a:pPr>
+                      <a:endParaRPr/>
+                    </a:p>
+                  </a:txBody>
+                  <a:tcPr marL="91425" marR="91425" marT="91425" marB="91425"/>
+                </a:tc>
+                <a:extLst>
+                  <a:ext uri="{0D108BD9-81ED-4DB2-BD59-A6C34878D82A}">
+                    <a16:rowId xmlns:a16="http://schemas.microsoft.com/office/drawing/2014/main" val="10001"/>
+                  </a:ext>
+                </a:extLst>
+              </a:tr>
+              <a:tr h="782500">
+                <a:tc>
+                  <a:txBody>
+                    <a:bodyPr/>
+                    <a:lstStyle/>
+                    <a:p>
+                      <a:pPr marL="0" lvl="0" indent="0" algn="l" rtl="0">
+                        <a:spcBef>
+                          <a:spcPts val="0"/>
+                        </a:spcBef>
+                        <a:spcAft>
+                          <a:spcPts val="0"/>
+                        </a:spcAft>
+                        <a:buNone/>
+                      </a:pPr>
+                      <a:endParaRPr/>
+                    </a:p>
+                  </a:txBody>
+                  <a:tcPr marL="91425" marR="91425" marT="91425" marB="91425"/>
+                </a:tc>
+                <a:tc>
+                  <a:txBody>
+                    <a:bodyPr/>
+                    <a:lstStyle/>
+                    <a:p>
+                      <a:pPr marL="0" lvl="0" indent="0" algn="l" rtl="0">
+                        <a:spcBef>
+                          <a:spcPts val="0"/>
+                        </a:spcBef>
+                        <a:spcAft>
+                          <a:spcPts val="0"/>
+                        </a:spcAft>
+                        <a:buNone/>
+                      </a:pPr>
                       <a:endParaRPr/>
                     </a:p>
                   </a:txBody>
@@ -3295,7 +4397,7 @@
                         </a:spcAft>
                         <a:buNone/>
                       </a:pPr>
-                      <a:endParaRPr/>
+                      <a:endParaRPr dirty="0"/>
                     </a:p>
                   </a:txBody>
                   <a:tcPr marL="91425" marR="91425" marT="91425" marB="91425"/>
@@ -3352,7 +4454,7 @@
                         </a:spcAft>
                         <a:buNone/>
                       </a:pPr>
-                      <a:endParaRPr/>
+                      <a:endParaRPr dirty="0"/>
                     </a:p>
                   </a:txBody>
                   <a:tcPr marL="91425" marR="91425" marT="91425" marB="91425"/>
@@ -3369,10 +4471,10 @@
       </p:graphicFrame>
       <p:cxnSp>
         <p:nvCxnSpPr>
-          <p:cNvPr id="80" name="Google Shape;135;g16c60364d53_0_5">
+          <p:cNvPr id="44" name="Google Shape;135;g16c60364d53_0_5">
             <a:extLst>
               <a:ext uri="{FF2B5EF4-FFF2-40B4-BE49-F238E27FC236}">
-                <a16:creationId xmlns:a16="http://schemas.microsoft.com/office/drawing/2014/main" id="{AEE2CF0F-0B01-45F0-94F7-582484B505BB}"/>
+                <a16:creationId xmlns:a16="http://schemas.microsoft.com/office/drawing/2014/main" id="{C71A2ACC-55E7-43A9-984D-D41797EC8225}"/>
               </a:ext>
             </a:extLst>
           </p:cNvPr>
@@ -3383,8 +4485,8 @@
         </p:nvCxnSpPr>
         <p:spPr>
           <a:xfrm>
-            <a:off x="864875" y="428696"/>
-            <a:ext cx="3345000" cy="0"/>
+            <a:off x="5176579" y="461144"/>
+            <a:ext cx="3463279" cy="0"/>
           </a:xfrm>
           <a:prstGeom prst="straightConnector1">
             <a:avLst/>
@@ -3403,10 +4505,10 @@
       </p:cxnSp>
       <p:cxnSp>
         <p:nvCxnSpPr>
-          <p:cNvPr id="81" name="Google Shape;136;g16c60364d53_0_5">
+          <p:cNvPr id="45" name="Google Shape;136;g16c60364d53_0_5">
             <a:extLst>
               <a:ext uri="{FF2B5EF4-FFF2-40B4-BE49-F238E27FC236}">
-                <a16:creationId xmlns:a16="http://schemas.microsoft.com/office/drawing/2014/main" id="{E3551A66-56E6-4ED7-ACAC-0E9B6001FBAE}"/>
+                <a16:creationId xmlns:a16="http://schemas.microsoft.com/office/drawing/2014/main" id="{B7088599-C127-49B2-A913-C832CE613B49}"/>
               </a:ext>
             </a:extLst>
           </p:cNvPr>
@@ -3417,8 +4519,8 @@
         </p:nvCxnSpPr>
         <p:spPr>
           <a:xfrm>
-            <a:off x="783475" y="502721"/>
-            <a:ext cx="0" cy="3115800"/>
+            <a:off x="5092300" y="540014"/>
+            <a:ext cx="0" cy="3319742"/>
           </a:xfrm>
           <a:prstGeom prst="straightConnector1">
             <a:avLst/>
@@ -3437,10 +4539,10 @@
       </p:cxnSp>
       <p:sp>
         <p:nvSpPr>
-          <p:cNvPr id="82" name="Google Shape;137;g16c60364d53_0_5">
+          <p:cNvPr id="46" name="Google Shape;137;g16c60364d53_0_5">
             <a:extLst>
               <a:ext uri="{FF2B5EF4-FFF2-40B4-BE49-F238E27FC236}">
-                <a16:creationId xmlns:a16="http://schemas.microsoft.com/office/drawing/2014/main" id="{0E1B7B5A-A849-41E3-871D-2D6048E25D01}"/>
+                <a16:creationId xmlns:a16="http://schemas.microsoft.com/office/drawing/2014/main" id="{6DAAB315-93BF-4B43-851E-957D18986914}"/>
               </a:ext>
             </a:extLst>
           </p:cNvPr>
@@ -3449,8 +4551,8 @@
         </p:nvSpPr>
         <p:spPr>
           <a:xfrm>
-            <a:off x="611425" y="213795"/>
-            <a:ext cx="344100" cy="461635"/>
+            <a:off x="4914167" y="232177"/>
+            <a:ext cx="356267" cy="491851"/>
           </a:xfrm>
           <a:prstGeom prst="rect">
             <a:avLst/>
@@ -3487,10 +4589,10 @@
       </p:sp>
       <p:sp>
         <p:nvSpPr>
-          <p:cNvPr id="83" name="Google Shape;138;g16c60364d53_0_5">
+          <p:cNvPr id="47" name="Google Shape;138;g16c60364d53_0_5">
             <a:extLst>
               <a:ext uri="{FF2B5EF4-FFF2-40B4-BE49-F238E27FC236}">
-                <a16:creationId xmlns:a16="http://schemas.microsoft.com/office/drawing/2014/main" id="{9708466B-E50D-4712-912C-F9FB56A601EA}"/>
+                <a16:creationId xmlns:a16="http://schemas.microsoft.com/office/drawing/2014/main" id="{D965C55E-545A-4E0A-A960-0F6757D3B347}"/>
               </a:ext>
             </a:extLst>
           </p:cNvPr>
@@ -3499,8 +4601,8 @@
         </p:nvSpPr>
         <p:spPr>
           <a:xfrm>
-            <a:off x="3885300" y="204201"/>
-            <a:ext cx="811500" cy="461635"/>
+            <a:off x="8303805" y="221955"/>
+            <a:ext cx="840195" cy="491851"/>
           </a:xfrm>
           <a:prstGeom prst="rect">
             <a:avLst/>
@@ -3537,10 +4639,10 @@
       </p:sp>
       <p:sp>
         <p:nvSpPr>
-          <p:cNvPr id="84" name="Google Shape;139;g16c60364d53_0_5">
+          <p:cNvPr id="48" name="Google Shape;139;g16c60364d53_0_5">
             <a:extLst>
               <a:ext uri="{FF2B5EF4-FFF2-40B4-BE49-F238E27FC236}">
-                <a16:creationId xmlns:a16="http://schemas.microsoft.com/office/drawing/2014/main" id="{FF896D1C-B5E1-48C3-93B7-EEFC5989452D}"/>
+                <a16:creationId xmlns:a16="http://schemas.microsoft.com/office/drawing/2014/main" id="{5673EF5A-9FFB-47C0-90D3-03D1BD3180B1}"/>
               </a:ext>
             </a:extLst>
           </p:cNvPr>
@@ -3549,8 +4651,8 @@
         </p:nvSpPr>
         <p:spPr>
           <a:xfrm>
-            <a:off x="377725" y="3516601"/>
-            <a:ext cx="811500" cy="461635"/>
+            <a:off x="4672203" y="3751165"/>
+            <a:ext cx="840195" cy="491851"/>
           </a:xfrm>
           <a:prstGeom prst="rect">
             <a:avLst/>
@@ -3568,7 +4670,7 @@
           <a:p>
             <a:pPr algn="ctr"/>
             <a:r>
-              <a:rPr lang="en-US">
+              <a:rPr lang="en-US" dirty="0">
                 <a:latin typeface="Arial" panose="020B0604020202020204" pitchFamily="34" charset="0"/>
                 <a:ea typeface="Calibri"/>
                 <a:cs typeface="Arial" panose="020B0604020202020204" pitchFamily="34" charset="0"/>
@@ -3576,7 +4678,7 @@
               </a:rPr>
               <a:t>Y</a:t>
             </a:r>
-            <a:endParaRPr>
+            <a:endParaRPr dirty="0">
               <a:latin typeface="Arial" panose="020B0604020202020204" pitchFamily="34" charset="0"/>
               <a:ea typeface="Calibri"/>
               <a:cs typeface="Arial" panose="020B0604020202020204" pitchFamily="34" charset="0"/>
@@ -3587,10 +4689,10 @@
       </p:sp>
       <p:sp>
         <p:nvSpPr>
-          <p:cNvPr id="85" name="Google Shape;140;g16c60364d53_0_5">
+          <p:cNvPr id="55" name="Google Shape;150;g16c60364d53_0_5">
             <a:extLst>
               <a:ext uri="{FF2B5EF4-FFF2-40B4-BE49-F238E27FC236}">
-                <a16:creationId xmlns:a16="http://schemas.microsoft.com/office/drawing/2014/main" id="{09445DDE-860A-44DF-80DB-678059BF8743}"/>
+                <a16:creationId xmlns:a16="http://schemas.microsoft.com/office/drawing/2014/main" id="{EABDECB8-7F6A-4BA3-9BA7-A2B8CCD3F42E}"/>
               </a:ext>
             </a:extLst>
           </p:cNvPr>
@@ -3599,14 +4701,17 @@
         </p:nvSpPr>
         <p:spPr>
           <a:xfrm>
-            <a:off x="1708550" y="2059196"/>
-            <a:ext cx="831000" cy="782700"/>
+            <a:off x="6410236" y="2079942"/>
+            <a:ext cx="1854330" cy="240686"/>
           </a:xfrm>
-          <a:prstGeom prst="rect">
-            <a:avLst/>
+          <a:prstGeom prst="rightArrow">
+            <a:avLst>
+              <a:gd name="adj1" fmla="val 50000"/>
+              <a:gd name="adj2" fmla="val 50000"/>
+            </a:avLst>
           </a:prstGeom>
           <a:solidFill>
-            <a:srgbClr val="FF0000"/>
+            <a:srgbClr val="FFFF00"/>
           </a:solidFill>
           <a:ln w="9525" cap="flat" cmpd="sng">
             <a:solidFill>
@@ -3631,12 +4736,118 @@
           </a:p>
         </p:txBody>
       </p:sp>
+      <p:sp>
+        <p:nvSpPr>
+          <p:cNvPr id="56" name="Google Shape;151;g16c60364d53_0_5">
+            <a:extLst>
+              <a:ext uri="{FF2B5EF4-FFF2-40B4-BE49-F238E27FC236}">
+                <a16:creationId xmlns:a16="http://schemas.microsoft.com/office/drawing/2014/main" id="{77828B40-A9A6-4484-B84C-539FD322A9BF}"/>
+              </a:ext>
+            </a:extLst>
+          </p:cNvPr>
+          <p:cNvSpPr txBox="1"/>
+          <p:nvPr/>
+        </p:nvSpPr>
+        <p:spPr>
+          <a:xfrm>
+            <a:off x="6600759" y="1761252"/>
+            <a:ext cx="1320084" cy="430857"/>
+          </a:xfrm>
+          <a:prstGeom prst="rect">
+            <a:avLst/>
+          </a:prstGeom>
+          <a:noFill/>
+          <a:ln>
+            <a:noFill/>
+          </a:ln>
+        </p:spPr>
+        <p:txBody>
+          <a:bodyPr spcFirstLastPara="1" wrap="square" lIns="91425" tIns="91425" rIns="91425" bIns="91425" anchor="t" anchorCtr="0">
+            <a:spAutoFit/>
+          </a:bodyPr>
+          <a:lstStyle/>
+          <a:p>
+            <a:pPr algn="ctr"/>
+            <a:r>
+              <a:rPr lang="en-US" sz="1600" dirty="0">
+                <a:latin typeface="Arial" panose="020B0604020202020204" pitchFamily="34" charset="0"/>
+                <a:ea typeface="Calibri"/>
+                <a:cs typeface="Arial" panose="020B0604020202020204" pitchFamily="34" charset="0"/>
+                <a:sym typeface="Calibri"/>
+              </a:rPr>
+              <a:t>Direction</a:t>
+            </a:r>
+            <a:endParaRPr sz="1600" dirty="0">
+              <a:latin typeface="Arial" panose="020B0604020202020204" pitchFamily="34" charset="0"/>
+              <a:ea typeface="Calibri"/>
+              <a:cs typeface="Arial" panose="020B0604020202020204" pitchFamily="34" charset="0"/>
+              <a:sym typeface="Calibri"/>
+            </a:endParaRPr>
+          </a:p>
+        </p:txBody>
+      </p:sp>
+      <p:sp>
+        <p:nvSpPr>
+          <p:cNvPr id="57" name="Google Shape;143;g16c60364d53_0_5">
+            <a:extLst>
+              <a:ext uri="{FF2B5EF4-FFF2-40B4-BE49-F238E27FC236}">
+                <a16:creationId xmlns:a16="http://schemas.microsoft.com/office/drawing/2014/main" id="{16F4E69C-022C-4635-A39C-3139682DCD3E}"/>
+              </a:ext>
+            </a:extLst>
+          </p:cNvPr>
+          <p:cNvSpPr txBox="1"/>
+          <p:nvPr/>
+        </p:nvSpPr>
+        <p:spPr>
+          <a:xfrm>
+            <a:off x="2541245" y="3612853"/>
+            <a:ext cx="2056164" cy="461635"/>
+          </a:xfrm>
+          <a:prstGeom prst="rect">
+            <a:avLst/>
+          </a:prstGeom>
+          <a:noFill/>
+          <a:ln>
+            <a:noFill/>
+          </a:ln>
+        </p:spPr>
+        <p:txBody>
+          <a:bodyPr spcFirstLastPara="1" wrap="square" lIns="91425" tIns="91425" rIns="91425" bIns="91425" anchor="t" anchorCtr="0">
+            <a:spAutoFit/>
+          </a:bodyPr>
+          <a:lstStyle/>
+          <a:p>
+            <a:pPr algn="ctr"/>
+            <a:r>
+              <a:rPr lang="en-US" dirty="0">
+                <a:solidFill>
+                  <a:schemeClr val="accent1"/>
+                </a:solidFill>
+                <a:latin typeface="Arial" panose="020B0604020202020204" pitchFamily="34" charset="0"/>
+                <a:ea typeface="Calibri"/>
+                <a:cs typeface="Arial" panose="020B0604020202020204" pitchFamily="34" charset="0"/>
+                <a:sym typeface="Calibri"/>
+              </a:rPr>
+              <a:t>Initial Chunk</a:t>
+            </a:r>
+            <a:endParaRPr dirty="0">
+              <a:solidFill>
+                <a:schemeClr val="accent1"/>
+              </a:solidFill>
+              <a:latin typeface="Arial" panose="020B0604020202020204" pitchFamily="34" charset="0"/>
+              <a:ea typeface="Calibri"/>
+              <a:cs typeface="Arial" panose="020B0604020202020204" pitchFamily="34" charset="0"/>
+              <a:sym typeface="Calibri"/>
+            </a:endParaRPr>
+          </a:p>
+        </p:txBody>
+      </p:sp>
       <p:cxnSp>
         <p:nvCxnSpPr>
-          <p:cNvPr id="86" name="Google Shape;141;g16c60364d53_0_5">
+          <p:cNvPr id="58" name="Straight Arrow Connector 57">
             <a:extLst>
               <a:ext uri="{FF2B5EF4-FFF2-40B4-BE49-F238E27FC236}">
-                <a16:creationId xmlns:a16="http://schemas.microsoft.com/office/drawing/2014/main" id="{D8559C7C-3C0B-4573-99FD-4009CCFD874E}"/>
+                <a16:creationId xmlns:a16="http://schemas.microsoft.com/office/drawing/2014/main" id="{E5681A0D-1473-4999-9371-9AAB855E62B3}"/>
               </a:ext>
             </a:extLst>
           </p:cNvPr>
@@ -3646,1233 +4857,9 @@
           <p:nvPr/>
         </p:nvCxnSpPr>
         <p:spPr>
-          <a:xfrm>
-            <a:off x="2130400" y="299871"/>
-            <a:ext cx="0" cy="740100"/>
-          </a:xfrm>
-          <a:prstGeom prst="straightConnector1">
-            <a:avLst/>
-          </a:prstGeom>
-          <a:noFill/>
-          <a:ln w="9525" cap="flat" cmpd="sng">
-            <a:solidFill>
-              <a:srgbClr val="FF0000"/>
-            </a:solidFill>
-            <a:prstDash val="solid"/>
-            <a:round/>
-            <a:headEnd type="none" w="med" len="med"/>
-            <a:tailEnd type="triangle" w="med" len="med"/>
-          </a:ln>
-        </p:spPr>
-      </p:cxnSp>
-      <p:cxnSp>
-        <p:nvCxnSpPr>
-          <p:cNvPr id="87" name="Google Shape;142;g16c60364d53_0_5">
-            <a:extLst>
-              <a:ext uri="{FF2B5EF4-FFF2-40B4-BE49-F238E27FC236}">
-                <a16:creationId xmlns:a16="http://schemas.microsoft.com/office/drawing/2014/main" id="{EFC82C94-F671-438C-AE31-C84B4A278BC9}"/>
-              </a:ext>
-            </a:extLst>
-          </p:cNvPr>
-          <p:cNvCxnSpPr>
-            <a:cxnSpLocks/>
-          </p:cNvCxnSpPr>
-          <p:nvPr/>
-        </p:nvCxnSpPr>
-        <p:spPr>
-          <a:xfrm rot="10800000" flipH="1">
-            <a:off x="472625" y="2441896"/>
-            <a:ext cx="866100" cy="7200"/>
-          </a:xfrm>
-          <a:prstGeom prst="straightConnector1">
-            <a:avLst/>
-          </a:prstGeom>
-          <a:noFill/>
-          <a:ln w="9525" cap="flat" cmpd="sng">
-            <a:solidFill>
-              <a:srgbClr val="FF0000"/>
-            </a:solidFill>
-            <a:prstDash val="solid"/>
-            <a:round/>
-            <a:headEnd type="none" w="med" len="med"/>
-            <a:tailEnd type="triangle" w="med" len="med"/>
-          </a:ln>
-        </p:spPr>
-      </p:cxnSp>
-      <p:sp>
-        <p:nvSpPr>
-          <p:cNvPr id="88" name="Google Shape;143;g16c60364d53_0_5">
-            <a:extLst>
-              <a:ext uri="{FF2B5EF4-FFF2-40B4-BE49-F238E27FC236}">
-                <a16:creationId xmlns:a16="http://schemas.microsoft.com/office/drawing/2014/main" id="{0B6F7735-3907-4F44-A619-6CD072967116}"/>
-              </a:ext>
-            </a:extLst>
-          </p:cNvPr>
-          <p:cNvSpPr txBox="1"/>
-          <p:nvPr/>
-        </p:nvSpPr>
-        <p:spPr>
-          <a:xfrm>
-            <a:off x="1492900" y="0"/>
-            <a:ext cx="1275000" cy="461635"/>
-          </a:xfrm>
-          <a:prstGeom prst="rect">
-            <a:avLst/>
-          </a:prstGeom>
-          <a:noFill/>
-          <a:ln>
-            <a:noFill/>
-          </a:ln>
-        </p:spPr>
-        <p:txBody>
-          <a:bodyPr spcFirstLastPara="1" wrap="square" lIns="91425" tIns="91425" rIns="91425" bIns="91425" anchor="t" anchorCtr="0">
-            <a:spAutoFit/>
-          </a:bodyPr>
-          <a:lstStyle/>
-          <a:p>
-            <a:pPr algn="ctr"/>
-            <a:r>
-              <a:rPr lang="en-US" dirty="0">
-                <a:latin typeface="Arial" panose="020B0604020202020204" pitchFamily="34" charset="0"/>
-                <a:ea typeface="Calibri"/>
-                <a:cs typeface="Arial" panose="020B0604020202020204" pitchFamily="34" charset="0"/>
-                <a:sym typeface="Calibri"/>
-              </a:rPr>
-              <a:t>X Location</a:t>
-            </a:r>
-            <a:endParaRPr dirty="0">
-              <a:latin typeface="Arial" panose="020B0604020202020204" pitchFamily="34" charset="0"/>
-              <a:ea typeface="Calibri"/>
-              <a:cs typeface="Arial" panose="020B0604020202020204" pitchFamily="34" charset="0"/>
-              <a:sym typeface="Calibri"/>
-            </a:endParaRPr>
-          </a:p>
-        </p:txBody>
-      </p:sp>
-      <p:sp>
-        <p:nvSpPr>
-          <p:cNvPr id="89" name="Google Shape;144;g16c60364d53_0_5">
-            <a:extLst>
-              <a:ext uri="{FF2B5EF4-FFF2-40B4-BE49-F238E27FC236}">
-                <a16:creationId xmlns:a16="http://schemas.microsoft.com/office/drawing/2014/main" id="{432F637E-87A3-4C89-9E56-052B48F28F74}"/>
-              </a:ext>
-            </a:extLst>
-          </p:cNvPr>
-          <p:cNvSpPr txBox="1"/>
-          <p:nvPr/>
-        </p:nvSpPr>
-        <p:spPr>
-          <a:xfrm rot="16200000">
-            <a:off x="-414152" y="2211079"/>
-            <a:ext cx="1275000" cy="461635"/>
-          </a:xfrm>
-          <a:prstGeom prst="rect">
-            <a:avLst/>
-          </a:prstGeom>
-          <a:noFill/>
-          <a:ln>
-            <a:noFill/>
-          </a:ln>
-        </p:spPr>
-        <p:txBody>
-          <a:bodyPr spcFirstLastPara="1" wrap="square" lIns="91425" tIns="91425" rIns="91425" bIns="91425" anchor="t" anchorCtr="0">
-            <a:spAutoFit/>
-          </a:bodyPr>
-          <a:lstStyle/>
-          <a:p>
-            <a:pPr algn="ctr"/>
-            <a:r>
-              <a:rPr lang="en-US" dirty="0">
-                <a:latin typeface="Arial" panose="020B0604020202020204" pitchFamily="34" charset="0"/>
-                <a:ea typeface="Calibri"/>
-                <a:cs typeface="Arial" panose="020B0604020202020204" pitchFamily="34" charset="0"/>
-                <a:sym typeface="Calibri"/>
-              </a:rPr>
-              <a:t>Y Location</a:t>
-            </a:r>
-            <a:endParaRPr dirty="0">
-              <a:latin typeface="Arial" panose="020B0604020202020204" pitchFamily="34" charset="0"/>
-              <a:ea typeface="Calibri"/>
-              <a:cs typeface="Arial" panose="020B0604020202020204" pitchFamily="34" charset="0"/>
-              <a:sym typeface="Calibri"/>
-            </a:endParaRPr>
-          </a:p>
-        </p:txBody>
-      </p:sp>
-      <p:grpSp>
-        <p:nvGrpSpPr>
-          <p:cNvPr id="90" name="Group 89">
-            <a:extLst>
-              <a:ext uri="{FF2B5EF4-FFF2-40B4-BE49-F238E27FC236}">
-                <a16:creationId xmlns:a16="http://schemas.microsoft.com/office/drawing/2014/main" id="{33227CAE-0958-4008-8273-B9CFC4643B60}"/>
-              </a:ext>
-            </a:extLst>
-          </p:cNvPr>
-          <p:cNvGrpSpPr/>
-          <p:nvPr/>
-        </p:nvGrpSpPr>
-        <p:grpSpPr>
-          <a:xfrm>
-            <a:off x="4505166" y="208320"/>
-            <a:ext cx="4319075" cy="3774035"/>
-            <a:chOff x="5507494" y="204201"/>
-            <a:chExt cx="4319075" cy="3774035"/>
-          </a:xfrm>
-        </p:grpSpPr>
-        <p:graphicFrame>
-          <p:nvGraphicFramePr>
-            <p:cNvPr id="91" name="Google Shape;134;g16c60364d53_0_5">
-              <a:extLst>
-                <a:ext uri="{FF2B5EF4-FFF2-40B4-BE49-F238E27FC236}">
-                  <a16:creationId xmlns:a16="http://schemas.microsoft.com/office/drawing/2014/main" id="{688EB79D-0CC7-4B0B-A7A1-701A09C72CFF}"/>
-                </a:ext>
-              </a:extLst>
-            </p:cNvPr>
-            <p:cNvGraphicFramePr/>
-            <p:nvPr>
-              <p:extLst>
-                <p:ext uri="{D42A27DB-BD31-4B8C-83A1-F6EECF244321}">
-                  <p14:modId xmlns:p14="http://schemas.microsoft.com/office/powerpoint/2010/main" val="740584087"/>
-                </p:ext>
-              </p:extLst>
-            </p:nvPr>
-          </p:nvGraphicFramePr>
-          <p:xfrm>
-            <a:off x="6007269" y="494196"/>
-            <a:ext cx="3324000" cy="3130000"/>
-          </p:xfrm>
-          <a:graphic>
-            <a:graphicData uri="http://schemas.openxmlformats.org/drawingml/2006/table">
-              <a:tbl>
-                <a:tblPr>
-                  <a:noFill/>
-                </a:tblPr>
-                <a:tblGrid>
-                  <a:gridCol w="831000">
-                    <a:extLst>
-                      <a:ext uri="{9D8B030D-6E8A-4147-A177-3AD203B41FA5}">
-                        <a16:colId xmlns:a16="http://schemas.microsoft.com/office/drawing/2014/main" val="20000"/>
-                      </a:ext>
-                    </a:extLst>
-                  </a:gridCol>
-                  <a:gridCol w="831000">
-                    <a:extLst>
-                      <a:ext uri="{9D8B030D-6E8A-4147-A177-3AD203B41FA5}">
-                        <a16:colId xmlns:a16="http://schemas.microsoft.com/office/drawing/2014/main" val="20001"/>
-                      </a:ext>
-                    </a:extLst>
-                  </a:gridCol>
-                  <a:gridCol w="831000">
-                    <a:extLst>
-                      <a:ext uri="{9D8B030D-6E8A-4147-A177-3AD203B41FA5}">
-                        <a16:colId xmlns:a16="http://schemas.microsoft.com/office/drawing/2014/main" val="20002"/>
-                      </a:ext>
-                    </a:extLst>
-                  </a:gridCol>
-                  <a:gridCol w="831000">
-                    <a:extLst>
-                      <a:ext uri="{9D8B030D-6E8A-4147-A177-3AD203B41FA5}">
-                        <a16:colId xmlns:a16="http://schemas.microsoft.com/office/drawing/2014/main" val="20003"/>
-                      </a:ext>
-                    </a:extLst>
-                  </a:gridCol>
-                </a:tblGrid>
-                <a:tr h="782500">
-                  <a:tc>
-                    <a:txBody>
-                      <a:bodyPr/>
-                      <a:lstStyle/>
-                      <a:p>
-                        <a:pPr marL="0" lvl="0" indent="0" algn="l" rtl="0">
-                          <a:spcBef>
-                            <a:spcPts val="0"/>
-                          </a:spcBef>
-                          <a:spcAft>
-                            <a:spcPts val="0"/>
-                          </a:spcAft>
-                          <a:buNone/>
-                        </a:pPr>
-                        <a:endParaRPr/>
-                      </a:p>
-                    </a:txBody>
-                    <a:tcPr marL="91425" marR="91425" marT="91425" marB="91425"/>
-                  </a:tc>
-                  <a:tc>
-                    <a:txBody>
-                      <a:bodyPr/>
-                      <a:lstStyle/>
-                      <a:p>
-                        <a:pPr marL="0" lvl="0" indent="0" algn="l" rtl="0">
-                          <a:spcBef>
-                            <a:spcPts val="0"/>
-                          </a:spcBef>
-                          <a:spcAft>
-                            <a:spcPts val="0"/>
-                          </a:spcAft>
-                          <a:buNone/>
-                        </a:pPr>
-                        <a:endParaRPr/>
-                      </a:p>
-                    </a:txBody>
-                    <a:tcPr marL="91425" marR="91425" marT="91425" marB="91425"/>
-                  </a:tc>
-                  <a:tc>
-                    <a:txBody>
-                      <a:bodyPr/>
-                      <a:lstStyle/>
-                      <a:p>
-                        <a:pPr marL="0" lvl="0" indent="0" algn="l" rtl="0">
-                          <a:spcBef>
-                            <a:spcPts val="0"/>
-                          </a:spcBef>
-                          <a:spcAft>
-                            <a:spcPts val="0"/>
-                          </a:spcAft>
-                          <a:buNone/>
-                        </a:pPr>
-                        <a:endParaRPr/>
-                      </a:p>
-                    </a:txBody>
-                    <a:tcPr marL="91425" marR="91425" marT="91425" marB="91425"/>
-                  </a:tc>
-                  <a:tc>
-                    <a:txBody>
-                      <a:bodyPr/>
-                      <a:lstStyle/>
-                      <a:p>
-                        <a:pPr marL="0" lvl="0" indent="0" algn="l" rtl="0">
-                          <a:spcBef>
-                            <a:spcPts val="0"/>
-                          </a:spcBef>
-                          <a:spcAft>
-                            <a:spcPts val="0"/>
-                          </a:spcAft>
-                          <a:buNone/>
-                        </a:pPr>
-                        <a:endParaRPr/>
-                      </a:p>
-                    </a:txBody>
-                    <a:tcPr marL="91425" marR="91425" marT="91425" marB="91425"/>
-                  </a:tc>
-                  <a:extLst>
-                    <a:ext uri="{0D108BD9-81ED-4DB2-BD59-A6C34878D82A}">
-                      <a16:rowId xmlns:a16="http://schemas.microsoft.com/office/drawing/2014/main" val="10000"/>
-                    </a:ext>
-                  </a:extLst>
-                </a:tr>
-                <a:tr h="782500">
-                  <a:tc>
-                    <a:txBody>
-                      <a:bodyPr/>
-                      <a:lstStyle/>
-                      <a:p>
-                        <a:pPr marL="0" lvl="0" indent="0" algn="l" rtl="0">
-                          <a:spcBef>
-                            <a:spcPts val="0"/>
-                          </a:spcBef>
-                          <a:spcAft>
-                            <a:spcPts val="0"/>
-                          </a:spcAft>
-                          <a:buNone/>
-                        </a:pPr>
-                        <a:endParaRPr/>
-                      </a:p>
-                    </a:txBody>
-                    <a:tcPr marL="91425" marR="91425" marT="91425" marB="91425"/>
-                  </a:tc>
-                  <a:tc>
-                    <a:txBody>
-                      <a:bodyPr/>
-                      <a:lstStyle/>
-                      <a:p>
-                        <a:pPr marL="0" lvl="0" indent="0" algn="l" rtl="0">
-                          <a:spcBef>
-                            <a:spcPts val="0"/>
-                          </a:spcBef>
-                          <a:spcAft>
-                            <a:spcPts val="0"/>
-                          </a:spcAft>
-                          <a:buNone/>
-                        </a:pPr>
-                        <a:endParaRPr/>
-                      </a:p>
-                    </a:txBody>
-                    <a:tcPr marL="91425" marR="91425" marT="91425" marB="91425"/>
-                  </a:tc>
-                  <a:tc>
-                    <a:txBody>
-                      <a:bodyPr/>
-                      <a:lstStyle/>
-                      <a:p>
-                        <a:pPr marL="0" lvl="0" indent="0" algn="l" rtl="0">
-                          <a:spcBef>
-                            <a:spcPts val="0"/>
-                          </a:spcBef>
-                          <a:spcAft>
-                            <a:spcPts val="0"/>
-                          </a:spcAft>
-                          <a:buNone/>
-                        </a:pPr>
-                        <a:endParaRPr/>
-                      </a:p>
-                    </a:txBody>
-                    <a:tcPr marL="91425" marR="91425" marT="91425" marB="91425"/>
-                  </a:tc>
-                  <a:tc>
-                    <a:txBody>
-                      <a:bodyPr/>
-                      <a:lstStyle/>
-                      <a:p>
-                        <a:pPr marL="0" lvl="0" indent="0" algn="l" rtl="0">
-                          <a:spcBef>
-                            <a:spcPts val="0"/>
-                          </a:spcBef>
-                          <a:spcAft>
-                            <a:spcPts val="0"/>
-                          </a:spcAft>
-                          <a:buNone/>
-                        </a:pPr>
-                        <a:endParaRPr/>
-                      </a:p>
-                    </a:txBody>
-                    <a:tcPr marL="91425" marR="91425" marT="91425" marB="91425"/>
-                  </a:tc>
-                  <a:extLst>
-                    <a:ext uri="{0D108BD9-81ED-4DB2-BD59-A6C34878D82A}">
-                      <a16:rowId xmlns:a16="http://schemas.microsoft.com/office/drawing/2014/main" val="10001"/>
-                    </a:ext>
-                  </a:extLst>
-                </a:tr>
-                <a:tr h="782500">
-                  <a:tc>
-                    <a:txBody>
-                      <a:bodyPr/>
-                      <a:lstStyle/>
-                      <a:p>
-                        <a:pPr marL="0" lvl="0" indent="0" algn="l" rtl="0">
-                          <a:spcBef>
-                            <a:spcPts val="0"/>
-                          </a:spcBef>
-                          <a:spcAft>
-                            <a:spcPts val="0"/>
-                          </a:spcAft>
-                          <a:buNone/>
-                        </a:pPr>
-                        <a:endParaRPr/>
-                      </a:p>
-                    </a:txBody>
-                    <a:tcPr marL="91425" marR="91425" marT="91425" marB="91425"/>
-                  </a:tc>
-                  <a:tc>
-                    <a:txBody>
-                      <a:bodyPr/>
-                      <a:lstStyle/>
-                      <a:p>
-                        <a:pPr marL="0" lvl="0" indent="0" algn="l" rtl="0">
-                          <a:spcBef>
-                            <a:spcPts val="0"/>
-                          </a:spcBef>
-                          <a:spcAft>
-                            <a:spcPts val="0"/>
-                          </a:spcAft>
-                          <a:buNone/>
-                        </a:pPr>
-                        <a:endParaRPr/>
-                      </a:p>
-                    </a:txBody>
-                    <a:tcPr marL="91425" marR="91425" marT="91425" marB="91425"/>
-                  </a:tc>
-                  <a:tc>
-                    <a:txBody>
-                      <a:bodyPr/>
-                      <a:lstStyle/>
-                      <a:p>
-                        <a:pPr marL="0" lvl="0" indent="0" algn="l" rtl="0">
-                          <a:spcBef>
-                            <a:spcPts val="0"/>
-                          </a:spcBef>
-                          <a:spcAft>
-                            <a:spcPts val="0"/>
-                          </a:spcAft>
-                          <a:buNone/>
-                        </a:pPr>
-                        <a:endParaRPr/>
-                      </a:p>
-                    </a:txBody>
-                    <a:tcPr marL="91425" marR="91425" marT="91425" marB="91425"/>
-                  </a:tc>
-                  <a:tc>
-                    <a:txBody>
-                      <a:bodyPr/>
-                      <a:lstStyle/>
-                      <a:p>
-                        <a:pPr marL="0" lvl="0" indent="0" algn="l" rtl="0">
-                          <a:spcBef>
-                            <a:spcPts val="0"/>
-                          </a:spcBef>
-                          <a:spcAft>
-                            <a:spcPts val="0"/>
-                          </a:spcAft>
-                          <a:buNone/>
-                        </a:pPr>
-                        <a:endParaRPr/>
-                      </a:p>
-                    </a:txBody>
-                    <a:tcPr marL="91425" marR="91425" marT="91425" marB="91425"/>
-                  </a:tc>
-                  <a:extLst>
-                    <a:ext uri="{0D108BD9-81ED-4DB2-BD59-A6C34878D82A}">
-                      <a16:rowId xmlns:a16="http://schemas.microsoft.com/office/drawing/2014/main" val="10002"/>
-                    </a:ext>
-                  </a:extLst>
-                </a:tr>
-                <a:tr h="782500">
-                  <a:tc>
-                    <a:txBody>
-                      <a:bodyPr/>
-                      <a:lstStyle/>
-                      <a:p>
-                        <a:pPr marL="0" lvl="0" indent="0" algn="l" rtl="0">
-                          <a:spcBef>
-                            <a:spcPts val="0"/>
-                          </a:spcBef>
-                          <a:spcAft>
-                            <a:spcPts val="0"/>
-                          </a:spcAft>
-                          <a:buNone/>
-                        </a:pPr>
-                        <a:endParaRPr dirty="0"/>
-                      </a:p>
-                    </a:txBody>
-                    <a:tcPr marL="91425" marR="91425" marT="91425" marB="91425"/>
-                  </a:tc>
-                  <a:tc>
-                    <a:txBody>
-                      <a:bodyPr/>
-                      <a:lstStyle/>
-                      <a:p>
-                        <a:pPr marL="0" lvl="0" indent="0" algn="l" rtl="0">
-                          <a:spcBef>
-                            <a:spcPts val="0"/>
-                          </a:spcBef>
-                          <a:spcAft>
-                            <a:spcPts val="0"/>
-                          </a:spcAft>
-                          <a:buNone/>
-                        </a:pPr>
-                        <a:endParaRPr/>
-                      </a:p>
-                    </a:txBody>
-                    <a:tcPr marL="91425" marR="91425" marT="91425" marB="91425"/>
-                  </a:tc>
-                  <a:tc>
-                    <a:txBody>
-                      <a:bodyPr/>
-                      <a:lstStyle/>
-                      <a:p>
-                        <a:pPr marL="0" lvl="0" indent="0" algn="l" rtl="0">
-                          <a:spcBef>
-                            <a:spcPts val="0"/>
-                          </a:spcBef>
-                          <a:spcAft>
-                            <a:spcPts val="0"/>
-                          </a:spcAft>
-                          <a:buNone/>
-                        </a:pPr>
-                        <a:endParaRPr/>
-                      </a:p>
-                    </a:txBody>
-                    <a:tcPr marL="91425" marR="91425" marT="91425" marB="91425"/>
-                  </a:tc>
-                  <a:tc>
-                    <a:txBody>
-                      <a:bodyPr/>
-                      <a:lstStyle/>
-                      <a:p>
-                        <a:pPr marL="0" lvl="0" indent="0" algn="l" rtl="0">
-                          <a:spcBef>
-                            <a:spcPts val="0"/>
-                          </a:spcBef>
-                          <a:spcAft>
-                            <a:spcPts val="0"/>
-                          </a:spcAft>
-                          <a:buNone/>
-                        </a:pPr>
-                        <a:endParaRPr dirty="0"/>
-                      </a:p>
-                    </a:txBody>
-                    <a:tcPr marL="91425" marR="91425" marT="91425" marB="91425"/>
-                  </a:tc>
-                  <a:extLst>
-                    <a:ext uri="{0D108BD9-81ED-4DB2-BD59-A6C34878D82A}">
-                      <a16:rowId xmlns:a16="http://schemas.microsoft.com/office/drawing/2014/main" val="10003"/>
-                    </a:ext>
-                  </a:extLst>
-                </a:tr>
-              </a:tbl>
-            </a:graphicData>
-          </a:graphic>
-        </p:graphicFrame>
-        <p:cxnSp>
-          <p:nvCxnSpPr>
-            <p:cNvPr id="92" name="Google Shape;135;g16c60364d53_0_5">
-              <a:extLst>
-                <a:ext uri="{FF2B5EF4-FFF2-40B4-BE49-F238E27FC236}">
-                  <a16:creationId xmlns:a16="http://schemas.microsoft.com/office/drawing/2014/main" id="{B42FE214-B589-4508-9BE6-070563F1B172}"/>
-                </a:ext>
-              </a:extLst>
-            </p:cNvPr>
-            <p:cNvCxnSpPr>
-              <a:cxnSpLocks/>
-            </p:cNvCxnSpPr>
-            <p:nvPr/>
-          </p:nvCxnSpPr>
-          <p:spPr>
-            <a:xfrm>
-              <a:off x="5994644" y="428696"/>
-              <a:ext cx="3345000" cy="0"/>
-            </a:xfrm>
-            <a:prstGeom prst="straightConnector1">
-              <a:avLst/>
-            </a:prstGeom>
-            <a:noFill/>
-            <a:ln w="9525" cap="flat" cmpd="sng">
-              <a:solidFill>
-                <a:schemeClr val="dk2"/>
-              </a:solidFill>
-              <a:prstDash val="solid"/>
-              <a:round/>
-              <a:headEnd type="none" w="med" len="med"/>
-              <a:tailEnd type="triangle" w="med" len="med"/>
-            </a:ln>
-          </p:spPr>
-        </p:cxnSp>
-        <p:cxnSp>
-          <p:nvCxnSpPr>
-            <p:cNvPr id="93" name="Google Shape;136;g16c60364d53_0_5">
-              <a:extLst>
-                <a:ext uri="{FF2B5EF4-FFF2-40B4-BE49-F238E27FC236}">
-                  <a16:creationId xmlns:a16="http://schemas.microsoft.com/office/drawing/2014/main" id="{48D705E8-4339-452A-98FE-2F054D4A036A}"/>
-                </a:ext>
-              </a:extLst>
-            </p:cNvPr>
-            <p:cNvCxnSpPr>
-              <a:cxnSpLocks/>
-            </p:cNvCxnSpPr>
-            <p:nvPr/>
-          </p:nvCxnSpPr>
-          <p:spPr>
-            <a:xfrm>
-              <a:off x="5913244" y="502721"/>
-              <a:ext cx="0" cy="3115800"/>
-            </a:xfrm>
-            <a:prstGeom prst="straightConnector1">
-              <a:avLst/>
-            </a:prstGeom>
-            <a:noFill/>
-            <a:ln w="9525" cap="flat" cmpd="sng">
-              <a:solidFill>
-                <a:schemeClr val="dk2"/>
-              </a:solidFill>
-              <a:prstDash val="solid"/>
-              <a:round/>
-              <a:headEnd type="none" w="med" len="med"/>
-              <a:tailEnd type="triangle" w="med" len="med"/>
-            </a:ln>
-          </p:spPr>
-        </p:cxnSp>
-        <p:sp>
-          <p:nvSpPr>
-            <p:cNvPr id="94" name="Google Shape;137;g16c60364d53_0_5">
-              <a:extLst>
-                <a:ext uri="{FF2B5EF4-FFF2-40B4-BE49-F238E27FC236}">
-                  <a16:creationId xmlns:a16="http://schemas.microsoft.com/office/drawing/2014/main" id="{53444F34-C2FC-4830-916D-56342D5C9957}"/>
-                </a:ext>
-              </a:extLst>
-            </p:cNvPr>
-            <p:cNvSpPr txBox="1"/>
-            <p:nvPr/>
-          </p:nvSpPr>
-          <p:spPr>
-            <a:xfrm>
-              <a:off x="5741194" y="213795"/>
-              <a:ext cx="344100" cy="461635"/>
-            </a:xfrm>
-            <a:prstGeom prst="rect">
-              <a:avLst/>
-            </a:prstGeom>
-            <a:noFill/>
-            <a:ln>
-              <a:noFill/>
-            </a:ln>
-          </p:spPr>
-          <p:txBody>
-            <a:bodyPr spcFirstLastPara="1" wrap="square" lIns="91425" tIns="91425" rIns="91425" bIns="91425" anchor="t" anchorCtr="0">
-              <a:spAutoFit/>
-            </a:bodyPr>
-            <a:lstStyle/>
-            <a:p>
-              <a:pPr algn="ctr"/>
-              <a:r>
-                <a:rPr lang="en-US">
-                  <a:latin typeface="Arial" panose="020B0604020202020204" pitchFamily="34" charset="0"/>
-                  <a:ea typeface="Calibri"/>
-                  <a:cs typeface="Arial" panose="020B0604020202020204" pitchFamily="34" charset="0"/>
-                  <a:sym typeface="Calibri"/>
-                </a:rPr>
-                <a:t>0</a:t>
-              </a:r>
-              <a:endParaRPr>
-                <a:latin typeface="Arial" panose="020B0604020202020204" pitchFamily="34" charset="0"/>
-                <a:ea typeface="Calibri"/>
-                <a:cs typeface="Arial" panose="020B0604020202020204" pitchFamily="34" charset="0"/>
-                <a:sym typeface="Calibri"/>
-              </a:endParaRPr>
-            </a:p>
-          </p:txBody>
-        </p:sp>
-        <p:sp>
-          <p:nvSpPr>
-            <p:cNvPr id="95" name="Google Shape;138;g16c60364d53_0_5">
-              <a:extLst>
-                <a:ext uri="{FF2B5EF4-FFF2-40B4-BE49-F238E27FC236}">
-                  <a16:creationId xmlns:a16="http://schemas.microsoft.com/office/drawing/2014/main" id="{98CEE438-EE2D-48C2-8459-B20F3261220F}"/>
-                </a:ext>
-              </a:extLst>
-            </p:cNvPr>
-            <p:cNvSpPr txBox="1"/>
-            <p:nvPr/>
-          </p:nvSpPr>
-          <p:spPr>
-            <a:xfrm>
-              <a:off x="9015069" y="204201"/>
-              <a:ext cx="811500" cy="461635"/>
-            </a:xfrm>
-            <a:prstGeom prst="rect">
-              <a:avLst/>
-            </a:prstGeom>
-            <a:noFill/>
-            <a:ln>
-              <a:noFill/>
-            </a:ln>
-          </p:spPr>
-          <p:txBody>
-            <a:bodyPr spcFirstLastPara="1" wrap="square" lIns="91425" tIns="91425" rIns="91425" bIns="91425" anchor="t" anchorCtr="0">
-              <a:spAutoFit/>
-            </a:bodyPr>
-            <a:lstStyle/>
-            <a:p>
-              <a:pPr algn="ctr"/>
-              <a:r>
-                <a:rPr lang="en-US">
-                  <a:latin typeface="Arial" panose="020B0604020202020204" pitchFamily="34" charset="0"/>
-                  <a:ea typeface="Calibri"/>
-                  <a:cs typeface="Arial" panose="020B0604020202020204" pitchFamily="34" charset="0"/>
-                  <a:sym typeface="Calibri"/>
-                </a:rPr>
-                <a:t>X</a:t>
-              </a:r>
-              <a:endParaRPr>
-                <a:latin typeface="Arial" panose="020B0604020202020204" pitchFamily="34" charset="0"/>
-                <a:ea typeface="Calibri"/>
-                <a:cs typeface="Arial" panose="020B0604020202020204" pitchFamily="34" charset="0"/>
-                <a:sym typeface="Calibri"/>
-              </a:endParaRPr>
-            </a:p>
-          </p:txBody>
-        </p:sp>
-        <p:sp>
-          <p:nvSpPr>
-            <p:cNvPr id="96" name="Google Shape;139;g16c60364d53_0_5">
-              <a:extLst>
-                <a:ext uri="{FF2B5EF4-FFF2-40B4-BE49-F238E27FC236}">
-                  <a16:creationId xmlns:a16="http://schemas.microsoft.com/office/drawing/2014/main" id="{412E0017-F489-4A14-84A6-4CD83C1F999C}"/>
-                </a:ext>
-              </a:extLst>
-            </p:cNvPr>
-            <p:cNvSpPr txBox="1"/>
-            <p:nvPr/>
-          </p:nvSpPr>
-          <p:spPr>
-            <a:xfrm>
-              <a:off x="5507494" y="3516601"/>
-              <a:ext cx="811500" cy="461635"/>
-            </a:xfrm>
-            <a:prstGeom prst="rect">
-              <a:avLst/>
-            </a:prstGeom>
-            <a:noFill/>
-            <a:ln>
-              <a:noFill/>
-            </a:ln>
-          </p:spPr>
-          <p:txBody>
-            <a:bodyPr spcFirstLastPara="1" wrap="square" lIns="91425" tIns="91425" rIns="91425" bIns="91425" anchor="t" anchorCtr="0">
-              <a:spAutoFit/>
-            </a:bodyPr>
-            <a:lstStyle/>
-            <a:p>
-              <a:pPr algn="ctr"/>
-              <a:r>
-                <a:rPr lang="en-US" dirty="0">
-                  <a:latin typeface="Arial" panose="020B0604020202020204" pitchFamily="34" charset="0"/>
-                  <a:ea typeface="Calibri"/>
-                  <a:cs typeface="Arial" panose="020B0604020202020204" pitchFamily="34" charset="0"/>
-                  <a:sym typeface="Calibri"/>
-                </a:rPr>
-                <a:t>Y</a:t>
-              </a:r>
-              <a:endParaRPr dirty="0">
-                <a:latin typeface="Arial" panose="020B0604020202020204" pitchFamily="34" charset="0"/>
-                <a:ea typeface="Calibri"/>
-                <a:cs typeface="Arial" panose="020B0604020202020204" pitchFamily="34" charset="0"/>
-                <a:sym typeface="Calibri"/>
-              </a:endParaRPr>
-            </a:p>
-          </p:txBody>
-        </p:sp>
-        <p:sp>
-          <p:nvSpPr>
-            <p:cNvPr id="97" name="Google Shape;140;g16c60364d53_0_5">
-              <a:extLst>
-                <a:ext uri="{FF2B5EF4-FFF2-40B4-BE49-F238E27FC236}">
-                  <a16:creationId xmlns:a16="http://schemas.microsoft.com/office/drawing/2014/main" id="{9C21EA60-E7E6-4092-8219-42348EC5DA1C}"/>
-                </a:ext>
-              </a:extLst>
-            </p:cNvPr>
-            <p:cNvSpPr/>
-            <p:nvPr/>
-          </p:nvSpPr>
-          <p:spPr>
-            <a:xfrm>
-              <a:off x="6838319" y="2059196"/>
-              <a:ext cx="831000" cy="782700"/>
-            </a:xfrm>
-            <a:prstGeom prst="rect">
-              <a:avLst/>
-            </a:prstGeom>
-            <a:solidFill>
-              <a:srgbClr val="FF0000"/>
-            </a:solidFill>
-            <a:ln w="9525" cap="flat" cmpd="sng">
-              <a:solidFill>
-                <a:schemeClr val="dk2"/>
-              </a:solidFill>
-              <a:prstDash val="solid"/>
-              <a:round/>
-              <a:headEnd type="none" w="sm" len="sm"/>
-              <a:tailEnd type="none" w="sm" len="sm"/>
-            </a:ln>
-          </p:spPr>
-          <p:txBody>
-            <a:bodyPr spcFirstLastPara="1" wrap="square" lIns="91425" tIns="91425" rIns="91425" bIns="91425" anchor="ctr" anchorCtr="0">
-              <a:noAutofit/>
-            </a:bodyPr>
-            <a:lstStyle/>
-            <a:p>
-              <a:endParaRPr>
-                <a:latin typeface="Arial" panose="020B0604020202020204" pitchFamily="34" charset="0"/>
-                <a:cs typeface="Arial" panose="020B0604020202020204" pitchFamily="34" charset="0"/>
-              </a:endParaRPr>
-            </a:p>
-          </p:txBody>
-        </p:sp>
-        <p:sp>
-          <p:nvSpPr>
-            <p:cNvPr id="98" name="Google Shape;145;g16c60364d53_0_5">
-              <a:extLst>
-                <a:ext uri="{FF2B5EF4-FFF2-40B4-BE49-F238E27FC236}">
-                  <a16:creationId xmlns:a16="http://schemas.microsoft.com/office/drawing/2014/main" id="{D03710B8-62C6-4ABE-B326-BA9A2F5C8060}"/>
-                </a:ext>
-              </a:extLst>
-            </p:cNvPr>
-            <p:cNvSpPr/>
-            <p:nvPr/>
-          </p:nvSpPr>
-          <p:spPr>
-            <a:xfrm>
-              <a:off x="6844669" y="1276696"/>
-              <a:ext cx="831000" cy="782700"/>
-            </a:xfrm>
-            <a:prstGeom prst="rect">
-              <a:avLst/>
-            </a:prstGeom>
-            <a:solidFill>
-              <a:schemeClr val="accent5"/>
-            </a:solidFill>
-            <a:ln w="9525" cap="flat" cmpd="sng">
-              <a:solidFill>
-                <a:schemeClr val="dk2"/>
-              </a:solidFill>
-              <a:prstDash val="solid"/>
-              <a:round/>
-              <a:headEnd type="none" w="sm" len="sm"/>
-              <a:tailEnd type="none" w="sm" len="sm"/>
-            </a:ln>
-          </p:spPr>
-          <p:txBody>
-            <a:bodyPr spcFirstLastPara="1" wrap="square" lIns="91425" tIns="91425" rIns="91425" bIns="91425" anchor="ctr" anchorCtr="0">
-              <a:noAutofit/>
-            </a:bodyPr>
-            <a:lstStyle/>
-            <a:p>
-              <a:endParaRPr>
-                <a:latin typeface="Arial" panose="020B0604020202020204" pitchFamily="34" charset="0"/>
-                <a:cs typeface="Arial" panose="020B0604020202020204" pitchFamily="34" charset="0"/>
-              </a:endParaRPr>
-            </a:p>
-          </p:txBody>
-        </p:sp>
-        <p:sp>
-          <p:nvSpPr>
-            <p:cNvPr id="99" name="Google Shape;146;g16c60364d53_0_5">
-              <a:extLst>
-                <a:ext uri="{FF2B5EF4-FFF2-40B4-BE49-F238E27FC236}">
-                  <a16:creationId xmlns:a16="http://schemas.microsoft.com/office/drawing/2014/main" id="{A6D96693-A2AD-420C-B9B0-7714A3476755}"/>
-                </a:ext>
-              </a:extLst>
-            </p:cNvPr>
-            <p:cNvSpPr/>
-            <p:nvPr/>
-          </p:nvSpPr>
-          <p:spPr>
-            <a:xfrm>
-              <a:off x="7666169" y="1276696"/>
-              <a:ext cx="831000" cy="782700"/>
-            </a:xfrm>
-            <a:prstGeom prst="rect">
-              <a:avLst/>
-            </a:prstGeom>
-            <a:solidFill>
-              <a:schemeClr val="accent5"/>
-            </a:solidFill>
-            <a:ln w="9525" cap="flat" cmpd="sng">
-              <a:solidFill>
-                <a:schemeClr val="dk2"/>
-              </a:solidFill>
-              <a:prstDash val="solid"/>
-              <a:round/>
-              <a:headEnd type="none" w="sm" len="sm"/>
-              <a:tailEnd type="none" w="sm" len="sm"/>
-            </a:ln>
-          </p:spPr>
-          <p:txBody>
-            <a:bodyPr spcFirstLastPara="1" wrap="square" lIns="91425" tIns="91425" rIns="91425" bIns="91425" anchor="ctr" anchorCtr="0">
-              <a:noAutofit/>
-            </a:bodyPr>
-            <a:lstStyle/>
-            <a:p>
-              <a:endParaRPr>
-                <a:latin typeface="Arial" panose="020B0604020202020204" pitchFamily="34" charset="0"/>
-                <a:cs typeface="Arial" panose="020B0604020202020204" pitchFamily="34" charset="0"/>
-              </a:endParaRPr>
-            </a:p>
-          </p:txBody>
-        </p:sp>
-        <p:sp>
-          <p:nvSpPr>
-            <p:cNvPr id="100" name="Google Shape;147;g16c60364d53_0_5">
-              <a:extLst>
-                <a:ext uri="{FF2B5EF4-FFF2-40B4-BE49-F238E27FC236}">
-                  <a16:creationId xmlns:a16="http://schemas.microsoft.com/office/drawing/2014/main" id="{7A1426D3-0797-4E67-AA33-985F2388C2D2}"/>
-                </a:ext>
-              </a:extLst>
-            </p:cNvPr>
-            <p:cNvSpPr/>
-            <p:nvPr/>
-          </p:nvSpPr>
-          <p:spPr>
-            <a:xfrm>
-              <a:off x="7666169" y="2054146"/>
-              <a:ext cx="831000" cy="782700"/>
-            </a:xfrm>
-            <a:prstGeom prst="rect">
-              <a:avLst/>
-            </a:prstGeom>
-            <a:solidFill>
-              <a:schemeClr val="accent5"/>
-            </a:solidFill>
-            <a:ln w="9525" cap="flat" cmpd="sng">
-              <a:solidFill>
-                <a:schemeClr val="dk2"/>
-              </a:solidFill>
-              <a:prstDash val="solid"/>
-              <a:round/>
-              <a:headEnd type="none" w="sm" len="sm"/>
-              <a:tailEnd type="none" w="sm" len="sm"/>
-            </a:ln>
-          </p:spPr>
-          <p:txBody>
-            <a:bodyPr spcFirstLastPara="1" wrap="square" lIns="91425" tIns="91425" rIns="91425" bIns="91425" anchor="ctr" anchorCtr="0">
-              <a:noAutofit/>
-            </a:bodyPr>
-            <a:lstStyle/>
-            <a:p>
-              <a:endParaRPr>
-                <a:latin typeface="Arial" panose="020B0604020202020204" pitchFamily="34" charset="0"/>
-                <a:cs typeface="Arial" panose="020B0604020202020204" pitchFamily="34" charset="0"/>
-              </a:endParaRPr>
-            </a:p>
-          </p:txBody>
-        </p:sp>
-        <p:sp>
-          <p:nvSpPr>
-            <p:cNvPr id="101" name="Google Shape;148;g16c60364d53_0_5">
-              <a:extLst>
-                <a:ext uri="{FF2B5EF4-FFF2-40B4-BE49-F238E27FC236}">
-                  <a16:creationId xmlns:a16="http://schemas.microsoft.com/office/drawing/2014/main" id="{763CAF34-8956-4328-BEE9-482A491D7AB1}"/>
-                </a:ext>
-              </a:extLst>
-            </p:cNvPr>
-            <p:cNvSpPr/>
-            <p:nvPr/>
-          </p:nvSpPr>
-          <p:spPr>
-            <a:xfrm>
-              <a:off x="8497169" y="1279121"/>
-              <a:ext cx="831000" cy="782700"/>
-            </a:xfrm>
-            <a:prstGeom prst="rect">
-              <a:avLst/>
-            </a:prstGeom>
-            <a:solidFill>
-              <a:schemeClr val="accent5"/>
-            </a:solidFill>
-            <a:ln w="9525" cap="flat" cmpd="sng">
-              <a:solidFill>
-                <a:schemeClr val="dk2"/>
-              </a:solidFill>
-              <a:prstDash val="solid"/>
-              <a:round/>
-              <a:headEnd type="none" w="sm" len="sm"/>
-              <a:tailEnd type="none" w="sm" len="sm"/>
-            </a:ln>
-          </p:spPr>
-          <p:txBody>
-            <a:bodyPr spcFirstLastPara="1" wrap="square" lIns="91425" tIns="91425" rIns="91425" bIns="91425" anchor="ctr" anchorCtr="0">
-              <a:noAutofit/>
-            </a:bodyPr>
-            <a:lstStyle/>
-            <a:p>
-              <a:endParaRPr>
-                <a:latin typeface="Arial" panose="020B0604020202020204" pitchFamily="34" charset="0"/>
-                <a:cs typeface="Arial" panose="020B0604020202020204" pitchFamily="34" charset="0"/>
-              </a:endParaRPr>
-            </a:p>
-          </p:txBody>
-        </p:sp>
-        <p:sp>
-          <p:nvSpPr>
-            <p:cNvPr id="102" name="Google Shape;149;g16c60364d53_0_5">
-              <a:extLst>
-                <a:ext uri="{FF2B5EF4-FFF2-40B4-BE49-F238E27FC236}">
-                  <a16:creationId xmlns:a16="http://schemas.microsoft.com/office/drawing/2014/main" id="{D38F54CC-1286-4675-A058-1D94AF094CAB}"/>
-                </a:ext>
-              </a:extLst>
-            </p:cNvPr>
-            <p:cNvSpPr/>
-            <p:nvPr/>
-          </p:nvSpPr>
-          <p:spPr>
-            <a:xfrm>
-              <a:off x="8497169" y="2056571"/>
-              <a:ext cx="831000" cy="782700"/>
-            </a:xfrm>
-            <a:prstGeom prst="rect">
-              <a:avLst/>
-            </a:prstGeom>
-            <a:solidFill>
-              <a:schemeClr val="accent5"/>
-            </a:solidFill>
-            <a:ln w="9525" cap="flat" cmpd="sng">
-              <a:solidFill>
-                <a:schemeClr val="dk2"/>
-              </a:solidFill>
-              <a:prstDash val="solid"/>
-              <a:round/>
-              <a:headEnd type="none" w="sm" len="sm"/>
-              <a:tailEnd type="none" w="sm" len="sm"/>
-            </a:ln>
-          </p:spPr>
-          <p:txBody>
-            <a:bodyPr spcFirstLastPara="1" wrap="square" lIns="91425" tIns="91425" rIns="91425" bIns="91425" anchor="ctr" anchorCtr="0">
-              <a:noAutofit/>
-            </a:bodyPr>
-            <a:lstStyle/>
-            <a:p>
-              <a:endParaRPr>
-                <a:latin typeface="Arial" panose="020B0604020202020204" pitchFamily="34" charset="0"/>
-                <a:cs typeface="Arial" panose="020B0604020202020204" pitchFamily="34" charset="0"/>
-              </a:endParaRPr>
-            </a:p>
-          </p:txBody>
-        </p:sp>
-        <p:sp>
-          <p:nvSpPr>
-            <p:cNvPr id="103" name="Google Shape;150;g16c60364d53_0_5">
-              <a:extLst>
-                <a:ext uri="{FF2B5EF4-FFF2-40B4-BE49-F238E27FC236}">
-                  <a16:creationId xmlns:a16="http://schemas.microsoft.com/office/drawing/2014/main" id="{599FB56F-2050-4243-9A41-C5786741BFC8}"/>
-                </a:ext>
-              </a:extLst>
-            </p:cNvPr>
-            <p:cNvSpPr/>
-            <p:nvPr/>
-          </p:nvSpPr>
-          <p:spPr>
-            <a:xfrm>
-              <a:off x="7186169" y="1948046"/>
-              <a:ext cx="1791000" cy="225900"/>
-            </a:xfrm>
-            <a:prstGeom prst="rightArrow">
-              <a:avLst>
-                <a:gd name="adj1" fmla="val 50000"/>
-                <a:gd name="adj2" fmla="val 50000"/>
-              </a:avLst>
-            </a:prstGeom>
-            <a:solidFill>
-              <a:srgbClr val="FFFF00"/>
-            </a:solidFill>
-            <a:ln w="9525" cap="flat" cmpd="sng">
-              <a:solidFill>
-                <a:schemeClr val="dk2"/>
-              </a:solidFill>
-              <a:prstDash val="solid"/>
-              <a:round/>
-              <a:headEnd type="none" w="sm" len="sm"/>
-              <a:tailEnd type="none" w="sm" len="sm"/>
-            </a:ln>
-          </p:spPr>
-          <p:txBody>
-            <a:bodyPr spcFirstLastPara="1" wrap="square" lIns="91425" tIns="91425" rIns="91425" bIns="91425" anchor="ctr" anchorCtr="0">
-              <a:noAutofit/>
-            </a:bodyPr>
-            <a:lstStyle/>
-            <a:p>
-              <a:endParaRPr>
-                <a:latin typeface="Arial" panose="020B0604020202020204" pitchFamily="34" charset="0"/>
-                <a:cs typeface="Arial" panose="020B0604020202020204" pitchFamily="34" charset="0"/>
-              </a:endParaRPr>
-            </a:p>
-          </p:txBody>
-        </p:sp>
-        <p:sp>
-          <p:nvSpPr>
-            <p:cNvPr id="104" name="Google Shape;151;g16c60364d53_0_5">
-              <a:extLst>
-                <a:ext uri="{FF2B5EF4-FFF2-40B4-BE49-F238E27FC236}">
-                  <a16:creationId xmlns:a16="http://schemas.microsoft.com/office/drawing/2014/main" id="{58698930-2313-4EC0-A003-FC1CC66015F2}"/>
-                </a:ext>
-              </a:extLst>
-            </p:cNvPr>
-            <p:cNvSpPr txBox="1"/>
-            <p:nvPr/>
-          </p:nvSpPr>
-          <p:spPr>
-            <a:xfrm>
-              <a:off x="7444169" y="1658996"/>
-              <a:ext cx="1275000" cy="461635"/>
-            </a:xfrm>
-            <a:prstGeom prst="rect">
-              <a:avLst/>
-            </a:prstGeom>
-            <a:noFill/>
-            <a:ln>
-              <a:noFill/>
-            </a:ln>
-          </p:spPr>
-          <p:txBody>
-            <a:bodyPr spcFirstLastPara="1" wrap="square" lIns="91425" tIns="91425" rIns="91425" bIns="91425" anchor="t" anchorCtr="0">
-              <a:spAutoFit/>
-            </a:bodyPr>
-            <a:lstStyle/>
-            <a:p>
-              <a:pPr algn="ctr"/>
-              <a:r>
-                <a:rPr lang="en-US">
-                  <a:latin typeface="Arial" panose="020B0604020202020204" pitchFamily="34" charset="0"/>
-                  <a:ea typeface="Calibri"/>
-                  <a:cs typeface="Arial" panose="020B0604020202020204" pitchFamily="34" charset="0"/>
-                  <a:sym typeface="Calibri"/>
-                </a:rPr>
-                <a:t>Direction</a:t>
-              </a:r>
-              <a:endParaRPr>
-                <a:latin typeface="Arial" panose="020B0604020202020204" pitchFamily="34" charset="0"/>
-                <a:ea typeface="Calibri"/>
-                <a:cs typeface="Arial" panose="020B0604020202020204" pitchFamily="34" charset="0"/>
-                <a:sym typeface="Calibri"/>
-              </a:endParaRPr>
-            </a:p>
-          </p:txBody>
-        </p:sp>
-      </p:grpSp>
-      <p:sp>
-        <p:nvSpPr>
-          <p:cNvPr id="105" name="Google Shape;143;g16c60364d53_0_5">
-            <a:extLst>
-              <a:ext uri="{FF2B5EF4-FFF2-40B4-BE49-F238E27FC236}">
-                <a16:creationId xmlns:a16="http://schemas.microsoft.com/office/drawing/2014/main" id="{A282C690-6DAE-40A8-B717-CC5B4FA39298}"/>
-              </a:ext>
-            </a:extLst>
-          </p:cNvPr>
-          <p:cNvSpPr txBox="1"/>
-          <p:nvPr/>
-        </p:nvSpPr>
-        <p:spPr>
-          <a:xfrm>
-            <a:off x="2444158" y="3632816"/>
-            <a:ext cx="1985941" cy="461635"/>
-          </a:xfrm>
-          <a:prstGeom prst="rect">
-            <a:avLst/>
-          </a:prstGeom>
-          <a:noFill/>
-          <a:ln>
-            <a:noFill/>
-          </a:ln>
-        </p:spPr>
-        <p:txBody>
-          <a:bodyPr spcFirstLastPara="1" wrap="square" lIns="91425" tIns="91425" rIns="91425" bIns="91425" anchor="t" anchorCtr="0">
-            <a:spAutoFit/>
-          </a:bodyPr>
-          <a:lstStyle/>
-          <a:p>
-            <a:pPr algn="ctr"/>
-            <a:r>
-              <a:rPr lang="en-US" dirty="0">
-                <a:latin typeface="Arial" panose="020B0604020202020204" pitchFamily="34" charset="0"/>
-                <a:ea typeface="Calibri"/>
-                <a:cs typeface="Arial" panose="020B0604020202020204" pitchFamily="34" charset="0"/>
-                <a:sym typeface="Calibri"/>
-              </a:rPr>
-              <a:t>Initial Chunk</a:t>
-            </a:r>
-            <a:endParaRPr dirty="0">
-              <a:latin typeface="Arial" panose="020B0604020202020204" pitchFamily="34" charset="0"/>
-              <a:ea typeface="Calibri"/>
-              <a:cs typeface="Arial" panose="020B0604020202020204" pitchFamily="34" charset="0"/>
-              <a:sym typeface="Calibri"/>
-            </a:endParaRPr>
-          </a:p>
-        </p:txBody>
-      </p:sp>
-      <p:cxnSp>
-        <p:nvCxnSpPr>
-          <p:cNvPr id="106" name="Straight Arrow Connector 105">
-            <a:extLst>
-              <a:ext uri="{FF2B5EF4-FFF2-40B4-BE49-F238E27FC236}">
-                <a16:creationId xmlns:a16="http://schemas.microsoft.com/office/drawing/2014/main" id="{6C765242-03BE-4576-88E2-CD51C2B9B068}"/>
-              </a:ext>
-            </a:extLst>
-          </p:cNvPr>
-          <p:cNvCxnSpPr/>
-          <p:nvPr/>
-        </p:nvCxnSpPr>
-        <p:spPr>
           <a:xfrm flipH="1" flipV="1">
-            <a:off x="2254250" y="2597150"/>
-            <a:ext cx="793750" cy="1059607"/>
+            <a:off x="2341695" y="2767145"/>
+            <a:ext cx="918411" cy="924090"/>
           </a:xfrm>
           <a:prstGeom prst="straightConnector1">
             <a:avLst/>
@@ -4883,13 +4870,13 @@
         </p:spPr>
         <p:style>
           <a:lnRef idx="1">
-            <a:schemeClr val="dk1"/>
+            <a:schemeClr val="accent1"/>
           </a:lnRef>
           <a:fillRef idx="0">
-            <a:schemeClr val="dk1"/>
+            <a:schemeClr val="accent1"/>
           </a:fillRef>
           <a:effectRef idx="0">
-            <a:schemeClr val="dk1"/>
+            <a:schemeClr val="accent1"/>
           </a:effectRef>
           <a:fontRef idx="minor">
             <a:schemeClr val="tx1"/>
@@ -4898,10 +4885,10 @@
       </p:cxnSp>
       <p:sp>
         <p:nvSpPr>
-          <p:cNvPr id="5" name="Arrow: Right 4">
+          <p:cNvPr id="59" name="Arrow: Right 58">
             <a:extLst>
               <a:ext uri="{FF2B5EF4-FFF2-40B4-BE49-F238E27FC236}">
-                <a16:creationId xmlns:a16="http://schemas.microsoft.com/office/drawing/2014/main" id="{FCD9E021-DD57-4660-BED8-0511C0750415}"/>
+                <a16:creationId xmlns:a16="http://schemas.microsoft.com/office/drawing/2014/main" id="{5B57E1CA-8B27-4FC1-91D6-400F4CC10BCB}"/>
               </a:ext>
             </a:extLst>
           </p:cNvPr>
@@ -4910,8 +4897,8 @@
         </p:nvSpPr>
         <p:spPr>
           <a:xfrm>
-            <a:off x="4271606" y="1934188"/>
-            <a:ext cx="576620" cy="253004"/>
+            <a:off x="4430384" y="2060789"/>
+            <a:ext cx="597009" cy="269564"/>
           </a:xfrm>
           <a:prstGeom prst="rightArrow">
             <a:avLst/>
@@ -4939,6 +4926,106 @@
           <a:p>
             <a:pPr algn="ctr"/>
             <a:endParaRPr lang="en-US"/>
+          </a:p>
+        </p:txBody>
+      </p:sp>
+      <p:sp>
+        <p:nvSpPr>
+          <p:cNvPr id="61" name="Google Shape;143;g16c60364d53_0_5">
+            <a:extLst>
+              <a:ext uri="{FF2B5EF4-FFF2-40B4-BE49-F238E27FC236}">
+                <a16:creationId xmlns:a16="http://schemas.microsoft.com/office/drawing/2014/main" id="{866FDD2F-C02E-47A3-AA56-80FFA8FFF410}"/>
+              </a:ext>
+            </a:extLst>
+          </p:cNvPr>
+          <p:cNvSpPr txBox="1"/>
+          <p:nvPr/>
+        </p:nvSpPr>
+        <p:spPr>
+          <a:xfrm>
+            <a:off x="916263" y="3983783"/>
+            <a:ext cx="3324000" cy="461635"/>
+          </a:xfrm>
+          <a:prstGeom prst="rect">
+            <a:avLst/>
+          </a:prstGeom>
+          <a:noFill/>
+          <a:ln>
+            <a:noFill/>
+          </a:ln>
+        </p:spPr>
+        <p:txBody>
+          <a:bodyPr spcFirstLastPara="1" wrap="square" lIns="91425" tIns="91425" rIns="91425" bIns="91425" anchor="t" anchorCtr="0">
+            <a:spAutoFit/>
+          </a:bodyPr>
+          <a:lstStyle/>
+          <a:p>
+            <a:pPr algn="ctr"/>
+            <a:r>
+              <a:rPr lang="en-US" dirty="0">
+                <a:latin typeface="Arial" panose="020B0604020202020204" pitchFamily="34" charset="0"/>
+                <a:ea typeface="Calibri"/>
+                <a:cs typeface="Arial" panose="020B0604020202020204" pitchFamily="34" charset="0"/>
+                <a:sym typeface="Calibri"/>
+              </a:rPr>
+              <a:t>(A) Placement of Initial Chunk</a:t>
+            </a:r>
+            <a:endParaRPr dirty="0">
+              <a:latin typeface="Arial" panose="020B0604020202020204" pitchFamily="34" charset="0"/>
+              <a:ea typeface="Calibri"/>
+              <a:cs typeface="Arial" panose="020B0604020202020204" pitchFamily="34" charset="0"/>
+              <a:sym typeface="Calibri"/>
+            </a:endParaRPr>
+          </a:p>
+        </p:txBody>
+      </p:sp>
+      <p:sp>
+        <p:nvSpPr>
+          <p:cNvPr id="63" name="Google Shape;143;g16c60364d53_0_5">
+            <a:extLst>
+              <a:ext uri="{FF2B5EF4-FFF2-40B4-BE49-F238E27FC236}">
+                <a16:creationId xmlns:a16="http://schemas.microsoft.com/office/drawing/2014/main" id="{65B78D1F-5183-490D-A6B4-948FA7241AAB}"/>
+              </a:ext>
+            </a:extLst>
+          </p:cNvPr>
+          <p:cNvSpPr txBox="1"/>
+          <p:nvPr/>
+        </p:nvSpPr>
+        <p:spPr>
+          <a:xfrm>
+            <a:off x="5189650" y="3983783"/>
+            <a:ext cx="3324000" cy="738633"/>
+          </a:xfrm>
+          <a:prstGeom prst="rect">
+            <a:avLst/>
+          </a:prstGeom>
+          <a:noFill/>
+          <a:ln>
+            <a:noFill/>
+          </a:ln>
+        </p:spPr>
+        <p:txBody>
+          <a:bodyPr spcFirstLastPara="1" wrap="square" lIns="91425" tIns="91425" rIns="91425" bIns="91425" anchor="t" anchorCtr="0">
+            <a:spAutoFit/>
+          </a:bodyPr>
+          <a:lstStyle/>
+          <a:p>
+            <a:pPr algn="ctr"/>
+            <a:r>
+              <a:rPr lang="en-US" dirty="0">
+                <a:latin typeface="Arial" panose="020B0604020202020204" pitchFamily="34" charset="0"/>
+                <a:ea typeface="Calibri"/>
+                <a:cs typeface="Arial" panose="020B0604020202020204" pitchFamily="34" charset="0"/>
+                <a:sym typeface="Calibri"/>
+              </a:rPr>
+              <a:t>(B) Placement of Remaining Chunks</a:t>
+            </a:r>
+            <a:endParaRPr dirty="0">
+              <a:latin typeface="Arial" panose="020B0604020202020204" pitchFamily="34" charset="0"/>
+              <a:ea typeface="Calibri"/>
+              <a:cs typeface="Arial" panose="020B0604020202020204" pitchFamily="34" charset="0"/>
+              <a:sym typeface="Calibri"/>
+            </a:endParaRPr>
           </a:p>
         </p:txBody>
       </p:sp>

--- a/Pictures/Figures/Figure 5.pptx
+++ b/Pictures/Figures/Figure 5.pptx
@@ -2,12 +2,15 @@
 <file path=ppt/presentation.xml><?xml version="1.0" encoding="utf-8"?>
 <p:presentation xmlns:a="http://schemas.openxmlformats.org/drawingml/2006/main" xmlns:r="http://schemas.openxmlformats.org/officeDocument/2006/relationships" xmlns:p="http://schemas.openxmlformats.org/presentationml/2006/main" saveSubsetFonts="1">
   <p:sldMasterIdLst>
-    <p:sldMasterId id="2147483708" r:id="rId1"/>
+    <p:sldMasterId id="2147483672" r:id="rId1"/>
   </p:sldMasterIdLst>
+  <p:notesMasterIdLst>
+    <p:notesMasterId r:id="rId3"/>
+  </p:notesMasterIdLst>
   <p:sldIdLst>
     <p:sldId id="256" r:id="rId2"/>
   </p:sldIdLst>
-  <p:sldSz cx="9144000" cy="4800600"/>
+  <p:sldSz cx="9144000" cy="4572000"/>
   <p:notesSz cx="6858000" cy="9144000"/>
   <p:defaultTextStyle>
     <a:defPPr>
@@ -112,6 +115,439 @@
 </p:presentation>
 </file>
 
+<file path=ppt/notesMasters/notesMaster1.xml><?xml version="1.0" encoding="utf-8"?>
+<p:notesMaster xmlns:a="http://schemas.openxmlformats.org/drawingml/2006/main" xmlns:r="http://schemas.openxmlformats.org/officeDocument/2006/relationships" xmlns:p="http://schemas.openxmlformats.org/presentationml/2006/main">
+  <p:cSld>
+    <p:bg>
+      <p:bgRef idx="1001">
+        <a:schemeClr val="bg1"/>
+      </p:bgRef>
+    </p:bg>
+    <p:spTree>
+      <p:nvGrpSpPr>
+        <p:cNvPr id="1" name=""/>
+        <p:cNvGrpSpPr/>
+        <p:nvPr/>
+      </p:nvGrpSpPr>
+      <p:grpSpPr>
+        <a:xfrm>
+          <a:off x="0" y="0"/>
+          <a:ext cx="0" cy="0"/>
+          <a:chOff x="0" y="0"/>
+          <a:chExt cx="0" cy="0"/>
+        </a:xfrm>
+      </p:grpSpPr>
+      <p:sp>
+        <p:nvSpPr>
+          <p:cNvPr id="2" name="Header Placeholder 1"/>
+          <p:cNvSpPr>
+            <a:spLocks noGrp="1"/>
+          </p:cNvSpPr>
+          <p:nvPr>
+            <p:ph type="hdr" sz="quarter"/>
+          </p:nvPr>
+        </p:nvSpPr>
+        <p:spPr>
+          <a:xfrm>
+            <a:off x="0" y="0"/>
+            <a:ext cx="2971800" cy="458788"/>
+          </a:xfrm>
+          <a:prstGeom prst="rect">
+            <a:avLst/>
+          </a:prstGeom>
+        </p:spPr>
+        <p:txBody>
+          <a:bodyPr vert="horz" lIns="91440" tIns="45720" rIns="91440" bIns="45720" rtlCol="0"/>
+          <a:lstStyle>
+            <a:lvl1pPr algn="l">
+              <a:defRPr sz="1200"/>
+            </a:lvl1pPr>
+          </a:lstStyle>
+          <a:p>
+            <a:endParaRPr lang="en-US"/>
+          </a:p>
+        </p:txBody>
+      </p:sp>
+      <p:sp>
+        <p:nvSpPr>
+          <p:cNvPr id="3" name="Date Placeholder 2"/>
+          <p:cNvSpPr>
+            <a:spLocks noGrp="1"/>
+          </p:cNvSpPr>
+          <p:nvPr>
+            <p:ph type="dt" idx="1"/>
+          </p:nvPr>
+        </p:nvSpPr>
+        <p:spPr>
+          <a:xfrm>
+            <a:off x="3884613" y="0"/>
+            <a:ext cx="2971800" cy="458788"/>
+          </a:xfrm>
+          <a:prstGeom prst="rect">
+            <a:avLst/>
+          </a:prstGeom>
+        </p:spPr>
+        <p:txBody>
+          <a:bodyPr vert="horz" lIns="91440" tIns="45720" rIns="91440" bIns="45720" rtlCol="0"/>
+          <a:lstStyle>
+            <a:lvl1pPr algn="r">
+              <a:defRPr sz="1200"/>
+            </a:lvl1pPr>
+          </a:lstStyle>
+          <a:p>
+            <a:fld id="{909F552A-A5DF-434C-8A11-28744204938F}" type="datetimeFigureOut">
+              <a:rPr lang="en-US" smtClean="0"/>
+              <a:t>11/13/2022</a:t>
+            </a:fld>
+            <a:endParaRPr lang="en-US"/>
+          </a:p>
+        </p:txBody>
+      </p:sp>
+      <p:sp>
+        <p:nvSpPr>
+          <p:cNvPr id="4" name="Slide Image Placeholder 3"/>
+          <p:cNvSpPr>
+            <a:spLocks noGrp="1" noRot="1" noChangeAspect="1"/>
+          </p:cNvSpPr>
+          <p:nvPr>
+            <p:ph type="sldImg" idx="2"/>
+          </p:nvPr>
+        </p:nvSpPr>
+        <p:spPr>
+          <a:xfrm>
+            <a:off x="342900" y="1143000"/>
+            <a:ext cx="6172200" cy="3086100"/>
+          </a:xfrm>
+          <a:prstGeom prst="rect">
+            <a:avLst/>
+          </a:prstGeom>
+          <a:noFill/>
+          <a:ln w="12700">
+            <a:solidFill>
+              <a:prstClr val="black"/>
+            </a:solidFill>
+          </a:ln>
+        </p:spPr>
+        <p:txBody>
+          <a:bodyPr vert="horz" lIns="91440" tIns="45720" rIns="91440" bIns="45720" rtlCol="0" anchor="ctr"/>
+          <a:lstStyle/>
+          <a:p>
+            <a:endParaRPr lang="en-US"/>
+          </a:p>
+        </p:txBody>
+      </p:sp>
+      <p:sp>
+        <p:nvSpPr>
+          <p:cNvPr id="5" name="Notes Placeholder 4"/>
+          <p:cNvSpPr>
+            <a:spLocks noGrp="1"/>
+          </p:cNvSpPr>
+          <p:nvPr>
+            <p:ph type="body" sz="quarter" idx="3"/>
+          </p:nvPr>
+        </p:nvSpPr>
+        <p:spPr>
+          <a:xfrm>
+            <a:off x="685800" y="4400550"/>
+            <a:ext cx="5486400" cy="3600450"/>
+          </a:xfrm>
+          <a:prstGeom prst="rect">
+            <a:avLst/>
+          </a:prstGeom>
+        </p:spPr>
+        <p:txBody>
+          <a:bodyPr vert="horz" lIns="91440" tIns="45720" rIns="91440" bIns="45720" rtlCol="0"/>
+          <a:lstStyle/>
+          <a:p>
+            <a:pPr lvl="0"/>
+            <a:r>
+              <a:rPr lang="en-US"/>
+              <a:t>Edit Master text styles</a:t>
+            </a:r>
+          </a:p>
+          <a:p>
+            <a:pPr lvl="1"/>
+            <a:r>
+              <a:rPr lang="en-US"/>
+              <a:t>Second level</a:t>
+            </a:r>
+          </a:p>
+          <a:p>
+            <a:pPr lvl="2"/>
+            <a:r>
+              <a:rPr lang="en-US"/>
+              <a:t>Third level</a:t>
+            </a:r>
+          </a:p>
+          <a:p>
+            <a:pPr lvl="3"/>
+            <a:r>
+              <a:rPr lang="en-US"/>
+              <a:t>Fourth level</a:t>
+            </a:r>
+          </a:p>
+          <a:p>
+            <a:pPr lvl="4"/>
+            <a:r>
+              <a:rPr lang="en-US"/>
+              <a:t>Fifth level</a:t>
+            </a:r>
+          </a:p>
+        </p:txBody>
+      </p:sp>
+      <p:sp>
+        <p:nvSpPr>
+          <p:cNvPr id="6" name="Footer Placeholder 5"/>
+          <p:cNvSpPr>
+            <a:spLocks noGrp="1"/>
+          </p:cNvSpPr>
+          <p:nvPr>
+            <p:ph type="ftr" sz="quarter" idx="4"/>
+          </p:nvPr>
+        </p:nvSpPr>
+        <p:spPr>
+          <a:xfrm>
+            <a:off x="0" y="8685213"/>
+            <a:ext cx="2971800" cy="458787"/>
+          </a:xfrm>
+          <a:prstGeom prst="rect">
+            <a:avLst/>
+          </a:prstGeom>
+        </p:spPr>
+        <p:txBody>
+          <a:bodyPr vert="horz" lIns="91440" tIns="45720" rIns="91440" bIns="45720" rtlCol="0" anchor="b"/>
+          <a:lstStyle>
+            <a:lvl1pPr algn="l">
+              <a:defRPr sz="1200"/>
+            </a:lvl1pPr>
+          </a:lstStyle>
+          <a:p>
+            <a:endParaRPr lang="en-US"/>
+          </a:p>
+        </p:txBody>
+      </p:sp>
+      <p:sp>
+        <p:nvSpPr>
+          <p:cNvPr id="7" name="Slide Number Placeholder 6"/>
+          <p:cNvSpPr>
+            <a:spLocks noGrp="1"/>
+          </p:cNvSpPr>
+          <p:nvPr>
+            <p:ph type="sldNum" sz="quarter" idx="5"/>
+          </p:nvPr>
+        </p:nvSpPr>
+        <p:spPr>
+          <a:xfrm>
+            <a:off x="3884613" y="8685213"/>
+            <a:ext cx="2971800" cy="458787"/>
+          </a:xfrm>
+          <a:prstGeom prst="rect">
+            <a:avLst/>
+          </a:prstGeom>
+        </p:spPr>
+        <p:txBody>
+          <a:bodyPr vert="horz" lIns="91440" tIns="45720" rIns="91440" bIns="45720" rtlCol="0" anchor="b"/>
+          <a:lstStyle>
+            <a:lvl1pPr algn="r">
+              <a:defRPr sz="1200"/>
+            </a:lvl1pPr>
+          </a:lstStyle>
+          <a:p>
+            <a:fld id="{36598997-EC29-495B-BFBA-AB1902DE69CE}" type="slidenum">
+              <a:rPr lang="en-US" smtClean="0"/>
+              <a:t>‹#›</a:t>
+            </a:fld>
+            <a:endParaRPr lang="en-US"/>
+          </a:p>
+        </p:txBody>
+      </p:sp>
+    </p:spTree>
+    <p:extLst>
+      <p:ext uri="{BB962C8B-B14F-4D97-AF65-F5344CB8AC3E}">
+        <p14:creationId xmlns:p14="http://schemas.microsoft.com/office/powerpoint/2010/main" val="43310538"/>
+      </p:ext>
+    </p:extLst>
+  </p:cSld>
+  <p:clrMap bg1="lt1" tx1="dk1" bg2="lt2" tx2="dk2" accent1="accent1" accent2="accent2" accent3="accent3" accent4="accent4" accent5="accent5" accent6="accent6" hlink="hlink" folHlink="folHlink"/>
+  <p:notesStyle>
+    <a:lvl1pPr marL="0" algn="l" defTabSz="914400" rtl="0" eaLnBrk="1" latinLnBrk="0" hangingPunct="1">
+      <a:defRPr sz="1200" kern="1200">
+        <a:solidFill>
+          <a:schemeClr val="tx1"/>
+        </a:solidFill>
+        <a:latin typeface="+mn-lt"/>
+        <a:ea typeface="+mn-ea"/>
+        <a:cs typeface="+mn-cs"/>
+      </a:defRPr>
+    </a:lvl1pPr>
+    <a:lvl2pPr marL="457200" algn="l" defTabSz="914400" rtl="0" eaLnBrk="1" latinLnBrk="0" hangingPunct="1">
+      <a:defRPr sz="1200" kern="1200">
+        <a:solidFill>
+          <a:schemeClr val="tx1"/>
+        </a:solidFill>
+        <a:latin typeface="+mn-lt"/>
+        <a:ea typeface="+mn-ea"/>
+        <a:cs typeface="+mn-cs"/>
+      </a:defRPr>
+    </a:lvl2pPr>
+    <a:lvl3pPr marL="914400" algn="l" defTabSz="914400" rtl="0" eaLnBrk="1" latinLnBrk="0" hangingPunct="1">
+      <a:defRPr sz="1200" kern="1200">
+        <a:solidFill>
+          <a:schemeClr val="tx1"/>
+        </a:solidFill>
+        <a:latin typeface="+mn-lt"/>
+        <a:ea typeface="+mn-ea"/>
+        <a:cs typeface="+mn-cs"/>
+      </a:defRPr>
+    </a:lvl3pPr>
+    <a:lvl4pPr marL="1371600" algn="l" defTabSz="914400" rtl="0" eaLnBrk="1" latinLnBrk="0" hangingPunct="1">
+      <a:defRPr sz="1200" kern="1200">
+        <a:solidFill>
+          <a:schemeClr val="tx1"/>
+        </a:solidFill>
+        <a:latin typeface="+mn-lt"/>
+        <a:ea typeface="+mn-ea"/>
+        <a:cs typeface="+mn-cs"/>
+      </a:defRPr>
+    </a:lvl4pPr>
+    <a:lvl5pPr marL="1828800" algn="l" defTabSz="914400" rtl="0" eaLnBrk="1" latinLnBrk="0" hangingPunct="1">
+      <a:defRPr sz="1200" kern="1200">
+        <a:solidFill>
+          <a:schemeClr val="tx1"/>
+        </a:solidFill>
+        <a:latin typeface="+mn-lt"/>
+        <a:ea typeface="+mn-ea"/>
+        <a:cs typeface="+mn-cs"/>
+      </a:defRPr>
+    </a:lvl5pPr>
+    <a:lvl6pPr marL="2286000" algn="l" defTabSz="914400" rtl="0" eaLnBrk="1" latinLnBrk="0" hangingPunct="1">
+      <a:defRPr sz="1200" kern="1200">
+        <a:solidFill>
+          <a:schemeClr val="tx1"/>
+        </a:solidFill>
+        <a:latin typeface="+mn-lt"/>
+        <a:ea typeface="+mn-ea"/>
+        <a:cs typeface="+mn-cs"/>
+      </a:defRPr>
+    </a:lvl6pPr>
+    <a:lvl7pPr marL="2743200" algn="l" defTabSz="914400" rtl="0" eaLnBrk="1" latinLnBrk="0" hangingPunct="1">
+      <a:defRPr sz="1200" kern="1200">
+        <a:solidFill>
+          <a:schemeClr val="tx1"/>
+        </a:solidFill>
+        <a:latin typeface="+mn-lt"/>
+        <a:ea typeface="+mn-ea"/>
+        <a:cs typeface="+mn-cs"/>
+      </a:defRPr>
+    </a:lvl7pPr>
+    <a:lvl8pPr marL="3200400" algn="l" defTabSz="914400" rtl="0" eaLnBrk="1" latinLnBrk="0" hangingPunct="1">
+      <a:defRPr sz="1200" kern="1200">
+        <a:solidFill>
+          <a:schemeClr val="tx1"/>
+        </a:solidFill>
+        <a:latin typeface="+mn-lt"/>
+        <a:ea typeface="+mn-ea"/>
+        <a:cs typeface="+mn-cs"/>
+      </a:defRPr>
+    </a:lvl8pPr>
+    <a:lvl9pPr marL="3657600" algn="l" defTabSz="914400" rtl="0" eaLnBrk="1" latinLnBrk="0" hangingPunct="1">
+      <a:defRPr sz="1200" kern="1200">
+        <a:solidFill>
+          <a:schemeClr val="tx1"/>
+        </a:solidFill>
+        <a:latin typeface="+mn-lt"/>
+        <a:ea typeface="+mn-ea"/>
+        <a:cs typeface="+mn-cs"/>
+      </a:defRPr>
+    </a:lvl9pPr>
+  </p:notesStyle>
+</p:notesMaster>
+</file>
+
+<file path=ppt/notesSlides/notesSlide1.xml><?xml version="1.0" encoding="utf-8"?>
+<p:notes xmlns:a="http://schemas.openxmlformats.org/drawingml/2006/main" xmlns:r="http://schemas.openxmlformats.org/officeDocument/2006/relationships" xmlns:p="http://schemas.openxmlformats.org/presentationml/2006/main">
+  <p:cSld>
+    <p:spTree>
+      <p:nvGrpSpPr>
+        <p:cNvPr id="1" name=""/>
+        <p:cNvGrpSpPr/>
+        <p:nvPr/>
+      </p:nvGrpSpPr>
+      <p:grpSpPr>
+        <a:xfrm>
+          <a:off x="0" y="0"/>
+          <a:ext cx="0" cy="0"/>
+          <a:chOff x="0" y="0"/>
+          <a:chExt cx="0" cy="0"/>
+        </a:xfrm>
+      </p:grpSpPr>
+      <p:sp>
+        <p:nvSpPr>
+          <p:cNvPr id="2" name="Slide Image Placeholder 1"/>
+          <p:cNvSpPr>
+            <a:spLocks noGrp="1" noRot="1" noChangeAspect="1"/>
+          </p:cNvSpPr>
+          <p:nvPr>
+            <p:ph type="sldImg"/>
+          </p:nvPr>
+        </p:nvSpPr>
+        <p:spPr/>
+      </p:sp>
+      <p:sp>
+        <p:nvSpPr>
+          <p:cNvPr id="3" name="Notes Placeholder 2"/>
+          <p:cNvSpPr>
+            <a:spLocks noGrp="1"/>
+          </p:cNvSpPr>
+          <p:nvPr>
+            <p:ph type="body" idx="1"/>
+          </p:nvPr>
+        </p:nvSpPr>
+        <p:spPr/>
+        <p:txBody>
+          <a:bodyPr/>
+          <a:lstStyle/>
+          <a:p>
+            <a:endParaRPr lang="en-US" dirty="0"/>
+          </a:p>
+        </p:txBody>
+      </p:sp>
+      <p:sp>
+        <p:nvSpPr>
+          <p:cNvPr id="4" name="Slide Number Placeholder 3"/>
+          <p:cNvSpPr>
+            <a:spLocks noGrp="1"/>
+          </p:cNvSpPr>
+          <p:nvPr>
+            <p:ph type="sldNum" sz="quarter" idx="5"/>
+          </p:nvPr>
+        </p:nvSpPr>
+        <p:spPr/>
+        <p:txBody>
+          <a:bodyPr/>
+          <a:lstStyle/>
+          <a:p>
+            <a:fld id="{36598997-EC29-495B-BFBA-AB1902DE69CE}" type="slidenum">
+              <a:rPr lang="en-US" smtClean="0"/>
+              <a:t>1</a:t>
+            </a:fld>
+            <a:endParaRPr lang="en-US"/>
+          </a:p>
+        </p:txBody>
+      </p:sp>
+    </p:spTree>
+    <p:extLst>
+      <p:ext uri="{BB962C8B-B14F-4D97-AF65-F5344CB8AC3E}">
+        <p14:creationId xmlns:p14="http://schemas.microsoft.com/office/powerpoint/2010/main" val="4139950664"/>
+      </p:ext>
+    </p:extLst>
+  </p:cSld>
+  <p:clrMapOvr>
+    <a:masterClrMapping/>
+  </p:clrMapOvr>
+</p:notes>
+</file>
+
 <file path=ppt/slideLayouts/slideLayout1.xml><?xml version="1.0" encoding="utf-8"?>
 <p:sldLayout xmlns:a="http://schemas.openxmlformats.org/drawingml/2006/main" xmlns:r="http://schemas.openxmlformats.org/officeDocument/2006/relationships" xmlns:p="http://schemas.openxmlformats.org/presentationml/2006/main" type="title" preserve="1">
   <p:cSld name="Title Slide">
@@ -141,15 +577,15 @@
         </p:nvSpPr>
         <p:spPr>
           <a:xfrm>
-            <a:off x="1143000" y="785654"/>
-            <a:ext cx="6858000" cy="1671320"/>
+            <a:off x="1143000" y="748242"/>
+            <a:ext cx="6858000" cy="1591733"/>
           </a:xfrm>
         </p:spPr>
         <p:txBody>
           <a:bodyPr anchor="b"/>
           <a:lstStyle>
             <a:lvl1pPr algn="ctr">
-              <a:defRPr sz="4200"/>
+              <a:defRPr sz="4000"/>
             </a:lvl1pPr>
           </a:lstStyle>
           <a:p>
@@ -173,8 +609,8 @@
         </p:nvSpPr>
         <p:spPr>
           <a:xfrm>
-            <a:off x="1143000" y="2521427"/>
-            <a:ext cx="6858000" cy="1159033"/>
+            <a:off x="1143000" y="2401359"/>
+            <a:ext cx="6858000" cy="1103841"/>
           </a:xfrm>
         </p:spPr>
         <p:txBody>
@@ -182,39 +618,39 @@
           <a:lstStyle>
             <a:lvl1pPr marL="0" indent="0" algn="ctr">
               <a:buNone/>
-              <a:defRPr sz="1680"/>
+              <a:defRPr sz="1600"/>
             </a:lvl1pPr>
-            <a:lvl2pPr marL="320040" indent="0" algn="ctr">
-              <a:buNone/>
-              <a:defRPr sz="1400"/>
+            <a:lvl2pPr marL="304815" indent="0" algn="ctr">
+              <a:buNone/>
+              <a:defRPr sz="1333"/>
             </a:lvl2pPr>
-            <a:lvl3pPr marL="640080" indent="0" algn="ctr">
-              <a:buNone/>
-              <a:defRPr sz="1260"/>
+            <a:lvl3pPr marL="609630" indent="0" algn="ctr">
+              <a:buNone/>
+              <a:defRPr sz="1200"/>
             </a:lvl3pPr>
-            <a:lvl4pPr marL="960120" indent="0" algn="ctr">
-              <a:buNone/>
-              <a:defRPr sz="1120"/>
+            <a:lvl4pPr marL="914446" indent="0" algn="ctr">
+              <a:buNone/>
+              <a:defRPr sz="1067"/>
             </a:lvl4pPr>
-            <a:lvl5pPr marL="1280160" indent="0" algn="ctr">
-              <a:buNone/>
-              <a:defRPr sz="1120"/>
+            <a:lvl5pPr marL="1219261" indent="0" algn="ctr">
+              <a:buNone/>
+              <a:defRPr sz="1067"/>
             </a:lvl5pPr>
-            <a:lvl6pPr marL="1600200" indent="0" algn="ctr">
-              <a:buNone/>
-              <a:defRPr sz="1120"/>
+            <a:lvl6pPr marL="1524076" indent="0" algn="ctr">
+              <a:buNone/>
+              <a:defRPr sz="1067"/>
             </a:lvl6pPr>
-            <a:lvl7pPr marL="1920240" indent="0" algn="ctr">
-              <a:buNone/>
-              <a:defRPr sz="1120"/>
+            <a:lvl7pPr marL="1828891" indent="0" algn="ctr">
+              <a:buNone/>
+              <a:defRPr sz="1067"/>
             </a:lvl7pPr>
-            <a:lvl8pPr marL="2240280" indent="0" algn="ctr">
-              <a:buNone/>
-              <a:defRPr sz="1120"/>
+            <a:lvl8pPr marL="2133707" indent="0" algn="ctr">
+              <a:buNone/>
+              <a:defRPr sz="1067"/>
             </a:lvl8pPr>
-            <a:lvl9pPr marL="2560320" indent="0" algn="ctr">
-              <a:buNone/>
-              <a:defRPr sz="1120"/>
+            <a:lvl9pPr marL="2438522" indent="0" algn="ctr">
+              <a:buNone/>
+              <a:defRPr sz="1067"/>
             </a:lvl9pPr>
           </a:lstStyle>
           <a:p>
@@ -241,9 +677,9 @@
           <a:bodyPr/>
           <a:lstStyle/>
           <a:p>
-            <a:fld id="{79A7C8EE-9AF8-432A-85B8-E2AF337ED788}" type="datetimeFigureOut">
+            <a:fld id="{DF659CEE-7ED8-4475-A00F-9EBDFFED20DC}" type="datetimeFigureOut">
               <a:rPr lang="en-US" smtClean="0"/>
-              <a:t>11/7/2022</a:t>
+              <a:t>11/13/2022</a:t>
             </a:fld>
             <a:endParaRPr lang="en-US"/>
           </a:p>
@@ -283,7 +719,7 @@
           <a:bodyPr/>
           <a:lstStyle/>
           <a:p>
-            <a:fld id="{97496E7D-52D3-48AD-A0E7-239B0BF63D91}" type="slidenum">
+            <a:fld id="{D56A7904-AA9B-462C-AA52-53D2A1F03E28}" type="slidenum">
               <a:rPr lang="en-US" smtClean="0"/>
               <a:t>‹#›</a:t>
             </a:fld>
@@ -294,7 +730,7 @@
     </p:spTree>
     <p:extLst>
       <p:ext uri="{BB962C8B-B14F-4D97-AF65-F5344CB8AC3E}">
-        <p14:creationId xmlns:p14="http://schemas.microsoft.com/office/powerpoint/2010/main" val="840836439"/>
+        <p14:creationId xmlns:p14="http://schemas.microsoft.com/office/powerpoint/2010/main" val="1659604076"/>
       </p:ext>
     </p:extLst>
   </p:cSld>
@@ -411,9 +847,9 @@
           <a:bodyPr/>
           <a:lstStyle/>
           <a:p>
-            <a:fld id="{79A7C8EE-9AF8-432A-85B8-E2AF337ED788}" type="datetimeFigureOut">
+            <a:fld id="{DF659CEE-7ED8-4475-A00F-9EBDFFED20DC}" type="datetimeFigureOut">
               <a:rPr lang="en-US" smtClean="0"/>
-              <a:t>11/7/2022</a:t>
+              <a:t>11/13/2022</a:t>
             </a:fld>
             <a:endParaRPr lang="en-US"/>
           </a:p>
@@ -453,7 +889,7 @@
           <a:bodyPr/>
           <a:lstStyle/>
           <a:p>
-            <a:fld id="{97496E7D-52D3-48AD-A0E7-239B0BF63D91}" type="slidenum">
+            <a:fld id="{D56A7904-AA9B-462C-AA52-53D2A1F03E28}" type="slidenum">
               <a:rPr lang="en-US" smtClean="0"/>
               <a:t>‹#›</a:t>
             </a:fld>
@@ -464,7 +900,7 @@
     </p:spTree>
     <p:extLst>
       <p:ext uri="{BB962C8B-B14F-4D97-AF65-F5344CB8AC3E}">
-        <p14:creationId xmlns:p14="http://schemas.microsoft.com/office/powerpoint/2010/main" val="2498689272"/>
+        <p14:creationId xmlns:p14="http://schemas.microsoft.com/office/powerpoint/2010/main" val="4050145543"/>
       </p:ext>
     </p:extLst>
   </p:cSld>
@@ -503,8 +939,8 @@
         </p:nvSpPr>
         <p:spPr>
           <a:xfrm>
-            <a:off x="6543675" y="255587"/>
-            <a:ext cx="1971675" cy="4068287"/>
+            <a:off x="6543675" y="243417"/>
+            <a:ext cx="1971675" cy="3874559"/>
           </a:xfrm>
         </p:spPr>
         <p:txBody>
@@ -531,8 +967,8 @@
         </p:nvSpPr>
         <p:spPr>
           <a:xfrm>
-            <a:off x="628650" y="255587"/>
-            <a:ext cx="5800725" cy="4068287"/>
+            <a:off x="628650" y="243417"/>
+            <a:ext cx="5800725" cy="3874559"/>
           </a:xfrm>
         </p:spPr>
         <p:txBody>
@@ -591,9 +1027,9 @@
           <a:bodyPr/>
           <a:lstStyle/>
           <a:p>
-            <a:fld id="{79A7C8EE-9AF8-432A-85B8-E2AF337ED788}" type="datetimeFigureOut">
+            <a:fld id="{DF659CEE-7ED8-4475-A00F-9EBDFFED20DC}" type="datetimeFigureOut">
               <a:rPr lang="en-US" smtClean="0"/>
-              <a:t>11/7/2022</a:t>
+              <a:t>11/13/2022</a:t>
             </a:fld>
             <a:endParaRPr lang="en-US"/>
           </a:p>
@@ -633,7 +1069,7 @@
           <a:bodyPr/>
           <a:lstStyle/>
           <a:p>
-            <a:fld id="{97496E7D-52D3-48AD-A0E7-239B0BF63D91}" type="slidenum">
+            <a:fld id="{D56A7904-AA9B-462C-AA52-53D2A1F03E28}" type="slidenum">
               <a:rPr lang="en-US" smtClean="0"/>
               <a:t>‹#›</a:t>
             </a:fld>
@@ -644,7 +1080,7 @@
     </p:spTree>
     <p:extLst>
       <p:ext uri="{BB962C8B-B14F-4D97-AF65-F5344CB8AC3E}">
-        <p14:creationId xmlns:p14="http://schemas.microsoft.com/office/powerpoint/2010/main" val="2065575835"/>
+        <p14:creationId xmlns:p14="http://schemas.microsoft.com/office/powerpoint/2010/main" val="2813139676"/>
       </p:ext>
     </p:extLst>
   </p:cSld>
@@ -761,9 +1197,9 @@
           <a:bodyPr/>
           <a:lstStyle/>
           <a:p>
-            <a:fld id="{79A7C8EE-9AF8-432A-85B8-E2AF337ED788}" type="datetimeFigureOut">
+            <a:fld id="{DF659CEE-7ED8-4475-A00F-9EBDFFED20DC}" type="datetimeFigureOut">
               <a:rPr lang="en-US" smtClean="0"/>
-              <a:t>11/7/2022</a:t>
+              <a:t>11/13/2022</a:t>
             </a:fld>
             <a:endParaRPr lang="en-US"/>
           </a:p>
@@ -803,7 +1239,7 @@
           <a:bodyPr/>
           <a:lstStyle/>
           <a:p>
-            <a:fld id="{97496E7D-52D3-48AD-A0E7-239B0BF63D91}" type="slidenum">
+            <a:fld id="{D56A7904-AA9B-462C-AA52-53D2A1F03E28}" type="slidenum">
               <a:rPr lang="en-US" smtClean="0"/>
               <a:t>‹#›</a:t>
             </a:fld>
@@ -814,7 +1250,7 @@
     </p:spTree>
     <p:extLst>
       <p:ext uri="{BB962C8B-B14F-4D97-AF65-F5344CB8AC3E}">
-        <p14:creationId xmlns:p14="http://schemas.microsoft.com/office/powerpoint/2010/main" val="3031488220"/>
+        <p14:creationId xmlns:p14="http://schemas.microsoft.com/office/powerpoint/2010/main" val="681558382"/>
       </p:ext>
     </p:extLst>
   </p:cSld>
@@ -853,15 +1289,15 @@
         </p:nvSpPr>
         <p:spPr>
           <a:xfrm>
-            <a:off x="623888" y="1196817"/>
-            <a:ext cx="7886700" cy="1996916"/>
+            <a:off x="623888" y="1139826"/>
+            <a:ext cx="7886700" cy="1901825"/>
           </a:xfrm>
         </p:spPr>
         <p:txBody>
           <a:bodyPr anchor="b"/>
           <a:lstStyle>
             <a:lvl1pPr>
-              <a:defRPr sz="4200"/>
+              <a:defRPr sz="4000"/>
             </a:lvl1pPr>
           </a:lstStyle>
           <a:p>
@@ -885,8 +1321,8 @@
         </p:nvSpPr>
         <p:spPr>
           <a:xfrm>
-            <a:off x="623888" y="3212624"/>
-            <a:ext cx="7886700" cy="1050131"/>
+            <a:off x="623888" y="3059642"/>
+            <a:ext cx="7886700" cy="1000125"/>
           </a:xfrm>
         </p:spPr>
         <p:txBody>
@@ -894,7 +1330,7 @@
           <a:lstStyle>
             <a:lvl1pPr marL="0" indent="0">
               <a:buNone/>
-              <a:defRPr sz="1680">
+              <a:defRPr sz="1600">
                 <a:solidFill>
                   <a:schemeClr val="tx1">
                     <a:tint val="75000"/>
@@ -902,9 +1338,9 @@
                 </a:solidFill>
               </a:defRPr>
             </a:lvl1pPr>
-            <a:lvl2pPr marL="320040" indent="0">
-              <a:buNone/>
-              <a:defRPr sz="1400">
+            <a:lvl2pPr marL="304815" indent="0">
+              <a:buNone/>
+              <a:defRPr sz="1333">
                 <a:solidFill>
                   <a:schemeClr val="tx1">
                     <a:tint val="75000"/>
@@ -912,9 +1348,9 @@
                 </a:solidFill>
               </a:defRPr>
             </a:lvl2pPr>
-            <a:lvl3pPr marL="640080" indent="0">
-              <a:buNone/>
-              <a:defRPr sz="1260">
+            <a:lvl3pPr marL="609630" indent="0">
+              <a:buNone/>
+              <a:defRPr sz="1200">
                 <a:solidFill>
                   <a:schemeClr val="tx1">
                     <a:tint val="75000"/>
@@ -922,9 +1358,9 @@
                 </a:solidFill>
               </a:defRPr>
             </a:lvl3pPr>
-            <a:lvl4pPr marL="960120" indent="0">
-              <a:buNone/>
-              <a:defRPr sz="1120">
+            <a:lvl4pPr marL="914446" indent="0">
+              <a:buNone/>
+              <a:defRPr sz="1067">
                 <a:solidFill>
                   <a:schemeClr val="tx1">
                     <a:tint val="75000"/>
@@ -932,9 +1368,9 @@
                 </a:solidFill>
               </a:defRPr>
             </a:lvl4pPr>
-            <a:lvl5pPr marL="1280160" indent="0">
-              <a:buNone/>
-              <a:defRPr sz="1120">
+            <a:lvl5pPr marL="1219261" indent="0">
+              <a:buNone/>
+              <a:defRPr sz="1067">
                 <a:solidFill>
                   <a:schemeClr val="tx1">
                     <a:tint val="75000"/>
@@ -942,9 +1378,9 @@
                 </a:solidFill>
               </a:defRPr>
             </a:lvl5pPr>
-            <a:lvl6pPr marL="1600200" indent="0">
-              <a:buNone/>
-              <a:defRPr sz="1120">
+            <a:lvl6pPr marL="1524076" indent="0">
+              <a:buNone/>
+              <a:defRPr sz="1067">
                 <a:solidFill>
                   <a:schemeClr val="tx1">
                     <a:tint val="75000"/>
@@ -952,9 +1388,9 @@
                 </a:solidFill>
               </a:defRPr>
             </a:lvl6pPr>
-            <a:lvl7pPr marL="1920240" indent="0">
-              <a:buNone/>
-              <a:defRPr sz="1120">
+            <a:lvl7pPr marL="1828891" indent="0">
+              <a:buNone/>
+              <a:defRPr sz="1067">
                 <a:solidFill>
                   <a:schemeClr val="tx1">
                     <a:tint val="75000"/>
@@ -962,9 +1398,9 @@
                 </a:solidFill>
               </a:defRPr>
             </a:lvl7pPr>
-            <a:lvl8pPr marL="2240280" indent="0">
-              <a:buNone/>
-              <a:defRPr sz="1120">
+            <a:lvl8pPr marL="2133707" indent="0">
+              <a:buNone/>
+              <a:defRPr sz="1067">
                 <a:solidFill>
                   <a:schemeClr val="tx1">
                     <a:tint val="75000"/>
@@ -972,9 +1408,9 @@
                 </a:solidFill>
               </a:defRPr>
             </a:lvl8pPr>
-            <a:lvl9pPr marL="2560320" indent="0">
-              <a:buNone/>
-              <a:defRPr sz="1120">
+            <a:lvl9pPr marL="2438522" indent="0">
+              <a:buNone/>
+              <a:defRPr sz="1067">
                 <a:solidFill>
                   <a:schemeClr val="tx1">
                     <a:tint val="75000"/>
@@ -1007,9 +1443,9 @@
           <a:bodyPr/>
           <a:lstStyle/>
           <a:p>
-            <a:fld id="{79A7C8EE-9AF8-432A-85B8-E2AF337ED788}" type="datetimeFigureOut">
+            <a:fld id="{DF659CEE-7ED8-4475-A00F-9EBDFFED20DC}" type="datetimeFigureOut">
               <a:rPr lang="en-US" smtClean="0"/>
-              <a:t>11/7/2022</a:t>
+              <a:t>11/13/2022</a:t>
             </a:fld>
             <a:endParaRPr lang="en-US"/>
           </a:p>
@@ -1049,7 +1485,7 @@
           <a:bodyPr/>
           <a:lstStyle/>
           <a:p>
-            <a:fld id="{97496E7D-52D3-48AD-A0E7-239B0BF63D91}" type="slidenum">
+            <a:fld id="{D56A7904-AA9B-462C-AA52-53D2A1F03E28}" type="slidenum">
               <a:rPr lang="en-US" smtClean="0"/>
               <a:t>‹#›</a:t>
             </a:fld>
@@ -1060,7 +1496,7 @@
     </p:spTree>
     <p:extLst>
       <p:ext uri="{BB962C8B-B14F-4D97-AF65-F5344CB8AC3E}">
-        <p14:creationId xmlns:p14="http://schemas.microsoft.com/office/powerpoint/2010/main" val="4097829288"/>
+        <p14:creationId xmlns:p14="http://schemas.microsoft.com/office/powerpoint/2010/main" val="1899211461"/>
       </p:ext>
     </p:extLst>
   </p:cSld>
@@ -1122,8 +1558,8 @@
         </p:nvSpPr>
         <p:spPr>
           <a:xfrm>
-            <a:off x="628650" y="1277937"/>
-            <a:ext cx="3886200" cy="3045937"/>
+            <a:off x="628650" y="1217083"/>
+            <a:ext cx="3886200" cy="2900892"/>
           </a:xfrm>
         </p:spPr>
         <p:txBody>
@@ -1179,8 +1615,8 @@
         </p:nvSpPr>
         <p:spPr>
           <a:xfrm>
-            <a:off x="4629150" y="1277937"/>
-            <a:ext cx="3886200" cy="3045937"/>
+            <a:off x="4629150" y="1217083"/>
+            <a:ext cx="3886200" cy="2900892"/>
           </a:xfrm>
         </p:spPr>
         <p:txBody>
@@ -1239,9 +1675,9 @@
           <a:bodyPr/>
           <a:lstStyle/>
           <a:p>
-            <a:fld id="{79A7C8EE-9AF8-432A-85B8-E2AF337ED788}" type="datetimeFigureOut">
+            <a:fld id="{DF659CEE-7ED8-4475-A00F-9EBDFFED20DC}" type="datetimeFigureOut">
               <a:rPr lang="en-US" smtClean="0"/>
-              <a:t>11/7/2022</a:t>
+              <a:t>11/13/2022</a:t>
             </a:fld>
             <a:endParaRPr lang="en-US"/>
           </a:p>
@@ -1281,7 +1717,7 @@
           <a:bodyPr/>
           <a:lstStyle/>
           <a:p>
-            <a:fld id="{97496E7D-52D3-48AD-A0E7-239B0BF63D91}" type="slidenum">
+            <a:fld id="{D56A7904-AA9B-462C-AA52-53D2A1F03E28}" type="slidenum">
               <a:rPr lang="en-US" smtClean="0"/>
               <a:t>‹#›</a:t>
             </a:fld>
@@ -1292,7 +1728,7 @@
     </p:spTree>
     <p:extLst>
       <p:ext uri="{BB962C8B-B14F-4D97-AF65-F5344CB8AC3E}">
-        <p14:creationId xmlns:p14="http://schemas.microsoft.com/office/powerpoint/2010/main" val="1203891489"/>
+        <p14:creationId xmlns:p14="http://schemas.microsoft.com/office/powerpoint/2010/main" val="3844827066"/>
       </p:ext>
     </p:extLst>
   </p:cSld>
@@ -1331,8 +1767,8 @@
         </p:nvSpPr>
         <p:spPr>
           <a:xfrm>
-            <a:off x="629841" y="255588"/>
-            <a:ext cx="7886700" cy="927894"/>
+            <a:off x="629841" y="243417"/>
+            <a:ext cx="7886700" cy="883709"/>
           </a:xfrm>
         </p:spPr>
         <p:txBody>
@@ -1359,8 +1795,8 @@
         </p:nvSpPr>
         <p:spPr>
           <a:xfrm>
-            <a:off x="629842" y="1176814"/>
-            <a:ext cx="3868340" cy="576738"/>
+            <a:off x="629842" y="1120775"/>
+            <a:ext cx="3868340" cy="549275"/>
           </a:xfrm>
         </p:spPr>
         <p:txBody>
@@ -1368,39 +1804,39 @@
           <a:lstStyle>
             <a:lvl1pPr marL="0" indent="0">
               <a:buNone/>
-              <a:defRPr sz="1680" b="1"/>
+              <a:defRPr sz="1600" b="1"/>
             </a:lvl1pPr>
-            <a:lvl2pPr marL="320040" indent="0">
-              <a:buNone/>
-              <a:defRPr sz="1400" b="1"/>
+            <a:lvl2pPr marL="304815" indent="0">
+              <a:buNone/>
+              <a:defRPr sz="1333" b="1"/>
             </a:lvl2pPr>
-            <a:lvl3pPr marL="640080" indent="0">
-              <a:buNone/>
-              <a:defRPr sz="1260" b="1"/>
+            <a:lvl3pPr marL="609630" indent="0">
+              <a:buNone/>
+              <a:defRPr sz="1200" b="1"/>
             </a:lvl3pPr>
-            <a:lvl4pPr marL="960120" indent="0">
-              <a:buNone/>
-              <a:defRPr sz="1120" b="1"/>
+            <a:lvl4pPr marL="914446" indent="0">
+              <a:buNone/>
+              <a:defRPr sz="1067" b="1"/>
             </a:lvl4pPr>
-            <a:lvl5pPr marL="1280160" indent="0">
-              <a:buNone/>
-              <a:defRPr sz="1120" b="1"/>
+            <a:lvl5pPr marL="1219261" indent="0">
+              <a:buNone/>
+              <a:defRPr sz="1067" b="1"/>
             </a:lvl5pPr>
-            <a:lvl6pPr marL="1600200" indent="0">
-              <a:buNone/>
-              <a:defRPr sz="1120" b="1"/>
+            <a:lvl6pPr marL="1524076" indent="0">
+              <a:buNone/>
+              <a:defRPr sz="1067" b="1"/>
             </a:lvl6pPr>
-            <a:lvl7pPr marL="1920240" indent="0">
-              <a:buNone/>
-              <a:defRPr sz="1120" b="1"/>
+            <a:lvl7pPr marL="1828891" indent="0">
+              <a:buNone/>
+              <a:defRPr sz="1067" b="1"/>
             </a:lvl7pPr>
-            <a:lvl8pPr marL="2240280" indent="0">
-              <a:buNone/>
-              <a:defRPr sz="1120" b="1"/>
+            <a:lvl8pPr marL="2133707" indent="0">
+              <a:buNone/>
+              <a:defRPr sz="1067" b="1"/>
             </a:lvl8pPr>
-            <a:lvl9pPr marL="2560320" indent="0">
-              <a:buNone/>
-              <a:defRPr sz="1120" b="1"/>
+            <a:lvl9pPr marL="2438522" indent="0">
+              <a:buNone/>
+              <a:defRPr sz="1067" b="1"/>
             </a:lvl9pPr>
           </a:lstStyle>
           <a:p>
@@ -1424,8 +1860,8 @@
         </p:nvSpPr>
         <p:spPr>
           <a:xfrm>
-            <a:off x="629842" y="1753552"/>
-            <a:ext cx="3868340" cy="2579212"/>
+            <a:off x="629842" y="1670050"/>
+            <a:ext cx="3868340" cy="2456392"/>
           </a:xfrm>
         </p:spPr>
         <p:txBody>
@@ -1481,8 +1917,8 @@
         </p:nvSpPr>
         <p:spPr>
           <a:xfrm>
-            <a:off x="4629150" y="1176814"/>
-            <a:ext cx="3887391" cy="576738"/>
+            <a:off x="4629150" y="1120775"/>
+            <a:ext cx="3887391" cy="549275"/>
           </a:xfrm>
         </p:spPr>
         <p:txBody>
@@ -1490,39 +1926,39 @@
           <a:lstStyle>
             <a:lvl1pPr marL="0" indent="0">
               <a:buNone/>
-              <a:defRPr sz="1680" b="1"/>
+              <a:defRPr sz="1600" b="1"/>
             </a:lvl1pPr>
-            <a:lvl2pPr marL="320040" indent="0">
-              <a:buNone/>
-              <a:defRPr sz="1400" b="1"/>
+            <a:lvl2pPr marL="304815" indent="0">
+              <a:buNone/>
+              <a:defRPr sz="1333" b="1"/>
             </a:lvl2pPr>
-            <a:lvl3pPr marL="640080" indent="0">
-              <a:buNone/>
-              <a:defRPr sz="1260" b="1"/>
+            <a:lvl3pPr marL="609630" indent="0">
+              <a:buNone/>
+              <a:defRPr sz="1200" b="1"/>
             </a:lvl3pPr>
-            <a:lvl4pPr marL="960120" indent="0">
-              <a:buNone/>
-              <a:defRPr sz="1120" b="1"/>
+            <a:lvl4pPr marL="914446" indent="0">
+              <a:buNone/>
+              <a:defRPr sz="1067" b="1"/>
             </a:lvl4pPr>
-            <a:lvl5pPr marL="1280160" indent="0">
-              <a:buNone/>
-              <a:defRPr sz="1120" b="1"/>
+            <a:lvl5pPr marL="1219261" indent="0">
+              <a:buNone/>
+              <a:defRPr sz="1067" b="1"/>
             </a:lvl5pPr>
-            <a:lvl6pPr marL="1600200" indent="0">
-              <a:buNone/>
-              <a:defRPr sz="1120" b="1"/>
+            <a:lvl6pPr marL="1524076" indent="0">
+              <a:buNone/>
+              <a:defRPr sz="1067" b="1"/>
             </a:lvl6pPr>
-            <a:lvl7pPr marL="1920240" indent="0">
-              <a:buNone/>
-              <a:defRPr sz="1120" b="1"/>
+            <a:lvl7pPr marL="1828891" indent="0">
+              <a:buNone/>
+              <a:defRPr sz="1067" b="1"/>
             </a:lvl7pPr>
-            <a:lvl8pPr marL="2240280" indent="0">
-              <a:buNone/>
-              <a:defRPr sz="1120" b="1"/>
+            <a:lvl8pPr marL="2133707" indent="0">
+              <a:buNone/>
+              <a:defRPr sz="1067" b="1"/>
             </a:lvl8pPr>
-            <a:lvl9pPr marL="2560320" indent="0">
-              <a:buNone/>
-              <a:defRPr sz="1120" b="1"/>
+            <a:lvl9pPr marL="2438522" indent="0">
+              <a:buNone/>
+              <a:defRPr sz="1067" b="1"/>
             </a:lvl9pPr>
           </a:lstStyle>
           <a:p>
@@ -1546,8 +1982,8 @@
         </p:nvSpPr>
         <p:spPr>
           <a:xfrm>
-            <a:off x="4629150" y="1753552"/>
-            <a:ext cx="3887391" cy="2579212"/>
+            <a:off x="4629150" y="1670050"/>
+            <a:ext cx="3887391" cy="2456392"/>
           </a:xfrm>
         </p:spPr>
         <p:txBody>
@@ -1606,9 +2042,9 @@
           <a:bodyPr/>
           <a:lstStyle/>
           <a:p>
-            <a:fld id="{79A7C8EE-9AF8-432A-85B8-E2AF337ED788}" type="datetimeFigureOut">
+            <a:fld id="{DF659CEE-7ED8-4475-A00F-9EBDFFED20DC}" type="datetimeFigureOut">
               <a:rPr lang="en-US" smtClean="0"/>
-              <a:t>11/7/2022</a:t>
+              <a:t>11/13/2022</a:t>
             </a:fld>
             <a:endParaRPr lang="en-US"/>
           </a:p>
@@ -1648,7 +2084,7 @@
           <a:bodyPr/>
           <a:lstStyle/>
           <a:p>
-            <a:fld id="{97496E7D-52D3-48AD-A0E7-239B0BF63D91}" type="slidenum">
+            <a:fld id="{D56A7904-AA9B-462C-AA52-53D2A1F03E28}" type="slidenum">
               <a:rPr lang="en-US" smtClean="0"/>
               <a:t>‹#›</a:t>
             </a:fld>
@@ -1659,7 +2095,7 @@
     </p:spTree>
     <p:extLst>
       <p:ext uri="{BB962C8B-B14F-4D97-AF65-F5344CB8AC3E}">
-        <p14:creationId xmlns:p14="http://schemas.microsoft.com/office/powerpoint/2010/main" val="477973555"/>
+        <p14:creationId xmlns:p14="http://schemas.microsoft.com/office/powerpoint/2010/main" val="1596915979"/>
       </p:ext>
     </p:extLst>
   </p:cSld>
@@ -1724,9 +2160,9 @@
           <a:bodyPr/>
           <a:lstStyle/>
           <a:p>
-            <a:fld id="{79A7C8EE-9AF8-432A-85B8-E2AF337ED788}" type="datetimeFigureOut">
+            <a:fld id="{DF659CEE-7ED8-4475-A00F-9EBDFFED20DC}" type="datetimeFigureOut">
               <a:rPr lang="en-US" smtClean="0"/>
-              <a:t>11/7/2022</a:t>
+              <a:t>11/13/2022</a:t>
             </a:fld>
             <a:endParaRPr lang="en-US"/>
           </a:p>
@@ -1766,7 +2202,7 @@
           <a:bodyPr/>
           <a:lstStyle/>
           <a:p>
-            <a:fld id="{97496E7D-52D3-48AD-A0E7-239B0BF63D91}" type="slidenum">
+            <a:fld id="{D56A7904-AA9B-462C-AA52-53D2A1F03E28}" type="slidenum">
               <a:rPr lang="en-US" smtClean="0"/>
               <a:t>‹#›</a:t>
             </a:fld>
@@ -1777,7 +2213,7 @@
     </p:spTree>
     <p:extLst>
       <p:ext uri="{BB962C8B-B14F-4D97-AF65-F5344CB8AC3E}">
-        <p14:creationId xmlns:p14="http://schemas.microsoft.com/office/powerpoint/2010/main" val="1061192434"/>
+        <p14:creationId xmlns:p14="http://schemas.microsoft.com/office/powerpoint/2010/main" val="2553747048"/>
       </p:ext>
     </p:extLst>
   </p:cSld>
@@ -1819,9 +2255,9 @@
           <a:bodyPr/>
           <a:lstStyle/>
           <a:p>
-            <a:fld id="{79A7C8EE-9AF8-432A-85B8-E2AF337ED788}" type="datetimeFigureOut">
+            <a:fld id="{DF659CEE-7ED8-4475-A00F-9EBDFFED20DC}" type="datetimeFigureOut">
               <a:rPr lang="en-US" smtClean="0"/>
-              <a:t>11/7/2022</a:t>
+              <a:t>11/13/2022</a:t>
             </a:fld>
             <a:endParaRPr lang="en-US"/>
           </a:p>
@@ -1861,7 +2297,7 @@
           <a:bodyPr/>
           <a:lstStyle/>
           <a:p>
-            <a:fld id="{97496E7D-52D3-48AD-A0E7-239B0BF63D91}" type="slidenum">
+            <a:fld id="{D56A7904-AA9B-462C-AA52-53D2A1F03E28}" type="slidenum">
               <a:rPr lang="en-US" smtClean="0"/>
               <a:t>‹#›</a:t>
             </a:fld>
@@ -1872,7 +2308,7 @@
     </p:spTree>
     <p:extLst>
       <p:ext uri="{BB962C8B-B14F-4D97-AF65-F5344CB8AC3E}">
-        <p14:creationId xmlns:p14="http://schemas.microsoft.com/office/powerpoint/2010/main" val="3538341255"/>
+        <p14:creationId xmlns:p14="http://schemas.microsoft.com/office/powerpoint/2010/main" val="14595500"/>
       </p:ext>
     </p:extLst>
   </p:cSld>
@@ -1911,15 +2347,15 @@
         </p:nvSpPr>
         <p:spPr>
           <a:xfrm>
-            <a:off x="629841" y="320040"/>
-            <a:ext cx="2949178" cy="1120140"/>
+            <a:off x="629841" y="304800"/>
+            <a:ext cx="2949178" cy="1066800"/>
           </a:xfrm>
         </p:spPr>
         <p:txBody>
           <a:bodyPr anchor="b"/>
           <a:lstStyle>
             <a:lvl1pPr>
-              <a:defRPr sz="2240"/>
+              <a:defRPr sz="2133"/>
             </a:lvl1pPr>
           </a:lstStyle>
           <a:p>
@@ -1943,39 +2379,39 @@
         </p:nvSpPr>
         <p:spPr>
           <a:xfrm>
-            <a:off x="3887391" y="691198"/>
-            <a:ext cx="4629150" cy="3411538"/>
+            <a:off x="3887391" y="658284"/>
+            <a:ext cx="4629150" cy="3249083"/>
           </a:xfrm>
         </p:spPr>
         <p:txBody>
           <a:bodyPr/>
           <a:lstStyle>
             <a:lvl1pPr>
-              <a:defRPr sz="2240"/>
+              <a:defRPr sz="2133"/>
             </a:lvl1pPr>
             <a:lvl2pPr>
-              <a:defRPr sz="1960"/>
+              <a:defRPr sz="1867"/>
             </a:lvl2pPr>
             <a:lvl3pPr>
-              <a:defRPr sz="1680"/>
+              <a:defRPr sz="1600"/>
             </a:lvl3pPr>
             <a:lvl4pPr>
-              <a:defRPr sz="1400"/>
+              <a:defRPr sz="1333"/>
             </a:lvl4pPr>
             <a:lvl5pPr>
-              <a:defRPr sz="1400"/>
+              <a:defRPr sz="1333"/>
             </a:lvl5pPr>
             <a:lvl6pPr>
-              <a:defRPr sz="1400"/>
+              <a:defRPr sz="1333"/>
             </a:lvl6pPr>
             <a:lvl7pPr>
-              <a:defRPr sz="1400"/>
+              <a:defRPr sz="1333"/>
             </a:lvl7pPr>
             <a:lvl8pPr>
-              <a:defRPr sz="1400"/>
+              <a:defRPr sz="1333"/>
             </a:lvl8pPr>
             <a:lvl9pPr>
-              <a:defRPr sz="1400"/>
+              <a:defRPr sz="1333"/>
             </a:lvl9pPr>
           </a:lstStyle>
           <a:p>
@@ -2028,8 +2464,8 @@
         </p:nvSpPr>
         <p:spPr>
           <a:xfrm>
-            <a:off x="629841" y="1440180"/>
-            <a:ext cx="2949178" cy="2668112"/>
+            <a:off x="629841" y="1371600"/>
+            <a:ext cx="2949178" cy="2541059"/>
           </a:xfrm>
         </p:spPr>
         <p:txBody>
@@ -2037,39 +2473,39 @@
           <a:lstStyle>
             <a:lvl1pPr marL="0" indent="0">
               <a:buNone/>
-              <a:defRPr sz="1120"/>
+              <a:defRPr sz="1067"/>
             </a:lvl1pPr>
-            <a:lvl2pPr marL="320040" indent="0">
-              <a:buNone/>
-              <a:defRPr sz="980"/>
+            <a:lvl2pPr marL="304815" indent="0">
+              <a:buNone/>
+              <a:defRPr sz="933"/>
             </a:lvl2pPr>
-            <a:lvl3pPr marL="640080" indent="0">
-              <a:buNone/>
-              <a:defRPr sz="840"/>
+            <a:lvl3pPr marL="609630" indent="0">
+              <a:buNone/>
+              <a:defRPr sz="800"/>
             </a:lvl3pPr>
-            <a:lvl4pPr marL="960120" indent="0">
-              <a:buNone/>
-              <a:defRPr sz="700"/>
+            <a:lvl4pPr marL="914446" indent="0">
+              <a:buNone/>
+              <a:defRPr sz="667"/>
             </a:lvl4pPr>
-            <a:lvl5pPr marL="1280160" indent="0">
-              <a:buNone/>
-              <a:defRPr sz="700"/>
+            <a:lvl5pPr marL="1219261" indent="0">
+              <a:buNone/>
+              <a:defRPr sz="667"/>
             </a:lvl5pPr>
-            <a:lvl6pPr marL="1600200" indent="0">
-              <a:buNone/>
-              <a:defRPr sz="700"/>
+            <a:lvl6pPr marL="1524076" indent="0">
+              <a:buNone/>
+              <a:defRPr sz="667"/>
             </a:lvl6pPr>
-            <a:lvl7pPr marL="1920240" indent="0">
-              <a:buNone/>
-              <a:defRPr sz="700"/>
+            <a:lvl7pPr marL="1828891" indent="0">
+              <a:buNone/>
+              <a:defRPr sz="667"/>
             </a:lvl7pPr>
-            <a:lvl8pPr marL="2240280" indent="0">
-              <a:buNone/>
-              <a:defRPr sz="700"/>
+            <a:lvl8pPr marL="2133707" indent="0">
+              <a:buNone/>
+              <a:defRPr sz="667"/>
             </a:lvl8pPr>
-            <a:lvl9pPr marL="2560320" indent="0">
-              <a:buNone/>
-              <a:defRPr sz="700"/>
+            <a:lvl9pPr marL="2438522" indent="0">
+              <a:buNone/>
+              <a:defRPr sz="667"/>
             </a:lvl9pPr>
           </a:lstStyle>
           <a:p>
@@ -2096,9 +2532,9 @@
           <a:bodyPr/>
           <a:lstStyle/>
           <a:p>
-            <a:fld id="{79A7C8EE-9AF8-432A-85B8-E2AF337ED788}" type="datetimeFigureOut">
+            <a:fld id="{DF659CEE-7ED8-4475-A00F-9EBDFFED20DC}" type="datetimeFigureOut">
               <a:rPr lang="en-US" smtClean="0"/>
-              <a:t>11/7/2022</a:t>
+              <a:t>11/13/2022</a:t>
             </a:fld>
             <a:endParaRPr lang="en-US"/>
           </a:p>
@@ -2138,7 +2574,7 @@
           <a:bodyPr/>
           <a:lstStyle/>
           <a:p>
-            <a:fld id="{97496E7D-52D3-48AD-A0E7-239B0BF63D91}" type="slidenum">
+            <a:fld id="{D56A7904-AA9B-462C-AA52-53D2A1F03E28}" type="slidenum">
               <a:rPr lang="en-US" smtClean="0"/>
               <a:t>‹#›</a:t>
             </a:fld>
@@ -2149,7 +2585,7 @@
     </p:spTree>
     <p:extLst>
       <p:ext uri="{BB962C8B-B14F-4D97-AF65-F5344CB8AC3E}">
-        <p14:creationId xmlns:p14="http://schemas.microsoft.com/office/powerpoint/2010/main" val="1489725406"/>
+        <p14:creationId xmlns:p14="http://schemas.microsoft.com/office/powerpoint/2010/main" val="184106293"/>
       </p:ext>
     </p:extLst>
   </p:cSld>
@@ -2188,15 +2624,15 @@
         </p:nvSpPr>
         <p:spPr>
           <a:xfrm>
-            <a:off x="629841" y="320040"/>
-            <a:ext cx="2949178" cy="1120140"/>
+            <a:off x="629841" y="304800"/>
+            <a:ext cx="2949178" cy="1066800"/>
           </a:xfrm>
         </p:spPr>
         <p:txBody>
           <a:bodyPr anchor="b"/>
           <a:lstStyle>
             <a:lvl1pPr>
-              <a:defRPr sz="2240"/>
+              <a:defRPr sz="2133"/>
             </a:lvl1pPr>
           </a:lstStyle>
           <a:p>
@@ -2220,8 +2656,8 @@
         </p:nvSpPr>
         <p:spPr>
           <a:xfrm>
-            <a:off x="3887391" y="691198"/>
-            <a:ext cx="4629150" cy="3411538"/>
+            <a:off x="3887391" y="658284"/>
+            <a:ext cx="4629150" cy="3249083"/>
           </a:xfrm>
         </p:spPr>
         <p:txBody>
@@ -2229,39 +2665,39 @@
           <a:lstStyle>
             <a:lvl1pPr marL="0" indent="0">
               <a:buNone/>
-              <a:defRPr sz="2240"/>
+              <a:defRPr sz="2133"/>
             </a:lvl1pPr>
-            <a:lvl2pPr marL="320040" indent="0">
-              <a:buNone/>
-              <a:defRPr sz="1960"/>
+            <a:lvl2pPr marL="304815" indent="0">
+              <a:buNone/>
+              <a:defRPr sz="1867"/>
             </a:lvl2pPr>
-            <a:lvl3pPr marL="640080" indent="0">
-              <a:buNone/>
-              <a:defRPr sz="1680"/>
+            <a:lvl3pPr marL="609630" indent="0">
+              <a:buNone/>
+              <a:defRPr sz="1600"/>
             </a:lvl3pPr>
-            <a:lvl4pPr marL="960120" indent="0">
-              <a:buNone/>
-              <a:defRPr sz="1400"/>
+            <a:lvl4pPr marL="914446" indent="0">
+              <a:buNone/>
+              <a:defRPr sz="1333"/>
             </a:lvl4pPr>
-            <a:lvl5pPr marL="1280160" indent="0">
-              <a:buNone/>
-              <a:defRPr sz="1400"/>
+            <a:lvl5pPr marL="1219261" indent="0">
+              <a:buNone/>
+              <a:defRPr sz="1333"/>
             </a:lvl5pPr>
-            <a:lvl6pPr marL="1600200" indent="0">
-              <a:buNone/>
-              <a:defRPr sz="1400"/>
+            <a:lvl6pPr marL="1524076" indent="0">
+              <a:buNone/>
+              <a:defRPr sz="1333"/>
             </a:lvl6pPr>
-            <a:lvl7pPr marL="1920240" indent="0">
-              <a:buNone/>
-              <a:defRPr sz="1400"/>
+            <a:lvl7pPr marL="1828891" indent="0">
+              <a:buNone/>
+              <a:defRPr sz="1333"/>
             </a:lvl7pPr>
-            <a:lvl8pPr marL="2240280" indent="0">
-              <a:buNone/>
-              <a:defRPr sz="1400"/>
+            <a:lvl8pPr marL="2133707" indent="0">
+              <a:buNone/>
+              <a:defRPr sz="1333"/>
             </a:lvl8pPr>
-            <a:lvl9pPr marL="2560320" indent="0">
-              <a:buNone/>
-              <a:defRPr sz="1400"/>
+            <a:lvl9pPr marL="2438522" indent="0">
+              <a:buNone/>
+              <a:defRPr sz="1333"/>
             </a:lvl9pPr>
           </a:lstStyle>
           <a:p>
@@ -2285,8 +2721,8 @@
         </p:nvSpPr>
         <p:spPr>
           <a:xfrm>
-            <a:off x="629841" y="1440180"/>
-            <a:ext cx="2949178" cy="2668112"/>
+            <a:off x="629841" y="1371600"/>
+            <a:ext cx="2949178" cy="2541059"/>
           </a:xfrm>
         </p:spPr>
         <p:txBody>
@@ -2294,39 +2730,39 @@
           <a:lstStyle>
             <a:lvl1pPr marL="0" indent="0">
               <a:buNone/>
-              <a:defRPr sz="1120"/>
+              <a:defRPr sz="1067"/>
             </a:lvl1pPr>
-            <a:lvl2pPr marL="320040" indent="0">
-              <a:buNone/>
-              <a:defRPr sz="980"/>
+            <a:lvl2pPr marL="304815" indent="0">
+              <a:buNone/>
+              <a:defRPr sz="933"/>
             </a:lvl2pPr>
-            <a:lvl3pPr marL="640080" indent="0">
-              <a:buNone/>
-              <a:defRPr sz="840"/>
+            <a:lvl3pPr marL="609630" indent="0">
+              <a:buNone/>
+              <a:defRPr sz="800"/>
             </a:lvl3pPr>
-            <a:lvl4pPr marL="960120" indent="0">
-              <a:buNone/>
-              <a:defRPr sz="700"/>
+            <a:lvl4pPr marL="914446" indent="0">
+              <a:buNone/>
+              <a:defRPr sz="667"/>
             </a:lvl4pPr>
-            <a:lvl5pPr marL="1280160" indent="0">
-              <a:buNone/>
-              <a:defRPr sz="700"/>
+            <a:lvl5pPr marL="1219261" indent="0">
+              <a:buNone/>
+              <a:defRPr sz="667"/>
             </a:lvl5pPr>
-            <a:lvl6pPr marL="1600200" indent="0">
-              <a:buNone/>
-              <a:defRPr sz="700"/>
+            <a:lvl6pPr marL="1524076" indent="0">
+              <a:buNone/>
+              <a:defRPr sz="667"/>
             </a:lvl6pPr>
-            <a:lvl7pPr marL="1920240" indent="0">
-              <a:buNone/>
-              <a:defRPr sz="700"/>
+            <a:lvl7pPr marL="1828891" indent="0">
+              <a:buNone/>
+              <a:defRPr sz="667"/>
             </a:lvl7pPr>
-            <a:lvl8pPr marL="2240280" indent="0">
-              <a:buNone/>
-              <a:defRPr sz="700"/>
+            <a:lvl8pPr marL="2133707" indent="0">
+              <a:buNone/>
+              <a:defRPr sz="667"/>
             </a:lvl8pPr>
-            <a:lvl9pPr marL="2560320" indent="0">
-              <a:buNone/>
-              <a:defRPr sz="700"/>
+            <a:lvl9pPr marL="2438522" indent="0">
+              <a:buNone/>
+              <a:defRPr sz="667"/>
             </a:lvl9pPr>
           </a:lstStyle>
           <a:p>
@@ -2353,9 +2789,9 @@
           <a:bodyPr/>
           <a:lstStyle/>
           <a:p>
-            <a:fld id="{79A7C8EE-9AF8-432A-85B8-E2AF337ED788}" type="datetimeFigureOut">
+            <a:fld id="{DF659CEE-7ED8-4475-A00F-9EBDFFED20DC}" type="datetimeFigureOut">
               <a:rPr lang="en-US" smtClean="0"/>
-              <a:t>11/7/2022</a:t>
+              <a:t>11/13/2022</a:t>
             </a:fld>
             <a:endParaRPr lang="en-US"/>
           </a:p>
@@ -2395,7 +2831,7 @@
           <a:bodyPr/>
           <a:lstStyle/>
           <a:p>
-            <a:fld id="{97496E7D-52D3-48AD-A0E7-239B0BF63D91}" type="slidenum">
+            <a:fld id="{D56A7904-AA9B-462C-AA52-53D2A1F03E28}" type="slidenum">
               <a:rPr lang="en-US" smtClean="0"/>
               <a:t>‹#›</a:t>
             </a:fld>
@@ -2406,7 +2842,7 @@
     </p:spTree>
     <p:extLst>
       <p:ext uri="{BB962C8B-B14F-4D97-AF65-F5344CB8AC3E}">
-        <p14:creationId xmlns:p14="http://schemas.microsoft.com/office/powerpoint/2010/main" val="3429092397"/>
+        <p14:creationId xmlns:p14="http://schemas.microsoft.com/office/powerpoint/2010/main" val="3521881686"/>
       </p:ext>
     </p:extLst>
   </p:cSld>
@@ -2450,8 +2886,8 @@
         </p:nvSpPr>
         <p:spPr>
           <a:xfrm>
-            <a:off x="628650" y="255588"/>
-            <a:ext cx="7886700" cy="927894"/>
+            <a:off x="628650" y="243417"/>
+            <a:ext cx="7886700" cy="883709"/>
           </a:xfrm>
           <a:prstGeom prst="rect">
             <a:avLst/>
@@ -2483,8 +2919,8 @@
         </p:nvSpPr>
         <p:spPr>
           <a:xfrm>
-            <a:off x="628650" y="1277937"/>
-            <a:ext cx="7886700" cy="3045937"/>
+            <a:off x="628650" y="1217083"/>
+            <a:ext cx="7886700" cy="2900892"/>
           </a:xfrm>
           <a:prstGeom prst="rect">
             <a:avLst/>
@@ -2545,8 +2981,8 @@
         </p:nvSpPr>
         <p:spPr>
           <a:xfrm>
-            <a:off x="628650" y="4449445"/>
-            <a:ext cx="2057400" cy="255588"/>
+            <a:off x="628650" y="4237567"/>
+            <a:ext cx="2057400" cy="243417"/>
           </a:xfrm>
           <a:prstGeom prst="rect">
             <a:avLst/>
@@ -2556,7 +2992,7 @@
           <a:bodyPr vert="horz" lIns="91440" tIns="45720" rIns="91440" bIns="45720" rtlCol="0" anchor="ctr"/>
           <a:lstStyle>
             <a:lvl1pPr algn="l">
-              <a:defRPr sz="840">
+              <a:defRPr sz="800">
                 <a:solidFill>
                   <a:schemeClr val="tx1">
                     <a:tint val="75000"/>
@@ -2566,9 +3002,9 @@
             </a:lvl1pPr>
           </a:lstStyle>
           <a:p>
-            <a:fld id="{79A7C8EE-9AF8-432A-85B8-E2AF337ED788}" type="datetimeFigureOut">
+            <a:fld id="{DF659CEE-7ED8-4475-A00F-9EBDFFED20DC}" type="datetimeFigureOut">
               <a:rPr lang="en-US" smtClean="0"/>
-              <a:t>11/7/2022</a:t>
+              <a:t>11/13/2022</a:t>
             </a:fld>
             <a:endParaRPr lang="en-US"/>
           </a:p>
@@ -2586,8 +3022,8 @@
         </p:nvSpPr>
         <p:spPr>
           <a:xfrm>
-            <a:off x="3028950" y="4449445"/>
-            <a:ext cx="3086100" cy="255588"/>
+            <a:off x="3028950" y="4237567"/>
+            <a:ext cx="3086100" cy="243417"/>
           </a:xfrm>
           <a:prstGeom prst="rect">
             <a:avLst/>
@@ -2597,7 +3033,7 @@
           <a:bodyPr vert="horz" lIns="91440" tIns="45720" rIns="91440" bIns="45720" rtlCol="0" anchor="ctr"/>
           <a:lstStyle>
             <a:lvl1pPr algn="ctr">
-              <a:defRPr sz="840">
+              <a:defRPr sz="800">
                 <a:solidFill>
                   <a:schemeClr val="tx1">
                     <a:tint val="75000"/>
@@ -2623,8 +3059,8 @@
         </p:nvSpPr>
         <p:spPr>
           <a:xfrm>
-            <a:off x="6457950" y="4449445"/>
-            <a:ext cx="2057400" cy="255588"/>
+            <a:off x="6457950" y="4237567"/>
+            <a:ext cx="2057400" cy="243417"/>
           </a:xfrm>
           <a:prstGeom prst="rect">
             <a:avLst/>
@@ -2634,7 +3070,7 @@
           <a:bodyPr vert="horz" lIns="91440" tIns="45720" rIns="91440" bIns="45720" rtlCol="0" anchor="ctr"/>
           <a:lstStyle>
             <a:lvl1pPr algn="r">
-              <a:defRPr sz="840">
+              <a:defRPr sz="800">
                 <a:solidFill>
                   <a:schemeClr val="tx1">
                     <a:tint val="75000"/>
@@ -2644,7 +3080,7 @@
             </a:lvl1pPr>
           </a:lstStyle>
           <a:p>
-            <a:fld id="{97496E7D-52D3-48AD-A0E7-239B0BF63D91}" type="slidenum">
+            <a:fld id="{D56A7904-AA9B-462C-AA52-53D2A1F03E28}" type="slidenum">
               <a:rPr lang="en-US" smtClean="0"/>
               <a:t>‹#›</a:t>
             </a:fld>
@@ -2655,27 +3091,27 @@
     </p:spTree>
     <p:extLst>
       <p:ext uri="{BB962C8B-B14F-4D97-AF65-F5344CB8AC3E}">
-        <p14:creationId xmlns:p14="http://schemas.microsoft.com/office/powerpoint/2010/main" val="342505226"/>
+        <p14:creationId xmlns:p14="http://schemas.microsoft.com/office/powerpoint/2010/main" val="888570336"/>
       </p:ext>
     </p:extLst>
   </p:cSld>
   <p:clrMap bg1="lt1" tx1="dk1" bg2="lt2" tx2="dk2" accent1="accent1" accent2="accent2" accent3="accent3" accent4="accent4" accent5="accent5" accent6="accent6" hlink="hlink" folHlink="folHlink"/>
   <p:sldLayoutIdLst>
-    <p:sldLayoutId id="2147483709" r:id="rId1"/>
-    <p:sldLayoutId id="2147483710" r:id="rId2"/>
-    <p:sldLayoutId id="2147483711" r:id="rId3"/>
-    <p:sldLayoutId id="2147483712" r:id="rId4"/>
-    <p:sldLayoutId id="2147483713" r:id="rId5"/>
-    <p:sldLayoutId id="2147483714" r:id="rId6"/>
-    <p:sldLayoutId id="2147483715" r:id="rId7"/>
-    <p:sldLayoutId id="2147483716" r:id="rId8"/>
-    <p:sldLayoutId id="2147483717" r:id="rId9"/>
-    <p:sldLayoutId id="2147483718" r:id="rId10"/>
-    <p:sldLayoutId id="2147483719" r:id="rId11"/>
+    <p:sldLayoutId id="2147483673" r:id="rId1"/>
+    <p:sldLayoutId id="2147483674" r:id="rId2"/>
+    <p:sldLayoutId id="2147483675" r:id="rId3"/>
+    <p:sldLayoutId id="2147483676" r:id="rId4"/>
+    <p:sldLayoutId id="2147483677" r:id="rId5"/>
+    <p:sldLayoutId id="2147483678" r:id="rId6"/>
+    <p:sldLayoutId id="2147483679" r:id="rId7"/>
+    <p:sldLayoutId id="2147483680" r:id="rId8"/>
+    <p:sldLayoutId id="2147483681" r:id="rId9"/>
+    <p:sldLayoutId id="2147483682" r:id="rId10"/>
+    <p:sldLayoutId id="2147483683" r:id="rId11"/>
   </p:sldLayoutIdLst>
   <p:txStyles>
     <p:titleStyle>
-      <a:lvl1pPr algn="l" defTabSz="640080" rtl="0" eaLnBrk="1" latinLnBrk="0" hangingPunct="1">
+      <a:lvl1pPr algn="l" defTabSz="609630" rtl="0" eaLnBrk="1" latinLnBrk="0" hangingPunct="1">
         <a:lnSpc>
           <a:spcPct val="90000"/>
         </a:lnSpc>
@@ -2683,7 +3119,7 @@
           <a:spcPct val="0"/>
         </a:spcBef>
         <a:buNone/>
-        <a:defRPr sz="3080" kern="1200">
+        <a:defRPr sz="2933" kern="1200">
           <a:solidFill>
             <a:schemeClr val="tx1"/>
           </a:solidFill>
@@ -2694,16 +3130,16 @@
       </a:lvl1pPr>
     </p:titleStyle>
     <p:bodyStyle>
-      <a:lvl1pPr marL="160020" indent="-160020" algn="l" defTabSz="640080" rtl="0" eaLnBrk="1" latinLnBrk="0" hangingPunct="1">
+      <a:lvl1pPr marL="152408" indent="-152408" algn="l" defTabSz="609630" rtl="0" eaLnBrk="1" latinLnBrk="0" hangingPunct="1">
         <a:lnSpc>
           <a:spcPct val="90000"/>
         </a:lnSpc>
         <a:spcBef>
-          <a:spcPts val="700"/>
+          <a:spcPts val="667"/>
         </a:spcBef>
         <a:buFont typeface="Arial" panose="020B0604020202020204" pitchFamily="34" charset="0"/>
         <a:buChar char="•"/>
-        <a:defRPr sz="1960" kern="1200">
+        <a:defRPr sz="1867" kern="1200">
           <a:solidFill>
             <a:schemeClr val="tx1"/>
           </a:solidFill>
@@ -2712,16 +3148,16 @@
           <a:cs typeface="+mn-cs"/>
         </a:defRPr>
       </a:lvl1pPr>
-      <a:lvl2pPr marL="480060" indent="-160020" algn="l" defTabSz="640080" rtl="0" eaLnBrk="1" latinLnBrk="0" hangingPunct="1">
+      <a:lvl2pPr marL="457223" indent="-152408" algn="l" defTabSz="609630" rtl="0" eaLnBrk="1" latinLnBrk="0" hangingPunct="1">
         <a:lnSpc>
           <a:spcPct val="90000"/>
         </a:lnSpc>
         <a:spcBef>
-          <a:spcPts val="350"/>
+          <a:spcPts val="333"/>
         </a:spcBef>
         <a:buFont typeface="Arial" panose="020B0604020202020204" pitchFamily="34" charset="0"/>
         <a:buChar char="•"/>
-        <a:defRPr sz="1680" kern="1200">
+        <a:defRPr sz="1600" kern="1200">
           <a:solidFill>
             <a:schemeClr val="tx1"/>
           </a:solidFill>
@@ -2730,16 +3166,16 @@
           <a:cs typeface="+mn-cs"/>
         </a:defRPr>
       </a:lvl2pPr>
-      <a:lvl3pPr marL="800100" indent="-160020" algn="l" defTabSz="640080" rtl="0" eaLnBrk="1" latinLnBrk="0" hangingPunct="1">
+      <a:lvl3pPr marL="762038" indent="-152408" algn="l" defTabSz="609630" rtl="0" eaLnBrk="1" latinLnBrk="0" hangingPunct="1">
         <a:lnSpc>
           <a:spcPct val="90000"/>
         </a:lnSpc>
         <a:spcBef>
-          <a:spcPts val="350"/>
+          <a:spcPts val="333"/>
         </a:spcBef>
         <a:buFont typeface="Arial" panose="020B0604020202020204" pitchFamily="34" charset="0"/>
         <a:buChar char="•"/>
-        <a:defRPr sz="1400" kern="1200">
+        <a:defRPr sz="1333" kern="1200">
           <a:solidFill>
             <a:schemeClr val="tx1"/>
           </a:solidFill>
@@ -2748,16 +3184,16 @@
           <a:cs typeface="+mn-cs"/>
         </a:defRPr>
       </a:lvl3pPr>
-      <a:lvl4pPr marL="1120140" indent="-160020" algn="l" defTabSz="640080" rtl="0" eaLnBrk="1" latinLnBrk="0" hangingPunct="1">
+      <a:lvl4pPr marL="1066853" indent="-152408" algn="l" defTabSz="609630" rtl="0" eaLnBrk="1" latinLnBrk="0" hangingPunct="1">
         <a:lnSpc>
           <a:spcPct val="90000"/>
         </a:lnSpc>
         <a:spcBef>
-          <a:spcPts val="350"/>
+          <a:spcPts val="333"/>
         </a:spcBef>
         <a:buFont typeface="Arial" panose="020B0604020202020204" pitchFamily="34" charset="0"/>
         <a:buChar char="•"/>
-        <a:defRPr sz="1260" kern="1200">
+        <a:defRPr sz="1200" kern="1200">
           <a:solidFill>
             <a:schemeClr val="tx1"/>
           </a:solidFill>
@@ -2766,16 +3202,16 @@
           <a:cs typeface="+mn-cs"/>
         </a:defRPr>
       </a:lvl4pPr>
-      <a:lvl5pPr marL="1440180" indent="-160020" algn="l" defTabSz="640080" rtl="0" eaLnBrk="1" latinLnBrk="0" hangingPunct="1">
+      <a:lvl5pPr marL="1371669" indent="-152408" algn="l" defTabSz="609630" rtl="0" eaLnBrk="1" latinLnBrk="0" hangingPunct="1">
         <a:lnSpc>
           <a:spcPct val="90000"/>
         </a:lnSpc>
         <a:spcBef>
-          <a:spcPts val="350"/>
+          <a:spcPts val="333"/>
         </a:spcBef>
         <a:buFont typeface="Arial" panose="020B0604020202020204" pitchFamily="34" charset="0"/>
         <a:buChar char="•"/>
-        <a:defRPr sz="1260" kern="1200">
+        <a:defRPr sz="1200" kern="1200">
           <a:solidFill>
             <a:schemeClr val="tx1"/>
           </a:solidFill>
@@ -2784,16 +3220,16 @@
           <a:cs typeface="+mn-cs"/>
         </a:defRPr>
       </a:lvl5pPr>
-      <a:lvl6pPr marL="1760220" indent="-160020" algn="l" defTabSz="640080" rtl="0" eaLnBrk="1" latinLnBrk="0" hangingPunct="1">
+      <a:lvl6pPr marL="1676484" indent="-152408" algn="l" defTabSz="609630" rtl="0" eaLnBrk="1" latinLnBrk="0" hangingPunct="1">
         <a:lnSpc>
           <a:spcPct val="90000"/>
         </a:lnSpc>
         <a:spcBef>
-          <a:spcPts val="350"/>
+          <a:spcPts val="333"/>
         </a:spcBef>
         <a:buFont typeface="Arial" panose="020B0604020202020204" pitchFamily="34" charset="0"/>
         <a:buChar char="•"/>
-        <a:defRPr sz="1260" kern="1200">
+        <a:defRPr sz="1200" kern="1200">
           <a:solidFill>
             <a:schemeClr val="tx1"/>
           </a:solidFill>
@@ -2802,16 +3238,16 @@
           <a:cs typeface="+mn-cs"/>
         </a:defRPr>
       </a:lvl6pPr>
-      <a:lvl7pPr marL="2080260" indent="-160020" algn="l" defTabSz="640080" rtl="0" eaLnBrk="1" latinLnBrk="0" hangingPunct="1">
+      <a:lvl7pPr marL="1981299" indent="-152408" algn="l" defTabSz="609630" rtl="0" eaLnBrk="1" latinLnBrk="0" hangingPunct="1">
         <a:lnSpc>
           <a:spcPct val="90000"/>
         </a:lnSpc>
         <a:spcBef>
-          <a:spcPts val="350"/>
+          <a:spcPts val="333"/>
         </a:spcBef>
         <a:buFont typeface="Arial" panose="020B0604020202020204" pitchFamily="34" charset="0"/>
         <a:buChar char="•"/>
-        <a:defRPr sz="1260" kern="1200">
+        <a:defRPr sz="1200" kern="1200">
           <a:solidFill>
             <a:schemeClr val="tx1"/>
           </a:solidFill>
@@ -2820,16 +3256,16 @@
           <a:cs typeface="+mn-cs"/>
         </a:defRPr>
       </a:lvl7pPr>
-      <a:lvl8pPr marL="2400300" indent="-160020" algn="l" defTabSz="640080" rtl="0" eaLnBrk="1" latinLnBrk="0" hangingPunct="1">
+      <a:lvl8pPr marL="2286114" indent="-152408" algn="l" defTabSz="609630" rtl="0" eaLnBrk="1" latinLnBrk="0" hangingPunct="1">
         <a:lnSpc>
           <a:spcPct val="90000"/>
         </a:lnSpc>
         <a:spcBef>
-          <a:spcPts val="350"/>
+          <a:spcPts val="333"/>
         </a:spcBef>
         <a:buFont typeface="Arial" panose="020B0604020202020204" pitchFamily="34" charset="0"/>
         <a:buChar char="•"/>
-        <a:defRPr sz="1260" kern="1200">
+        <a:defRPr sz="1200" kern="1200">
           <a:solidFill>
             <a:schemeClr val="tx1"/>
           </a:solidFill>
@@ -2838,16 +3274,16 @@
           <a:cs typeface="+mn-cs"/>
         </a:defRPr>
       </a:lvl8pPr>
-      <a:lvl9pPr marL="2720340" indent="-160020" algn="l" defTabSz="640080" rtl="0" eaLnBrk="1" latinLnBrk="0" hangingPunct="1">
+      <a:lvl9pPr marL="2590930" indent="-152408" algn="l" defTabSz="609630" rtl="0" eaLnBrk="1" latinLnBrk="0" hangingPunct="1">
         <a:lnSpc>
           <a:spcPct val="90000"/>
         </a:lnSpc>
         <a:spcBef>
-          <a:spcPts val="350"/>
+          <a:spcPts val="333"/>
         </a:spcBef>
         <a:buFont typeface="Arial" panose="020B0604020202020204" pitchFamily="34" charset="0"/>
         <a:buChar char="•"/>
-        <a:defRPr sz="1260" kern="1200">
+        <a:defRPr sz="1200" kern="1200">
           <a:solidFill>
             <a:schemeClr val="tx1"/>
           </a:solidFill>
@@ -2861,8 +3297,8 @@
       <a:defPPr>
         <a:defRPr lang="en-US"/>
       </a:defPPr>
-      <a:lvl1pPr marL="0" algn="l" defTabSz="640080" rtl="0" eaLnBrk="1" latinLnBrk="0" hangingPunct="1">
-        <a:defRPr sz="1260" kern="1200">
+      <a:lvl1pPr marL="0" algn="l" defTabSz="609630" rtl="0" eaLnBrk="1" latinLnBrk="0" hangingPunct="1">
+        <a:defRPr sz="1200" kern="1200">
           <a:solidFill>
             <a:schemeClr val="tx1"/>
           </a:solidFill>
@@ -2871,8 +3307,8 @@
           <a:cs typeface="+mn-cs"/>
         </a:defRPr>
       </a:lvl1pPr>
-      <a:lvl2pPr marL="320040" algn="l" defTabSz="640080" rtl="0" eaLnBrk="1" latinLnBrk="0" hangingPunct="1">
-        <a:defRPr sz="1260" kern="1200">
+      <a:lvl2pPr marL="304815" algn="l" defTabSz="609630" rtl="0" eaLnBrk="1" latinLnBrk="0" hangingPunct="1">
+        <a:defRPr sz="1200" kern="1200">
           <a:solidFill>
             <a:schemeClr val="tx1"/>
           </a:solidFill>
@@ -2881,8 +3317,8 @@
           <a:cs typeface="+mn-cs"/>
         </a:defRPr>
       </a:lvl2pPr>
-      <a:lvl3pPr marL="640080" algn="l" defTabSz="640080" rtl="0" eaLnBrk="1" latinLnBrk="0" hangingPunct="1">
-        <a:defRPr sz="1260" kern="1200">
+      <a:lvl3pPr marL="609630" algn="l" defTabSz="609630" rtl="0" eaLnBrk="1" latinLnBrk="0" hangingPunct="1">
+        <a:defRPr sz="1200" kern="1200">
           <a:solidFill>
             <a:schemeClr val="tx1"/>
           </a:solidFill>
@@ -2891,8 +3327,8 @@
           <a:cs typeface="+mn-cs"/>
         </a:defRPr>
       </a:lvl3pPr>
-      <a:lvl4pPr marL="960120" algn="l" defTabSz="640080" rtl="0" eaLnBrk="1" latinLnBrk="0" hangingPunct="1">
-        <a:defRPr sz="1260" kern="1200">
+      <a:lvl4pPr marL="914446" algn="l" defTabSz="609630" rtl="0" eaLnBrk="1" latinLnBrk="0" hangingPunct="1">
+        <a:defRPr sz="1200" kern="1200">
           <a:solidFill>
             <a:schemeClr val="tx1"/>
           </a:solidFill>
@@ -2901,8 +3337,8 @@
           <a:cs typeface="+mn-cs"/>
         </a:defRPr>
       </a:lvl4pPr>
-      <a:lvl5pPr marL="1280160" algn="l" defTabSz="640080" rtl="0" eaLnBrk="1" latinLnBrk="0" hangingPunct="1">
-        <a:defRPr sz="1260" kern="1200">
+      <a:lvl5pPr marL="1219261" algn="l" defTabSz="609630" rtl="0" eaLnBrk="1" latinLnBrk="0" hangingPunct="1">
+        <a:defRPr sz="1200" kern="1200">
           <a:solidFill>
             <a:schemeClr val="tx1"/>
           </a:solidFill>
@@ -2911,8 +3347,8 @@
           <a:cs typeface="+mn-cs"/>
         </a:defRPr>
       </a:lvl5pPr>
-      <a:lvl6pPr marL="1600200" algn="l" defTabSz="640080" rtl="0" eaLnBrk="1" latinLnBrk="0" hangingPunct="1">
-        <a:defRPr sz="1260" kern="1200">
+      <a:lvl6pPr marL="1524076" algn="l" defTabSz="609630" rtl="0" eaLnBrk="1" latinLnBrk="0" hangingPunct="1">
+        <a:defRPr sz="1200" kern="1200">
           <a:solidFill>
             <a:schemeClr val="tx1"/>
           </a:solidFill>
@@ -2921,8 +3357,8 @@
           <a:cs typeface="+mn-cs"/>
         </a:defRPr>
       </a:lvl6pPr>
-      <a:lvl7pPr marL="1920240" algn="l" defTabSz="640080" rtl="0" eaLnBrk="1" latinLnBrk="0" hangingPunct="1">
-        <a:defRPr sz="1260" kern="1200">
+      <a:lvl7pPr marL="1828891" algn="l" defTabSz="609630" rtl="0" eaLnBrk="1" latinLnBrk="0" hangingPunct="1">
+        <a:defRPr sz="1200" kern="1200">
           <a:solidFill>
             <a:schemeClr val="tx1"/>
           </a:solidFill>
@@ -2931,8 +3367,8 @@
           <a:cs typeface="+mn-cs"/>
         </a:defRPr>
       </a:lvl7pPr>
-      <a:lvl8pPr marL="2240280" algn="l" defTabSz="640080" rtl="0" eaLnBrk="1" latinLnBrk="0" hangingPunct="1">
-        <a:defRPr sz="1260" kern="1200">
+      <a:lvl8pPr marL="2133707" algn="l" defTabSz="609630" rtl="0" eaLnBrk="1" latinLnBrk="0" hangingPunct="1">
+        <a:defRPr sz="1200" kern="1200">
           <a:solidFill>
             <a:schemeClr val="tx1"/>
           </a:solidFill>
@@ -2941,8 +3377,8 @@
           <a:cs typeface="+mn-cs"/>
         </a:defRPr>
       </a:lvl8pPr>
-      <a:lvl9pPr marL="2560320" algn="l" defTabSz="640080" rtl="0" eaLnBrk="1" latinLnBrk="0" hangingPunct="1">
-        <a:defRPr sz="1260" kern="1200">
+      <a:lvl9pPr marL="2438522" algn="l" defTabSz="609630" rtl="0" eaLnBrk="1" latinLnBrk="0" hangingPunct="1">
+        <a:defRPr sz="1200" kern="1200">
           <a:solidFill>
             <a:schemeClr val="tx1"/>
           </a:solidFill>
@@ -2973,1893 +3409,25 @@
           <a:chExt cx="0" cy="0"/>
         </a:xfrm>
       </p:grpSpPr>
-      <p:sp>
-        <p:nvSpPr>
-          <p:cNvPr id="37" name="Google Shape;140;g16c60364d53_0_5">
+      <p:cxnSp>
+        <p:nvCxnSpPr>
+          <p:cNvPr id="18" name="Straight Arrow Connector 17">
             <a:extLst>
               <a:ext uri="{FF2B5EF4-FFF2-40B4-BE49-F238E27FC236}">
-                <a16:creationId xmlns:a16="http://schemas.microsoft.com/office/drawing/2014/main" id="{4F8ECAF1-5F65-4086-989B-A669963409B7}"/>
-              </a:ext>
-            </a:extLst>
-          </p:cNvPr>
-          <p:cNvSpPr/>
-          <p:nvPr/>
-        </p:nvSpPr>
-        <p:spPr>
-          <a:xfrm>
-            <a:off x="1753947" y="2091544"/>
-            <a:ext cx="834789" cy="773204"/>
-          </a:xfrm>
-          <a:prstGeom prst="rect">
-            <a:avLst/>
-          </a:prstGeom>
-          <a:solidFill>
-            <a:srgbClr val="FF0000"/>
-          </a:solidFill>
-          <a:ln w="9525" cap="flat" cmpd="sng">
-            <a:solidFill>
-              <a:schemeClr val="dk2"/>
-            </a:solidFill>
-            <a:prstDash val="solid"/>
-            <a:round/>
-            <a:headEnd type="none" w="sm" len="sm"/>
-            <a:tailEnd type="none" w="sm" len="sm"/>
-          </a:ln>
-        </p:spPr>
-        <p:txBody>
-          <a:bodyPr spcFirstLastPara="1" wrap="square" lIns="91425" tIns="91425" rIns="91425" bIns="91425" anchor="ctr" anchorCtr="0">
-            <a:noAutofit/>
-          </a:bodyPr>
-          <a:lstStyle/>
-          <a:p>
-            <a:endParaRPr>
-              <a:latin typeface="Arial" panose="020B0604020202020204" pitchFamily="34" charset="0"/>
-              <a:cs typeface="Arial" panose="020B0604020202020204" pitchFamily="34" charset="0"/>
-            </a:endParaRPr>
-          </a:p>
-        </p:txBody>
-      </p:sp>
-      <p:sp>
-        <p:nvSpPr>
-          <p:cNvPr id="60" name="Google Shape;140;g16c60364d53_0_5">
-            <a:extLst>
-              <a:ext uri="{FF2B5EF4-FFF2-40B4-BE49-F238E27FC236}">
-                <a16:creationId xmlns:a16="http://schemas.microsoft.com/office/drawing/2014/main" id="{57CABAF4-2CDC-4029-B46C-515210010B75}"/>
-              </a:ext>
-            </a:extLst>
-          </p:cNvPr>
-          <p:cNvSpPr/>
-          <p:nvPr/>
-        </p:nvSpPr>
-        <p:spPr>
-          <a:xfrm>
-            <a:off x="6010880" y="2095452"/>
-            <a:ext cx="834789" cy="773204"/>
-          </a:xfrm>
-          <a:prstGeom prst="rect">
-            <a:avLst/>
-          </a:prstGeom>
-          <a:solidFill>
-            <a:srgbClr val="FF0000"/>
-          </a:solidFill>
-          <a:ln w="9525" cap="flat" cmpd="sng">
-            <a:solidFill>
-              <a:schemeClr val="dk2"/>
-            </a:solidFill>
-            <a:prstDash val="solid"/>
-            <a:round/>
-            <a:headEnd type="none" w="sm" len="sm"/>
-            <a:tailEnd type="none" w="sm" len="sm"/>
-          </a:ln>
-        </p:spPr>
-        <p:txBody>
-          <a:bodyPr spcFirstLastPara="1" wrap="square" lIns="91425" tIns="91425" rIns="91425" bIns="91425" anchor="ctr" anchorCtr="0">
-            <a:noAutofit/>
-          </a:bodyPr>
-          <a:lstStyle/>
-          <a:p>
-            <a:endParaRPr>
-              <a:latin typeface="Arial" panose="020B0604020202020204" pitchFamily="34" charset="0"/>
-              <a:cs typeface="Arial" panose="020B0604020202020204" pitchFamily="34" charset="0"/>
-            </a:endParaRPr>
-          </a:p>
-        </p:txBody>
-      </p:sp>
-      <p:sp>
-        <p:nvSpPr>
-          <p:cNvPr id="62" name="Google Shape;140;g16c60364d53_0_5">
-            <a:extLst>
-              <a:ext uri="{FF2B5EF4-FFF2-40B4-BE49-F238E27FC236}">
-                <a16:creationId xmlns:a16="http://schemas.microsoft.com/office/drawing/2014/main" id="{F37CBDE3-463E-4868-9B45-518EFCADBF0E}"/>
-              </a:ext>
-            </a:extLst>
-          </p:cNvPr>
-          <p:cNvSpPr/>
-          <p:nvPr/>
-        </p:nvSpPr>
-        <p:spPr>
-          <a:xfrm>
-            <a:off x="6010880" y="1312877"/>
-            <a:ext cx="834789" cy="773204"/>
-          </a:xfrm>
-          <a:prstGeom prst="rect">
-            <a:avLst/>
-          </a:prstGeom>
-          <a:solidFill>
-            <a:schemeClr val="accent1"/>
-          </a:solidFill>
-          <a:ln w="9525" cap="flat" cmpd="sng">
-            <a:solidFill>
-              <a:schemeClr val="dk2"/>
-            </a:solidFill>
-            <a:prstDash val="solid"/>
-            <a:round/>
-            <a:headEnd type="none" w="sm" len="sm"/>
-            <a:tailEnd type="none" w="sm" len="sm"/>
-          </a:ln>
-        </p:spPr>
-        <p:txBody>
-          <a:bodyPr spcFirstLastPara="1" wrap="square" lIns="91425" tIns="91425" rIns="91425" bIns="91425" anchor="ctr" anchorCtr="0">
-            <a:noAutofit/>
-          </a:bodyPr>
-          <a:lstStyle/>
-          <a:p>
-            <a:endParaRPr>
-              <a:latin typeface="Arial" panose="020B0604020202020204" pitchFamily="34" charset="0"/>
-              <a:cs typeface="Arial" panose="020B0604020202020204" pitchFamily="34" charset="0"/>
-            </a:endParaRPr>
-          </a:p>
-        </p:txBody>
-      </p:sp>
-      <p:sp>
-        <p:nvSpPr>
-          <p:cNvPr id="64" name="Google Shape;140;g16c60364d53_0_5">
-            <a:extLst>
-              <a:ext uri="{FF2B5EF4-FFF2-40B4-BE49-F238E27FC236}">
-                <a16:creationId xmlns:a16="http://schemas.microsoft.com/office/drawing/2014/main" id="{85412C10-A68B-4221-A82F-8D00C9FCCC27}"/>
-              </a:ext>
-            </a:extLst>
-          </p:cNvPr>
-          <p:cNvSpPr/>
-          <p:nvPr/>
-        </p:nvSpPr>
-        <p:spPr>
-          <a:xfrm>
-            <a:off x="6851650" y="1309053"/>
-            <a:ext cx="834789" cy="773204"/>
-          </a:xfrm>
-          <a:prstGeom prst="rect">
-            <a:avLst/>
-          </a:prstGeom>
-          <a:solidFill>
-            <a:schemeClr val="accent1"/>
-          </a:solidFill>
-          <a:ln w="9525" cap="flat" cmpd="sng">
-            <a:solidFill>
-              <a:schemeClr val="dk2"/>
-            </a:solidFill>
-            <a:prstDash val="solid"/>
-            <a:round/>
-            <a:headEnd type="none" w="sm" len="sm"/>
-            <a:tailEnd type="none" w="sm" len="sm"/>
-          </a:ln>
-        </p:spPr>
-        <p:txBody>
-          <a:bodyPr spcFirstLastPara="1" wrap="square" lIns="91425" tIns="91425" rIns="91425" bIns="91425" anchor="ctr" anchorCtr="0">
-            <a:noAutofit/>
-          </a:bodyPr>
-          <a:lstStyle/>
-          <a:p>
-            <a:endParaRPr dirty="0">
-              <a:latin typeface="Arial" panose="020B0604020202020204" pitchFamily="34" charset="0"/>
-              <a:cs typeface="Arial" panose="020B0604020202020204" pitchFamily="34" charset="0"/>
-            </a:endParaRPr>
-          </a:p>
-        </p:txBody>
-      </p:sp>
-      <p:sp>
-        <p:nvSpPr>
-          <p:cNvPr id="65" name="Google Shape;140;g16c60364d53_0_5">
-            <a:extLst>
-              <a:ext uri="{FF2B5EF4-FFF2-40B4-BE49-F238E27FC236}">
-                <a16:creationId xmlns:a16="http://schemas.microsoft.com/office/drawing/2014/main" id="{7E124C1B-51F9-4373-B02E-5ADFBCA8BA55}"/>
-              </a:ext>
-            </a:extLst>
-          </p:cNvPr>
-          <p:cNvSpPr/>
-          <p:nvPr/>
-        </p:nvSpPr>
-        <p:spPr>
-          <a:xfrm>
-            <a:off x="6851650" y="2096477"/>
-            <a:ext cx="834789" cy="773204"/>
-          </a:xfrm>
-          <a:prstGeom prst="rect">
-            <a:avLst/>
-          </a:prstGeom>
-          <a:solidFill>
-            <a:schemeClr val="accent1"/>
-          </a:solidFill>
-          <a:ln w="9525" cap="flat" cmpd="sng">
-            <a:solidFill>
-              <a:schemeClr val="dk2"/>
-            </a:solidFill>
-            <a:prstDash val="solid"/>
-            <a:round/>
-            <a:headEnd type="none" w="sm" len="sm"/>
-            <a:tailEnd type="none" w="sm" len="sm"/>
-          </a:ln>
-        </p:spPr>
-        <p:txBody>
-          <a:bodyPr spcFirstLastPara="1" wrap="square" lIns="91425" tIns="91425" rIns="91425" bIns="91425" anchor="ctr" anchorCtr="0">
-            <a:noAutofit/>
-          </a:bodyPr>
-          <a:lstStyle/>
-          <a:p>
-            <a:endParaRPr>
-              <a:latin typeface="Arial" panose="020B0604020202020204" pitchFamily="34" charset="0"/>
-              <a:cs typeface="Arial" panose="020B0604020202020204" pitchFamily="34" charset="0"/>
-            </a:endParaRPr>
-          </a:p>
-        </p:txBody>
-      </p:sp>
-      <p:sp>
-        <p:nvSpPr>
-          <p:cNvPr id="66" name="Google Shape;140;g16c60364d53_0_5">
-            <a:extLst>
-              <a:ext uri="{FF2B5EF4-FFF2-40B4-BE49-F238E27FC236}">
-                <a16:creationId xmlns:a16="http://schemas.microsoft.com/office/drawing/2014/main" id="{F4DF5B17-E087-4AAA-AB0F-3C37B650C868}"/>
-              </a:ext>
-            </a:extLst>
-          </p:cNvPr>
-          <p:cNvSpPr/>
-          <p:nvPr/>
-        </p:nvSpPr>
-        <p:spPr>
-          <a:xfrm>
-            <a:off x="7678861" y="1315825"/>
-            <a:ext cx="834789" cy="773204"/>
-          </a:xfrm>
-          <a:prstGeom prst="rect">
-            <a:avLst/>
-          </a:prstGeom>
-          <a:solidFill>
-            <a:schemeClr val="accent1"/>
-          </a:solidFill>
-          <a:ln w="9525" cap="flat" cmpd="sng">
-            <a:solidFill>
-              <a:schemeClr val="dk2"/>
-            </a:solidFill>
-            <a:prstDash val="solid"/>
-            <a:round/>
-            <a:headEnd type="none" w="sm" len="sm"/>
-            <a:tailEnd type="none" w="sm" len="sm"/>
-          </a:ln>
-        </p:spPr>
-        <p:txBody>
-          <a:bodyPr spcFirstLastPara="1" wrap="square" lIns="91425" tIns="91425" rIns="91425" bIns="91425" anchor="ctr" anchorCtr="0">
-            <a:noAutofit/>
-          </a:bodyPr>
-          <a:lstStyle/>
-          <a:p>
-            <a:endParaRPr>
-              <a:latin typeface="Arial" panose="020B0604020202020204" pitchFamily="34" charset="0"/>
-              <a:cs typeface="Arial" panose="020B0604020202020204" pitchFamily="34" charset="0"/>
-            </a:endParaRPr>
-          </a:p>
-        </p:txBody>
-      </p:sp>
-      <p:sp>
-        <p:nvSpPr>
-          <p:cNvPr id="67" name="Google Shape;140;g16c60364d53_0_5">
-            <a:extLst>
-              <a:ext uri="{FF2B5EF4-FFF2-40B4-BE49-F238E27FC236}">
-                <a16:creationId xmlns:a16="http://schemas.microsoft.com/office/drawing/2014/main" id="{DBF5E206-F6EA-481D-9CDD-608F184E5FD7}"/>
-              </a:ext>
-            </a:extLst>
-          </p:cNvPr>
-          <p:cNvSpPr/>
-          <p:nvPr/>
-        </p:nvSpPr>
-        <p:spPr>
-          <a:xfrm>
-            <a:off x="7677397" y="2095452"/>
-            <a:ext cx="834789" cy="773204"/>
-          </a:xfrm>
-          <a:prstGeom prst="rect">
-            <a:avLst/>
-          </a:prstGeom>
-          <a:solidFill>
-            <a:schemeClr val="accent1"/>
-          </a:solidFill>
-          <a:ln w="9525" cap="flat" cmpd="sng">
-            <a:solidFill>
-              <a:schemeClr val="dk2"/>
-            </a:solidFill>
-            <a:prstDash val="solid"/>
-            <a:round/>
-            <a:headEnd type="none" w="sm" len="sm"/>
-            <a:tailEnd type="none" w="sm" len="sm"/>
-          </a:ln>
-        </p:spPr>
-        <p:txBody>
-          <a:bodyPr spcFirstLastPara="1" wrap="square" lIns="91425" tIns="91425" rIns="91425" bIns="91425" anchor="ctr" anchorCtr="0">
-            <a:noAutofit/>
-          </a:bodyPr>
-          <a:lstStyle/>
-          <a:p>
-            <a:endParaRPr>
-              <a:latin typeface="Arial" panose="020B0604020202020204" pitchFamily="34" charset="0"/>
-              <a:cs typeface="Arial" panose="020B0604020202020204" pitchFamily="34" charset="0"/>
-            </a:endParaRPr>
-          </a:p>
-        </p:txBody>
-      </p:sp>
-      <p:graphicFrame>
-        <p:nvGraphicFramePr>
-          <p:cNvPr id="31" name="Google Shape;134;g16c60364d53_0_5">
-            <a:extLst>
-              <a:ext uri="{FF2B5EF4-FFF2-40B4-BE49-F238E27FC236}">
-                <a16:creationId xmlns:a16="http://schemas.microsoft.com/office/drawing/2014/main" id="{DC4976C7-2C36-401C-ADFF-AA86E27E41D7}"/>
-              </a:ext>
-            </a:extLst>
-          </p:cNvPr>
-          <p:cNvGraphicFramePr/>
-          <p:nvPr>
-            <p:extLst>
-              <p:ext uri="{D42A27DB-BD31-4B8C-83A1-F6EECF244321}">
-                <p14:modId xmlns:p14="http://schemas.microsoft.com/office/powerpoint/2010/main" val="83850139"/>
-              </p:ext>
-            </p:extLst>
-          </p:nvPr>
-        </p:nvGraphicFramePr>
-        <p:xfrm>
-          <a:off x="916263" y="526543"/>
-          <a:ext cx="3324000" cy="3130000"/>
-        </p:xfrm>
-        <a:graphic>
-          <a:graphicData uri="http://schemas.openxmlformats.org/drawingml/2006/table">
-            <a:tbl>
-              <a:tblPr>
-                <a:noFill/>
-              </a:tblPr>
-              <a:tblGrid>
-                <a:gridCol w="831000">
-                  <a:extLst>
-                    <a:ext uri="{9D8B030D-6E8A-4147-A177-3AD203B41FA5}">
-                      <a16:colId xmlns:a16="http://schemas.microsoft.com/office/drawing/2014/main" val="20000"/>
-                    </a:ext>
-                  </a:extLst>
-                </a:gridCol>
-                <a:gridCol w="831000">
-                  <a:extLst>
-                    <a:ext uri="{9D8B030D-6E8A-4147-A177-3AD203B41FA5}">
-                      <a16:colId xmlns:a16="http://schemas.microsoft.com/office/drawing/2014/main" val="20001"/>
-                    </a:ext>
-                  </a:extLst>
-                </a:gridCol>
-                <a:gridCol w="831000">
-                  <a:extLst>
-                    <a:ext uri="{9D8B030D-6E8A-4147-A177-3AD203B41FA5}">
-                      <a16:colId xmlns:a16="http://schemas.microsoft.com/office/drawing/2014/main" val="20002"/>
-                    </a:ext>
-                  </a:extLst>
-                </a:gridCol>
-                <a:gridCol w="831000">
-                  <a:extLst>
-                    <a:ext uri="{9D8B030D-6E8A-4147-A177-3AD203B41FA5}">
-                      <a16:colId xmlns:a16="http://schemas.microsoft.com/office/drawing/2014/main" val="20003"/>
-                    </a:ext>
-                  </a:extLst>
-                </a:gridCol>
-              </a:tblGrid>
-              <a:tr h="782500">
-                <a:tc>
-                  <a:txBody>
-                    <a:bodyPr/>
-                    <a:lstStyle/>
-                    <a:p>
-                      <a:pPr marL="0" lvl="0" indent="0" algn="l" rtl="0">
-                        <a:spcBef>
-                          <a:spcPts val="0"/>
-                        </a:spcBef>
-                        <a:spcAft>
-                          <a:spcPts val="0"/>
-                        </a:spcAft>
-                        <a:buNone/>
-                      </a:pPr>
-                      <a:endParaRPr/>
-                    </a:p>
-                  </a:txBody>
-                  <a:tcPr marL="91425" marR="91425" marT="91425" marB="91425"/>
-                </a:tc>
-                <a:tc>
-                  <a:txBody>
-                    <a:bodyPr/>
-                    <a:lstStyle/>
-                    <a:p>
-                      <a:pPr marL="0" lvl="0" indent="0" algn="l" rtl="0">
-                        <a:spcBef>
-                          <a:spcPts val="0"/>
-                        </a:spcBef>
-                        <a:spcAft>
-                          <a:spcPts val="0"/>
-                        </a:spcAft>
-                        <a:buNone/>
-                      </a:pPr>
-                      <a:endParaRPr/>
-                    </a:p>
-                  </a:txBody>
-                  <a:tcPr marL="91425" marR="91425" marT="91425" marB="91425"/>
-                </a:tc>
-                <a:tc>
-                  <a:txBody>
-                    <a:bodyPr/>
-                    <a:lstStyle/>
-                    <a:p>
-                      <a:pPr marL="0" lvl="0" indent="0" algn="l" rtl="0">
-                        <a:spcBef>
-                          <a:spcPts val="0"/>
-                        </a:spcBef>
-                        <a:spcAft>
-                          <a:spcPts val="0"/>
-                        </a:spcAft>
-                        <a:buNone/>
-                      </a:pPr>
-                      <a:endParaRPr/>
-                    </a:p>
-                  </a:txBody>
-                  <a:tcPr marL="91425" marR="91425" marT="91425" marB="91425"/>
-                </a:tc>
-                <a:tc>
-                  <a:txBody>
-                    <a:bodyPr/>
-                    <a:lstStyle/>
-                    <a:p>
-                      <a:pPr marL="0" lvl="0" indent="0" algn="l" rtl="0">
-                        <a:spcBef>
-                          <a:spcPts val="0"/>
-                        </a:spcBef>
-                        <a:spcAft>
-                          <a:spcPts val="0"/>
-                        </a:spcAft>
-                        <a:buNone/>
-                      </a:pPr>
-                      <a:endParaRPr/>
-                    </a:p>
-                  </a:txBody>
-                  <a:tcPr marL="91425" marR="91425" marT="91425" marB="91425"/>
-                </a:tc>
-                <a:extLst>
-                  <a:ext uri="{0D108BD9-81ED-4DB2-BD59-A6C34878D82A}">
-                    <a16:rowId xmlns:a16="http://schemas.microsoft.com/office/drawing/2014/main" val="10000"/>
-                  </a:ext>
-                </a:extLst>
-              </a:tr>
-              <a:tr h="782500">
-                <a:tc>
-                  <a:txBody>
-                    <a:bodyPr/>
-                    <a:lstStyle/>
-                    <a:p>
-                      <a:pPr marL="0" lvl="0" indent="0" algn="l" rtl="0">
-                        <a:spcBef>
-                          <a:spcPts val="0"/>
-                        </a:spcBef>
-                        <a:spcAft>
-                          <a:spcPts val="0"/>
-                        </a:spcAft>
-                        <a:buNone/>
-                      </a:pPr>
-                      <a:endParaRPr/>
-                    </a:p>
-                  </a:txBody>
-                  <a:tcPr marL="91425" marR="91425" marT="91425" marB="91425"/>
-                </a:tc>
-                <a:tc>
-                  <a:txBody>
-                    <a:bodyPr/>
-                    <a:lstStyle/>
-                    <a:p>
-                      <a:pPr marL="0" lvl="0" indent="0" algn="l" rtl="0">
-                        <a:spcBef>
-                          <a:spcPts val="0"/>
-                        </a:spcBef>
-                        <a:spcAft>
-                          <a:spcPts val="0"/>
-                        </a:spcAft>
-                        <a:buNone/>
-                      </a:pPr>
-                      <a:endParaRPr/>
-                    </a:p>
-                  </a:txBody>
-                  <a:tcPr marL="91425" marR="91425" marT="91425" marB="91425"/>
-                </a:tc>
-                <a:tc>
-                  <a:txBody>
-                    <a:bodyPr/>
-                    <a:lstStyle/>
-                    <a:p>
-                      <a:pPr marL="0" lvl="0" indent="0" algn="l" rtl="0">
-                        <a:spcBef>
-                          <a:spcPts val="0"/>
-                        </a:spcBef>
-                        <a:spcAft>
-                          <a:spcPts val="0"/>
-                        </a:spcAft>
-                        <a:buNone/>
-                      </a:pPr>
-                      <a:endParaRPr/>
-                    </a:p>
-                  </a:txBody>
-                  <a:tcPr marL="91425" marR="91425" marT="91425" marB="91425"/>
-                </a:tc>
-                <a:tc>
-                  <a:txBody>
-                    <a:bodyPr/>
-                    <a:lstStyle/>
-                    <a:p>
-                      <a:pPr marL="0" lvl="0" indent="0" algn="l" rtl="0">
-                        <a:spcBef>
-                          <a:spcPts val="0"/>
-                        </a:spcBef>
-                        <a:spcAft>
-                          <a:spcPts val="0"/>
-                        </a:spcAft>
-                        <a:buNone/>
-                      </a:pPr>
-                      <a:endParaRPr/>
-                    </a:p>
-                  </a:txBody>
-                  <a:tcPr marL="91425" marR="91425" marT="91425" marB="91425"/>
-                </a:tc>
-                <a:extLst>
-                  <a:ext uri="{0D108BD9-81ED-4DB2-BD59-A6C34878D82A}">
-                    <a16:rowId xmlns:a16="http://schemas.microsoft.com/office/drawing/2014/main" val="10001"/>
-                  </a:ext>
-                </a:extLst>
-              </a:tr>
-              <a:tr h="782500">
-                <a:tc>
-                  <a:txBody>
-                    <a:bodyPr/>
-                    <a:lstStyle/>
-                    <a:p>
-                      <a:pPr marL="0" lvl="0" indent="0" algn="l" rtl="0">
-                        <a:spcBef>
-                          <a:spcPts val="0"/>
-                        </a:spcBef>
-                        <a:spcAft>
-                          <a:spcPts val="0"/>
-                        </a:spcAft>
-                        <a:buNone/>
-                      </a:pPr>
-                      <a:endParaRPr/>
-                    </a:p>
-                  </a:txBody>
-                  <a:tcPr marL="91425" marR="91425" marT="91425" marB="91425"/>
-                </a:tc>
-                <a:tc>
-                  <a:txBody>
-                    <a:bodyPr/>
-                    <a:lstStyle/>
-                    <a:p>
-                      <a:pPr marL="0" lvl="0" indent="0" algn="l" rtl="0">
-                        <a:spcBef>
-                          <a:spcPts val="0"/>
-                        </a:spcBef>
-                        <a:spcAft>
-                          <a:spcPts val="0"/>
-                        </a:spcAft>
-                        <a:buNone/>
-                      </a:pPr>
-                      <a:endParaRPr dirty="0"/>
-                    </a:p>
-                  </a:txBody>
-                  <a:tcPr marL="91425" marR="91425" marT="91425" marB="91425"/>
-                </a:tc>
-                <a:tc>
-                  <a:txBody>
-                    <a:bodyPr/>
-                    <a:lstStyle/>
-                    <a:p>
-                      <a:pPr marL="0" lvl="0" indent="0" algn="l" rtl="0">
-                        <a:spcBef>
-                          <a:spcPts val="0"/>
-                        </a:spcBef>
-                        <a:spcAft>
-                          <a:spcPts val="0"/>
-                        </a:spcAft>
-                        <a:buNone/>
-                      </a:pPr>
-                      <a:endParaRPr dirty="0"/>
-                    </a:p>
-                  </a:txBody>
-                  <a:tcPr marL="91425" marR="91425" marT="91425" marB="91425"/>
-                </a:tc>
-                <a:tc>
-                  <a:txBody>
-                    <a:bodyPr/>
-                    <a:lstStyle/>
-                    <a:p>
-                      <a:pPr marL="0" lvl="0" indent="0" algn="l" rtl="0">
-                        <a:spcBef>
-                          <a:spcPts val="0"/>
-                        </a:spcBef>
-                        <a:spcAft>
-                          <a:spcPts val="0"/>
-                        </a:spcAft>
-                        <a:buNone/>
-                      </a:pPr>
-                      <a:endParaRPr dirty="0"/>
-                    </a:p>
-                  </a:txBody>
-                  <a:tcPr marL="91425" marR="91425" marT="91425" marB="91425"/>
-                </a:tc>
-                <a:extLst>
-                  <a:ext uri="{0D108BD9-81ED-4DB2-BD59-A6C34878D82A}">
-                    <a16:rowId xmlns:a16="http://schemas.microsoft.com/office/drawing/2014/main" val="10002"/>
-                  </a:ext>
-                </a:extLst>
-              </a:tr>
-              <a:tr h="782500">
-                <a:tc>
-                  <a:txBody>
-                    <a:bodyPr/>
-                    <a:lstStyle/>
-                    <a:p>
-                      <a:pPr marL="0" lvl="0" indent="0" algn="l" rtl="0">
-                        <a:spcBef>
-                          <a:spcPts val="0"/>
-                        </a:spcBef>
-                        <a:spcAft>
-                          <a:spcPts val="0"/>
-                        </a:spcAft>
-                        <a:buNone/>
-                      </a:pPr>
-                      <a:endParaRPr/>
-                    </a:p>
-                  </a:txBody>
-                  <a:tcPr marL="91425" marR="91425" marT="91425" marB="91425"/>
-                </a:tc>
-                <a:tc>
-                  <a:txBody>
-                    <a:bodyPr/>
-                    <a:lstStyle/>
-                    <a:p>
-                      <a:pPr marL="0" lvl="0" indent="0" algn="l" rtl="0">
-                        <a:spcBef>
-                          <a:spcPts val="0"/>
-                        </a:spcBef>
-                        <a:spcAft>
-                          <a:spcPts val="0"/>
-                        </a:spcAft>
-                        <a:buNone/>
-                      </a:pPr>
-                      <a:endParaRPr dirty="0"/>
-                    </a:p>
-                  </a:txBody>
-                  <a:tcPr marL="91425" marR="91425" marT="91425" marB="91425"/>
-                </a:tc>
-                <a:tc>
-                  <a:txBody>
-                    <a:bodyPr/>
-                    <a:lstStyle/>
-                    <a:p>
-                      <a:pPr marL="0" lvl="0" indent="0" algn="l" rtl="0">
-                        <a:spcBef>
-                          <a:spcPts val="0"/>
-                        </a:spcBef>
-                        <a:spcAft>
-                          <a:spcPts val="0"/>
-                        </a:spcAft>
-                        <a:buNone/>
-                      </a:pPr>
-                      <a:endParaRPr/>
-                    </a:p>
-                  </a:txBody>
-                  <a:tcPr marL="91425" marR="91425" marT="91425" marB="91425"/>
-                </a:tc>
-                <a:tc>
-                  <a:txBody>
-                    <a:bodyPr/>
-                    <a:lstStyle/>
-                    <a:p>
-                      <a:pPr marL="0" lvl="0" indent="0" algn="l" rtl="0">
-                        <a:spcBef>
-                          <a:spcPts val="0"/>
-                        </a:spcBef>
-                        <a:spcAft>
-                          <a:spcPts val="0"/>
-                        </a:spcAft>
-                        <a:buNone/>
-                      </a:pPr>
-                      <a:endParaRPr dirty="0"/>
-                    </a:p>
-                  </a:txBody>
-                  <a:tcPr marL="91425" marR="91425" marT="91425" marB="91425"/>
-                </a:tc>
-                <a:extLst>
-                  <a:ext uri="{0D108BD9-81ED-4DB2-BD59-A6C34878D82A}">
-                    <a16:rowId xmlns:a16="http://schemas.microsoft.com/office/drawing/2014/main" val="10003"/>
-                  </a:ext>
-                </a:extLst>
-              </a:tr>
-            </a:tbl>
-          </a:graphicData>
-        </a:graphic>
-      </p:graphicFrame>
-      <p:cxnSp>
-        <p:nvCxnSpPr>
-          <p:cNvPr id="32" name="Google Shape;135;g16c60364d53_0_5">
-            <a:extLst>
-              <a:ext uri="{FF2B5EF4-FFF2-40B4-BE49-F238E27FC236}">
-                <a16:creationId xmlns:a16="http://schemas.microsoft.com/office/drawing/2014/main" id="{07C78D27-4B27-40B5-9C6F-AF1FE178D78E}"/>
+                <a16:creationId xmlns:a16="http://schemas.microsoft.com/office/drawing/2014/main" id="{CC18E15C-B4DE-E7D4-B810-F1942AF5B128}"/>
               </a:ext>
             </a:extLst>
           </p:cNvPr>
           <p:cNvCxnSpPr>
             <a:cxnSpLocks/>
+            <a:endCxn id="22" idx="1"/>
           </p:cNvCxnSpPr>
           <p:nvPr/>
         </p:nvCxnSpPr>
         <p:spPr>
           <a:xfrm>
-            <a:off x="903191" y="456756"/>
-            <a:ext cx="3463279" cy="0"/>
-          </a:xfrm>
-          <a:prstGeom prst="straightConnector1">
-            <a:avLst/>
-          </a:prstGeom>
-          <a:noFill/>
-          <a:ln w="9525" cap="flat" cmpd="sng">
-            <a:solidFill>
-              <a:schemeClr val="dk2"/>
-            </a:solidFill>
-            <a:prstDash val="solid"/>
-            <a:round/>
-            <a:headEnd type="none" w="med" len="med"/>
-            <a:tailEnd type="triangle" w="med" len="med"/>
-          </a:ln>
-        </p:spPr>
-      </p:cxnSp>
-      <p:cxnSp>
-        <p:nvCxnSpPr>
-          <p:cNvPr id="33" name="Google Shape;136;g16c60364d53_0_5">
-            <a:extLst>
-              <a:ext uri="{FF2B5EF4-FFF2-40B4-BE49-F238E27FC236}">
-                <a16:creationId xmlns:a16="http://schemas.microsoft.com/office/drawing/2014/main" id="{1EF77F86-26AD-4405-B23C-D2AFBCB1DDFB}"/>
-              </a:ext>
-            </a:extLst>
-          </p:cNvPr>
-          <p:cNvCxnSpPr>
-            <a:cxnSpLocks/>
-          </p:cNvCxnSpPr>
-          <p:nvPr/>
-        </p:nvCxnSpPr>
-        <p:spPr>
-          <a:xfrm>
-            <a:off x="818913" y="535626"/>
-            <a:ext cx="0" cy="3319742"/>
-          </a:xfrm>
-          <a:prstGeom prst="straightConnector1">
-            <a:avLst/>
-          </a:prstGeom>
-          <a:noFill/>
-          <a:ln w="9525" cap="flat" cmpd="sng">
-            <a:solidFill>
-              <a:schemeClr val="dk2"/>
-            </a:solidFill>
-            <a:prstDash val="solid"/>
-            <a:round/>
-            <a:headEnd type="none" w="med" len="med"/>
-            <a:tailEnd type="triangle" w="med" len="med"/>
-          </a:ln>
-        </p:spPr>
-      </p:cxnSp>
-      <p:sp>
-        <p:nvSpPr>
-          <p:cNvPr id="34" name="Google Shape;137;g16c60364d53_0_5">
-            <a:extLst>
-              <a:ext uri="{FF2B5EF4-FFF2-40B4-BE49-F238E27FC236}">
-                <a16:creationId xmlns:a16="http://schemas.microsoft.com/office/drawing/2014/main" id="{20970BAD-E4D0-4738-B552-1E3C189DEACF}"/>
-              </a:ext>
-            </a:extLst>
-          </p:cNvPr>
-          <p:cNvSpPr txBox="1"/>
-          <p:nvPr/>
-        </p:nvSpPr>
-        <p:spPr>
-          <a:xfrm>
-            <a:off x="640779" y="227789"/>
-            <a:ext cx="356267" cy="491851"/>
-          </a:xfrm>
-          <a:prstGeom prst="rect">
-            <a:avLst/>
-          </a:prstGeom>
-          <a:noFill/>
-          <a:ln>
-            <a:noFill/>
-          </a:ln>
-        </p:spPr>
-        <p:txBody>
-          <a:bodyPr spcFirstLastPara="1" wrap="square" lIns="91425" tIns="91425" rIns="91425" bIns="91425" anchor="t" anchorCtr="0">
-            <a:spAutoFit/>
-          </a:bodyPr>
-          <a:lstStyle/>
-          <a:p>
-            <a:pPr algn="ctr"/>
-            <a:r>
-              <a:rPr lang="en-US">
-                <a:latin typeface="Arial" panose="020B0604020202020204" pitchFamily="34" charset="0"/>
-                <a:ea typeface="Calibri"/>
-                <a:cs typeface="Arial" panose="020B0604020202020204" pitchFamily="34" charset="0"/>
-                <a:sym typeface="Calibri"/>
-              </a:rPr>
-              <a:t>0</a:t>
-            </a:r>
-            <a:endParaRPr>
-              <a:latin typeface="Arial" panose="020B0604020202020204" pitchFamily="34" charset="0"/>
-              <a:ea typeface="Calibri"/>
-              <a:cs typeface="Arial" panose="020B0604020202020204" pitchFamily="34" charset="0"/>
-              <a:sym typeface="Calibri"/>
-            </a:endParaRPr>
-          </a:p>
-        </p:txBody>
-      </p:sp>
-      <p:sp>
-        <p:nvSpPr>
-          <p:cNvPr id="35" name="Google Shape;138;g16c60364d53_0_5">
-            <a:extLst>
-              <a:ext uri="{FF2B5EF4-FFF2-40B4-BE49-F238E27FC236}">
-                <a16:creationId xmlns:a16="http://schemas.microsoft.com/office/drawing/2014/main" id="{5F652FD1-8D96-47D1-ABD3-2F5096430851}"/>
-              </a:ext>
-            </a:extLst>
-          </p:cNvPr>
-          <p:cNvSpPr txBox="1"/>
-          <p:nvPr/>
-        </p:nvSpPr>
-        <p:spPr>
-          <a:xfrm>
-            <a:off x="4030418" y="217567"/>
-            <a:ext cx="840195" cy="491851"/>
-          </a:xfrm>
-          <a:prstGeom prst="rect">
-            <a:avLst/>
-          </a:prstGeom>
-          <a:noFill/>
-          <a:ln>
-            <a:noFill/>
-          </a:ln>
-        </p:spPr>
-        <p:txBody>
-          <a:bodyPr spcFirstLastPara="1" wrap="square" lIns="91425" tIns="91425" rIns="91425" bIns="91425" anchor="t" anchorCtr="0">
-            <a:spAutoFit/>
-          </a:bodyPr>
-          <a:lstStyle/>
-          <a:p>
-            <a:pPr algn="ctr"/>
-            <a:r>
-              <a:rPr lang="en-US">
-                <a:latin typeface="Arial" panose="020B0604020202020204" pitchFamily="34" charset="0"/>
-                <a:ea typeface="Calibri"/>
-                <a:cs typeface="Arial" panose="020B0604020202020204" pitchFamily="34" charset="0"/>
-                <a:sym typeface="Calibri"/>
-              </a:rPr>
-              <a:t>X</a:t>
-            </a:r>
-            <a:endParaRPr>
-              <a:latin typeface="Arial" panose="020B0604020202020204" pitchFamily="34" charset="0"/>
-              <a:ea typeface="Calibri"/>
-              <a:cs typeface="Arial" panose="020B0604020202020204" pitchFamily="34" charset="0"/>
-              <a:sym typeface="Calibri"/>
-            </a:endParaRPr>
-          </a:p>
-        </p:txBody>
-      </p:sp>
-      <p:sp>
-        <p:nvSpPr>
-          <p:cNvPr id="36" name="Google Shape;139;g16c60364d53_0_5">
-            <a:extLst>
-              <a:ext uri="{FF2B5EF4-FFF2-40B4-BE49-F238E27FC236}">
-                <a16:creationId xmlns:a16="http://schemas.microsoft.com/office/drawing/2014/main" id="{443CBBEC-51CD-431D-A0E5-0854908ED731}"/>
-              </a:ext>
-            </a:extLst>
-          </p:cNvPr>
-          <p:cNvSpPr txBox="1"/>
-          <p:nvPr/>
-        </p:nvSpPr>
-        <p:spPr>
-          <a:xfrm>
-            <a:off x="398815" y="3746777"/>
-            <a:ext cx="840195" cy="491851"/>
-          </a:xfrm>
-          <a:prstGeom prst="rect">
-            <a:avLst/>
-          </a:prstGeom>
-          <a:noFill/>
-          <a:ln>
-            <a:noFill/>
-          </a:ln>
-        </p:spPr>
-        <p:txBody>
-          <a:bodyPr spcFirstLastPara="1" wrap="square" lIns="91425" tIns="91425" rIns="91425" bIns="91425" anchor="t" anchorCtr="0">
-            <a:spAutoFit/>
-          </a:bodyPr>
-          <a:lstStyle/>
-          <a:p>
-            <a:pPr algn="ctr"/>
-            <a:r>
-              <a:rPr lang="en-US">
-                <a:latin typeface="Arial" panose="020B0604020202020204" pitchFamily="34" charset="0"/>
-                <a:ea typeface="Calibri"/>
-                <a:cs typeface="Arial" panose="020B0604020202020204" pitchFamily="34" charset="0"/>
-                <a:sym typeface="Calibri"/>
-              </a:rPr>
-              <a:t>Y</a:t>
-            </a:r>
-            <a:endParaRPr>
-              <a:latin typeface="Arial" panose="020B0604020202020204" pitchFamily="34" charset="0"/>
-              <a:ea typeface="Calibri"/>
-              <a:cs typeface="Arial" panose="020B0604020202020204" pitchFamily="34" charset="0"/>
-              <a:sym typeface="Calibri"/>
-            </a:endParaRPr>
-          </a:p>
-        </p:txBody>
-      </p:sp>
-      <p:cxnSp>
-        <p:nvCxnSpPr>
-          <p:cNvPr id="38" name="Google Shape;141;g16c60364d53_0_5">
-            <a:extLst>
-              <a:ext uri="{FF2B5EF4-FFF2-40B4-BE49-F238E27FC236}">
-                <a16:creationId xmlns:a16="http://schemas.microsoft.com/office/drawing/2014/main" id="{F1721388-1240-4F9B-89FA-AE9560CA306C}"/>
-              </a:ext>
-            </a:extLst>
-          </p:cNvPr>
-          <p:cNvCxnSpPr>
-            <a:cxnSpLocks/>
-          </p:cNvCxnSpPr>
-          <p:nvPr/>
-        </p:nvCxnSpPr>
-        <p:spPr>
-          <a:xfrm>
-            <a:off x="2213465" y="319499"/>
-            <a:ext cx="0" cy="788543"/>
-          </a:xfrm>
-          <a:prstGeom prst="straightConnector1">
-            <a:avLst/>
-          </a:prstGeom>
-          <a:noFill/>
-          <a:ln w="9525" cap="flat" cmpd="sng">
-            <a:solidFill>
-              <a:srgbClr val="FF0000"/>
-            </a:solidFill>
-            <a:prstDash val="solid"/>
-            <a:round/>
-            <a:headEnd type="none" w="med" len="med"/>
-            <a:tailEnd type="triangle" w="med" len="med"/>
-          </a:ln>
-        </p:spPr>
-      </p:cxnSp>
-      <p:cxnSp>
-        <p:nvCxnSpPr>
-          <p:cNvPr id="39" name="Google Shape;142;g16c60364d53_0_5">
-            <a:extLst>
-              <a:ext uri="{FF2B5EF4-FFF2-40B4-BE49-F238E27FC236}">
-                <a16:creationId xmlns:a16="http://schemas.microsoft.com/office/drawing/2014/main" id="{78823B74-F466-44F6-80DB-DC1B446735F0}"/>
-              </a:ext>
-            </a:extLst>
-          </p:cNvPr>
-          <p:cNvCxnSpPr>
-            <a:cxnSpLocks/>
-          </p:cNvCxnSpPr>
-          <p:nvPr/>
-        </p:nvCxnSpPr>
-        <p:spPr>
-          <a:xfrm rot="10800000" flipH="1">
-            <a:off x="497071" y="2601728"/>
-            <a:ext cx="896725" cy="7671"/>
-          </a:xfrm>
-          <a:prstGeom prst="straightConnector1">
-            <a:avLst/>
-          </a:prstGeom>
-          <a:noFill/>
-          <a:ln w="9525" cap="flat" cmpd="sng">
-            <a:solidFill>
-              <a:srgbClr val="FF0000"/>
-            </a:solidFill>
-            <a:prstDash val="solid"/>
-            <a:round/>
-            <a:headEnd type="none" w="med" len="med"/>
-            <a:tailEnd type="triangle" w="med" len="med"/>
-          </a:ln>
-        </p:spPr>
-      </p:cxnSp>
-      <p:sp>
-        <p:nvSpPr>
-          <p:cNvPr id="40" name="Google Shape;143;g16c60364d53_0_5">
-            <a:extLst>
-              <a:ext uri="{FF2B5EF4-FFF2-40B4-BE49-F238E27FC236}">
-                <a16:creationId xmlns:a16="http://schemas.microsoft.com/office/drawing/2014/main" id="{65145E97-B532-48CE-A283-766CF40B9F15}"/>
-              </a:ext>
-            </a:extLst>
-          </p:cNvPr>
-          <p:cNvSpPr txBox="1"/>
-          <p:nvPr/>
-        </p:nvSpPr>
-        <p:spPr>
-          <a:xfrm>
-            <a:off x="1553423" y="0"/>
-            <a:ext cx="1320084" cy="491851"/>
-          </a:xfrm>
-          <a:prstGeom prst="rect">
-            <a:avLst/>
-          </a:prstGeom>
-          <a:noFill/>
-          <a:ln>
-            <a:noFill/>
-          </a:ln>
-        </p:spPr>
-        <p:txBody>
-          <a:bodyPr spcFirstLastPara="1" wrap="square" lIns="91425" tIns="91425" rIns="91425" bIns="91425" anchor="t" anchorCtr="0">
-            <a:spAutoFit/>
-          </a:bodyPr>
-          <a:lstStyle/>
-          <a:p>
-            <a:pPr algn="ctr"/>
-            <a:r>
-              <a:rPr lang="en-US" dirty="0">
-                <a:latin typeface="Arial" panose="020B0604020202020204" pitchFamily="34" charset="0"/>
-                <a:ea typeface="Calibri"/>
-                <a:cs typeface="Arial" panose="020B0604020202020204" pitchFamily="34" charset="0"/>
-                <a:sym typeface="Calibri"/>
-              </a:rPr>
-              <a:t>X Location</a:t>
-            </a:r>
-            <a:endParaRPr dirty="0">
-              <a:latin typeface="Arial" panose="020B0604020202020204" pitchFamily="34" charset="0"/>
-              <a:ea typeface="Calibri"/>
-              <a:cs typeface="Arial" panose="020B0604020202020204" pitchFamily="34" charset="0"/>
-              <a:sym typeface="Calibri"/>
-            </a:endParaRPr>
-          </a:p>
-        </p:txBody>
-      </p:sp>
-      <p:sp>
-        <p:nvSpPr>
-          <p:cNvPr id="41" name="Google Shape;144;g16c60364d53_0_5">
-            <a:extLst>
-              <a:ext uri="{FF2B5EF4-FFF2-40B4-BE49-F238E27FC236}">
-                <a16:creationId xmlns:a16="http://schemas.microsoft.com/office/drawing/2014/main" id="{CFF4B0FB-675A-4656-8FEA-62A2E955AAD0}"/>
-              </a:ext>
-            </a:extLst>
-          </p:cNvPr>
-          <p:cNvSpPr txBox="1"/>
-          <p:nvPr/>
-        </p:nvSpPr>
-        <p:spPr>
-          <a:xfrm rot="16200000">
-            <a:off x="-440247" y="2362750"/>
-            <a:ext cx="1358454" cy="477958"/>
-          </a:xfrm>
-          <a:prstGeom prst="rect">
-            <a:avLst/>
-          </a:prstGeom>
-          <a:noFill/>
-          <a:ln>
-            <a:noFill/>
-          </a:ln>
-        </p:spPr>
-        <p:txBody>
-          <a:bodyPr spcFirstLastPara="1" wrap="square" lIns="91425" tIns="91425" rIns="91425" bIns="91425" anchor="t" anchorCtr="0">
-            <a:spAutoFit/>
-          </a:bodyPr>
-          <a:lstStyle/>
-          <a:p>
-            <a:pPr algn="ctr"/>
-            <a:r>
-              <a:rPr lang="en-US" dirty="0">
-                <a:latin typeface="Arial" panose="020B0604020202020204" pitchFamily="34" charset="0"/>
-                <a:ea typeface="Calibri"/>
-                <a:cs typeface="Arial" panose="020B0604020202020204" pitchFamily="34" charset="0"/>
-                <a:sym typeface="Calibri"/>
-              </a:rPr>
-              <a:t>Y Location</a:t>
-            </a:r>
-            <a:endParaRPr dirty="0">
-              <a:latin typeface="Arial" panose="020B0604020202020204" pitchFamily="34" charset="0"/>
-              <a:ea typeface="Calibri"/>
-              <a:cs typeface="Arial" panose="020B0604020202020204" pitchFamily="34" charset="0"/>
-              <a:sym typeface="Calibri"/>
-            </a:endParaRPr>
-          </a:p>
-        </p:txBody>
-      </p:sp>
-      <p:graphicFrame>
-        <p:nvGraphicFramePr>
-          <p:cNvPr id="43" name="Google Shape;134;g16c60364d53_0_5">
-            <a:extLst>
-              <a:ext uri="{FF2B5EF4-FFF2-40B4-BE49-F238E27FC236}">
-                <a16:creationId xmlns:a16="http://schemas.microsoft.com/office/drawing/2014/main" id="{835CF200-959F-4C45-BA87-88A17EBD1697}"/>
-              </a:ext>
-            </a:extLst>
-          </p:cNvPr>
-          <p:cNvGraphicFramePr/>
-          <p:nvPr>
-            <p:extLst>
-              <p:ext uri="{D42A27DB-BD31-4B8C-83A1-F6EECF244321}">
-                <p14:modId xmlns:p14="http://schemas.microsoft.com/office/powerpoint/2010/main" val="3185382860"/>
-              </p:ext>
-            </p:extLst>
-          </p:nvPr>
-        </p:nvGraphicFramePr>
-        <p:xfrm>
-          <a:off x="5189650" y="530931"/>
-          <a:ext cx="3324000" cy="3130000"/>
-        </p:xfrm>
-        <a:graphic>
-          <a:graphicData uri="http://schemas.openxmlformats.org/drawingml/2006/table">
-            <a:tbl>
-              <a:tblPr>
-                <a:noFill/>
-              </a:tblPr>
-              <a:tblGrid>
-                <a:gridCol w="831000">
-                  <a:extLst>
-                    <a:ext uri="{9D8B030D-6E8A-4147-A177-3AD203B41FA5}">
-                      <a16:colId xmlns:a16="http://schemas.microsoft.com/office/drawing/2014/main" val="20000"/>
-                    </a:ext>
-                  </a:extLst>
-                </a:gridCol>
-                <a:gridCol w="831000">
-                  <a:extLst>
-                    <a:ext uri="{9D8B030D-6E8A-4147-A177-3AD203B41FA5}">
-                      <a16:colId xmlns:a16="http://schemas.microsoft.com/office/drawing/2014/main" val="20001"/>
-                    </a:ext>
-                  </a:extLst>
-                </a:gridCol>
-                <a:gridCol w="831000">
-                  <a:extLst>
-                    <a:ext uri="{9D8B030D-6E8A-4147-A177-3AD203B41FA5}">
-                      <a16:colId xmlns:a16="http://schemas.microsoft.com/office/drawing/2014/main" val="20002"/>
-                    </a:ext>
-                  </a:extLst>
-                </a:gridCol>
-                <a:gridCol w="831000">
-                  <a:extLst>
-                    <a:ext uri="{9D8B030D-6E8A-4147-A177-3AD203B41FA5}">
-                      <a16:colId xmlns:a16="http://schemas.microsoft.com/office/drawing/2014/main" val="20003"/>
-                    </a:ext>
-                  </a:extLst>
-                </a:gridCol>
-              </a:tblGrid>
-              <a:tr h="782500">
-                <a:tc>
-                  <a:txBody>
-                    <a:bodyPr/>
-                    <a:lstStyle/>
-                    <a:p>
-                      <a:pPr marL="0" lvl="0" indent="0" algn="l" rtl="0">
-                        <a:spcBef>
-                          <a:spcPts val="0"/>
-                        </a:spcBef>
-                        <a:spcAft>
-                          <a:spcPts val="0"/>
-                        </a:spcAft>
-                        <a:buNone/>
-                      </a:pPr>
-                      <a:endParaRPr/>
-                    </a:p>
-                  </a:txBody>
-                  <a:tcPr marL="91425" marR="91425" marT="91425" marB="91425"/>
-                </a:tc>
-                <a:tc>
-                  <a:txBody>
-                    <a:bodyPr/>
-                    <a:lstStyle/>
-                    <a:p>
-                      <a:pPr marL="0" lvl="0" indent="0" algn="l" rtl="0">
-                        <a:spcBef>
-                          <a:spcPts val="0"/>
-                        </a:spcBef>
-                        <a:spcAft>
-                          <a:spcPts val="0"/>
-                        </a:spcAft>
-                        <a:buNone/>
-                      </a:pPr>
-                      <a:endParaRPr/>
-                    </a:p>
-                  </a:txBody>
-                  <a:tcPr marL="91425" marR="91425" marT="91425" marB="91425"/>
-                </a:tc>
-                <a:tc>
-                  <a:txBody>
-                    <a:bodyPr/>
-                    <a:lstStyle/>
-                    <a:p>
-                      <a:pPr marL="0" lvl="0" indent="0" algn="l" rtl="0">
-                        <a:spcBef>
-                          <a:spcPts val="0"/>
-                        </a:spcBef>
-                        <a:spcAft>
-                          <a:spcPts val="0"/>
-                        </a:spcAft>
-                        <a:buNone/>
-                      </a:pPr>
-                      <a:endParaRPr/>
-                    </a:p>
-                  </a:txBody>
-                  <a:tcPr marL="91425" marR="91425" marT="91425" marB="91425"/>
-                </a:tc>
-                <a:tc>
-                  <a:txBody>
-                    <a:bodyPr/>
-                    <a:lstStyle/>
-                    <a:p>
-                      <a:pPr marL="0" lvl="0" indent="0" algn="l" rtl="0">
-                        <a:spcBef>
-                          <a:spcPts val="0"/>
-                        </a:spcBef>
-                        <a:spcAft>
-                          <a:spcPts val="0"/>
-                        </a:spcAft>
-                        <a:buNone/>
-                      </a:pPr>
-                      <a:endParaRPr/>
-                    </a:p>
-                  </a:txBody>
-                  <a:tcPr marL="91425" marR="91425" marT="91425" marB="91425"/>
-                </a:tc>
-                <a:extLst>
-                  <a:ext uri="{0D108BD9-81ED-4DB2-BD59-A6C34878D82A}">
-                    <a16:rowId xmlns:a16="http://schemas.microsoft.com/office/drawing/2014/main" val="10000"/>
-                  </a:ext>
-                </a:extLst>
-              </a:tr>
-              <a:tr h="782500">
-                <a:tc>
-                  <a:txBody>
-                    <a:bodyPr/>
-                    <a:lstStyle/>
-                    <a:p>
-                      <a:pPr marL="0" lvl="0" indent="0" algn="l" rtl="0">
-                        <a:spcBef>
-                          <a:spcPts val="0"/>
-                        </a:spcBef>
-                        <a:spcAft>
-                          <a:spcPts val="0"/>
-                        </a:spcAft>
-                        <a:buNone/>
-                      </a:pPr>
-                      <a:endParaRPr/>
-                    </a:p>
-                  </a:txBody>
-                  <a:tcPr marL="91425" marR="91425" marT="91425" marB="91425"/>
-                </a:tc>
-                <a:tc>
-                  <a:txBody>
-                    <a:bodyPr/>
-                    <a:lstStyle/>
-                    <a:p>
-                      <a:pPr marL="0" lvl="0" indent="0" algn="l" rtl="0">
-                        <a:spcBef>
-                          <a:spcPts val="0"/>
-                        </a:spcBef>
-                        <a:spcAft>
-                          <a:spcPts val="0"/>
-                        </a:spcAft>
-                        <a:buNone/>
-                      </a:pPr>
-                      <a:endParaRPr/>
-                    </a:p>
-                  </a:txBody>
-                  <a:tcPr marL="91425" marR="91425" marT="91425" marB="91425"/>
-                </a:tc>
-                <a:tc>
-                  <a:txBody>
-                    <a:bodyPr/>
-                    <a:lstStyle/>
-                    <a:p>
-                      <a:pPr marL="0" lvl="0" indent="0" algn="l" rtl="0">
-                        <a:spcBef>
-                          <a:spcPts val="0"/>
-                        </a:spcBef>
-                        <a:spcAft>
-                          <a:spcPts val="0"/>
-                        </a:spcAft>
-                        <a:buNone/>
-                      </a:pPr>
-                      <a:endParaRPr dirty="0"/>
-                    </a:p>
-                  </a:txBody>
-                  <a:tcPr marL="91425" marR="91425" marT="91425" marB="91425"/>
-                </a:tc>
-                <a:tc>
-                  <a:txBody>
-                    <a:bodyPr/>
-                    <a:lstStyle/>
-                    <a:p>
-                      <a:pPr marL="0" lvl="0" indent="0" algn="l" rtl="0">
-                        <a:spcBef>
-                          <a:spcPts val="0"/>
-                        </a:spcBef>
-                        <a:spcAft>
-                          <a:spcPts val="0"/>
-                        </a:spcAft>
-                        <a:buNone/>
-                      </a:pPr>
-                      <a:endParaRPr/>
-                    </a:p>
-                  </a:txBody>
-                  <a:tcPr marL="91425" marR="91425" marT="91425" marB="91425"/>
-                </a:tc>
-                <a:extLst>
-                  <a:ext uri="{0D108BD9-81ED-4DB2-BD59-A6C34878D82A}">
-                    <a16:rowId xmlns:a16="http://schemas.microsoft.com/office/drawing/2014/main" val="10001"/>
-                  </a:ext>
-                </a:extLst>
-              </a:tr>
-              <a:tr h="782500">
-                <a:tc>
-                  <a:txBody>
-                    <a:bodyPr/>
-                    <a:lstStyle/>
-                    <a:p>
-                      <a:pPr marL="0" lvl="0" indent="0" algn="l" rtl="0">
-                        <a:spcBef>
-                          <a:spcPts val="0"/>
-                        </a:spcBef>
-                        <a:spcAft>
-                          <a:spcPts val="0"/>
-                        </a:spcAft>
-                        <a:buNone/>
-                      </a:pPr>
-                      <a:endParaRPr/>
-                    </a:p>
-                  </a:txBody>
-                  <a:tcPr marL="91425" marR="91425" marT="91425" marB="91425"/>
-                </a:tc>
-                <a:tc>
-                  <a:txBody>
-                    <a:bodyPr/>
-                    <a:lstStyle/>
-                    <a:p>
-                      <a:pPr marL="0" lvl="0" indent="0" algn="l" rtl="0">
-                        <a:spcBef>
-                          <a:spcPts val="0"/>
-                        </a:spcBef>
-                        <a:spcAft>
-                          <a:spcPts val="0"/>
-                        </a:spcAft>
-                        <a:buNone/>
-                      </a:pPr>
-                      <a:endParaRPr/>
-                    </a:p>
-                  </a:txBody>
-                  <a:tcPr marL="91425" marR="91425" marT="91425" marB="91425"/>
-                </a:tc>
-                <a:tc>
-                  <a:txBody>
-                    <a:bodyPr/>
-                    <a:lstStyle/>
-                    <a:p>
-                      <a:pPr marL="0" lvl="0" indent="0" algn="l" rtl="0">
-                        <a:spcBef>
-                          <a:spcPts val="0"/>
-                        </a:spcBef>
-                        <a:spcAft>
-                          <a:spcPts val="0"/>
-                        </a:spcAft>
-                        <a:buNone/>
-                      </a:pPr>
-                      <a:endParaRPr/>
-                    </a:p>
-                  </a:txBody>
-                  <a:tcPr marL="91425" marR="91425" marT="91425" marB="91425"/>
-                </a:tc>
-                <a:tc>
-                  <a:txBody>
-                    <a:bodyPr/>
-                    <a:lstStyle/>
-                    <a:p>
-                      <a:pPr marL="0" lvl="0" indent="0" algn="l" rtl="0">
-                        <a:spcBef>
-                          <a:spcPts val="0"/>
-                        </a:spcBef>
-                        <a:spcAft>
-                          <a:spcPts val="0"/>
-                        </a:spcAft>
-                        <a:buNone/>
-                      </a:pPr>
-                      <a:endParaRPr/>
-                    </a:p>
-                  </a:txBody>
-                  <a:tcPr marL="91425" marR="91425" marT="91425" marB="91425"/>
-                </a:tc>
-                <a:extLst>
-                  <a:ext uri="{0D108BD9-81ED-4DB2-BD59-A6C34878D82A}">
-                    <a16:rowId xmlns:a16="http://schemas.microsoft.com/office/drawing/2014/main" val="10002"/>
-                  </a:ext>
-                </a:extLst>
-              </a:tr>
-              <a:tr h="782500">
-                <a:tc>
-                  <a:txBody>
-                    <a:bodyPr/>
-                    <a:lstStyle/>
-                    <a:p>
-                      <a:pPr marL="0" lvl="0" indent="0" algn="l" rtl="0">
-                        <a:spcBef>
-                          <a:spcPts val="0"/>
-                        </a:spcBef>
-                        <a:spcAft>
-                          <a:spcPts val="0"/>
-                        </a:spcAft>
-                        <a:buNone/>
-                      </a:pPr>
-                      <a:endParaRPr dirty="0"/>
-                    </a:p>
-                  </a:txBody>
-                  <a:tcPr marL="91425" marR="91425" marT="91425" marB="91425"/>
-                </a:tc>
-                <a:tc>
-                  <a:txBody>
-                    <a:bodyPr/>
-                    <a:lstStyle/>
-                    <a:p>
-                      <a:pPr marL="0" lvl="0" indent="0" algn="l" rtl="0">
-                        <a:spcBef>
-                          <a:spcPts val="0"/>
-                        </a:spcBef>
-                        <a:spcAft>
-                          <a:spcPts val="0"/>
-                        </a:spcAft>
-                        <a:buNone/>
-                      </a:pPr>
-                      <a:endParaRPr/>
-                    </a:p>
-                  </a:txBody>
-                  <a:tcPr marL="91425" marR="91425" marT="91425" marB="91425"/>
-                </a:tc>
-                <a:tc>
-                  <a:txBody>
-                    <a:bodyPr/>
-                    <a:lstStyle/>
-                    <a:p>
-                      <a:pPr marL="0" lvl="0" indent="0" algn="l" rtl="0">
-                        <a:spcBef>
-                          <a:spcPts val="0"/>
-                        </a:spcBef>
-                        <a:spcAft>
-                          <a:spcPts val="0"/>
-                        </a:spcAft>
-                        <a:buNone/>
-                      </a:pPr>
-                      <a:endParaRPr/>
-                    </a:p>
-                  </a:txBody>
-                  <a:tcPr marL="91425" marR="91425" marT="91425" marB="91425"/>
-                </a:tc>
-                <a:tc>
-                  <a:txBody>
-                    <a:bodyPr/>
-                    <a:lstStyle/>
-                    <a:p>
-                      <a:pPr marL="0" lvl="0" indent="0" algn="l" rtl="0">
-                        <a:spcBef>
-                          <a:spcPts val="0"/>
-                        </a:spcBef>
-                        <a:spcAft>
-                          <a:spcPts val="0"/>
-                        </a:spcAft>
-                        <a:buNone/>
-                      </a:pPr>
-                      <a:endParaRPr dirty="0"/>
-                    </a:p>
-                  </a:txBody>
-                  <a:tcPr marL="91425" marR="91425" marT="91425" marB="91425"/>
-                </a:tc>
-                <a:extLst>
-                  <a:ext uri="{0D108BD9-81ED-4DB2-BD59-A6C34878D82A}">
-                    <a16:rowId xmlns:a16="http://schemas.microsoft.com/office/drawing/2014/main" val="10003"/>
-                  </a:ext>
-                </a:extLst>
-              </a:tr>
-            </a:tbl>
-          </a:graphicData>
-        </a:graphic>
-      </p:graphicFrame>
-      <p:cxnSp>
-        <p:nvCxnSpPr>
-          <p:cNvPr id="44" name="Google Shape;135;g16c60364d53_0_5">
-            <a:extLst>
-              <a:ext uri="{FF2B5EF4-FFF2-40B4-BE49-F238E27FC236}">
-                <a16:creationId xmlns:a16="http://schemas.microsoft.com/office/drawing/2014/main" id="{C71A2ACC-55E7-43A9-984D-D41797EC8225}"/>
-              </a:ext>
-            </a:extLst>
-          </p:cNvPr>
-          <p:cNvCxnSpPr>
-            <a:cxnSpLocks/>
-          </p:cNvCxnSpPr>
-          <p:nvPr/>
-        </p:nvCxnSpPr>
-        <p:spPr>
-          <a:xfrm>
-            <a:off x="5176579" y="461144"/>
-            <a:ext cx="3463279" cy="0"/>
-          </a:xfrm>
-          <a:prstGeom prst="straightConnector1">
-            <a:avLst/>
-          </a:prstGeom>
-          <a:noFill/>
-          <a:ln w="9525" cap="flat" cmpd="sng">
-            <a:solidFill>
-              <a:schemeClr val="dk2"/>
-            </a:solidFill>
-            <a:prstDash val="solid"/>
-            <a:round/>
-            <a:headEnd type="none" w="med" len="med"/>
-            <a:tailEnd type="triangle" w="med" len="med"/>
-          </a:ln>
-        </p:spPr>
-      </p:cxnSp>
-      <p:cxnSp>
-        <p:nvCxnSpPr>
-          <p:cNvPr id="45" name="Google Shape;136;g16c60364d53_0_5">
-            <a:extLst>
-              <a:ext uri="{FF2B5EF4-FFF2-40B4-BE49-F238E27FC236}">
-                <a16:creationId xmlns:a16="http://schemas.microsoft.com/office/drawing/2014/main" id="{B7088599-C127-49B2-A913-C832CE613B49}"/>
-              </a:ext>
-            </a:extLst>
-          </p:cNvPr>
-          <p:cNvCxnSpPr>
-            <a:cxnSpLocks/>
-          </p:cNvCxnSpPr>
-          <p:nvPr/>
-        </p:nvCxnSpPr>
-        <p:spPr>
-          <a:xfrm>
-            <a:off x="5092300" y="540014"/>
-            <a:ext cx="0" cy="3319742"/>
-          </a:xfrm>
-          <a:prstGeom prst="straightConnector1">
-            <a:avLst/>
-          </a:prstGeom>
-          <a:noFill/>
-          <a:ln w="9525" cap="flat" cmpd="sng">
-            <a:solidFill>
-              <a:schemeClr val="dk2"/>
-            </a:solidFill>
-            <a:prstDash val="solid"/>
-            <a:round/>
-            <a:headEnd type="none" w="med" len="med"/>
-            <a:tailEnd type="triangle" w="med" len="med"/>
-          </a:ln>
-        </p:spPr>
-      </p:cxnSp>
-      <p:sp>
-        <p:nvSpPr>
-          <p:cNvPr id="46" name="Google Shape;137;g16c60364d53_0_5">
-            <a:extLst>
-              <a:ext uri="{FF2B5EF4-FFF2-40B4-BE49-F238E27FC236}">
-                <a16:creationId xmlns:a16="http://schemas.microsoft.com/office/drawing/2014/main" id="{6DAAB315-93BF-4B43-851E-957D18986914}"/>
-              </a:ext>
-            </a:extLst>
-          </p:cNvPr>
-          <p:cNvSpPr txBox="1"/>
-          <p:nvPr/>
-        </p:nvSpPr>
-        <p:spPr>
-          <a:xfrm>
-            <a:off x="4914167" y="232177"/>
-            <a:ext cx="356267" cy="491851"/>
-          </a:xfrm>
-          <a:prstGeom prst="rect">
-            <a:avLst/>
-          </a:prstGeom>
-          <a:noFill/>
-          <a:ln>
-            <a:noFill/>
-          </a:ln>
-        </p:spPr>
-        <p:txBody>
-          <a:bodyPr spcFirstLastPara="1" wrap="square" lIns="91425" tIns="91425" rIns="91425" bIns="91425" anchor="t" anchorCtr="0">
-            <a:spAutoFit/>
-          </a:bodyPr>
-          <a:lstStyle/>
-          <a:p>
-            <a:pPr algn="ctr"/>
-            <a:r>
-              <a:rPr lang="en-US">
-                <a:latin typeface="Arial" panose="020B0604020202020204" pitchFamily="34" charset="0"/>
-                <a:ea typeface="Calibri"/>
-                <a:cs typeface="Arial" panose="020B0604020202020204" pitchFamily="34" charset="0"/>
-                <a:sym typeface="Calibri"/>
-              </a:rPr>
-              <a:t>0</a:t>
-            </a:r>
-            <a:endParaRPr>
-              <a:latin typeface="Arial" panose="020B0604020202020204" pitchFamily="34" charset="0"/>
-              <a:ea typeface="Calibri"/>
-              <a:cs typeface="Arial" panose="020B0604020202020204" pitchFamily="34" charset="0"/>
-              <a:sym typeface="Calibri"/>
-            </a:endParaRPr>
-          </a:p>
-        </p:txBody>
-      </p:sp>
-      <p:sp>
-        <p:nvSpPr>
-          <p:cNvPr id="47" name="Google Shape;138;g16c60364d53_0_5">
-            <a:extLst>
-              <a:ext uri="{FF2B5EF4-FFF2-40B4-BE49-F238E27FC236}">
-                <a16:creationId xmlns:a16="http://schemas.microsoft.com/office/drawing/2014/main" id="{D965C55E-545A-4E0A-A960-0F6757D3B347}"/>
-              </a:ext>
-            </a:extLst>
-          </p:cNvPr>
-          <p:cNvSpPr txBox="1"/>
-          <p:nvPr/>
-        </p:nvSpPr>
-        <p:spPr>
-          <a:xfrm>
-            <a:off x="8303805" y="221955"/>
-            <a:ext cx="840195" cy="491851"/>
-          </a:xfrm>
-          <a:prstGeom prst="rect">
-            <a:avLst/>
-          </a:prstGeom>
-          <a:noFill/>
-          <a:ln>
-            <a:noFill/>
-          </a:ln>
-        </p:spPr>
-        <p:txBody>
-          <a:bodyPr spcFirstLastPara="1" wrap="square" lIns="91425" tIns="91425" rIns="91425" bIns="91425" anchor="t" anchorCtr="0">
-            <a:spAutoFit/>
-          </a:bodyPr>
-          <a:lstStyle/>
-          <a:p>
-            <a:pPr algn="ctr"/>
-            <a:r>
-              <a:rPr lang="en-US">
-                <a:latin typeface="Arial" panose="020B0604020202020204" pitchFamily="34" charset="0"/>
-                <a:ea typeface="Calibri"/>
-                <a:cs typeface="Arial" panose="020B0604020202020204" pitchFamily="34" charset="0"/>
-                <a:sym typeface="Calibri"/>
-              </a:rPr>
-              <a:t>X</a:t>
-            </a:r>
-            <a:endParaRPr>
-              <a:latin typeface="Arial" panose="020B0604020202020204" pitchFamily="34" charset="0"/>
-              <a:ea typeface="Calibri"/>
-              <a:cs typeface="Arial" panose="020B0604020202020204" pitchFamily="34" charset="0"/>
-              <a:sym typeface="Calibri"/>
-            </a:endParaRPr>
-          </a:p>
-        </p:txBody>
-      </p:sp>
-      <p:sp>
-        <p:nvSpPr>
-          <p:cNvPr id="48" name="Google Shape;139;g16c60364d53_0_5">
-            <a:extLst>
-              <a:ext uri="{FF2B5EF4-FFF2-40B4-BE49-F238E27FC236}">
-                <a16:creationId xmlns:a16="http://schemas.microsoft.com/office/drawing/2014/main" id="{5673EF5A-9FFB-47C0-90D3-03D1BD3180B1}"/>
-              </a:ext>
-            </a:extLst>
-          </p:cNvPr>
-          <p:cNvSpPr txBox="1"/>
-          <p:nvPr/>
-        </p:nvSpPr>
-        <p:spPr>
-          <a:xfrm>
-            <a:off x="4672203" y="3751165"/>
-            <a:ext cx="840195" cy="491851"/>
-          </a:xfrm>
-          <a:prstGeom prst="rect">
-            <a:avLst/>
-          </a:prstGeom>
-          <a:noFill/>
-          <a:ln>
-            <a:noFill/>
-          </a:ln>
-        </p:spPr>
-        <p:txBody>
-          <a:bodyPr spcFirstLastPara="1" wrap="square" lIns="91425" tIns="91425" rIns="91425" bIns="91425" anchor="t" anchorCtr="0">
-            <a:spAutoFit/>
-          </a:bodyPr>
-          <a:lstStyle/>
-          <a:p>
-            <a:pPr algn="ctr"/>
-            <a:r>
-              <a:rPr lang="en-US" dirty="0">
-                <a:latin typeface="Arial" panose="020B0604020202020204" pitchFamily="34" charset="0"/>
-                <a:ea typeface="Calibri"/>
-                <a:cs typeface="Arial" panose="020B0604020202020204" pitchFamily="34" charset="0"/>
-                <a:sym typeface="Calibri"/>
-              </a:rPr>
-              <a:t>Y</a:t>
-            </a:r>
-            <a:endParaRPr dirty="0">
-              <a:latin typeface="Arial" panose="020B0604020202020204" pitchFamily="34" charset="0"/>
-              <a:ea typeface="Calibri"/>
-              <a:cs typeface="Arial" panose="020B0604020202020204" pitchFamily="34" charset="0"/>
-              <a:sym typeface="Calibri"/>
-            </a:endParaRPr>
-          </a:p>
-        </p:txBody>
-      </p:sp>
-      <p:sp>
-        <p:nvSpPr>
-          <p:cNvPr id="55" name="Google Shape;150;g16c60364d53_0_5">
-            <a:extLst>
-              <a:ext uri="{FF2B5EF4-FFF2-40B4-BE49-F238E27FC236}">
-                <a16:creationId xmlns:a16="http://schemas.microsoft.com/office/drawing/2014/main" id="{EABDECB8-7F6A-4BA3-9BA7-A2B8CCD3F42E}"/>
-              </a:ext>
-            </a:extLst>
-          </p:cNvPr>
-          <p:cNvSpPr/>
-          <p:nvPr/>
-        </p:nvSpPr>
-        <p:spPr>
-          <a:xfrm>
-            <a:off x="6410236" y="2079942"/>
-            <a:ext cx="1854330" cy="240686"/>
-          </a:xfrm>
-          <a:prstGeom prst="rightArrow">
-            <a:avLst>
-              <a:gd name="adj1" fmla="val 50000"/>
-              <a:gd name="adj2" fmla="val 50000"/>
-            </a:avLst>
-          </a:prstGeom>
-          <a:solidFill>
-            <a:srgbClr val="FFFF00"/>
-          </a:solidFill>
-          <a:ln w="9525" cap="flat" cmpd="sng">
-            <a:solidFill>
-              <a:schemeClr val="dk2"/>
-            </a:solidFill>
-            <a:prstDash val="solid"/>
-            <a:round/>
-            <a:headEnd type="none" w="sm" len="sm"/>
-            <a:tailEnd type="none" w="sm" len="sm"/>
-          </a:ln>
-        </p:spPr>
-        <p:txBody>
-          <a:bodyPr spcFirstLastPara="1" wrap="square" lIns="91425" tIns="91425" rIns="91425" bIns="91425" anchor="ctr" anchorCtr="0">
-            <a:noAutofit/>
-          </a:bodyPr>
-          <a:lstStyle/>
-          <a:p>
-            <a:endParaRPr>
-              <a:latin typeface="Arial" panose="020B0604020202020204" pitchFamily="34" charset="0"/>
-              <a:cs typeface="Arial" panose="020B0604020202020204" pitchFamily="34" charset="0"/>
-            </a:endParaRPr>
-          </a:p>
-        </p:txBody>
-      </p:sp>
-      <p:sp>
-        <p:nvSpPr>
-          <p:cNvPr id="56" name="Google Shape;151;g16c60364d53_0_5">
-            <a:extLst>
-              <a:ext uri="{FF2B5EF4-FFF2-40B4-BE49-F238E27FC236}">
-                <a16:creationId xmlns:a16="http://schemas.microsoft.com/office/drawing/2014/main" id="{77828B40-A9A6-4484-B84C-539FD322A9BF}"/>
-              </a:ext>
-            </a:extLst>
-          </p:cNvPr>
-          <p:cNvSpPr txBox="1"/>
-          <p:nvPr/>
-        </p:nvSpPr>
-        <p:spPr>
-          <a:xfrm>
-            <a:off x="6600759" y="1761252"/>
-            <a:ext cx="1320084" cy="430857"/>
-          </a:xfrm>
-          <a:prstGeom prst="rect">
-            <a:avLst/>
-          </a:prstGeom>
-          <a:noFill/>
-          <a:ln>
-            <a:noFill/>
-          </a:ln>
-        </p:spPr>
-        <p:txBody>
-          <a:bodyPr spcFirstLastPara="1" wrap="square" lIns="91425" tIns="91425" rIns="91425" bIns="91425" anchor="t" anchorCtr="0">
-            <a:spAutoFit/>
-          </a:bodyPr>
-          <a:lstStyle/>
-          <a:p>
-            <a:pPr algn="ctr"/>
-            <a:r>
-              <a:rPr lang="en-US" sz="1600" dirty="0">
-                <a:latin typeface="Arial" panose="020B0604020202020204" pitchFamily="34" charset="0"/>
-                <a:ea typeface="Calibri"/>
-                <a:cs typeface="Arial" panose="020B0604020202020204" pitchFamily="34" charset="0"/>
-                <a:sym typeface="Calibri"/>
-              </a:rPr>
-              <a:t>Direction</a:t>
-            </a:r>
-            <a:endParaRPr sz="1600" dirty="0">
-              <a:latin typeface="Arial" panose="020B0604020202020204" pitchFamily="34" charset="0"/>
-              <a:ea typeface="Calibri"/>
-              <a:cs typeface="Arial" panose="020B0604020202020204" pitchFamily="34" charset="0"/>
-              <a:sym typeface="Calibri"/>
-            </a:endParaRPr>
-          </a:p>
-        </p:txBody>
-      </p:sp>
-      <p:sp>
-        <p:nvSpPr>
-          <p:cNvPr id="57" name="Google Shape;143;g16c60364d53_0_5">
-            <a:extLst>
-              <a:ext uri="{FF2B5EF4-FFF2-40B4-BE49-F238E27FC236}">
-                <a16:creationId xmlns:a16="http://schemas.microsoft.com/office/drawing/2014/main" id="{16F4E69C-022C-4635-A39C-3139682DCD3E}"/>
-              </a:ext>
-            </a:extLst>
-          </p:cNvPr>
-          <p:cNvSpPr txBox="1"/>
-          <p:nvPr/>
-        </p:nvSpPr>
-        <p:spPr>
-          <a:xfrm>
-            <a:off x="2541245" y="3612853"/>
-            <a:ext cx="2056164" cy="461635"/>
-          </a:xfrm>
-          <a:prstGeom prst="rect">
-            <a:avLst/>
-          </a:prstGeom>
-          <a:noFill/>
-          <a:ln>
-            <a:noFill/>
-          </a:ln>
-        </p:spPr>
-        <p:txBody>
-          <a:bodyPr spcFirstLastPara="1" wrap="square" lIns="91425" tIns="91425" rIns="91425" bIns="91425" anchor="t" anchorCtr="0">
-            <a:spAutoFit/>
-          </a:bodyPr>
-          <a:lstStyle/>
-          <a:p>
-            <a:pPr algn="ctr"/>
-            <a:r>
-              <a:rPr lang="en-US" dirty="0">
-                <a:solidFill>
-                  <a:schemeClr val="accent1"/>
-                </a:solidFill>
-                <a:latin typeface="Arial" panose="020B0604020202020204" pitchFamily="34" charset="0"/>
-                <a:ea typeface="Calibri"/>
-                <a:cs typeface="Arial" panose="020B0604020202020204" pitchFamily="34" charset="0"/>
-                <a:sym typeface="Calibri"/>
-              </a:rPr>
-              <a:t>Initial Chunk</a:t>
-            </a:r>
-            <a:endParaRPr dirty="0">
-              <a:solidFill>
-                <a:schemeClr val="accent1"/>
-              </a:solidFill>
-              <a:latin typeface="Arial" panose="020B0604020202020204" pitchFamily="34" charset="0"/>
-              <a:ea typeface="Calibri"/>
-              <a:cs typeface="Arial" panose="020B0604020202020204" pitchFamily="34" charset="0"/>
-              <a:sym typeface="Calibri"/>
-            </a:endParaRPr>
-          </a:p>
-        </p:txBody>
-      </p:sp>
-      <p:cxnSp>
-        <p:nvCxnSpPr>
-          <p:cNvPr id="58" name="Straight Arrow Connector 57">
-            <a:extLst>
-              <a:ext uri="{FF2B5EF4-FFF2-40B4-BE49-F238E27FC236}">
-                <a16:creationId xmlns:a16="http://schemas.microsoft.com/office/drawing/2014/main" id="{E5681A0D-1473-4999-9371-9AAB855E62B3}"/>
-              </a:ext>
-            </a:extLst>
-          </p:cNvPr>
-          <p:cNvCxnSpPr>
-            <a:cxnSpLocks/>
-          </p:cNvCxnSpPr>
-          <p:nvPr/>
-        </p:nvCxnSpPr>
-        <p:spPr>
-          <a:xfrm flipH="1" flipV="1">
-            <a:off x="2341695" y="2767145"/>
-            <a:ext cx="918411" cy="924090"/>
+            <a:off x="1587500" y="856694"/>
+            <a:ext cx="755650" cy="0"/>
           </a:xfrm>
           <a:prstGeom prst="straightConnector1">
             <a:avLst/>
@@ -4870,25 +3438,77 @@
         </p:spPr>
         <p:style>
           <a:lnRef idx="1">
-            <a:schemeClr val="accent1"/>
+            <a:schemeClr val="dk1"/>
           </a:lnRef>
           <a:fillRef idx="0">
+            <a:schemeClr val="dk1"/>
+          </a:fillRef>
+          <a:effectRef idx="0">
+            <a:schemeClr val="dk1"/>
+          </a:effectRef>
+          <a:fontRef idx="minor">
+            <a:schemeClr val="tx1"/>
+          </a:fontRef>
+        </p:style>
+      </p:cxnSp>
+      <p:sp>
+        <p:nvSpPr>
+          <p:cNvPr id="22" name="Rectangle 21">
+            <a:extLst>
+              <a:ext uri="{FF2B5EF4-FFF2-40B4-BE49-F238E27FC236}">
+                <a16:creationId xmlns:a16="http://schemas.microsoft.com/office/drawing/2014/main" id="{E437322D-423A-0017-CE45-D3E10CBCE399}"/>
+              </a:ext>
+            </a:extLst>
+          </p:cNvPr>
+          <p:cNvSpPr/>
+          <p:nvPr/>
+        </p:nvSpPr>
+        <p:spPr>
+          <a:xfrm>
+            <a:off x="2343150" y="421719"/>
+            <a:ext cx="1581150" cy="869949"/>
+          </a:xfrm>
+          <a:prstGeom prst="rect">
+            <a:avLst/>
+          </a:prstGeom>
+        </p:spPr>
+        <p:style>
+          <a:lnRef idx="2">
+            <a:schemeClr val="accent1">
+              <a:shade val="50000"/>
+            </a:schemeClr>
+          </a:lnRef>
+          <a:fillRef idx="1">
             <a:schemeClr val="accent1"/>
           </a:fillRef>
           <a:effectRef idx="0">
             <a:schemeClr val="accent1"/>
           </a:effectRef>
           <a:fontRef idx="minor">
-            <a:schemeClr val="tx1"/>
+            <a:schemeClr val="lt1"/>
           </a:fontRef>
         </p:style>
-      </p:cxnSp>
-      <p:sp>
-        <p:nvSpPr>
-          <p:cNvPr id="59" name="Arrow: Right 58">
+        <p:txBody>
+          <a:bodyPr rtlCol="0" anchor="ctr"/>
+          <a:lstStyle/>
+          <a:p>
+            <a:pPr algn="ctr"/>
+            <a:r>
+              <a:rPr lang="en-US" sz="1400" dirty="0">
+                <a:latin typeface="Arial" panose="020B0604020202020204" pitchFamily="34" charset="0"/>
+                <a:cs typeface="Arial" panose="020B0604020202020204" pitchFamily="34" charset="0"/>
+              </a:rPr>
+              <a:t>Generate initial population of random placements</a:t>
+            </a:r>
+          </a:p>
+        </p:txBody>
+      </p:sp>
+      <p:sp>
+        <p:nvSpPr>
+          <p:cNvPr id="31" name="Rectangle 30">
             <a:extLst>
               <a:ext uri="{FF2B5EF4-FFF2-40B4-BE49-F238E27FC236}">
-                <a16:creationId xmlns:a16="http://schemas.microsoft.com/office/drawing/2014/main" id="{5B57E1CA-8B27-4FC1-91D6-400F4CC10BCB}"/>
+                <a16:creationId xmlns:a16="http://schemas.microsoft.com/office/drawing/2014/main" id="{EDCF6EDD-9486-4E6B-A36E-4C982FF1AD4A}"/>
               </a:ext>
             </a:extLst>
           </p:cNvPr>
@@ -4897,26 +3517,120 @@
         </p:nvSpPr>
         <p:spPr>
           <a:xfrm>
-            <a:off x="4430384" y="2060789"/>
-            <a:ext cx="597009" cy="269564"/>
+            <a:off x="4343400" y="421719"/>
+            <a:ext cx="1581150" cy="869949"/>
           </a:xfrm>
-          <a:prstGeom prst="rightArrow">
+          <a:prstGeom prst="rect">
             <a:avLst/>
           </a:prstGeom>
         </p:spPr>
         <p:style>
           <a:lnRef idx="2">
-            <a:schemeClr val="dk1">
+            <a:schemeClr val="accent1">
               <a:shade val="50000"/>
             </a:schemeClr>
           </a:lnRef>
           <a:fillRef idx="1">
+            <a:schemeClr val="accent1"/>
+          </a:fillRef>
+          <a:effectRef idx="0">
+            <a:schemeClr val="accent1"/>
+          </a:effectRef>
+          <a:fontRef idx="minor">
+            <a:schemeClr val="lt1"/>
+          </a:fontRef>
+        </p:style>
+        <p:txBody>
+          <a:bodyPr rtlCol="0" anchor="ctr"/>
+          <a:lstStyle/>
+          <a:p>
+            <a:pPr algn="ctr"/>
+            <a:r>
+              <a:rPr lang="en-US" sz="1400" dirty="0">
+                <a:latin typeface="Arial" panose="020B0604020202020204" pitchFamily="34" charset="0"/>
+                <a:cs typeface="Arial" panose="020B0604020202020204" pitchFamily="34" charset="0"/>
+              </a:rPr>
+              <a:t>Evaluate Makespans using Scheduler</a:t>
+            </a:r>
+          </a:p>
+        </p:txBody>
+      </p:sp>
+      <p:cxnSp>
+        <p:nvCxnSpPr>
+          <p:cNvPr id="33" name="Straight Arrow Connector 32">
+            <a:extLst>
+              <a:ext uri="{FF2B5EF4-FFF2-40B4-BE49-F238E27FC236}">
+                <a16:creationId xmlns:a16="http://schemas.microsoft.com/office/drawing/2014/main" id="{7EB54BC3-A824-5FC4-B887-F23EFD714172}"/>
+              </a:ext>
+            </a:extLst>
+          </p:cNvPr>
+          <p:cNvCxnSpPr>
+            <a:stCxn id="22" idx="3"/>
+            <a:endCxn id="31" idx="1"/>
+          </p:cNvCxnSpPr>
+          <p:nvPr/>
+        </p:nvCxnSpPr>
+        <p:spPr>
+          <a:xfrm>
+            <a:off x="3924300" y="856694"/>
+            <a:ext cx="419100" cy="0"/>
+          </a:xfrm>
+          <a:prstGeom prst="straightConnector1">
+            <a:avLst/>
+          </a:prstGeom>
+          <a:ln>
+            <a:tailEnd type="triangle"/>
+          </a:ln>
+        </p:spPr>
+        <p:style>
+          <a:lnRef idx="1">
+            <a:schemeClr val="dk1"/>
+          </a:lnRef>
+          <a:fillRef idx="0">
             <a:schemeClr val="dk1"/>
           </a:fillRef>
           <a:effectRef idx="0">
             <a:schemeClr val="dk1"/>
           </a:effectRef>
           <a:fontRef idx="minor">
+            <a:schemeClr val="tx1"/>
+          </a:fontRef>
+        </p:style>
+      </p:cxnSp>
+      <p:sp>
+        <p:nvSpPr>
+          <p:cNvPr id="34" name="Rectangle 33">
+            <a:extLst>
+              <a:ext uri="{FF2B5EF4-FFF2-40B4-BE49-F238E27FC236}">
+                <a16:creationId xmlns:a16="http://schemas.microsoft.com/office/drawing/2014/main" id="{880BF40F-B412-ECBD-FBD4-2DFDE6C2DAC3}"/>
+              </a:ext>
+            </a:extLst>
+          </p:cNvPr>
+          <p:cNvSpPr/>
+          <p:nvPr/>
+        </p:nvSpPr>
+        <p:spPr>
+          <a:xfrm>
+            <a:off x="6343650" y="421719"/>
+            <a:ext cx="1581150" cy="869949"/>
+          </a:xfrm>
+          <a:prstGeom prst="rect">
+            <a:avLst/>
+          </a:prstGeom>
+        </p:spPr>
+        <p:style>
+          <a:lnRef idx="2">
+            <a:schemeClr val="accent1">
+              <a:shade val="50000"/>
+            </a:schemeClr>
+          </a:lnRef>
+          <a:fillRef idx="1">
+            <a:schemeClr val="accent1"/>
+          </a:fillRef>
+          <a:effectRef idx="0">
+            <a:schemeClr val="accent1"/>
+          </a:effectRef>
+          <a:fontRef idx="minor">
             <a:schemeClr val="lt1"/>
           </a:fontRef>
         </p:style>
@@ -4925,16 +3639,274 @@
           <a:lstStyle/>
           <a:p>
             <a:pPr algn="ctr"/>
-            <a:endParaRPr lang="en-US"/>
-          </a:p>
-        </p:txBody>
-      </p:sp>
-      <p:sp>
-        <p:nvSpPr>
-          <p:cNvPr id="61" name="Google Shape;143;g16c60364d53_0_5">
+            <a:r>
+              <a:rPr lang="en-US" sz="1400" dirty="0">
+                <a:latin typeface="Arial" panose="020B0604020202020204" pitchFamily="34" charset="0"/>
+                <a:cs typeface="Arial" panose="020B0604020202020204" pitchFamily="34" charset="0"/>
+              </a:rPr>
+              <a:t>Rank Population</a:t>
+            </a:r>
+          </a:p>
+        </p:txBody>
+      </p:sp>
+      <p:cxnSp>
+        <p:nvCxnSpPr>
+          <p:cNvPr id="39" name="Straight Arrow Connector 38">
             <a:extLst>
               <a:ext uri="{FF2B5EF4-FFF2-40B4-BE49-F238E27FC236}">
-                <a16:creationId xmlns:a16="http://schemas.microsoft.com/office/drawing/2014/main" id="{866FDD2F-C02E-47A3-AA56-80FFA8FFF410}"/>
+                <a16:creationId xmlns:a16="http://schemas.microsoft.com/office/drawing/2014/main" id="{2BB75333-BDDA-A7FC-3E7F-ADADE7E27953}"/>
+              </a:ext>
+            </a:extLst>
+          </p:cNvPr>
+          <p:cNvCxnSpPr>
+            <a:stCxn id="31" idx="3"/>
+            <a:endCxn id="34" idx="1"/>
+          </p:cNvCxnSpPr>
+          <p:nvPr/>
+        </p:nvCxnSpPr>
+        <p:spPr>
+          <a:xfrm>
+            <a:off x="5924550" y="856694"/>
+            <a:ext cx="419100" cy="0"/>
+          </a:xfrm>
+          <a:prstGeom prst="straightConnector1">
+            <a:avLst/>
+          </a:prstGeom>
+          <a:ln>
+            <a:tailEnd type="triangle"/>
+          </a:ln>
+        </p:spPr>
+        <p:style>
+          <a:lnRef idx="1">
+            <a:schemeClr val="dk1"/>
+          </a:lnRef>
+          <a:fillRef idx="0">
+            <a:schemeClr val="dk1"/>
+          </a:fillRef>
+          <a:effectRef idx="0">
+            <a:schemeClr val="dk1"/>
+          </a:effectRef>
+          <a:fontRef idx="minor">
+            <a:schemeClr val="tx1"/>
+          </a:fontRef>
+        </p:style>
+      </p:cxnSp>
+      <p:grpSp>
+        <p:nvGrpSpPr>
+          <p:cNvPr id="43" name="Group 42">
+            <a:extLst>
+              <a:ext uri="{FF2B5EF4-FFF2-40B4-BE49-F238E27FC236}">
+                <a16:creationId xmlns:a16="http://schemas.microsoft.com/office/drawing/2014/main" id="{9C843610-15C2-ED07-88EA-2F21EBB6D760}"/>
+              </a:ext>
+            </a:extLst>
+          </p:cNvPr>
+          <p:cNvGrpSpPr/>
+          <p:nvPr/>
+        </p:nvGrpSpPr>
+        <p:grpSpPr>
+          <a:xfrm>
+            <a:off x="6099175" y="1612898"/>
+            <a:ext cx="2070100" cy="1028697"/>
+            <a:chOff x="6096000" y="3048001"/>
+            <a:chExt cx="2184400" cy="1028697"/>
+          </a:xfrm>
+        </p:grpSpPr>
+        <p:sp>
+          <p:nvSpPr>
+            <p:cNvPr id="40" name="Diamond 39">
+              <a:extLst>
+                <a:ext uri="{FF2B5EF4-FFF2-40B4-BE49-F238E27FC236}">
+                  <a16:creationId xmlns:a16="http://schemas.microsoft.com/office/drawing/2014/main" id="{0842A4CC-A441-9969-12DC-C1F2D8B6FD24}"/>
+                </a:ext>
+              </a:extLst>
+            </p:cNvPr>
+            <p:cNvSpPr/>
+            <p:nvPr/>
+          </p:nvSpPr>
+          <p:spPr>
+            <a:xfrm>
+              <a:off x="6096000" y="3048001"/>
+              <a:ext cx="2184400" cy="1028697"/>
+            </a:xfrm>
+            <a:prstGeom prst="diamond">
+              <a:avLst/>
+            </a:prstGeom>
+          </p:spPr>
+          <p:style>
+            <a:lnRef idx="2">
+              <a:schemeClr val="accent4">
+                <a:shade val="50000"/>
+              </a:schemeClr>
+            </a:lnRef>
+            <a:fillRef idx="1">
+              <a:schemeClr val="accent4"/>
+            </a:fillRef>
+            <a:effectRef idx="0">
+              <a:schemeClr val="accent4"/>
+            </a:effectRef>
+            <a:fontRef idx="minor">
+              <a:schemeClr val="lt1"/>
+            </a:fontRef>
+          </p:style>
+          <p:txBody>
+            <a:bodyPr rtlCol="0" anchor="ctr"/>
+            <a:lstStyle/>
+            <a:p>
+              <a:pPr algn="ctr"/>
+              <a:endParaRPr lang="en-US" sz="1400" dirty="0">
+                <a:latin typeface="Arial" panose="020B0604020202020204" pitchFamily="34" charset="0"/>
+                <a:cs typeface="Arial" panose="020B0604020202020204" pitchFamily="34" charset="0"/>
+              </a:endParaRPr>
+            </a:p>
+          </p:txBody>
+        </p:sp>
+        <p:sp>
+          <p:nvSpPr>
+            <p:cNvPr id="41" name="TextBox 40">
+              <a:extLst>
+                <a:ext uri="{FF2B5EF4-FFF2-40B4-BE49-F238E27FC236}">
+                  <a16:creationId xmlns:a16="http://schemas.microsoft.com/office/drawing/2014/main" id="{4A519A71-4A49-6EAE-5751-E9423E52F8D1}"/>
+                </a:ext>
+              </a:extLst>
+            </p:cNvPr>
+            <p:cNvSpPr txBox="1"/>
+            <p:nvPr/>
+          </p:nvSpPr>
+          <p:spPr>
+            <a:xfrm>
+              <a:off x="6299200" y="3085295"/>
+              <a:ext cx="1778000" cy="954107"/>
+            </a:xfrm>
+            <a:prstGeom prst="rect">
+              <a:avLst/>
+            </a:prstGeom>
+            <a:noFill/>
+          </p:spPr>
+          <p:txBody>
+            <a:bodyPr wrap="square" rtlCol="0" anchor="ctr">
+              <a:spAutoFit/>
+            </a:bodyPr>
+            <a:lstStyle/>
+            <a:p>
+              <a:pPr algn="ctr"/>
+              <a:r>
+                <a:rPr lang="en-US" sz="1400" dirty="0">
+                  <a:solidFill>
+                    <a:schemeClr val="bg1"/>
+                  </a:solidFill>
+                  <a:latin typeface="Arial" panose="020B0604020202020204" pitchFamily="34" charset="0"/>
+                  <a:cs typeface="Arial" panose="020B0604020202020204" pitchFamily="34" charset="0"/>
+                </a:rPr>
+                <a:t>Has the </a:t>
+              </a:r>
+            </a:p>
+            <a:p>
+              <a:pPr algn="ctr"/>
+              <a:r>
+                <a:rPr lang="en-US" sz="1400" dirty="0">
+                  <a:solidFill>
+                    <a:schemeClr val="bg1"/>
+                  </a:solidFill>
+                  <a:latin typeface="Arial" panose="020B0604020202020204" pitchFamily="34" charset="0"/>
+                  <a:cs typeface="Arial" panose="020B0604020202020204" pitchFamily="34" charset="0"/>
+                </a:rPr>
+                <a:t>Population converged to one solution</a:t>
+              </a:r>
+            </a:p>
+          </p:txBody>
+        </p:sp>
+      </p:grpSp>
+      <p:cxnSp>
+        <p:nvCxnSpPr>
+          <p:cNvPr id="45" name="Straight Arrow Connector 44">
+            <a:extLst>
+              <a:ext uri="{FF2B5EF4-FFF2-40B4-BE49-F238E27FC236}">
+                <a16:creationId xmlns:a16="http://schemas.microsoft.com/office/drawing/2014/main" id="{9A128979-612A-5C38-0A5D-D0F850EF08AF}"/>
+              </a:ext>
+            </a:extLst>
+          </p:cNvPr>
+          <p:cNvCxnSpPr>
+            <a:stCxn id="34" idx="2"/>
+            <a:endCxn id="40" idx="0"/>
+          </p:cNvCxnSpPr>
+          <p:nvPr/>
+        </p:nvCxnSpPr>
+        <p:spPr>
+          <a:xfrm>
+            <a:off x="7134225" y="1291668"/>
+            <a:ext cx="0" cy="321230"/>
+          </a:xfrm>
+          <a:prstGeom prst="straightConnector1">
+            <a:avLst/>
+          </a:prstGeom>
+          <a:ln>
+            <a:tailEnd type="triangle"/>
+          </a:ln>
+        </p:spPr>
+        <p:style>
+          <a:lnRef idx="1">
+            <a:schemeClr val="dk1"/>
+          </a:lnRef>
+          <a:fillRef idx="0">
+            <a:schemeClr val="dk1"/>
+          </a:fillRef>
+          <a:effectRef idx="0">
+            <a:schemeClr val="dk1"/>
+          </a:effectRef>
+          <a:fontRef idx="minor">
+            <a:schemeClr val="tx1"/>
+          </a:fontRef>
+        </p:style>
+      </p:cxnSp>
+      <p:cxnSp>
+        <p:nvCxnSpPr>
+          <p:cNvPr id="50" name="Straight Arrow Connector 49">
+            <a:extLst>
+              <a:ext uri="{FF2B5EF4-FFF2-40B4-BE49-F238E27FC236}">
+                <a16:creationId xmlns:a16="http://schemas.microsoft.com/office/drawing/2014/main" id="{EE25660C-7086-1888-2237-9F9CF28EB35C}"/>
+              </a:ext>
+            </a:extLst>
+          </p:cNvPr>
+          <p:cNvCxnSpPr>
+            <a:cxnSpLocks/>
+            <a:stCxn id="40" idx="2"/>
+            <a:endCxn id="6" idx="0"/>
+          </p:cNvCxnSpPr>
+          <p:nvPr/>
+        </p:nvCxnSpPr>
+        <p:spPr>
+          <a:xfrm flipH="1">
+            <a:off x="7134224" y="2641595"/>
+            <a:ext cx="1" cy="419859"/>
+          </a:xfrm>
+          <a:prstGeom prst="straightConnector1">
+            <a:avLst/>
+          </a:prstGeom>
+          <a:ln>
+            <a:tailEnd type="triangle"/>
+          </a:ln>
+        </p:spPr>
+        <p:style>
+          <a:lnRef idx="1">
+            <a:schemeClr val="dk1"/>
+          </a:lnRef>
+          <a:fillRef idx="0">
+            <a:schemeClr val="dk1"/>
+          </a:fillRef>
+          <a:effectRef idx="0">
+            <a:schemeClr val="dk1"/>
+          </a:effectRef>
+          <a:fontRef idx="minor">
+            <a:schemeClr val="tx1"/>
+          </a:fontRef>
+        </p:style>
+      </p:cxnSp>
+      <p:sp>
+        <p:nvSpPr>
+          <p:cNvPr id="59" name="TextBox 58">
+            <a:extLst>
+              <a:ext uri="{FF2B5EF4-FFF2-40B4-BE49-F238E27FC236}">
+                <a16:creationId xmlns:a16="http://schemas.microsoft.com/office/drawing/2014/main" id="{89066323-BB98-5246-1942-9F2D9C67B3F5}"/>
               </a:ext>
             </a:extLst>
           </p:cNvPr>
@@ -4943,48 +3915,40 @@
         </p:nvSpPr>
         <p:spPr>
           <a:xfrm>
-            <a:off x="916263" y="3983783"/>
-            <a:ext cx="3324000" cy="461635"/>
+            <a:off x="6667500" y="2678892"/>
+            <a:ext cx="1257300" cy="307777"/>
           </a:xfrm>
           <a:prstGeom prst="rect">
             <a:avLst/>
           </a:prstGeom>
           <a:noFill/>
-          <a:ln>
-            <a:noFill/>
-          </a:ln>
         </p:spPr>
         <p:txBody>
-          <a:bodyPr spcFirstLastPara="1" wrap="square" lIns="91425" tIns="91425" rIns="91425" bIns="91425" anchor="t" anchorCtr="0">
+          <a:bodyPr wrap="square" rtlCol="0">
             <a:spAutoFit/>
           </a:bodyPr>
           <a:lstStyle/>
           <a:p>
             <a:pPr algn="ctr"/>
             <a:r>
-              <a:rPr lang="en-US" dirty="0">
+              <a:rPr lang="en-US" sz="1400" dirty="0">
+                <a:solidFill>
+                  <a:schemeClr val="accent4"/>
+                </a:solidFill>
                 <a:latin typeface="Arial" panose="020B0604020202020204" pitchFamily="34" charset="0"/>
-                <a:ea typeface="Calibri"/>
                 <a:cs typeface="Arial" panose="020B0604020202020204" pitchFamily="34" charset="0"/>
-                <a:sym typeface="Calibri"/>
               </a:rPr>
-              <a:t>(A) Placement of Initial Chunk</a:t>
-            </a:r>
-            <a:endParaRPr dirty="0">
-              <a:latin typeface="Arial" panose="020B0604020202020204" pitchFamily="34" charset="0"/>
-              <a:ea typeface="Calibri"/>
-              <a:cs typeface="Arial" panose="020B0604020202020204" pitchFamily="34" charset="0"/>
-              <a:sym typeface="Calibri"/>
-            </a:endParaRPr>
-          </a:p>
-        </p:txBody>
-      </p:sp>
-      <p:sp>
-        <p:nvSpPr>
-          <p:cNvPr id="63" name="Google Shape;143;g16c60364d53_0_5">
+              <a:t>Yes</a:t>
+            </a:r>
+          </a:p>
+        </p:txBody>
+      </p:sp>
+      <p:sp>
+        <p:nvSpPr>
+          <p:cNvPr id="60" name="TextBox 59">
             <a:extLst>
               <a:ext uri="{FF2B5EF4-FFF2-40B4-BE49-F238E27FC236}">
-                <a16:creationId xmlns:a16="http://schemas.microsoft.com/office/drawing/2014/main" id="{65B78D1F-5183-490D-A6B4-948FA7241AAB}"/>
+                <a16:creationId xmlns:a16="http://schemas.microsoft.com/office/drawing/2014/main" id="{6EE62292-E009-A3AF-AC7C-11FB5FBA71BB}"/>
               </a:ext>
             </a:extLst>
           </p:cNvPr>
@@ -4993,46 +3957,898 @@
         </p:nvSpPr>
         <p:spPr>
           <a:xfrm>
-            <a:off x="5189650" y="3983783"/>
-            <a:ext cx="3324000" cy="738633"/>
+            <a:off x="5156680" y="1885514"/>
+            <a:ext cx="1257300" cy="307777"/>
           </a:xfrm>
           <a:prstGeom prst="rect">
             <a:avLst/>
           </a:prstGeom>
           <a:noFill/>
+        </p:spPr>
+        <p:txBody>
+          <a:bodyPr wrap="square" rtlCol="0">
+            <a:spAutoFit/>
+          </a:bodyPr>
+          <a:lstStyle/>
+          <a:p>
+            <a:pPr algn="ctr"/>
+            <a:r>
+              <a:rPr lang="en-US" sz="1400" dirty="0">
+                <a:solidFill>
+                  <a:schemeClr val="accent4"/>
+                </a:solidFill>
+                <a:latin typeface="Arial" panose="020B0604020202020204" pitchFamily="34" charset="0"/>
+                <a:cs typeface="Arial" panose="020B0604020202020204" pitchFamily="34" charset="0"/>
+              </a:rPr>
+              <a:t>No</a:t>
+            </a:r>
+          </a:p>
+        </p:txBody>
+      </p:sp>
+      <p:sp>
+        <p:nvSpPr>
+          <p:cNvPr id="61" name="Rectangle 60">
+            <a:extLst>
+              <a:ext uri="{FF2B5EF4-FFF2-40B4-BE49-F238E27FC236}">
+                <a16:creationId xmlns:a16="http://schemas.microsoft.com/office/drawing/2014/main" id="{826FD6F5-7788-13F4-040E-111A80A5D4C1}"/>
+              </a:ext>
+            </a:extLst>
+          </p:cNvPr>
+          <p:cNvSpPr/>
+          <p:nvPr/>
+        </p:nvSpPr>
+        <p:spPr>
+          <a:xfrm>
+            <a:off x="3357563" y="1530599"/>
+            <a:ext cx="1581150" cy="869949"/>
+          </a:xfrm>
+          <a:prstGeom prst="rect">
+            <a:avLst/>
+          </a:prstGeom>
+        </p:spPr>
+        <p:style>
+          <a:lnRef idx="2">
+            <a:schemeClr val="accent1">
+              <a:shade val="50000"/>
+            </a:schemeClr>
+          </a:lnRef>
+          <a:fillRef idx="1">
+            <a:schemeClr val="accent1"/>
+          </a:fillRef>
+          <a:effectRef idx="0">
+            <a:schemeClr val="accent1"/>
+          </a:effectRef>
+          <a:fontRef idx="minor">
+            <a:schemeClr val="lt1"/>
+          </a:fontRef>
+        </p:style>
+        <p:txBody>
+          <a:bodyPr rtlCol="0" anchor="ctr"/>
+          <a:lstStyle/>
+          <a:p>
+            <a:pPr algn="ctr"/>
+            <a:r>
+              <a:rPr lang="en-US" sz="1400" dirty="0">
+                <a:latin typeface="Arial" panose="020B0604020202020204" pitchFamily="34" charset="0"/>
+                <a:cs typeface="Arial" panose="020B0604020202020204" pitchFamily="34" charset="0"/>
+              </a:rPr>
+              <a:t>Carry Elite Solutions to Next Generation</a:t>
+            </a:r>
+          </a:p>
+        </p:txBody>
+      </p:sp>
+      <p:sp>
+        <p:nvSpPr>
+          <p:cNvPr id="62" name="Rectangle 61">
+            <a:extLst>
+              <a:ext uri="{FF2B5EF4-FFF2-40B4-BE49-F238E27FC236}">
+                <a16:creationId xmlns:a16="http://schemas.microsoft.com/office/drawing/2014/main" id="{1E7BC2D6-C354-3CA4-07AD-C91FC1458E7F}"/>
+              </a:ext>
+            </a:extLst>
+          </p:cNvPr>
+          <p:cNvSpPr/>
+          <p:nvPr/>
+        </p:nvSpPr>
+        <p:spPr>
+          <a:xfrm>
+            <a:off x="3357563" y="2508805"/>
+            <a:ext cx="1581150" cy="869949"/>
+          </a:xfrm>
+          <a:prstGeom prst="rect">
+            <a:avLst/>
+          </a:prstGeom>
+        </p:spPr>
+        <p:style>
+          <a:lnRef idx="2">
+            <a:schemeClr val="accent1">
+              <a:shade val="50000"/>
+            </a:schemeClr>
+          </a:lnRef>
+          <a:fillRef idx="1">
+            <a:schemeClr val="accent1"/>
+          </a:fillRef>
+          <a:effectRef idx="0">
+            <a:schemeClr val="accent1"/>
+          </a:effectRef>
+          <a:fontRef idx="minor">
+            <a:schemeClr val="lt1"/>
+          </a:fontRef>
+        </p:style>
+        <p:txBody>
+          <a:bodyPr rtlCol="0" anchor="ctr"/>
+          <a:lstStyle/>
+          <a:p>
+            <a:pPr algn="ctr"/>
+            <a:r>
+              <a:rPr lang="en-US" sz="1400" dirty="0">
+                <a:latin typeface="Arial" panose="020B0604020202020204" pitchFamily="34" charset="0"/>
+                <a:cs typeface="Arial" panose="020B0604020202020204" pitchFamily="34" charset="0"/>
+              </a:rPr>
+              <a:t>Generate New Solutions Based On Most Fit Parents </a:t>
+            </a:r>
+          </a:p>
+        </p:txBody>
+      </p:sp>
+      <p:sp>
+        <p:nvSpPr>
+          <p:cNvPr id="63" name="Rectangle 62">
+            <a:extLst>
+              <a:ext uri="{FF2B5EF4-FFF2-40B4-BE49-F238E27FC236}">
+                <a16:creationId xmlns:a16="http://schemas.microsoft.com/office/drawing/2014/main" id="{1F6F9F09-F3FE-DA3C-97B8-DC9DBB4F6503}"/>
+              </a:ext>
+            </a:extLst>
+          </p:cNvPr>
+          <p:cNvSpPr/>
+          <p:nvPr/>
+        </p:nvSpPr>
+        <p:spPr>
+          <a:xfrm>
+            <a:off x="3357563" y="3487011"/>
+            <a:ext cx="1581150" cy="869949"/>
+          </a:xfrm>
+          <a:prstGeom prst="rect">
+            <a:avLst/>
+          </a:prstGeom>
+        </p:spPr>
+        <p:style>
+          <a:lnRef idx="2">
+            <a:schemeClr val="accent1">
+              <a:shade val="50000"/>
+            </a:schemeClr>
+          </a:lnRef>
+          <a:fillRef idx="1">
+            <a:schemeClr val="accent1"/>
+          </a:fillRef>
+          <a:effectRef idx="0">
+            <a:schemeClr val="accent1"/>
+          </a:effectRef>
+          <a:fontRef idx="minor">
+            <a:schemeClr val="lt1"/>
+          </a:fontRef>
+        </p:style>
+        <p:txBody>
+          <a:bodyPr rtlCol="0" anchor="ctr"/>
+          <a:lstStyle/>
+          <a:p>
+            <a:pPr algn="ctr"/>
+            <a:r>
+              <a:rPr lang="en-US" sz="1400" dirty="0">
+                <a:latin typeface="Arial" panose="020B0604020202020204" pitchFamily="34" charset="0"/>
+                <a:cs typeface="Arial" panose="020B0604020202020204" pitchFamily="34" charset="0"/>
+              </a:rPr>
+              <a:t>Generate New Random Placements</a:t>
+            </a:r>
+          </a:p>
+        </p:txBody>
+      </p:sp>
+      <p:cxnSp>
+        <p:nvCxnSpPr>
+          <p:cNvPr id="65" name="Connector: Elbow 64">
+            <a:extLst>
+              <a:ext uri="{FF2B5EF4-FFF2-40B4-BE49-F238E27FC236}">
+                <a16:creationId xmlns:a16="http://schemas.microsoft.com/office/drawing/2014/main" id="{BD6319B2-0B3F-BFD7-5682-A8FEAD266FC2}"/>
+              </a:ext>
+            </a:extLst>
+          </p:cNvPr>
+          <p:cNvCxnSpPr>
+            <a:stCxn id="40" idx="1"/>
+            <a:endCxn id="61" idx="3"/>
+          </p:cNvCxnSpPr>
+          <p:nvPr/>
+        </p:nvCxnSpPr>
+        <p:spPr>
+          <a:xfrm rot="10800000">
+            <a:off x="4938713" y="1965575"/>
+            <a:ext cx="1160462" cy="161673"/>
+          </a:xfrm>
+          <a:prstGeom prst="bentConnector3">
+            <a:avLst/>
+          </a:prstGeom>
           <a:ln>
-            <a:noFill/>
+            <a:tailEnd type="triangle"/>
           </a:ln>
         </p:spPr>
-        <p:txBody>
-          <a:bodyPr spcFirstLastPara="1" wrap="square" lIns="91425" tIns="91425" rIns="91425" bIns="91425" anchor="t" anchorCtr="0">
-            <a:spAutoFit/>
-          </a:bodyPr>
-          <a:lstStyle/>
-          <a:p>
-            <a:pPr algn="ctr"/>
-            <a:r>
-              <a:rPr lang="en-US" dirty="0">
+        <p:style>
+          <a:lnRef idx="1">
+            <a:schemeClr val="dk1"/>
+          </a:lnRef>
+          <a:fillRef idx="0">
+            <a:schemeClr val="dk1"/>
+          </a:fillRef>
+          <a:effectRef idx="0">
+            <a:schemeClr val="dk1"/>
+          </a:effectRef>
+          <a:fontRef idx="minor">
+            <a:schemeClr val="tx1"/>
+          </a:fontRef>
+        </p:style>
+      </p:cxnSp>
+      <p:cxnSp>
+        <p:nvCxnSpPr>
+          <p:cNvPr id="67" name="Connector: Elbow 66">
+            <a:extLst>
+              <a:ext uri="{FF2B5EF4-FFF2-40B4-BE49-F238E27FC236}">
+                <a16:creationId xmlns:a16="http://schemas.microsoft.com/office/drawing/2014/main" id="{2B029EA4-AD5F-05DD-822D-99934C688684}"/>
+              </a:ext>
+            </a:extLst>
+          </p:cNvPr>
+          <p:cNvCxnSpPr>
+            <a:stCxn id="40" idx="1"/>
+            <a:endCxn id="62" idx="3"/>
+          </p:cNvCxnSpPr>
+          <p:nvPr/>
+        </p:nvCxnSpPr>
+        <p:spPr>
+          <a:xfrm rot="10800000" flipV="1">
+            <a:off x="4938713" y="2127246"/>
+            <a:ext cx="1160462" cy="816533"/>
+          </a:xfrm>
+          <a:prstGeom prst="bentConnector3">
+            <a:avLst/>
+          </a:prstGeom>
+          <a:ln>
+            <a:tailEnd type="triangle"/>
+          </a:ln>
+        </p:spPr>
+        <p:style>
+          <a:lnRef idx="1">
+            <a:schemeClr val="dk1"/>
+          </a:lnRef>
+          <a:fillRef idx="0">
+            <a:schemeClr val="dk1"/>
+          </a:fillRef>
+          <a:effectRef idx="0">
+            <a:schemeClr val="dk1"/>
+          </a:effectRef>
+          <a:fontRef idx="minor">
+            <a:schemeClr val="tx1"/>
+          </a:fontRef>
+        </p:style>
+      </p:cxnSp>
+      <p:cxnSp>
+        <p:nvCxnSpPr>
+          <p:cNvPr id="69" name="Connector: Elbow 68">
+            <a:extLst>
+              <a:ext uri="{FF2B5EF4-FFF2-40B4-BE49-F238E27FC236}">
+                <a16:creationId xmlns:a16="http://schemas.microsoft.com/office/drawing/2014/main" id="{2AE174BD-CDD5-3971-66B5-14922650E9D6}"/>
+              </a:ext>
+            </a:extLst>
+          </p:cNvPr>
+          <p:cNvCxnSpPr>
+            <a:stCxn id="40" idx="1"/>
+            <a:endCxn id="63" idx="3"/>
+          </p:cNvCxnSpPr>
+          <p:nvPr/>
+        </p:nvCxnSpPr>
+        <p:spPr>
+          <a:xfrm rot="10800000" flipV="1">
+            <a:off x="4938713" y="2127246"/>
+            <a:ext cx="1160462" cy="1794739"/>
+          </a:xfrm>
+          <a:prstGeom prst="bentConnector3">
+            <a:avLst/>
+          </a:prstGeom>
+          <a:ln>
+            <a:tailEnd type="triangle"/>
+          </a:ln>
+        </p:spPr>
+        <p:style>
+          <a:lnRef idx="1">
+            <a:schemeClr val="dk1"/>
+          </a:lnRef>
+          <a:fillRef idx="0">
+            <a:schemeClr val="dk1"/>
+          </a:fillRef>
+          <a:effectRef idx="0">
+            <a:schemeClr val="dk1"/>
+          </a:effectRef>
+          <a:fontRef idx="minor">
+            <a:schemeClr val="tx1"/>
+          </a:fontRef>
+        </p:style>
+      </p:cxnSp>
+      <p:grpSp>
+        <p:nvGrpSpPr>
+          <p:cNvPr id="73" name="Group 72">
+            <a:extLst>
+              <a:ext uri="{FF2B5EF4-FFF2-40B4-BE49-F238E27FC236}">
+                <a16:creationId xmlns:a16="http://schemas.microsoft.com/office/drawing/2014/main" id="{F6562074-1461-D7A2-F2EB-1C6E6F87FA01}"/>
+              </a:ext>
+            </a:extLst>
+          </p:cNvPr>
+          <p:cNvGrpSpPr/>
+          <p:nvPr/>
+        </p:nvGrpSpPr>
+        <p:grpSpPr>
+          <a:xfrm>
+            <a:off x="1505194" y="2491881"/>
+            <a:ext cx="1066800" cy="988054"/>
+            <a:chOff x="1587500" y="2193291"/>
+            <a:chExt cx="1066800" cy="988054"/>
+          </a:xfrm>
+        </p:grpSpPr>
+        <p:sp>
+          <p:nvSpPr>
+            <p:cNvPr id="70" name="Oval 69">
+              <a:extLst>
+                <a:ext uri="{FF2B5EF4-FFF2-40B4-BE49-F238E27FC236}">
+                  <a16:creationId xmlns:a16="http://schemas.microsoft.com/office/drawing/2014/main" id="{3836836F-EDAA-E436-A154-B19B0C1B1516}"/>
+                </a:ext>
+              </a:extLst>
+            </p:cNvPr>
+            <p:cNvSpPr/>
+            <p:nvPr/>
+          </p:nvSpPr>
+          <p:spPr>
+            <a:xfrm>
+              <a:off x="1587500" y="2193291"/>
+              <a:ext cx="1066800" cy="988054"/>
+            </a:xfrm>
+            <a:prstGeom prst="ellipse">
+              <a:avLst/>
+            </a:prstGeom>
+          </p:spPr>
+          <p:style>
+            <a:lnRef idx="2">
+              <a:schemeClr val="accent2">
+                <a:shade val="50000"/>
+              </a:schemeClr>
+            </a:lnRef>
+            <a:fillRef idx="1">
+              <a:schemeClr val="accent2"/>
+            </a:fillRef>
+            <a:effectRef idx="0">
+              <a:schemeClr val="accent2"/>
+            </a:effectRef>
+            <a:fontRef idx="minor">
+              <a:schemeClr val="lt1"/>
+            </a:fontRef>
+          </p:style>
+          <p:txBody>
+            <a:bodyPr rtlCol="0" anchor="ctr"/>
+            <a:lstStyle/>
+            <a:p>
+              <a:pPr algn="ctr"/>
+              <a:endParaRPr lang="en-US" sz="1400" dirty="0">
                 <a:latin typeface="Arial" panose="020B0604020202020204" pitchFamily="34" charset="0"/>
-                <a:ea typeface="Calibri"/>
                 <a:cs typeface="Arial" panose="020B0604020202020204" pitchFamily="34" charset="0"/>
-                <a:sym typeface="Calibri"/>
-              </a:rPr>
-              <a:t>(B) Placement of Remaining Chunks</a:t>
-            </a:r>
-            <a:endParaRPr dirty="0">
-              <a:latin typeface="Arial" panose="020B0604020202020204" pitchFamily="34" charset="0"/>
-              <a:ea typeface="Calibri"/>
-              <a:cs typeface="Arial" panose="020B0604020202020204" pitchFamily="34" charset="0"/>
-              <a:sym typeface="Calibri"/>
-            </a:endParaRPr>
-          </a:p>
-        </p:txBody>
-      </p:sp>
+              </a:endParaRPr>
+            </a:p>
+          </p:txBody>
+        </p:sp>
+        <p:sp>
+          <p:nvSpPr>
+            <p:cNvPr id="71" name="TextBox 70">
+              <a:extLst>
+                <a:ext uri="{FF2B5EF4-FFF2-40B4-BE49-F238E27FC236}">
+                  <a16:creationId xmlns:a16="http://schemas.microsoft.com/office/drawing/2014/main" id="{9691A4CD-31E2-AC6C-7398-F12F4360B021}"/>
+                </a:ext>
+              </a:extLst>
+            </p:cNvPr>
+            <p:cNvSpPr txBox="1"/>
+            <p:nvPr/>
+          </p:nvSpPr>
+          <p:spPr>
+            <a:xfrm>
+              <a:off x="1587500" y="2379985"/>
+              <a:ext cx="1066800" cy="523220"/>
+            </a:xfrm>
+            <a:prstGeom prst="rect">
+              <a:avLst/>
+            </a:prstGeom>
+            <a:noFill/>
+          </p:spPr>
+          <p:txBody>
+            <a:bodyPr wrap="square" rtlCol="0" anchor="ctr">
+              <a:spAutoFit/>
+            </a:bodyPr>
+            <a:lstStyle/>
+            <a:p>
+              <a:pPr algn="ctr"/>
+              <a:r>
+                <a:rPr lang="en-US" sz="1400" dirty="0">
+                  <a:solidFill>
+                    <a:schemeClr val="bg1"/>
+                  </a:solidFill>
+                  <a:latin typeface="Arial" panose="020B0604020202020204" pitchFamily="34" charset="0"/>
+                  <a:cs typeface="Arial" panose="020B0604020202020204" pitchFamily="34" charset="0"/>
+                </a:rPr>
+                <a:t>New Population</a:t>
+              </a:r>
+            </a:p>
+          </p:txBody>
+        </p:sp>
+      </p:grpSp>
+      <p:cxnSp>
+        <p:nvCxnSpPr>
+          <p:cNvPr id="75" name="Connector: Elbow 74">
+            <a:extLst>
+              <a:ext uri="{FF2B5EF4-FFF2-40B4-BE49-F238E27FC236}">
+                <a16:creationId xmlns:a16="http://schemas.microsoft.com/office/drawing/2014/main" id="{63D681AA-B1CC-B12D-9C25-1939C2F558F3}"/>
+              </a:ext>
+            </a:extLst>
+          </p:cNvPr>
+          <p:cNvCxnSpPr>
+            <a:stCxn id="61" idx="1"/>
+            <a:endCxn id="71" idx="3"/>
+          </p:cNvCxnSpPr>
+          <p:nvPr/>
+        </p:nvCxnSpPr>
+        <p:spPr>
+          <a:xfrm rot="10800000" flipV="1">
+            <a:off x="2571995" y="1965573"/>
+            <a:ext cx="785569" cy="974611"/>
+          </a:xfrm>
+          <a:prstGeom prst="bentConnector3">
+            <a:avLst/>
+          </a:prstGeom>
+          <a:ln>
+            <a:tailEnd type="triangle"/>
+          </a:ln>
+        </p:spPr>
+        <p:style>
+          <a:lnRef idx="1">
+            <a:schemeClr val="dk1"/>
+          </a:lnRef>
+          <a:fillRef idx="0">
+            <a:schemeClr val="dk1"/>
+          </a:fillRef>
+          <a:effectRef idx="0">
+            <a:schemeClr val="dk1"/>
+          </a:effectRef>
+          <a:fontRef idx="minor">
+            <a:schemeClr val="tx1"/>
+          </a:fontRef>
+        </p:style>
+      </p:cxnSp>
+      <p:cxnSp>
+        <p:nvCxnSpPr>
+          <p:cNvPr id="79" name="Connector: Elbow 78">
+            <a:extLst>
+              <a:ext uri="{FF2B5EF4-FFF2-40B4-BE49-F238E27FC236}">
+                <a16:creationId xmlns:a16="http://schemas.microsoft.com/office/drawing/2014/main" id="{5EF02CFA-8EFD-D16E-AF4E-098CCBD41200}"/>
+              </a:ext>
+            </a:extLst>
+          </p:cNvPr>
+          <p:cNvCxnSpPr>
+            <a:stCxn id="62" idx="1"/>
+            <a:endCxn id="70" idx="6"/>
+          </p:cNvCxnSpPr>
+          <p:nvPr/>
+        </p:nvCxnSpPr>
+        <p:spPr>
+          <a:xfrm rot="10800000">
+            <a:off x="2571995" y="2940186"/>
+            <a:ext cx="785569" cy="3595"/>
+          </a:xfrm>
+          <a:prstGeom prst="bentConnector3">
+            <a:avLst/>
+          </a:prstGeom>
+          <a:ln>
+            <a:tailEnd type="triangle"/>
+          </a:ln>
+        </p:spPr>
+        <p:style>
+          <a:lnRef idx="1">
+            <a:schemeClr val="dk1"/>
+          </a:lnRef>
+          <a:fillRef idx="0">
+            <a:schemeClr val="dk1"/>
+          </a:fillRef>
+          <a:effectRef idx="0">
+            <a:schemeClr val="dk1"/>
+          </a:effectRef>
+          <a:fontRef idx="minor">
+            <a:schemeClr val="tx1"/>
+          </a:fontRef>
+        </p:style>
+      </p:cxnSp>
+      <p:cxnSp>
+        <p:nvCxnSpPr>
+          <p:cNvPr id="81" name="Connector: Elbow 80">
+            <a:extLst>
+              <a:ext uri="{FF2B5EF4-FFF2-40B4-BE49-F238E27FC236}">
+                <a16:creationId xmlns:a16="http://schemas.microsoft.com/office/drawing/2014/main" id="{77578A8E-6B69-37F7-E5B2-F039407B4A24}"/>
+              </a:ext>
+            </a:extLst>
+          </p:cNvPr>
+          <p:cNvCxnSpPr>
+            <a:stCxn id="63" idx="1"/>
+            <a:endCxn id="71" idx="3"/>
+          </p:cNvCxnSpPr>
+          <p:nvPr/>
+        </p:nvCxnSpPr>
+        <p:spPr>
+          <a:xfrm rot="10800000">
+            <a:off x="2571995" y="2940186"/>
+            <a:ext cx="785569" cy="981801"/>
+          </a:xfrm>
+          <a:prstGeom prst="bentConnector3">
+            <a:avLst/>
+          </a:prstGeom>
+          <a:ln>
+            <a:tailEnd type="triangle"/>
+          </a:ln>
+        </p:spPr>
+        <p:style>
+          <a:lnRef idx="1">
+            <a:schemeClr val="dk1"/>
+          </a:lnRef>
+          <a:fillRef idx="0">
+            <a:schemeClr val="dk1"/>
+          </a:fillRef>
+          <a:effectRef idx="0">
+            <a:schemeClr val="dk1"/>
+          </a:effectRef>
+          <a:fontRef idx="minor">
+            <a:schemeClr val="tx1"/>
+          </a:fontRef>
+        </p:style>
+      </p:cxnSp>
+      <p:cxnSp>
+        <p:nvCxnSpPr>
+          <p:cNvPr id="85" name="Connector: Elbow 84">
+            <a:extLst>
+              <a:ext uri="{FF2B5EF4-FFF2-40B4-BE49-F238E27FC236}">
+                <a16:creationId xmlns:a16="http://schemas.microsoft.com/office/drawing/2014/main" id="{64AE7851-AA7C-5A30-AA57-422989A5C776}"/>
+              </a:ext>
+            </a:extLst>
+          </p:cNvPr>
+          <p:cNvCxnSpPr>
+            <a:stCxn id="70" idx="0"/>
+          </p:cNvCxnSpPr>
+          <p:nvPr/>
+        </p:nvCxnSpPr>
+        <p:spPr>
+          <a:xfrm rot="5400000" flipH="1" flipV="1">
+            <a:off x="2538782" y="896813"/>
+            <a:ext cx="1094881" cy="2095256"/>
+          </a:xfrm>
+          <a:prstGeom prst="bentConnector2">
+            <a:avLst/>
+          </a:prstGeom>
+        </p:spPr>
+        <p:style>
+          <a:lnRef idx="1">
+            <a:schemeClr val="dk1"/>
+          </a:lnRef>
+          <a:fillRef idx="0">
+            <a:schemeClr val="dk1"/>
+          </a:fillRef>
+          <a:effectRef idx="0">
+            <a:schemeClr val="dk1"/>
+          </a:effectRef>
+          <a:fontRef idx="minor">
+            <a:schemeClr val="tx1"/>
+          </a:fontRef>
+        </p:style>
+      </p:cxnSp>
+      <p:cxnSp>
+        <p:nvCxnSpPr>
+          <p:cNvPr id="87" name="Connector: Elbow 86">
+            <a:extLst>
+              <a:ext uri="{FF2B5EF4-FFF2-40B4-BE49-F238E27FC236}">
+                <a16:creationId xmlns:a16="http://schemas.microsoft.com/office/drawing/2014/main" id="{914183E4-AF34-F200-860C-B729F61CA1F4}"/>
+              </a:ext>
+            </a:extLst>
+          </p:cNvPr>
+          <p:cNvCxnSpPr>
+            <a:endCxn id="31" idx="1"/>
+          </p:cNvCxnSpPr>
+          <p:nvPr/>
+        </p:nvCxnSpPr>
+        <p:spPr>
+          <a:xfrm rot="5400000" flipH="1" flipV="1">
+            <a:off x="3968472" y="1022072"/>
+            <a:ext cx="540306" cy="209550"/>
+          </a:xfrm>
+          <a:prstGeom prst="bentConnector2">
+            <a:avLst/>
+          </a:prstGeom>
+          <a:ln>
+            <a:tailEnd type="triangle"/>
+          </a:ln>
+        </p:spPr>
+        <p:style>
+          <a:lnRef idx="1">
+            <a:schemeClr val="dk1"/>
+          </a:lnRef>
+          <a:fillRef idx="0">
+            <a:schemeClr val="dk1"/>
+          </a:fillRef>
+          <a:effectRef idx="0">
+            <a:schemeClr val="dk1"/>
+          </a:effectRef>
+          <a:fontRef idx="minor">
+            <a:schemeClr val="tx1"/>
+          </a:fontRef>
+        </p:style>
+      </p:cxnSp>
+      <p:grpSp>
+        <p:nvGrpSpPr>
+          <p:cNvPr id="2" name="Group 1">
+            <a:extLst>
+              <a:ext uri="{FF2B5EF4-FFF2-40B4-BE49-F238E27FC236}">
+                <a16:creationId xmlns:a16="http://schemas.microsoft.com/office/drawing/2014/main" id="{6F100123-A172-D359-0A8E-4E4C4BA84C10}"/>
+              </a:ext>
+            </a:extLst>
+          </p:cNvPr>
+          <p:cNvGrpSpPr/>
+          <p:nvPr/>
+        </p:nvGrpSpPr>
+        <p:grpSpPr>
+          <a:xfrm>
+            <a:off x="129052" y="298238"/>
+            <a:ext cx="1739590" cy="993430"/>
+            <a:chOff x="263170" y="286294"/>
+            <a:chExt cx="1739590" cy="993430"/>
+          </a:xfrm>
+        </p:grpSpPr>
+        <p:sp>
+          <p:nvSpPr>
+            <p:cNvPr id="3" name="Parallelogram 2">
+              <a:extLst>
+                <a:ext uri="{FF2B5EF4-FFF2-40B4-BE49-F238E27FC236}">
+                  <a16:creationId xmlns:a16="http://schemas.microsoft.com/office/drawing/2014/main" id="{4F08C0D6-95C1-263E-BA41-A4F9A711DC07}"/>
+                </a:ext>
+              </a:extLst>
+            </p:cNvPr>
+            <p:cNvSpPr/>
+            <p:nvPr/>
+          </p:nvSpPr>
+          <p:spPr>
+            <a:xfrm>
+              <a:off x="263170" y="325617"/>
+              <a:ext cx="1739590" cy="954107"/>
+            </a:xfrm>
+            <a:prstGeom prst="parallelogram">
+              <a:avLst/>
+            </a:prstGeom>
+          </p:spPr>
+          <p:style>
+            <a:lnRef idx="2">
+              <a:schemeClr val="accent6">
+                <a:shade val="50000"/>
+              </a:schemeClr>
+            </a:lnRef>
+            <a:fillRef idx="1">
+              <a:schemeClr val="accent6"/>
+            </a:fillRef>
+            <a:effectRef idx="0">
+              <a:schemeClr val="accent6"/>
+            </a:effectRef>
+            <a:fontRef idx="minor">
+              <a:schemeClr val="lt1"/>
+            </a:fontRef>
+          </p:style>
+          <p:txBody>
+            <a:bodyPr rtlCol="0" anchor="ctr"/>
+            <a:lstStyle/>
+            <a:p>
+              <a:pPr algn="ctr"/>
+              <a:endParaRPr lang="en-US"/>
+            </a:p>
+          </p:txBody>
+        </p:sp>
+        <p:sp>
+          <p:nvSpPr>
+            <p:cNvPr id="4" name="TextBox 3">
+              <a:extLst>
+                <a:ext uri="{FF2B5EF4-FFF2-40B4-BE49-F238E27FC236}">
+                  <a16:creationId xmlns:a16="http://schemas.microsoft.com/office/drawing/2014/main" id="{554DF726-FB6F-6886-D664-A29F70E3DD85}"/>
+                </a:ext>
+              </a:extLst>
+            </p:cNvPr>
+            <p:cNvSpPr txBox="1"/>
+            <p:nvPr/>
+          </p:nvSpPr>
+          <p:spPr>
+            <a:xfrm>
+              <a:off x="428573" y="286294"/>
+              <a:ext cx="1416085" cy="954107"/>
+            </a:xfrm>
+            <a:prstGeom prst="rect">
+              <a:avLst/>
+            </a:prstGeom>
+            <a:noFill/>
+          </p:spPr>
+          <p:txBody>
+            <a:bodyPr wrap="square" rtlCol="0">
+              <a:spAutoFit/>
+            </a:bodyPr>
+            <a:lstStyle/>
+            <a:p>
+              <a:pPr algn="ctr"/>
+              <a:r>
+                <a:rPr lang="en-US" sz="1400" dirty="0">
+                  <a:solidFill>
+                    <a:schemeClr val="bg1"/>
+                  </a:solidFill>
+                  <a:latin typeface="Arial" panose="020B0604020202020204" pitchFamily="34" charset="0"/>
+                  <a:cs typeface="Arial" panose="020B0604020202020204" pitchFamily="34" charset="0"/>
+                </a:rPr>
+                <a:t>Import </a:t>
+              </a:r>
+              <a:r>
+                <a:rPr lang="en-US" sz="1400">
+                  <a:solidFill>
+                    <a:schemeClr val="bg1"/>
+                  </a:solidFill>
+                  <a:latin typeface="Arial" panose="020B0604020202020204" pitchFamily="34" charset="0"/>
+                  <a:cs typeface="Arial" panose="020B0604020202020204" pitchFamily="34" charset="0"/>
+                </a:rPr>
+                <a:t>Chunk Dependencies and </a:t>
+              </a:r>
+              <a:endParaRPr lang="en-US" sz="1400" dirty="0">
+                <a:solidFill>
+                  <a:schemeClr val="bg1"/>
+                </a:solidFill>
+                <a:latin typeface="Arial" panose="020B0604020202020204" pitchFamily="34" charset="0"/>
+                <a:cs typeface="Arial" panose="020B0604020202020204" pitchFamily="34" charset="0"/>
+              </a:endParaRPr>
+            </a:p>
+            <a:p>
+              <a:pPr algn="ctr"/>
+              <a:r>
+                <a:rPr lang="en-US" sz="1400" dirty="0">
+                  <a:solidFill>
+                    <a:schemeClr val="bg1"/>
+                  </a:solidFill>
+                  <a:latin typeface="Arial" panose="020B0604020202020204" pitchFamily="34" charset="0"/>
+                  <a:cs typeface="Arial" panose="020B0604020202020204" pitchFamily="34" charset="0"/>
+                </a:rPr>
+                <a:t>Print Times</a:t>
+              </a:r>
+            </a:p>
+          </p:txBody>
+        </p:sp>
+      </p:grpSp>
+      <p:grpSp>
+        <p:nvGrpSpPr>
+          <p:cNvPr id="5" name="Group 4">
+            <a:extLst>
+              <a:ext uri="{FF2B5EF4-FFF2-40B4-BE49-F238E27FC236}">
+                <a16:creationId xmlns:a16="http://schemas.microsoft.com/office/drawing/2014/main" id="{BD892893-6FEB-5BAA-805A-CFEC2E928B96}"/>
+              </a:ext>
+            </a:extLst>
+          </p:cNvPr>
+          <p:cNvGrpSpPr/>
+          <p:nvPr/>
+        </p:nvGrpSpPr>
+        <p:grpSpPr>
+          <a:xfrm>
+            <a:off x="6264429" y="3061454"/>
+            <a:ext cx="1739590" cy="954107"/>
+            <a:chOff x="263170" y="325617"/>
+            <a:chExt cx="1739590" cy="954107"/>
+          </a:xfrm>
+        </p:grpSpPr>
+        <p:sp>
+          <p:nvSpPr>
+            <p:cNvPr id="6" name="Parallelogram 5">
+              <a:extLst>
+                <a:ext uri="{FF2B5EF4-FFF2-40B4-BE49-F238E27FC236}">
+                  <a16:creationId xmlns:a16="http://schemas.microsoft.com/office/drawing/2014/main" id="{6057FBB4-F501-00CF-1FCF-04ABFAAB1EEE}"/>
+                </a:ext>
+              </a:extLst>
+            </p:cNvPr>
+            <p:cNvSpPr/>
+            <p:nvPr/>
+          </p:nvSpPr>
+          <p:spPr>
+            <a:xfrm>
+              <a:off x="263170" y="325617"/>
+              <a:ext cx="1739590" cy="954107"/>
+            </a:xfrm>
+            <a:prstGeom prst="parallelogram">
+              <a:avLst/>
+            </a:prstGeom>
+          </p:spPr>
+          <p:style>
+            <a:lnRef idx="2">
+              <a:schemeClr val="accent6">
+                <a:shade val="50000"/>
+              </a:schemeClr>
+            </a:lnRef>
+            <a:fillRef idx="1">
+              <a:schemeClr val="accent6"/>
+            </a:fillRef>
+            <a:effectRef idx="0">
+              <a:schemeClr val="accent6"/>
+            </a:effectRef>
+            <a:fontRef idx="minor">
+              <a:schemeClr val="lt1"/>
+            </a:fontRef>
+          </p:style>
+          <p:txBody>
+            <a:bodyPr rtlCol="0" anchor="ctr"/>
+            <a:lstStyle/>
+            <a:p>
+              <a:pPr algn="ctr"/>
+              <a:endParaRPr lang="en-US"/>
+            </a:p>
+          </p:txBody>
+        </p:sp>
+        <p:sp>
+          <p:nvSpPr>
+            <p:cNvPr id="7" name="TextBox 6">
+              <a:extLst>
+                <a:ext uri="{FF2B5EF4-FFF2-40B4-BE49-F238E27FC236}">
+                  <a16:creationId xmlns:a16="http://schemas.microsoft.com/office/drawing/2014/main" id="{045EA0B7-4769-5D61-0B3F-9266768ED58E}"/>
+                </a:ext>
+              </a:extLst>
+            </p:cNvPr>
+            <p:cNvSpPr txBox="1"/>
+            <p:nvPr/>
+          </p:nvSpPr>
+          <p:spPr>
+            <a:xfrm>
+              <a:off x="369702" y="466769"/>
+              <a:ext cx="1633058" cy="738664"/>
+            </a:xfrm>
+            <a:prstGeom prst="rect">
+              <a:avLst/>
+            </a:prstGeom>
+            <a:noFill/>
+          </p:spPr>
+          <p:txBody>
+            <a:bodyPr wrap="square" rtlCol="0">
+              <a:spAutoFit/>
+            </a:bodyPr>
+            <a:lstStyle/>
+            <a:p>
+              <a:pPr algn="ctr"/>
+              <a:r>
+                <a:rPr lang="en-US" sz="1400" dirty="0">
+                  <a:solidFill>
+                    <a:schemeClr val="bg1"/>
+                  </a:solidFill>
+                  <a:latin typeface="Arial" panose="020B0604020202020204" pitchFamily="34" charset="0"/>
+                  <a:cs typeface="Arial" panose="020B0604020202020204" pitchFamily="34" charset="0"/>
+                </a:rPr>
+                <a:t>Export Placement Configuration for</a:t>
+              </a:r>
+            </a:p>
+            <a:p>
+              <a:pPr algn="ctr"/>
+              <a:r>
+                <a:rPr lang="en-US" sz="1400" dirty="0">
+                  <a:solidFill>
+                    <a:schemeClr val="bg1"/>
+                  </a:solidFill>
+                  <a:latin typeface="Arial" panose="020B0604020202020204" pitchFamily="34" charset="0"/>
+                  <a:cs typeface="Arial" panose="020B0604020202020204" pitchFamily="34" charset="0"/>
+                </a:rPr>
+                <a:t>All Jobs</a:t>
+              </a:r>
+            </a:p>
+          </p:txBody>
+        </p:sp>
+      </p:grpSp>
     </p:spTree>
     <p:extLst>
       <p:ext uri="{BB962C8B-B14F-4D97-AF65-F5344CB8AC3E}">
-        <p14:creationId xmlns:p14="http://schemas.microsoft.com/office/powerpoint/2010/main" val="4174988007"/>
+        <p14:creationId xmlns:p14="http://schemas.microsoft.com/office/powerpoint/2010/main" val="654166409"/>
       </p:ext>
     </p:extLst>
   </p:cSld>
@@ -5301,4 +5117,299 @@
     </a:ext>
   </a:extLst>
 </a:theme>
+</file>
+
+<file path=ppt/theme/theme2.xml><?xml version="1.0" encoding="utf-8"?>
+<a:theme xmlns:a="http://schemas.openxmlformats.org/drawingml/2006/main" name="Office Theme">
+  <a:themeElements>
+    <a:clrScheme name="Office">
+      <a:dk1>
+        <a:sysClr val="windowText" lastClr="000000"/>
+      </a:dk1>
+      <a:lt1>
+        <a:sysClr val="window" lastClr="FFFFFF"/>
+      </a:lt1>
+      <a:dk2>
+        <a:srgbClr val="44546A"/>
+      </a:dk2>
+      <a:lt2>
+        <a:srgbClr val="E7E6E6"/>
+      </a:lt2>
+      <a:accent1>
+        <a:srgbClr val="4472C4"/>
+      </a:accent1>
+      <a:accent2>
+        <a:srgbClr val="ED7D31"/>
+      </a:accent2>
+      <a:accent3>
+        <a:srgbClr val="A5A5A5"/>
+      </a:accent3>
+      <a:accent4>
+        <a:srgbClr val="FFC000"/>
+      </a:accent4>
+      <a:accent5>
+        <a:srgbClr val="5B9BD5"/>
+      </a:accent5>
+      <a:accent6>
+        <a:srgbClr val="70AD47"/>
+      </a:accent6>
+      <a:hlink>
+        <a:srgbClr val="0563C1"/>
+      </a:hlink>
+      <a:folHlink>
+        <a:srgbClr val="954F72"/>
+      </a:folHlink>
+    </a:clrScheme>
+    <a:fontScheme name="Office">
+      <a:majorFont>
+        <a:latin typeface="Calibri Light" panose="020F0302020204030204"/>
+        <a:ea typeface=""/>
+        <a:cs typeface=""/>
+        <a:font script="Jpan" typeface="游ゴシック Light"/>
+        <a:font script="Hang" typeface="맑은 고딕"/>
+        <a:font script="Hans" typeface="等线 Light"/>
+        <a:font script="Hant" typeface="新細明體"/>
+        <a:font script="Arab" typeface="Times New Roman"/>
+        <a:font script="Hebr" typeface="Times New Roman"/>
+        <a:font script="Thai" typeface="Angsana New"/>
+        <a:font script="Ethi" typeface="Nyala"/>
+        <a:font script="Beng" typeface="Vrinda"/>
+        <a:font script="Gujr" typeface="Shruti"/>
+        <a:font script="Khmr" typeface="MoolBoran"/>
+        <a:font script="Knda" typeface="Tunga"/>
+        <a:font script="Guru" typeface="Raavi"/>
+        <a:font script="Cans" typeface="Euphemia"/>
+        <a:font script="Cher" typeface="Plantagenet Cherokee"/>
+        <a:font script="Yiii" typeface="Microsoft Yi Baiti"/>
+        <a:font script="Tibt" typeface="Microsoft Himalaya"/>
+        <a:font script="Thaa" typeface="MV Boli"/>
+        <a:font script="Deva" typeface="Mangal"/>
+        <a:font script="Telu" typeface="Gautami"/>
+        <a:font script="Taml" typeface="Latha"/>
+        <a:font script="Syrc" typeface="Estrangelo Edessa"/>
+        <a:font script="Orya" typeface="Kalinga"/>
+        <a:font script="Mlym" typeface="Kartika"/>
+        <a:font script="Laoo" typeface="DokChampa"/>
+        <a:font script="Sinh" typeface="Iskoola Pota"/>
+        <a:font script="Mong" typeface="Mongolian Baiti"/>
+        <a:font script="Viet" typeface="Times New Roman"/>
+        <a:font script="Uigh" typeface="Microsoft Uighur"/>
+        <a:font script="Geor" typeface="Sylfaen"/>
+        <a:font script="Armn" typeface="Arial"/>
+        <a:font script="Bugi" typeface="Leelawadee UI"/>
+        <a:font script="Bopo" typeface="Microsoft JhengHei"/>
+        <a:font script="Java" typeface="Javanese Text"/>
+        <a:font script="Lisu" typeface="Segoe UI"/>
+        <a:font script="Mymr" typeface="Myanmar Text"/>
+        <a:font script="Nkoo" typeface="Ebrima"/>
+        <a:font script="Olck" typeface="Nirmala UI"/>
+        <a:font script="Osma" typeface="Ebrima"/>
+        <a:font script="Phag" typeface="Phagspa"/>
+        <a:font script="Syrn" typeface="Estrangelo Edessa"/>
+        <a:font script="Syrj" typeface="Estrangelo Edessa"/>
+        <a:font script="Syre" typeface="Estrangelo Edessa"/>
+        <a:font script="Sora" typeface="Nirmala UI"/>
+        <a:font script="Tale" typeface="Microsoft Tai Le"/>
+        <a:font script="Talu" typeface="Microsoft New Tai Lue"/>
+        <a:font script="Tfng" typeface="Ebrima"/>
+      </a:majorFont>
+      <a:minorFont>
+        <a:latin typeface="Calibri" panose="020F0502020204030204"/>
+        <a:ea typeface=""/>
+        <a:cs typeface=""/>
+        <a:font script="Jpan" typeface="游ゴシック"/>
+        <a:font script="Hang" typeface="맑은 고딕"/>
+        <a:font script="Hans" typeface="等线"/>
+        <a:font script="Hant" typeface="新細明體"/>
+        <a:font script="Arab" typeface="Arial"/>
+        <a:font script="Hebr" typeface="Arial"/>
+        <a:font script="Thai" typeface="Cordia New"/>
+        <a:font script="Ethi" typeface="Nyala"/>
+        <a:font script="Beng" typeface="Vrinda"/>
+        <a:font script="Gujr" typeface="Shruti"/>
+        <a:font script="Khmr" typeface="DaunPenh"/>
+        <a:font script="Knda" typeface="Tunga"/>
+        <a:font script="Guru" typeface="Raavi"/>
+        <a:font script="Cans" typeface="Euphemia"/>
+        <a:font script="Cher" typeface="Plantagenet Cherokee"/>
+        <a:font script="Yiii" typeface="Microsoft Yi Baiti"/>
+        <a:font script="Tibt" typeface="Microsoft Himalaya"/>
+        <a:font script="Thaa" typeface="MV Boli"/>
+        <a:font script="Deva" typeface="Mangal"/>
+        <a:font script="Telu" typeface="Gautami"/>
+        <a:font script="Taml" typeface="Latha"/>
+        <a:font script="Syrc" typeface="Estrangelo Edessa"/>
+        <a:font script="Orya" typeface="Kalinga"/>
+        <a:font script="Mlym" typeface="Kartika"/>
+        <a:font script="Laoo" typeface="DokChampa"/>
+        <a:font script="Sinh" typeface="Iskoola Pota"/>
+        <a:font script="Mong" typeface="Mongolian Baiti"/>
+        <a:font script="Viet" typeface="Arial"/>
+        <a:font script="Uigh" typeface="Microsoft Uighur"/>
+        <a:font script="Geor" typeface="Sylfaen"/>
+        <a:font script="Armn" typeface="Arial"/>
+        <a:font script="Bugi" typeface="Leelawadee UI"/>
+        <a:font script="Bopo" typeface="Microsoft JhengHei"/>
+        <a:font script="Java" typeface="Javanese Text"/>
+        <a:font script="Lisu" typeface="Segoe UI"/>
+        <a:font script="Mymr" typeface="Myanmar Text"/>
+        <a:font script="Nkoo" typeface="Ebrima"/>
+        <a:font script="Olck" typeface="Nirmala UI"/>
+        <a:font script="Osma" typeface="Ebrima"/>
+        <a:font script="Phag" typeface="Phagspa"/>
+        <a:font script="Syrn" typeface="Estrangelo Edessa"/>
+        <a:font script="Syrj" typeface="Estrangelo Edessa"/>
+        <a:font script="Syre" typeface="Estrangelo Edessa"/>
+        <a:font script="Sora" typeface="Nirmala UI"/>
+        <a:font script="Tale" typeface="Microsoft Tai Le"/>
+        <a:font script="Talu" typeface="Microsoft New Tai Lue"/>
+        <a:font script="Tfng" typeface="Ebrima"/>
+      </a:minorFont>
+    </a:fontScheme>
+    <a:fmtScheme name="Office">
+      <a:fillStyleLst>
+        <a:solidFill>
+          <a:schemeClr val="phClr"/>
+        </a:solidFill>
+        <a:gradFill rotWithShape="1">
+          <a:gsLst>
+            <a:gs pos="0">
+              <a:schemeClr val="phClr">
+                <a:lumMod val="110000"/>
+                <a:satMod val="105000"/>
+                <a:tint val="67000"/>
+              </a:schemeClr>
+            </a:gs>
+            <a:gs pos="50000">
+              <a:schemeClr val="phClr">
+                <a:lumMod val="105000"/>
+                <a:satMod val="103000"/>
+                <a:tint val="73000"/>
+              </a:schemeClr>
+            </a:gs>
+            <a:gs pos="100000">
+              <a:schemeClr val="phClr">
+                <a:lumMod val="105000"/>
+                <a:satMod val="109000"/>
+                <a:tint val="81000"/>
+              </a:schemeClr>
+            </a:gs>
+          </a:gsLst>
+          <a:lin ang="5400000" scaled="0"/>
+        </a:gradFill>
+        <a:gradFill rotWithShape="1">
+          <a:gsLst>
+            <a:gs pos="0">
+              <a:schemeClr val="phClr">
+                <a:satMod val="103000"/>
+                <a:lumMod val="102000"/>
+                <a:tint val="94000"/>
+              </a:schemeClr>
+            </a:gs>
+            <a:gs pos="50000">
+              <a:schemeClr val="phClr">
+                <a:satMod val="110000"/>
+                <a:lumMod val="100000"/>
+                <a:shade val="100000"/>
+              </a:schemeClr>
+            </a:gs>
+            <a:gs pos="100000">
+              <a:schemeClr val="phClr">
+                <a:lumMod val="99000"/>
+                <a:satMod val="120000"/>
+                <a:shade val="78000"/>
+              </a:schemeClr>
+            </a:gs>
+          </a:gsLst>
+          <a:lin ang="5400000" scaled="0"/>
+        </a:gradFill>
+      </a:fillStyleLst>
+      <a:lnStyleLst>
+        <a:ln w="6350" cap="flat" cmpd="sng" algn="ctr">
+          <a:solidFill>
+            <a:schemeClr val="phClr"/>
+          </a:solidFill>
+          <a:prstDash val="solid"/>
+          <a:miter lim="800000"/>
+        </a:ln>
+        <a:ln w="12700" cap="flat" cmpd="sng" algn="ctr">
+          <a:solidFill>
+            <a:schemeClr val="phClr"/>
+          </a:solidFill>
+          <a:prstDash val="solid"/>
+          <a:miter lim="800000"/>
+        </a:ln>
+        <a:ln w="19050" cap="flat" cmpd="sng" algn="ctr">
+          <a:solidFill>
+            <a:schemeClr val="phClr"/>
+          </a:solidFill>
+          <a:prstDash val="solid"/>
+          <a:miter lim="800000"/>
+        </a:ln>
+      </a:lnStyleLst>
+      <a:effectStyleLst>
+        <a:effectStyle>
+          <a:effectLst/>
+        </a:effectStyle>
+        <a:effectStyle>
+          <a:effectLst/>
+        </a:effectStyle>
+        <a:effectStyle>
+          <a:effectLst>
+            <a:outerShdw blurRad="57150" dist="19050" dir="5400000" algn="ctr" rotWithShape="0">
+              <a:srgbClr val="000000">
+                <a:alpha val="63000"/>
+              </a:srgbClr>
+            </a:outerShdw>
+          </a:effectLst>
+        </a:effectStyle>
+      </a:effectStyleLst>
+      <a:bgFillStyleLst>
+        <a:solidFill>
+          <a:schemeClr val="phClr"/>
+        </a:solidFill>
+        <a:solidFill>
+          <a:schemeClr val="phClr">
+            <a:tint val="95000"/>
+            <a:satMod val="170000"/>
+          </a:schemeClr>
+        </a:solidFill>
+        <a:gradFill rotWithShape="1">
+          <a:gsLst>
+            <a:gs pos="0">
+              <a:schemeClr val="phClr">
+                <a:tint val="93000"/>
+                <a:satMod val="150000"/>
+                <a:shade val="98000"/>
+                <a:lumMod val="102000"/>
+              </a:schemeClr>
+            </a:gs>
+            <a:gs pos="50000">
+              <a:schemeClr val="phClr">
+                <a:tint val="98000"/>
+                <a:satMod val="130000"/>
+                <a:shade val="90000"/>
+                <a:lumMod val="103000"/>
+              </a:schemeClr>
+            </a:gs>
+            <a:gs pos="100000">
+              <a:schemeClr val="phClr">
+                <a:shade val="63000"/>
+                <a:satMod val="120000"/>
+              </a:schemeClr>
+            </a:gs>
+          </a:gsLst>
+          <a:lin ang="5400000" scaled="0"/>
+        </a:gradFill>
+      </a:bgFillStyleLst>
+    </a:fmtScheme>
+  </a:themeElements>
+  <a:objectDefaults/>
+  <a:extraClrSchemeLst/>
+  <a:extLst>
+    <a:ext uri="{05A4C25C-085E-4340-85A3-A5531E510DB2}">
+      <thm15:themeFamily xmlns:thm15="http://schemas.microsoft.com/office/thememl/2012/main" name="Office Theme" id="{62F939B6-93AF-4DB8-9C6B-D6C7DFDC589F}" vid="{4A3C46E8-61CC-4603-A589-7422A47A8E4A}"/>
+    </a:ext>
+  </a:extLst>
+</a:theme>
 </file>